--- a/images/moon22neurips.pptx
+++ b/images/moon22neurips.pptx
@@ -5,29 +5,32 @@
     <p:sldMasterId id="2147483659" r:id="rId1"/>
   </p:sldMasterIdLst>
   <p:notesMasterIdLst>
-    <p:notesMasterId r:id="rId12"/>
+    <p:notesMasterId r:id="rId15"/>
   </p:notesMasterIdLst>
   <p:sldIdLst>
     <p:sldId id="297" r:id="rId2"/>
-    <p:sldId id="324" r:id="rId3"/>
-    <p:sldId id="325" r:id="rId4"/>
-    <p:sldId id="326" r:id="rId5"/>
-    <p:sldId id="327" r:id="rId6"/>
-    <p:sldId id="328" r:id="rId7"/>
-    <p:sldId id="329" r:id="rId8"/>
-    <p:sldId id="330" r:id="rId9"/>
-    <p:sldId id="331" r:id="rId10"/>
-    <p:sldId id="332" r:id="rId11"/>
+    <p:sldId id="333" r:id="rId3"/>
+    <p:sldId id="324" r:id="rId4"/>
+    <p:sldId id="325" r:id="rId5"/>
+    <p:sldId id="334" r:id="rId6"/>
+    <p:sldId id="326" r:id="rId7"/>
+    <p:sldId id="335" r:id="rId8"/>
+    <p:sldId id="327" r:id="rId9"/>
+    <p:sldId id="328" r:id="rId10"/>
+    <p:sldId id="329" r:id="rId11"/>
+    <p:sldId id="330" r:id="rId12"/>
+    <p:sldId id="331" r:id="rId13"/>
+    <p:sldId id="332" r:id="rId14"/>
   </p:sldIdLst>
   <p:sldSz cx="6480175" cy="4319588"/>
   <p:notesSz cx="6858000" cy="9144000"/>
   <p:embeddedFontLst>
     <p:embeddedFont>
       <p:font typeface="Source Sans Pro" panose="020B0503030403020204" pitchFamily="34" charset="0"/>
-      <p:regular r:id="rId13"/>
-      <p:bold r:id="rId14"/>
-      <p:italic r:id="rId15"/>
-      <p:boldItalic r:id="rId16"/>
+      <p:regular r:id="rId16"/>
+      <p:bold r:id="rId17"/>
+      <p:italic r:id="rId18"/>
+      <p:boldItalic r:id="rId19"/>
     </p:embeddedFont>
   </p:embeddedFontLst>
   <p:defaultTextStyle>
@@ -930,6 +933,333 @@
     </p:spTree>
     <p:extLst>
       <p:ext uri="{BB962C8B-B14F-4D97-AF65-F5344CB8AC3E}">
+        <p14:creationId xmlns:p14="http://schemas.microsoft.com/office/powerpoint/2010/main" val="1951081508"/>
+      </p:ext>
+    </p:extLst>
+  </p:cSld>
+  <p:clrMapOvr>
+    <a:masterClrMapping/>
+  </p:clrMapOvr>
+</p:notes>
+</file>
+
+<file path=ppt/notesSlides/notesSlide11.xml><?xml version="1.0" encoding="utf-8"?>
+<p:notes xmlns:a="http://schemas.openxmlformats.org/drawingml/2006/main" xmlns:r="http://schemas.openxmlformats.org/officeDocument/2006/relationships" xmlns:p="http://schemas.openxmlformats.org/presentationml/2006/main" showMasterSp="0" showMasterPhAnim="0">
+  <p:cSld>
+    <p:spTree>
+      <p:nvGrpSpPr>
+        <p:cNvPr id="1" name="Shape 78"/>
+        <p:cNvGrpSpPr/>
+        <p:nvPr/>
+      </p:nvGrpSpPr>
+      <p:grpSpPr>
+        <a:xfrm>
+          <a:off x="0" y="0"/>
+          <a:ext cx="0" cy="0"/>
+          <a:chOff x="0" y="0"/>
+          <a:chExt cx="0" cy="0"/>
+        </a:xfrm>
+      </p:grpSpPr>
+      <p:sp>
+        <p:nvSpPr>
+          <p:cNvPr id="79" name="Google Shape;79;g24d42045cc7_0_23:notes"/>
+          <p:cNvSpPr>
+            <a:spLocks noGrp="1" noRot="1" noChangeAspect="1"/>
+          </p:cNvSpPr>
+          <p:nvPr>
+            <p:ph type="sldImg" idx="2"/>
+          </p:nvPr>
+        </p:nvSpPr>
+        <p:spPr>
+          <a:xfrm>
+            <a:off x="857250" y="685800"/>
+            <a:ext cx="5143500" cy="3429000"/>
+          </a:xfrm>
+          <a:custGeom>
+            <a:avLst/>
+            <a:gdLst/>
+            <a:ahLst/>
+            <a:cxnLst/>
+            <a:rect l="l" t="t" r="r" b="b"/>
+            <a:pathLst>
+              <a:path w="120000" h="120000" extrusionOk="0">
+                <a:moveTo>
+                  <a:pt x="0" y="0"/>
+                </a:moveTo>
+                <a:lnTo>
+                  <a:pt x="120000" y="0"/>
+                </a:lnTo>
+                <a:lnTo>
+                  <a:pt x="120000" y="120000"/>
+                </a:lnTo>
+                <a:lnTo>
+                  <a:pt x="0" y="120000"/>
+                </a:lnTo>
+                <a:close/>
+              </a:path>
+            </a:pathLst>
+          </a:custGeom>
+        </p:spPr>
+      </p:sp>
+      <p:sp>
+        <p:nvSpPr>
+          <p:cNvPr id="80" name="Google Shape;80;g24d42045cc7_0_23:notes"/>
+          <p:cNvSpPr txBox="1">
+            <a:spLocks noGrp="1"/>
+          </p:cNvSpPr>
+          <p:nvPr>
+            <p:ph type="body" idx="1"/>
+          </p:nvPr>
+        </p:nvSpPr>
+        <p:spPr>
+          <a:xfrm>
+            <a:off x="685800" y="4343400"/>
+            <a:ext cx="5486400" cy="4114800"/>
+          </a:xfrm>
+          <a:prstGeom prst="rect">
+            <a:avLst/>
+          </a:prstGeom>
+        </p:spPr>
+        <p:txBody>
+          <a:bodyPr spcFirstLastPara="1" wrap="square" lIns="91425" tIns="91425" rIns="91425" bIns="91425" anchor="t" anchorCtr="0">
+            <a:noAutofit/>
+          </a:bodyPr>
+          <a:lstStyle/>
+          <a:p>
+            <a:pPr marL="0" lvl="0" indent="0" algn="l" rtl="0">
+              <a:spcBef>
+                <a:spcPts val="0"/>
+              </a:spcBef>
+              <a:spcAft>
+                <a:spcPts val="0"/>
+              </a:spcAft>
+              <a:buNone/>
+            </a:pPr>
+            <a:endParaRPr dirty="0"/>
+          </a:p>
+        </p:txBody>
+      </p:sp>
+    </p:spTree>
+    <p:extLst>
+      <p:ext uri="{BB962C8B-B14F-4D97-AF65-F5344CB8AC3E}">
+        <p14:creationId xmlns:p14="http://schemas.microsoft.com/office/powerpoint/2010/main" val="2388350948"/>
+      </p:ext>
+    </p:extLst>
+  </p:cSld>
+  <p:clrMapOvr>
+    <a:masterClrMapping/>
+  </p:clrMapOvr>
+</p:notes>
+</file>
+
+<file path=ppt/notesSlides/notesSlide12.xml><?xml version="1.0" encoding="utf-8"?>
+<p:notes xmlns:a="http://schemas.openxmlformats.org/drawingml/2006/main" xmlns:r="http://schemas.openxmlformats.org/officeDocument/2006/relationships" xmlns:p="http://schemas.openxmlformats.org/presentationml/2006/main" showMasterSp="0" showMasterPhAnim="0">
+  <p:cSld>
+    <p:spTree>
+      <p:nvGrpSpPr>
+        <p:cNvPr id="1" name="Shape 78"/>
+        <p:cNvGrpSpPr/>
+        <p:nvPr/>
+      </p:nvGrpSpPr>
+      <p:grpSpPr>
+        <a:xfrm>
+          <a:off x="0" y="0"/>
+          <a:ext cx="0" cy="0"/>
+          <a:chOff x="0" y="0"/>
+          <a:chExt cx="0" cy="0"/>
+        </a:xfrm>
+      </p:grpSpPr>
+      <p:sp>
+        <p:nvSpPr>
+          <p:cNvPr id="79" name="Google Shape;79;g24d42045cc7_0_23:notes"/>
+          <p:cNvSpPr>
+            <a:spLocks noGrp="1" noRot="1" noChangeAspect="1"/>
+          </p:cNvSpPr>
+          <p:nvPr>
+            <p:ph type="sldImg" idx="2"/>
+          </p:nvPr>
+        </p:nvSpPr>
+        <p:spPr>
+          <a:xfrm>
+            <a:off x="857250" y="685800"/>
+            <a:ext cx="5143500" cy="3429000"/>
+          </a:xfrm>
+          <a:custGeom>
+            <a:avLst/>
+            <a:gdLst/>
+            <a:ahLst/>
+            <a:cxnLst/>
+            <a:rect l="l" t="t" r="r" b="b"/>
+            <a:pathLst>
+              <a:path w="120000" h="120000" extrusionOk="0">
+                <a:moveTo>
+                  <a:pt x="0" y="0"/>
+                </a:moveTo>
+                <a:lnTo>
+                  <a:pt x="120000" y="0"/>
+                </a:lnTo>
+                <a:lnTo>
+                  <a:pt x="120000" y="120000"/>
+                </a:lnTo>
+                <a:lnTo>
+                  <a:pt x="0" y="120000"/>
+                </a:lnTo>
+                <a:close/>
+              </a:path>
+            </a:pathLst>
+          </a:custGeom>
+        </p:spPr>
+      </p:sp>
+      <p:sp>
+        <p:nvSpPr>
+          <p:cNvPr id="80" name="Google Shape;80;g24d42045cc7_0_23:notes"/>
+          <p:cNvSpPr txBox="1">
+            <a:spLocks noGrp="1"/>
+          </p:cNvSpPr>
+          <p:nvPr>
+            <p:ph type="body" idx="1"/>
+          </p:nvPr>
+        </p:nvSpPr>
+        <p:spPr>
+          <a:xfrm>
+            <a:off x="685800" y="4343400"/>
+            <a:ext cx="5486400" cy="4114800"/>
+          </a:xfrm>
+          <a:prstGeom prst="rect">
+            <a:avLst/>
+          </a:prstGeom>
+        </p:spPr>
+        <p:txBody>
+          <a:bodyPr spcFirstLastPara="1" wrap="square" lIns="91425" tIns="91425" rIns="91425" bIns="91425" anchor="t" anchorCtr="0">
+            <a:noAutofit/>
+          </a:bodyPr>
+          <a:lstStyle/>
+          <a:p>
+            <a:pPr marL="0" lvl="0" indent="0" algn="l" rtl="0">
+              <a:spcBef>
+                <a:spcPts val="0"/>
+              </a:spcBef>
+              <a:spcAft>
+                <a:spcPts val="0"/>
+              </a:spcAft>
+              <a:buNone/>
+            </a:pPr>
+            <a:endParaRPr dirty="0"/>
+          </a:p>
+        </p:txBody>
+      </p:sp>
+    </p:spTree>
+    <p:extLst>
+      <p:ext uri="{BB962C8B-B14F-4D97-AF65-F5344CB8AC3E}">
+        <p14:creationId xmlns:p14="http://schemas.microsoft.com/office/powerpoint/2010/main" val="2189495711"/>
+      </p:ext>
+    </p:extLst>
+  </p:cSld>
+  <p:clrMapOvr>
+    <a:masterClrMapping/>
+  </p:clrMapOvr>
+</p:notes>
+</file>
+
+<file path=ppt/notesSlides/notesSlide13.xml><?xml version="1.0" encoding="utf-8"?>
+<p:notes xmlns:a="http://schemas.openxmlformats.org/drawingml/2006/main" xmlns:r="http://schemas.openxmlformats.org/officeDocument/2006/relationships" xmlns:p="http://schemas.openxmlformats.org/presentationml/2006/main" showMasterSp="0" showMasterPhAnim="0">
+  <p:cSld>
+    <p:spTree>
+      <p:nvGrpSpPr>
+        <p:cNvPr id="1" name="Shape 78"/>
+        <p:cNvGrpSpPr/>
+        <p:nvPr/>
+      </p:nvGrpSpPr>
+      <p:grpSpPr>
+        <a:xfrm>
+          <a:off x="0" y="0"/>
+          <a:ext cx="0" cy="0"/>
+          <a:chOff x="0" y="0"/>
+          <a:chExt cx="0" cy="0"/>
+        </a:xfrm>
+      </p:grpSpPr>
+      <p:sp>
+        <p:nvSpPr>
+          <p:cNvPr id="79" name="Google Shape;79;g24d42045cc7_0_23:notes"/>
+          <p:cNvSpPr>
+            <a:spLocks noGrp="1" noRot="1" noChangeAspect="1"/>
+          </p:cNvSpPr>
+          <p:nvPr>
+            <p:ph type="sldImg" idx="2"/>
+          </p:nvPr>
+        </p:nvSpPr>
+        <p:spPr>
+          <a:xfrm>
+            <a:off x="857250" y="685800"/>
+            <a:ext cx="5143500" cy="3429000"/>
+          </a:xfrm>
+          <a:custGeom>
+            <a:avLst/>
+            <a:gdLst/>
+            <a:ahLst/>
+            <a:cxnLst/>
+            <a:rect l="l" t="t" r="r" b="b"/>
+            <a:pathLst>
+              <a:path w="120000" h="120000" extrusionOk="0">
+                <a:moveTo>
+                  <a:pt x="0" y="0"/>
+                </a:moveTo>
+                <a:lnTo>
+                  <a:pt x="120000" y="0"/>
+                </a:lnTo>
+                <a:lnTo>
+                  <a:pt x="120000" y="120000"/>
+                </a:lnTo>
+                <a:lnTo>
+                  <a:pt x="0" y="120000"/>
+                </a:lnTo>
+                <a:close/>
+              </a:path>
+            </a:pathLst>
+          </a:custGeom>
+        </p:spPr>
+      </p:sp>
+      <p:sp>
+        <p:nvSpPr>
+          <p:cNvPr id="80" name="Google Shape;80;g24d42045cc7_0_23:notes"/>
+          <p:cNvSpPr txBox="1">
+            <a:spLocks noGrp="1"/>
+          </p:cNvSpPr>
+          <p:nvPr>
+            <p:ph type="body" idx="1"/>
+          </p:nvPr>
+        </p:nvSpPr>
+        <p:spPr>
+          <a:xfrm>
+            <a:off x="685800" y="4343400"/>
+            <a:ext cx="5486400" cy="4114800"/>
+          </a:xfrm>
+          <a:prstGeom prst="rect">
+            <a:avLst/>
+          </a:prstGeom>
+        </p:spPr>
+        <p:txBody>
+          <a:bodyPr spcFirstLastPara="1" wrap="square" lIns="91425" tIns="91425" rIns="91425" bIns="91425" anchor="t" anchorCtr="0">
+            <a:noAutofit/>
+          </a:bodyPr>
+          <a:lstStyle/>
+          <a:p>
+            <a:pPr marL="0" lvl="0" indent="0" algn="l" rtl="0">
+              <a:spcBef>
+                <a:spcPts val="0"/>
+              </a:spcBef>
+              <a:spcAft>
+                <a:spcPts val="0"/>
+              </a:spcAft>
+              <a:buNone/>
+            </a:pPr>
+            <a:endParaRPr dirty="0"/>
+          </a:p>
+        </p:txBody>
+      </p:sp>
+    </p:spTree>
+    <p:extLst>
+      <p:ext uri="{BB962C8B-B14F-4D97-AF65-F5344CB8AC3E}">
         <p14:creationId xmlns:p14="http://schemas.microsoft.com/office/powerpoint/2010/main" val="795965877"/>
       </p:ext>
     </p:extLst>
@@ -1039,7 +1369,7 @@
     </p:spTree>
     <p:extLst>
       <p:ext uri="{BB962C8B-B14F-4D97-AF65-F5344CB8AC3E}">
-        <p14:creationId xmlns:p14="http://schemas.microsoft.com/office/powerpoint/2010/main" val="3443616561"/>
+        <p14:creationId xmlns:p14="http://schemas.microsoft.com/office/powerpoint/2010/main" val="908551241"/>
       </p:ext>
     </p:extLst>
   </p:cSld>
@@ -1148,7 +1478,7 @@
     </p:spTree>
     <p:extLst>
       <p:ext uri="{BB962C8B-B14F-4D97-AF65-F5344CB8AC3E}">
-        <p14:creationId xmlns:p14="http://schemas.microsoft.com/office/powerpoint/2010/main" val="1854483906"/>
+        <p14:creationId xmlns:p14="http://schemas.microsoft.com/office/powerpoint/2010/main" val="3443616561"/>
       </p:ext>
     </p:extLst>
   </p:cSld>
@@ -1257,7 +1587,7 @@
     </p:spTree>
     <p:extLst>
       <p:ext uri="{BB962C8B-B14F-4D97-AF65-F5344CB8AC3E}">
-        <p14:creationId xmlns:p14="http://schemas.microsoft.com/office/powerpoint/2010/main" val="821268952"/>
+        <p14:creationId xmlns:p14="http://schemas.microsoft.com/office/powerpoint/2010/main" val="1854483906"/>
       </p:ext>
     </p:extLst>
   </p:cSld>
@@ -1366,7 +1696,7 @@
     </p:spTree>
     <p:extLst>
       <p:ext uri="{BB962C8B-B14F-4D97-AF65-F5344CB8AC3E}">
-        <p14:creationId xmlns:p14="http://schemas.microsoft.com/office/powerpoint/2010/main" val="1634845286"/>
+        <p14:creationId xmlns:p14="http://schemas.microsoft.com/office/powerpoint/2010/main" val="534658953"/>
       </p:ext>
     </p:extLst>
   </p:cSld>
@@ -1475,7 +1805,7 @@
     </p:spTree>
     <p:extLst>
       <p:ext uri="{BB962C8B-B14F-4D97-AF65-F5344CB8AC3E}">
-        <p14:creationId xmlns:p14="http://schemas.microsoft.com/office/powerpoint/2010/main" val="4294332034"/>
+        <p14:creationId xmlns:p14="http://schemas.microsoft.com/office/powerpoint/2010/main" val="821268952"/>
       </p:ext>
     </p:extLst>
   </p:cSld>
@@ -1584,7 +1914,7 @@
     </p:spTree>
     <p:extLst>
       <p:ext uri="{BB962C8B-B14F-4D97-AF65-F5344CB8AC3E}">
-        <p14:creationId xmlns:p14="http://schemas.microsoft.com/office/powerpoint/2010/main" val="1951081508"/>
+        <p14:creationId xmlns:p14="http://schemas.microsoft.com/office/powerpoint/2010/main" val="4045558607"/>
       </p:ext>
     </p:extLst>
   </p:cSld>
@@ -1693,7 +2023,7 @@
     </p:spTree>
     <p:extLst>
       <p:ext uri="{BB962C8B-B14F-4D97-AF65-F5344CB8AC3E}">
-        <p14:creationId xmlns:p14="http://schemas.microsoft.com/office/powerpoint/2010/main" val="2388350948"/>
+        <p14:creationId xmlns:p14="http://schemas.microsoft.com/office/powerpoint/2010/main" val="1634845286"/>
       </p:ext>
     </p:extLst>
   </p:cSld>
@@ -1802,7 +2132,7 @@
     </p:spTree>
     <p:extLst>
       <p:ext uri="{BB962C8B-B14F-4D97-AF65-F5344CB8AC3E}">
-        <p14:creationId xmlns:p14="http://schemas.microsoft.com/office/powerpoint/2010/main" val="2189495711"/>
+        <p14:creationId xmlns:p14="http://schemas.microsoft.com/office/powerpoint/2010/main" val="4294332034"/>
       </p:ext>
     </p:extLst>
   </p:cSld>
@@ -6989,61 +7319,6 @@
       </p:sp>
       <p:sp>
         <p:nvSpPr>
-          <p:cNvPr id="46" name="아래쪽 화살표[D] 45">
-            <a:extLst>
-              <a:ext uri="{FF2B5EF4-FFF2-40B4-BE49-F238E27FC236}">
-                <a16:creationId xmlns:a16="http://schemas.microsoft.com/office/drawing/2014/main" id="{359BF22B-0362-FEF9-1B70-A46F13CA39AE}"/>
-              </a:ext>
-            </a:extLst>
-          </p:cNvPr>
-          <p:cNvSpPr/>
-          <p:nvPr/>
-        </p:nvSpPr>
-        <p:spPr>
-          <a:xfrm rot="16200000">
-            <a:off x="2657107" y="1320745"/>
-            <a:ext cx="198495" cy="338554"/>
-          </a:xfrm>
-          <a:prstGeom prst="downArrow">
-            <a:avLst>
-              <a:gd name="adj1" fmla="val 37549"/>
-              <a:gd name="adj2" fmla="val 50000"/>
-            </a:avLst>
-          </a:prstGeom>
-          <a:solidFill>
-            <a:schemeClr val="tx1"/>
-          </a:solidFill>
-          <a:ln>
-            <a:noFill/>
-          </a:ln>
-        </p:spPr>
-        <p:style>
-          <a:lnRef idx="2">
-            <a:schemeClr val="accent1">
-              <a:shade val="15000"/>
-            </a:schemeClr>
-          </a:lnRef>
-          <a:fillRef idx="1">
-            <a:schemeClr val="accent1"/>
-          </a:fillRef>
-          <a:effectRef idx="0">
-            <a:schemeClr val="accent1"/>
-          </a:effectRef>
-          <a:fontRef idx="minor">
-            <a:schemeClr val="lt1"/>
-          </a:fontRef>
-        </p:style>
-        <p:txBody>
-          <a:bodyPr rtlCol="0" anchor="ctr"/>
-          <a:lstStyle/>
-          <a:p>
-            <a:pPr algn="ctr"/>
-            <a:endParaRPr kumimoji="1" lang="ko-Kore-KR" altLang="en-US"/>
-          </a:p>
-        </p:txBody>
-      </p:sp>
-      <p:sp>
-        <p:nvSpPr>
           <p:cNvPr id="86" name="원통[C] 85">
             <a:extLst>
               <a:ext uri="{FF2B5EF4-FFF2-40B4-BE49-F238E27FC236}">
@@ -7120,8 +7395,8 @@
         </p:nvSpPr>
         <p:spPr>
           <a:xfrm>
-            <a:off x="157999" y="2469558"/>
-            <a:ext cx="1236257" cy="400110"/>
+            <a:off x="157999" y="2469557"/>
+            <a:ext cx="2302482" cy="1472703"/>
           </a:xfrm>
           <a:prstGeom prst="rect">
             <a:avLst/>
@@ -7663,6 +7938,60 @@
           <a:xfrm>
             <a:off x="3046722" y="2691485"/>
             <a:ext cx="3360256" cy="1492019"/>
+          </a:xfrm>
+          <a:prstGeom prst="rect">
+            <a:avLst/>
+          </a:prstGeom>
+          <a:solidFill>
+            <a:schemeClr val="bg1">
+              <a:alpha val="80000"/>
+            </a:schemeClr>
+          </a:solidFill>
+          <a:ln>
+            <a:noFill/>
+          </a:ln>
+        </p:spPr>
+        <p:style>
+          <a:lnRef idx="2">
+            <a:schemeClr val="accent1">
+              <a:shade val="15000"/>
+            </a:schemeClr>
+          </a:lnRef>
+          <a:fillRef idx="1">
+            <a:schemeClr val="accent1"/>
+          </a:fillRef>
+          <a:effectRef idx="0">
+            <a:schemeClr val="accent1"/>
+          </a:effectRef>
+          <a:fontRef idx="minor">
+            <a:schemeClr val="lt1"/>
+          </a:fontRef>
+        </p:style>
+        <p:txBody>
+          <a:bodyPr rtlCol="0" anchor="ctr"/>
+          <a:lstStyle/>
+          <a:p>
+            <a:pPr algn="ctr"/>
+            <a:endParaRPr kumimoji="1" lang="ko-Kore-KR" altLang="en-US" dirty="0"/>
+          </a:p>
+        </p:txBody>
+      </p:sp>
+      <p:sp>
+        <p:nvSpPr>
+          <p:cNvPr id="4" name="직사각형 3">
+            <a:extLst>
+              <a:ext uri="{FF2B5EF4-FFF2-40B4-BE49-F238E27FC236}">
+                <a16:creationId xmlns:a16="http://schemas.microsoft.com/office/drawing/2014/main" id="{F632C172-BC60-8036-5705-932F2C49AC07}"/>
+              </a:ext>
+            </a:extLst>
+          </p:cNvPr>
+          <p:cNvSpPr/>
+          <p:nvPr/>
+        </p:nvSpPr>
+        <p:spPr>
+          <a:xfrm>
+            <a:off x="2920858" y="769459"/>
+            <a:ext cx="3486120" cy="1492019"/>
           </a:xfrm>
           <a:prstGeom prst="rect">
             <a:avLst/>
@@ -7733,6 +8062,4918 @@
       </p:grpSpPr>
       <p:sp>
         <p:nvSpPr>
+          <p:cNvPr id="8" name="원통[C] 7">
+            <a:extLst>
+              <a:ext uri="{FF2B5EF4-FFF2-40B4-BE49-F238E27FC236}">
+                <a16:creationId xmlns:a16="http://schemas.microsoft.com/office/drawing/2014/main" id="{63B0F673-4A9D-F104-6350-2FE1EA6D685A}"/>
+              </a:ext>
+            </a:extLst>
+          </p:cNvPr>
+          <p:cNvSpPr/>
+          <p:nvPr/>
+        </p:nvSpPr>
+        <p:spPr>
+          <a:xfrm>
+            <a:off x="1071510" y="3184044"/>
+            <a:ext cx="900000" cy="684000"/>
+          </a:xfrm>
+          <a:prstGeom prst="can">
+            <a:avLst>
+              <a:gd name="adj" fmla="val 30807"/>
+            </a:avLst>
+          </a:prstGeom>
+          <a:solidFill>
+            <a:schemeClr val="accent1">
+              <a:lumMod val="60000"/>
+              <a:lumOff val="40000"/>
+            </a:schemeClr>
+          </a:solidFill>
+          <a:ln>
+            <a:noFill/>
+          </a:ln>
+        </p:spPr>
+        <p:style>
+          <a:lnRef idx="2">
+            <a:schemeClr val="accent1">
+              <a:shade val="15000"/>
+            </a:schemeClr>
+          </a:lnRef>
+          <a:fillRef idx="1">
+            <a:schemeClr val="accent1"/>
+          </a:fillRef>
+          <a:effectRef idx="0">
+            <a:schemeClr val="accent1"/>
+          </a:effectRef>
+          <a:fontRef idx="minor">
+            <a:schemeClr val="lt1"/>
+          </a:fontRef>
+        </p:style>
+        <p:txBody>
+          <a:bodyPr rtlCol="0" anchor="ctr"/>
+          <a:lstStyle/>
+          <a:p>
+            <a:pPr algn="ctr"/>
+            <a:endParaRPr kumimoji="1" lang="ko-Kore-KR" altLang="en-US" dirty="0">
+              <a:solidFill>
+                <a:schemeClr val="tx1"/>
+              </a:solidFill>
+              <a:latin typeface="Times New Roman" panose="02020603050405020304" pitchFamily="18" charset="0"/>
+              <a:cs typeface="Times New Roman" panose="02020603050405020304" pitchFamily="18" charset="0"/>
+            </a:endParaRPr>
+          </a:p>
+        </p:txBody>
+      </p:sp>
+      <p:sp>
+        <p:nvSpPr>
+          <p:cNvPr id="2" name="직사각형 1">
+            <a:extLst>
+              <a:ext uri="{FF2B5EF4-FFF2-40B4-BE49-F238E27FC236}">
+                <a16:creationId xmlns:a16="http://schemas.microsoft.com/office/drawing/2014/main" id="{0C17AC6A-59F8-9731-C737-FC57B988DE34}"/>
+              </a:ext>
+            </a:extLst>
+          </p:cNvPr>
+          <p:cNvSpPr/>
+          <p:nvPr/>
+        </p:nvSpPr>
+        <p:spPr>
+          <a:xfrm>
+            <a:off x="4029958" y="995060"/>
+            <a:ext cx="972000" cy="972000"/>
+          </a:xfrm>
+          <a:prstGeom prst="rect">
+            <a:avLst/>
+          </a:prstGeom>
+          <a:noFill/>
+          <a:ln w="19050">
+            <a:solidFill>
+              <a:schemeClr val="tx1"/>
+            </a:solidFill>
+          </a:ln>
+        </p:spPr>
+        <p:style>
+          <a:lnRef idx="2">
+            <a:schemeClr val="accent1">
+              <a:shade val="15000"/>
+            </a:schemeClr>
+          </a:lnRef>
+          <a:fillRef idx="1">
+            <a:schemeClr val="accent1"/>
+          </a:fillRef>
+          <a:effectRef idx="0">
+            <a:schemeClr val="accent1"/>
+          </a:effectRef>
+          <a:fontRef idx="minor">
+            <a:schemeClr val="lt1"/>
+          </a:fontRef>
+        </p:style>
+        <p:txBody>
+          <a:bodyPr rtlCol="0" anchor="ctr"/>
+          <a:lstStyle/>
+          <a:p>
+            <a:pPr algn="ctr"/>
+            <a:r>
+              <a:rPr kumimoji="1" lang="en-US" altLang="ko-Kore-KR" sz="1800" dirty="0">
+                <a:solidFill>
+                  <a:schemeClr val="tx1"/>
+                </a:solidFill>
+                <a:latin typeface="Times New Roman" panose="02020603050405020304" pitchFamily="18" charset="0"/>
+                <a:ea typeface="Source Sans Pro" panose="020B0503030403020204" pitchFamily="34" charset="0"/>
+                <a:cs typeface="Times New Roman" panose="02020603050405020304" pitchFamily="18" charset="0"/>
+              </a:rPr>
+              <a:t>Encoder</a:t>
+            </a:r>
+          </a:p>
+          <a:p>
+            <a:pPr algn="ctr"/>
+            <a:endParaRPr kumimoji="1" lang="ko-Kore-KR" altLang="en-US" dirty="0">
+              <a:solidFill>
+                <a:schemeClr val="tx1"/>
+              </a:solidFill>
+              <a:latin typeface="Times New Roman" panose="02020603050405020304" pitchFamily="18" charset="0"/>
+              <a:cs typeface="Times New Roman" panose="02020603050405020304" pitchFamily="18" charset="0"/>
+            </a:endParaRPr>
+          </a:p>
+        </p:txBody>
+      </p:sp>
+      <p:pic>
+        <p:nvPicPr>
+          <p:cNvPr id="3" name="그림 2">
+            <a:extLst>
+              <a:ext uri="{FF2B5EF4-FFF2-40B4-BE49-F238E27FC236}">
+                <a16:creationId xmlns:a16="http://schemas.microsoft.com/office/drawing/2014/main" id="{E56AEE8A-1BEF-3703-F1DB-49CE8B108C2B}"/>
+              </a:ext>
+            </a:extLst>
+          </p:cNvPr>
+          <p:cNvPicPr>
+            <a:picLocks noChangeAspect="1"/>
+          </p:cNvPicPr>
+          <p:nvPr/>
+        </p:nvPicPr>
+        <p:blipFill>
+          <a:blip r:embed="rId3"/>
+          <a:stretch>
+            <a:fillRect/>
+          </a:stretch>
+        </p:blipFill>
+        <p:spPr>
+          <a:xfrm>
+            <a:off x="4473291" y="1517270"/>
+            <a:ext cx="85333" cy="144000"/>
+          </a:xfrm>
+          <a:prstGeom prst="rect">
+            <a:avLst/>
+          </a:prstGeom>
+        </p:spPr>
+      </p:pic>
+      <p:sp>
+        <p:nvSpPr>
+          <p:cNvPr id="5" name="TextBox 4">
+            <a:extLst>
+              <a:ext uri="{FF2B5EF4-FFF2-40B4-BE49-F238E27FC236}">
+                <a16:creationId xmlns:a16="http://schemas.microsoft.com/office/drawing/2014/main" id="{0D3BB70B-A1A2-5CEA-540E-B91FD1233046}"/>
+              </a:ext>
+            </a:extLst>
+          </p:cNvPr>
+          <p:cNvSpPr txBox="1"/>
+          <p:nvPr/>
+        </p:nvSpPr>
+        <p:spPr>
+          <a:xfrm>
+            <a:off x="5356016" y="718061"/>
+            <a:ext cx="997843" cy="553998"/>
+          </a:xfrm>
+          <a:prstGeom prst="rect">
+            <a:avLst/>
+          </a:prstGeom>
+          <a:noFill/>
+        </p:spPr>
+        <p:txBody>
+          <a:bodyPr wrap="square">
+            <a:spAutoFit/>
+          </a:bodyPr>
+          <a:lstStyle/>
+          <a:p>
+            <a:pPr algn="ctr"/>
+            <a:r>
+              <a:rPr kumimoji="1" lang="en-US" altLang="ko-Kore-KR" sz="1600" dirty="0">
+                <a:solidFill>
+                  <a:schemeClr val="accent1"/>
+                </a:solidFill>
+                <a:latin typeface="Times New Roman" panose="02020603050405020304" pitchFamily="18" charset="0"/>
+                <a:ea typeface="Source Sans Pro" panose="020B0503030403020204" pitchFamily="34" charset="0"/>
+                <a:cs typeface="Times New Roman" panose="02020603050405020304" pitchFamily="18" charset="0"/>
+              </a:rPr>
+              <a:t>Policy</a:t>
+            </a:r>
+          </a:p>
+          <a:p>
+            <a:pPr algn="ctr"/>
+            <a:endParaRPr lang="ko-Kore-KR" altLang="en-US" dirty="0">
+              <a:latin typeface="Times New Roman" panose="02020603050405020304" pitchFamily="18" charset="0"/>
+              <a:cs typeface="Times New Roman" panose="02020603050405020304" pitchFamily="18" charset="0"/>
+            </a:endParaRPr>
+          </a:p>
+        </p:txBody>
+      </p:sp>
+      <p:pic>
+        <p:nvPicPr>
+          <p:cNvPr id="33" name="그림 32">
+            <a:extLst>
+              <a:ext uri="{FF2B5EF4-FFF2-40B4-BE49-F238E27FC236}">
+                <a16:creationId xmlns:a16="http://schemas.microsoft.com/office/drawing/2014/main" id="{DEEFFE0F-2FE1-B49B-E7FF-AB0BB2994CA4}"/>
+              </a:ext>
+            </a:extLst>
+          </p:cNvPr>
+          <p:cNvPicPr>
+            <a:picLocks noChangeAspect="1"/>
+          </p:cNvPicPr>
+          <p:nvPr/>
+        </p:nvPicPr>
+        <p:blipFill>
+          <a:blip r:embed="rId4"/>
+          <a:stretch>
+            <a:fillRect/>
+          </a:stretch>
+        </p:blipFill>
+        <p:spPr>
+          <a:xfrm>
+            <a:off x="5428018" y="1037810"/>
+            <a:ext cx="900000" cy="220531"/>
+          </a:xfrm>
+          <a:prstGeom prst="rect">
+            <a:avLst/>
+          </a:prstGeom>
+        </p:spPr>
+      </p:pic>
+      <p:cxnSp>
+        <p:nvCxnSpPr>
+          <p:cNvPr id="34" name="직선 화살표 연결선 33">
+            <a:extLst>
+              <a:ext uri="{FF2B5EF4-FFF2-40B4-BE49-F238E27FC236}">
+                <a16:creationId xmlns:a16="http://schemas.microsoft.com/office/drawing/2014/main" id="{C2468FBF-A481-C026-3B09-3477DD729C4C}"/>
+              </a:ext>
+            </a:extLst>
+          </p:cNvPr>
+          <p:cNvCxnSpPr>
+            <a:cxnSpLocks/>
+            <a:stCxn id="2" idx="3"/>
+            <a:endCxn id="5" idx="1"/>
+          </p:cNvCxnSpPr>
+          <p:nvPr/>
+        </p:nvCxnSpPr>
+        <p:spPr>
+          <a:xfrm flipV="1">
+            <a:off x="5001958" y="995060"/>
+            <a:ext cx="354058" cy="486000"/>
+          </a:xfrm>
+          <a:prstGeom prst="straightConnector1">
+            <a:avLst/>
+          </a:prstGeom>
+          <a:ln w="19050">
+            <a:solidFill>
+              <a:schemeClr val="tx1"/>
+            </a:solidFill>
+            <a:tailEnd type="triangle"/>
+          </a:ln>
+        </p:spPr>
+        <p:style>
+          <a:lnRef idx="1">
+            <a:schemeClr val="accent1"/>
+          </a:lnRef>
+          <a:fillRef idx="0">
+            <a:schemeClr val="accent1"/>
+          </a:fillRef>
+          <a:effectRef idx="0">
+            <a:schemeClr val="accent1"/>
+          </a:effectRef>
+          <a:fontRef idx="minor">
+            <a:schemeClr val="tx1"/>
+          </a:fontRef>
+        </p:style>
+      </p:cxnSp>
+      <p:sp>
+        <p:nvSpPr>
+          <p:cNvPr id="35" name="TextBox 34">
+            <a:extLst>
+              <a:ext uri="{FF2B5EF4-FFF2-40B4-BE49-F238E27FC236}">
+                <a16:creationId xmlns:a16="http://schemas.microsoft.com/office/drawing/2014/main" id="{1D3E3E0C-7302-EF17-5066-1F0164441157}"/>
+              </a:ext>
+            </a:extLst>
+          </p:cNvPr>
+          <p:cNvSpPr txBox="1"/>
+          <p:nvPr/>
+        </p:nvSpPr>
+        <p:spPr>
+          <a:xfrm>
+            <a:off x="5356017" y="1690061"/>
+            <a:ext cx="997843" cy="553998"/>
+          </a:xfrm>
+          <a:prstGeom prst="rect">
+            <a:avLst/>
+          </a:prstGeom>
+          <a:noFill/>
+        </p:spPr>
+        <p:txBody>
+          <a:bodyPr wrap="square">
+            <a:spAutoFit/>
+          </a:bodyPr>
+          <a:lstStyle/>
+          <a:p>
+            <a:pPr algn="ctr"/>
+            <a:r>
+              <a:rPr kumimoji="1" lang="en-US" altLang="ko-Kore-KR" sz="1600" dirty="0">
+                <a:solidFill>
+                  <a:srgbClr val="FF0000"/>
+                </a:solidFill>
+                <a:latin typeface="Times New Roman" panose="02020603050405020304" pitchFamily="18" charset="0"/>
+                <a:ea typeface="Source Sans Pro" panose="020B0503030403020204" pitchFamily="34" charset="0"/>
+                <a:cs typeface="Times New Roman" panose="02020603050405020304" pitchFamily="18" charset="0"/>
+              </a:rPr>
+              <a:t>Value</a:t>
+            </a:r>
+          </a:p>
+          <a:p>
+            <a:pPr algn="ctr"/>
+            <a:endParaRPr lang="ko-Kore-KR" altLang="en-US" dirty="0">
+              <a:solidFill>
+                <a:schemeClr val="tx1">
+                  <a:alpha val="20000"/>
+                </a:schemeClr>
+              </a:solidFill>
+              <a:latin typeface="Times New Roman" panose="02020603050405020304" pitchFamily="18" charset="0"/>
+              <a:cs typeface="Times New Roman" panose="02020603050405020304" pitchFamily="18" charset="0"/>
+            </a:endParaRPr>
+          </a:p>
+        </p:txBody>
+      </p:sp>
+      <p:pic>
+        <p:nvPicPr>
+          <p:cNvPr id="36" name="그림 35">
+            <a:extLst>
+              <a:ext uri="{FF2B5EF4-FFF2-40B4-BE49-F238E27FC236}">
+                <a16:creationId xmlns:a16="http://schemas.microsoft.com/office/drawing/2014/main" id="{4D61E5CD-EDF4-ABE6-5F21-A1323987711C}"/>
+              </a:ext>
+            </a:extLst>
+          </p:cNvPr>
+          <p:cNvPicPr>
+            <a:picLocks noChangeAspect="1"/>
+          </p:cNvPicPr>
+          <p:nvPr/>
+        </p:nvPicPr>
+        <p:blipFill>
+          <a:blip r:embed="rId5">
+            <a:alphaModFix/>
+          </a:blip>
+          <a:stretch>
+            <a:fillRect/>
+          </a:stretch>
+        </p:blipFill>
+        <p:spPr>
+          <a:xfrm>
+            <a:off x="5605369" y="2002426"/>
+            <a:ext cx="499135" cy="205200"/>
+          </a:xfrm>
+          <a:prstGeom prst="rect">
+            <a:avLst/>
+          </a:prstGeom>
+        </p:spPr>
+      </p:pic>
+      <p:cxnSp>
+        <p:nvCxnSpPr>
+          <p:cNvPr id="37" name="직선 화살표 연결선 36">
+            <a:extLst>
+              <a:ext uri="{FF2B5EF4-FFF2-40B4-BE49-F238E27FC236}">
+                <a16:creationId xmlns:a16="http://schemas.microsoft.com/office/drawing/2014/main" id="{22C07C2B-E507-4CE7-806B-DA083EF02A52}"/>
+              </a:ext>
+            </a:extLst>
+          </p:cNvPr>
+          <p:cNvCxnSpPr>
+            <a:cxnSpLocks/>
+            <a:stCxn id="2" idx="3"/>
+            <a:endCxn id="35" idx="1"/>
+          </p:cNvCxnSpPr>
+          <p:nvPr/>
+        </p:nvCxnSpPr>
+        <p:spPr>
+          <a:xfrm>
+            <a:off x="5001958" y="1481060"/>
+            <a:ext cx="354059" cy="486000"/>
+          </a:xfrm>
+          <a:prstGeom prst="straightConnector1">
+            <a:avLst/>
+          </a:prstGeom>
+          <a:ln w="19050">
+            <a:solidFill>
+              <a:schemeClr val="tx1"/>
+            </a:solidFill>
+            <a:tailEnd type="triangle"/>
+          </a:ln>
+        </p:spPr>
+        <p:style>
+          <a:lnRef idx="1">
+            <a:schemeClr val="accent1"/>
+          </a:lnRef>
+          <a:fillRef idx="0">
+            <a:schemeClr val="accent1"/>
+          </a:fillRef>
+          <a:effectRef idx="0">
+            <a:schemeClr val="accent1"/>
+          </a:effectRef>
+          <a:fontRef idx="minor">
+            <a:schemeClr val="tx1"/>
+          </a:fontRef>
+        </p:style>
+      </p:cxnSp>
+      <p:cxnSp>
+        <p:nvCxnSpPr>
+          <p:cNvPr id="38" name="직선 화살표 연결선 37">
+            <a:extLst>
+              <a:ext uri="{FF2B5EF4-FFF2-40B4-BE49-F238E27FC236}">
+                <a16:creationId xmlns:a16="http://schemas.microsoft.com/office/drawing/2014/main" id="{073E87EF-D3AF-9448-26A0-5D909F86E9AC}"/>
+              </a:ext>
+            </a:extLst>
+          </p:cNvPr>
+          <p:cNvCxnSpPr>
+            <a:cxnSpLocks/>
+            <a:stCxn id="39" idx="3"/>
+            <a:endCxn id="2" idx="1"/>
+          </p:cNvCxnSpPr>
+          <p:nvPr/>
+        </p:nvCxnSpPr>
+        <p:spPr>
+          <a:xfrm>
+            <a:off x="3675898" y="1480982"/>
+            <a:ext cx="354060" cy="78"/>
+          </a:xfrm>
+          <a:prstGeom prst="straightConnector1">
+            <a:avLst/>
+          </a:prstGeom>
+          <a:ln w="19050">
+            <a:solidFill>
+              <a:schemeClr val="tx1"/>
+            </a:solidFill>
+            <a:tailEnd type="triangle"/>
+          </a:ln>
+        </p:spPr>
+        <p:style>
+          <a:lnRef idx="1">
+            <a:schemeClr val="accent1"/>
+          </a:lnRef>
+          <a:fillRef idx="0">
+            <a:schemeClr val="accent1"/>
+          </a:fillRef>
+          <a:effectRef idx="0">
+            <a:schemeClr val="accent1"/>
+          </a:effectRef>
+          <a:fontRef idx="minor">
+            <a:schemeClr val="tx1"/>
+          </a:fontRef>
+        </p:style>
+      </p:cxnSp>
+      <p:sp>
+        <p:nvSpPr>
+          <p:cNvPr id="39" name="TextBox 38">
+            <a:extLst>
+              <a:ext uri="{FF2B5EF4-FFF2-40B4-BE49-F238E27FC236}">
+                <a16:creationId xmlns:a16="http://schemas.microsoft.com/office/drawing/2014/main" id="{25D681CB-5F5D-82BD-C937-7ACA2EECC66D}"/>
+              </a:ext>
+            </a:extLst>
+          </p:cNvPr>
+          <p:cNvSpPr txBox="1"/>
+          <p:nvPr/>
+        </p:nvSpPr>
+        <p:spPr>
+          <a:xfrm>
+            <a:off x="3009912" y="1157816"/>
+            <a:ext cx="665986" cy="646331"/>
+          </a:xfrm>
+          <a:prstGeom prst="rect">
+            <a:avLst/>
+          </a:prstGeom>
+          <a:noFill/>
+        </p:spPr>
+        <p:txBody>
+          <a:bodyPr wrap="square">
+            <a:spAutoFit/>
+          </a:bodyPr>
+          <a:lstStyle/>
+          <a:p>
+            <a:pPr algn="ctr"/>
+            <a:r>
+              <a:rPr kumimoji="1" lang="en-US" altLang="ko-Kore-KR" sz="1800" dirty="0">
+                <a:solidFill>
+                  <a:schemeClr val="tx1"/>
+                </a:solidFill>
+                <a:latin typeface="Times New Roman" panose="02020603050405020304" pitchFamily="18" charset="0"/>
+                <a:ea typeface="Source Sans Pro" panose="020B0503030403020204" pitchFamily="34" charset="0"/>
+                <a:cs typeface="Times New Roman" panose="02020603050405020304" pitchFamily="18" charset="0"/>
+              </a:rPr>
+              <a:t>State</a:t>
+            </a:r>
+          </a:p>
+          <a:p>
+            <a:pPr algn="ctr"/>
+            <a:endParaRPr lang="ko-Kore-KR" altLang="en-US" sz="1800" dirty="0">
+              <a:latin typeface="Times New Roman" panose="02020603050405020304" pitchFamily="18" charset="0"/>
+              <a:cs typeface="Times New Roman" panose="02020603050405020304" pitchFamily="18" charset="0"/>
+            </a:endParaRPr>
+          </a:p>
+        </p:txBody>
+      </p:sp>
+      <p:pic>
+        <p:nvPicPr>
+          <p:cNvPr id="40" name="그림 39">
+            <a:extLst>
+              <a:ext uri="{FF2B5EF4-FFF2-40B4-BE49-F238E27FC236}">
+                <a16:creationId xmlns:a16="http://schemas.microsoft.com/office/drawing/2014/main" id="{48159A13-9EFC-8C2B-FF99-E1E0FB4EA17C}"/>
+              </a:ext>
+            </a:extLst>
+          </p:cNvPr>
+          <p:cNvPicPr>
+            <a:picLocks noChangeAspect="1"/>
+          </p:cNvPicPr>
+          <p:nvPr/>
+        </p:nvPicPr>
+        <p:blipFill>
+          <a:blip r:embed="rId6"/>
+          <a:stretch>
+            <a:fillRect/>
+          </a:stretch>
+        </p:blipFill>
+        <p:spPr>
+          <a:xfrm>
+            <a:off x="3258524" y="1490022"/>
+            <a:ext cx="189626" cy="166871"/>
+          </a:xfrm>
+          <a:prstGeom prst="rect">
+            <a:avLst/>
+          </a:prstGeom>
+        </p:spPr>
+      </p:pic>
+      <p:pic>
+        <p:nvPicPr>
+          <p:cNvPr id="48" name="그림 47" descr="지도, 지구, 세계이(가) 표시된 사진&#10;&#10;자동 생성된 설명">
+            <a:extLst>
+              <a:ext uri="{FF2B5EF4-FFF2-40B4-BE49-F238E27FC236}">
+                <a16:creationId xmlns:a16="http://schemas.microsoft.com/office/drawing/2014/main" id="{E1B98D59-EB0F-4867-844E-7EF4ED1F9271}"/>
+              </a:ext>
+            </a:extLst>
+          </p:cNvPr>
+          <p:cNvPicPr>
+            <a:picLocks noChangeAspect="1"/>
+          </p:cNvPicPr>
+          <p:nvPr/>
+        </p:nvPicPr>
+        <p:blipFill>
+          <a:blip r:embed="rId7"/>
+          <a:stretch>
+            <a:fillRect/>
+          </a:stretch>
+        </p:blipFill>
+        <p:spPr>
+          <a:xfrm>
+            <a:off x="688859" y="1130023"/>
+            <a:ext cx="720000" cy="720000"/>
+          </a:xfrm>
+          <a:prstGeom prst="rect">
+            <a:avLst/>
+          </a:prstGeom>
+        </p:spPr>
+      </p:pic>
+      <p:sp>
+        <p:nvSpPr>
+          <p:cNvPr id="49" name="모서리가 둥근 직사각형 48">
+            <a:extLst>
+              <a:ext uri="{FF2B5EF4-FFF2-40B4-BE49-F238E27FC236}">
+                <a16:creationId xmlns:a16="http://schemas.microsoft.com/office/drawing/2014/main" id="{F5C711F4-654C-6D6C-BFCB-594C00E4EC5E}"/>
+              </a:ext>
+            </a:extLst>
+          </p:cNvPr>
+          <p:cNvSpPr/>
+          <p:nvPr/>
+        </p:nvSpPr>
+        <p:spPr>
+          <a:xfrm>
+            <a:off x="1524481" y="1066982"/>
+            <a:ext cx="828000" cy="828000"/>
+          </a:xfrm>
+          <a:prstGeom prst="roundRect">
+            <a:avLst/>
+          </a:prstGeom>
+          <a:noFill/>
+          <a:ln w="19050">
+            <a:solidFill>
+              <a:schemeClr val="tx1"/>
+            </a:solidFill>
+          </a:ln>
+        </p:spPr>
+        <p:style>
+          <a:lnRef idx="2">
+            <a:schemeClr val="accent1">
+              <a:shade val="15000"/>
+            </a:schemeClr>
+          </a:lnRef>
+          <a:fillRef idx="1">
+            <a:schemeClr val="accent1"/>
+          </a:fillRef>
+          <a:effectRef idx="0">
+            <a:schemeClr val="accent1"/>
+          </a:effectRef>
+          <a:fontRef idx="minor">
+            <a:schemeClr val="lt1"/>
+          </a:fontRef>
+        </p:style>
+        <p:txBody>
+          <a:bodyPr rtlCol="0" anchor="ctr"/>
+          <a:lstStyle/>
+          <a:p>
+            <a:pPr algn="ctr"/>
+            <a:r>
+              <a:rPr kumimoji="1" lang="en-US" altLang="ko-Kore-KR" sz="1800" dirty="0">
+                <a:solidFill>
+                  <a:schemeClr val="tx1"/>
+                </a:solidFill>
+                <a:latin typeface="Times New Roman" panose="02020603050405020304" pitchFamily="18" charset="0"/>
+                <a:ea typeface="Source Sans Pro" panose="020B0503030403020204" pitchFamily="34" charset="0"/>
+                <a:cs typeface="Times New Roman" panose="02020603050405020304" pitchFamily="18" charset="0"/>
+              </a:rPr>
+              <a:t>Agent</a:t>
+            </a:r>
+            <a:r>
+              <a:rPr kumimoji="1" lang="en-US" altLang="ko-Kore-KR" dirty="0">
+                <a:solidFill>
+                  <a:schemeClr val="tx1"/>
+                </a:solidFill>
+                <a:latin typeface="Times New Roman" panose="02020603050405020304" pitchFamily="18" charset="0"/>
+                <a:ea typeface="Source Sans Pro" panose="020B0503030403020204" pitchFamily="34" charset="0"/>
+                <a:cs typeface="Times New Roman" panose="02020603050405020304" pitchFamily="18" charset="0"/>
+              </a:rPr>
+              <a:t> </a:t>
+            </a:r>
+          </a:p>
+        </p:txBody>
+      </p:sp>
+      <p:pic>
+        <p:nvPicPr>
+          <p:cNvPr id="50" name="그림 49">
+            <a:extLst>
+              <a:ext uri="{FF2B5EF4-FFF2-40B4-BE49-F238E27FC236}">
+                <a16:creationId xmlns:a16="http://schemas.microsoft.com/office/drawing/2014/main" id="{BF27BC35-289E-4E54-0016-F1A8126FE9CB}"/>
+              </a:ext>
+            </a:extLst>
+          </p:cNvPr>
+          <p:cNvPicPr>
+            <a:picLocks noChangeAspect="1"/>
+          </p:cNvPicPr>
+          <p:nvPr/>
+        </p:nvPicPr>
+        <p:blipFill>
+          <a:blip r:embed="rId8"/>
+          <a:stretch>
+            <a:fillRect/>
+          </a:stretch>
+        </p:blipFill>
+        <p:spPr>
+          <a:xfrm>
+            <a:off x="1048858" y="2081106"/>
+            <a:ext cx="889623" cy="212362"/>
+          </a:xfrm>
+          <a:prstGeom prst="rect">
+            <a:avLst/>
+          </a:prstGeom>
+        </p:spPr>
+      </p:pic>
+      <p:cxnSp>
+        <p:nvCxnSpPr>
+          <p:cNvPr id="51" name="꺾인 연결선[E] 50">
+            <a:extLst>
+              <a:ext uri="{FF2B5EF4-FFF2-40B4-BE49-F238E27FC236}">
+                <a16:creationId xmlns:a16="http://schemas.microsoft.com/office/drawing/2014/main" id="{EEF4BBD7-8FB2-610B-84F8-5AC593131DEC}"/>
+              </a:ext>
+            </a:extLst>
+          </p:cNvPr>
+          <p:cNvCxnSpPr>
+            <a:cxnSpLocks/>
+            <a:stCxn id="48" idx="0"/>
+            <a:endCxn id="49" idx="0"/>
+          </p:cNvCxnSpPr>
+          <p:nvPr/>
+        </p:nvCxnSpPr>
+        <p:spPr>
+          <a:xfrm rot="5400000" flipH="1" flipV="1">
+            <a:off x="1462150" y="653692"/>
+            <a:ext cx="63041" cy="889622"/>
+          </a:xfrm>
+          <a:prstGeom prst="bentConnector3">
+            <a:avLst>
+              <a:gd name="adj1" fmla="val 325407"/>
+            </a:avLst>
+          </a:prstGeom>
+          <a:ln w="19050">
+            <a:solidFill>
+              <a:schemeClr val="tx1"/>
+            </a:solidFill>
+            <a:tailEnd type="triangle"/>
+          </a:ln>
+        </p:spPr>
+        <p:style>
+          <a:lnRef idx="1">
+            <a:schemeClr val="accent1"/>
+          </a:lnRef>
+          <a:fillRef idx="0">
+            <a:schemeClr val="accent1"/>
+          </a:fillRef>
+          <a:effectRef idx="0">
+            <a:schemeClr val="accent1"/>
+          </a:effectRef>
+          <a:fontRef idx="minor">
+            <a:schemeClr val="tx1"/>
+          </a:fontRef>
+        </p:style>
+      </p:cxnSp>
+      <p:cxnSp>
+        <p:nvCxnSpPr>
+          <p:cNvPr id="52" name="꺾인 연결선[E] 51">
+            <a:extLst>
+              <a:ext uri="{FF2B5EF4-FFF2-40B4-BE49-F238E27FC236}">
+                <a16:creationId xmlns:a16="http://schemas.microsoft.com/office/drawing/2014/main" id="{36AB393E-EF5C-2353-ED98-AF943C892131}"/>
+              </a:ext>
+            </a:extLst>
+          </p:cNvPr>
+          <p:cNvCxnSpPr>
+            <a:cxnSpLocks/>
+            <a:stCxn id="49" idx="2"/>
+            <a:endCxn id="48" idx="2"/>
+          </p:cNvCxnSpPr>
+          <p:nvPr/>
+        </p:nvCxnSpPr>
+        <p:spPr>
+          <a:xfrm rot="5400000" flipH="1">
+            <a:off x="1471190" y="1427692"/>
+            <a:ext cx="44959" cy="889622"/>
+          </a:xfrm>
+          <a:prstGeom prst="bentConnector3">
+            <a:avLst>
+              <a:gd name="adj1" fmla="val -302329"/>
+            </a:avLst>
+          </a:prstGeom>
+          <a:ln w="19050">
+            <a:solidFill>
+              <a:schemeClr val="tx1"/>
+            </a:solidFill>
+            <a:tailEnd type="triangle"/>
+          </a:ln>
+        </p:spPr>
+        <p:style>
+          <a:lnRef idx="1">
+            <a:schemeClr val="accent1"/>
+          </a:lnRef>
+          <a:fillRef idx="0">
+            <a:schemeClr val="accent1"/>
+          </a:fillRef>
+          <a:effectRef idx="0">
+            <a:schemeClr val="accent1"/>
+          </a:effectRef>
+          <a:fontRef idx="minor">
+            <a:schemeClr val="tx1"/>
+          </a:fontRef>
+        </p:style>
+      </p:cxnSp>
+      <p:pic>
+        <p:nvPicPr>
+          <p:cNvPr id="53" name="그림 52">
+            <a:extLst>
+              <a:ext uri="{FF2B5EF4-FFF2-40B4-BE49-F238E27FC236}">
+                <a16:creationId xmlns:a16="http://schemas.microsoft.com/office/drawing/2014/main" id="{C4F0EF64-06D2-BD8C-B0E6-55D8F0E9DB76}"/>
+              </a:ext>
+            </a:extLst>
+          </p:cNvPr>
+          <p:cNvPicPr>
+            <a:picLocks noChangeAspect="1"/>
+          </p:cNvPicPr>
+          <p:nvPr/>
+        </p:nvPicPr>
+        <p:blipFill>
+          <a:blip r:embed="rId9"/>
+          <a:stretch>
+            <a:fillRect/>
+          </a:stretch>
+        </p:blipFill>
+        <p:spPr>
+          <a:xfrm>
+            <a:off x="1048858" y="619165"/>
+            <a:ext cx="889623" cy="249364"/>
+          </a:xfrm>
+          <a:prstGeom prst="rect">
+            <a:avLst/>
+          </a:prstGeom>
+        </p:spPr>
+      </p:pic>
+      <p:sp>
+        <p:nvSpPr>
+          <p:cNvPr id="54" name="모서리가 둥근 직사각형 53">
+            <a:extLst>
+              <a:ext uri="{FF2B5EF4-FFF2-40B4-BE49-F238E27FC236}">
+                <a16:creationId xmlns:a16="http://schemas.microsoft.com/office/drawing/2014/main" id="{AE603A07-A0AE-FC7F-9AF3-EE6FF3327535}"/>
+              </a:ext>
+            </a:extLst>
+          </p:cNvPr>
+          <p:cNvSpPr/>
+          <p:nvPr/>
+        </p:nvSpPr>
+        <p:spPr>
+          <a:xfrm>
+            <a:off x="588481" y="544982"/>
+            <a:ext cx="1872000" cy="1872000"/>
+          </a:xfrm>
+          <a:prstGeom prst="roundRect">
+            <a:avLst/>
+          </a:prstGeom>
+          <a:noFill/>
+          <a:ln w="19050">
+            <a:solidFill>
+              <a:schemeClr val="tx1"/>
+            </a:solidFill>
+          </a:ln>
+        </p:spPr>
+        <p:style>
+          <a:lnRef idx="2">
+            <a:schemeClr val="accent1">
+              <a:shade val="15000"/>
+            </a:schemeClr>
+          </a:lnRef>
+          <a:fillRef idx="1">
+            <a:schemeClr val="accent1"/>
+          </a:fillRef>
+          <a:effectRef idx="0">
+            <a:schemeClr val="accent1"/>
+          </a:effectRef>
+          <a:fontRef idx="minor">
+            <a:schemeClr val="lt1"/>
+          </a:fontRef>
+        </p:style>
+        <p:txBody>
+          <a:bodyPr rtlCol="0" anchor="ctr"/>
+          <a:lstStyle/>
+          <a:p>
+            <a:pPr algn="ctr"/>
+            <a:endParaRPr kumimoji="1" lang="ko-Kore-KR" altLang="en-US" sz="1800" dirty="0">
+              <a:solidFill>
+                <a:schemeClr val="tx1"/>
+              </a:solidFill>
+              <a:latin typeface="Source Sans Pro" panose="020B0503030403020204" pitchFamily="34" charset="0"/>
+            </a:endParaRPr>
+          </a:p>
+        </p:txBody>
+      </p:sp>
+      <p:sp>
+        <p:nvSpPr>
+          <p:cNvPr id="25" name="TextBox 24">
+            <a:extLst>
+              <a:ext uri="{FF2B5EF4-FFF2-40B4-BE49-F238E27FC236}">
+                <a16:creationId xmlns:a16="http://schemas.microsoft.com/office/drawing/2014/main" id="{9C7F1AE5-4391-4073-F59D-DC2A1915BDE9}"/>
+              </a:ext>
+            </a:extLst>
+          </p:cNvPr>
+          <p:cNvSpPr txBox="1"/>
+          <p:nvPr/>
+        </p:nvSpPr>
+        <p:spPr>
+          <a:xfrm>
+            <a:off x="128855" y="115348"/>
+            <a:ext cx="1820057" cy="400110"/>
+          </a:xfrm>
+          <a:prstGeom prst="rect">
+            <a:avLst/>
+          </a:prstGeom>
+          <a:noFill/>
+        </p:spPr>
+        <p:txBody>
+          <a:bodyPr wrap="square">
+            <a:spAutoFit/>
+          </a:bodyPr>
+          <a:lstStyle/>
+          <a:p>
+            <a:r>
+              <a:rPr kumimoji="1" lang="en-US" altLang="ko-Kore-KR" sz="2000" b="1" dirty="0">
+                <a:solidFill>
+                  <a:schemeClr val="tx1"/>
+                </a:solidFill>
+                <a:latin typeface="Times New Roman" panose="02020603050405020304" pitchFamily="18" charset="0"/>
+                <a:ea typeface="Source Sans Pro" panose="020B0503030403020204" pitchFamily="34" charset="0"/>
+                <a:cs typeface="Times New Roman" panose="02020603050405020304" pitchFamily="18" charset="0"/>
+              </a:rPr>
+              <a:t>Policy Phase </a:t>
+            </a:r>
+          </a:p>
+        </p:txBody>
+      </p:sp>
+      <p:sp>
+        <p:nvSpPr>
+          <p:cNvPr id="73" name="TextBox 72">
+            <a:extLst>
+              <a:ext uri="{FF2B5EF4-FFF2-40B4-BE49-F238E27FC236}">
+                <a16:creationId xmlns:a16="http://schemas.microsoft.com/office/drawing/2014/main" id="{4B982F0A-B2D5-F009-80F9-C29E87C1563D}"/>
+              </a:ext>
+            </a:extLst>
+          </p:cNvPr>
+          <p:cNvSpPr txBox="1"/>
+          <p:nvPr/>
+        </p:nvSpPr>
+        <p:spPr>
+          <a:xfrm>
+            <a:off x="128855" y="2469558"/>
+            <a:ext cx="1820057" cy="400110"/>
+          </a:xfrm>
+          <a:prstGeom prst="rect">
+            <a:avLst/>
+          </a:prstGeom>
+          <a:noFill/>
+        </p:spPr>
+        <p:txBody>
+          <a:bodyPr wrap="square">
+            <a:spAutoFit/>
+          </a:bodyPr>
+          <a:lstStyle/>
+          <a:p>
+            <a:r>
+              <a:rPr kumimoji="1" lang="en-US" altLang="ko-Kore-KR" sz="2000" b="1" dirty="0">
+                <a:solidFill>
+                  <a:schemeClr val="tx1"/>
+                </a:solidFill>
+                <a:latin typeface="Times New Roman" panose="02020603050405020304" pitchFamily="18" charset="0"/>
+                <a:ea typeface="Source Sans Pro" panose="020B0503030403020204" pitchFamily="34" charset="0"/>
+                <a:cs typeface="Times New Roman" panose="02020603050405020304" pitchFamily="18" charset="0"/>
+              </a:rPr>
+              <a:t>Aux Phase </a:t>
+            </a:r>
+          </a:p>
+        </p:txBody>
+      </p:sp>
+      <p:sp>
+        <p:nvSpPr>
+          <p:cNvPr id="86" name="원통[C] 85">
+            <a:extLst>
+              <a:ext uri="{FF2B5EF4-FFF2-40B4-BE49-F238E27FC236}">
+                <a16:creationId xmlns:a16="http://schemas.microsoft.com/office/drawing/2014/main" id="{91EC83EA-908D-A140-EB93-0EEE7FB84482}"/>
+              </a:ext>
+            </a:extLst>
+          </p:cNvPr>
+          <p:cNvSpPr/>
+          <p:nvPr/>
+        </p:nvSpPr>
+        <p:spPr>
+          <a:xfrm>
+            <a:off x="1071510" y="2970816"/>
+            <a:ext cx="900000" cy="900000"/>
+          </a:xfrm>
+          <a:prstGeom prst="can">
+            <a:avLst/>
+          </a:prstGeom>
+          <a:noFill/>
+        </p:spPr>
+        <p:style>
+          <a:lnRef idx="2">
+            <a:schemeClr val="accent1">
+              <a:shade val="15000"/>
+            </a:schemeClr>
+          </a:lnRef>
+          <a:fillRef idx="1">
+            <a:schemeClr val="accent1"/>
+          </a:fillRef>
+          <a:effectRef idx="0">
+            <a:schemeClr val="accent1"/>
+          </a:effectRef>
+          <a:fontRef idx="minor">
+            <a:schemeClr val="lt1"/>
+          </a:fontRef>
+        </p:style>
+        <p:txBody>
+          <a:bodyPr rtlCol="0" anchor="ctr"/>
+          <a:lstStyle/>
+          <a:p>
+            <a:pPr algn="ctr"/>
+            <a:r>
+              <a:rPr kumimoji="1" lang="en-US" altLang="ko-Kore-KR" sz="1800" dirty="0">
+                <a:solidFill>
+                  <a:schemeClr val="tx1"/>
+                </a:solidFill>
+                <a:latin typeface="Times New Roman" panose="02020603050405020304" pitchFamily="18" charset="0"/>
+                <a:ea typeface="Source Sans Pro" panose="020B0503030403020204" pitchFamily="34" charset="0"/>
+                <a:cs typeface="Times New Roman" panose="02020603050405020304" pitchFamily="18" charset="0"/>
+              </a:rPr>
+              <a:t>Buffer</a:t>
+            </a:r>
+            <a:endParaRPr kumimoji="1" lang="ko-Kore-KR" altLang="en-US" sz="1800" dirty="0">
+              <a:solidFill>
+                <a:schemeClr val="tx1"/>
+              </a:solidFill>
+              <a:latin typeface="Times New Roman" panose="02020603050405020304" pitchFamily="18" charset="0"/>
+              <a:cs typeface="Times New Roman" panose="02020603050405020304" pitchFamily="18" charset="0"/>
+            </a:endParaRPr>
+          </a:p>
+        </p:txBody>
+      </p:sp>
+      <p:sp>
+        <p:nvSpPr>
+          <p:cNvPr id="87" name="직사각형 86">
+            <a:extLst>
+              <a:ext uri="{FF2B5EF4-FFF2-40B4-BE49-F238E27FC236}">
+                <a16:creationId xmlns:a16="http://schemas.microsoft.com/office/drawing/2014/main" id="{9DFB388D-C80C-439B-33CF-40298B5B18A2}"/>
+              </a:ext>
+            </a:extLst>
+          </p:cNvPr>
+          <p:cNvSpPr/>
+          <p:nvPr/>
+        </p:nvSpPr>
+        <p:spPr>
+          <a:xfrm>
+            <a:off x="157999" y="2469558"/>
+            <a:ext cx="1236257" cy="400110"/>
+          </a:xfrm>
+          <a:prstGeom prst="rect">
+            <a:avLst/>
+          </a:prstGeom>
+          <a:solidFill>
+            <a:schemeClr val="bg1">
+              <a:alpha val="80000"/>
+            </a:schemeClr>
+          </a:solidFill>
+          <a:ln>
+            <a:noFill/>
+          </a:ln>
+        </p:spPr>
+        <p:style>
+          <a:lnRef idx="2">
+            <a:schemeClr val="accent1">
+              <a:shade val="15000"/>
+            </a:schemeClr>
+          </a:lnRef>
+          <a:fillRef idx="1">
+            <a:schemeClr val="accent1"/>
+          </a:fillRef>
+          <a:effectRef idx="0">
+            <a:schemeClr val="accent1"/>
+          </a:effectRef>
+          <a:fontRef idx="minor">
+            <a:schemeClr val="lt1"/>
+          </a:fontRef>
+        </p:style>
+        <p:txBody>
+          <a:bodyPr rtlCol="0" anchor="ctr"/>
+          <a:lstStyle/>
+          <a:p>
+            <a:pPr algn="ctr"/>
+            <a:endParaRPr kumimoji="1" lang="ko-Kore-KR" altLang="en-US" dirty="0"/>
+          </a:p>
+        </p:txBody>
+      </p:sp>
+      <p:sp>
+        <p:nvSpPr>
+          <p:cNvPr id="115" name="직사각형 114">
+            <a:extLst>
+              <a:ext uri="{FF2B5EF4-FFF2-40B4-BE49-F238E27FC236}">
+                <a16:creationId xmlns:a16="http://schemas.microsoft.com/office/drawing/2014/main" id="{3B73E9E6-9E8E-E1EB-7458-CBB17FCE5893}"/>
+              </a:ext>
+            </a:extLst>
+          </p:cNvPr>
+          <p:cNvSpPr/>
+          <p:nvPr/>
+        </p:nvSpPr>
+        <p:spPr>
+          <a:xfrm>
+            <a:off x="4029958" y="2934895"/>
+            <a:ext cx="972000" cy="972000"/>
+          </a:xfrm>
+          <a:prstGeom prst="rect">
+            <a:avLst/>
+          </a:prstGeom>
+          <a:noFill/>
+          <a:ln w="19050">
+            <a:solidFill>
+              <a:schemeClr val="tx1"/>
+            </a:solidFill>
+          </a:ln>
+        </p:spPr>
+        <p:style>
+          <a:lnRef idx="2">
+            <a:schemeClr val="accent1">
+              <a:shade val="15000"/>
+            </a:schemeClr>
+          </a:lnRef>
+          <a:fillRef idx="1">
+            <a:schemeClr val="accent1"/>
+          </a:fillRef>
+          <a:effectRef idx="0">
+            <a:schemeClr val="accent1"/>
+          </a:effectRef>
+          <a:fontRef idx="minor">
+            <a:schemeClr val="lt1"/>
+          </a:fontRef>
+        </p:style>
+        <p:txBody>
+          <a:bodyPr rtlCol="0" anchor="ctr"/>
+          <a:lstStyle/>
+          <a:p>
+            <a:pPr algn="ctr"/>
+            <a:r>
+              <a:rPr kumimoji="1" lang="en-US" altLang="ko-Kore-KR" sz="1800" dirty="0">
+                <a:solidFill>
+                  <a:schemeClr val="tx1"/>
+                </a:solidFill>
+                <a:latin typeface="Times New Roman" panose="02020603050405020304" pitchFamily="18" charset="0"/>
+                <a:ea typeface="Source Sans Pro" panose="020B0503030403020204" pitchFamily="34" charset="0"/>
+                <a:cs typeface="Times New Roman" panose="02020603050405020304" pitchFamily="18" charset="0"/>
+              </a:rPr>
+              <a:t>Encoder</a:t>
+            </a:r>
+          </a:p>
+          <a:p>
+            <a:pPr algn="ctr"/>
+            <a:endParaRPr kumimoji="1" lang="ko-Kore-KR" altLang="en-US" dirty="0">
+              <a:solidFill>
+                <a:schemeClr val="tx1"/>
+              </a:solidFill>
+              <a:latin typeface="Times New Roman" panose="02020603050405020304" pitchFamily="18" charset="0"/>
+              <a:cs typeface="Times New Roman" panose="02020603050405020304" pitchFamily="18" charset="0"/>
+            </a:endParaRPr>
+          </a:p>
+        </p:txBody>
+      </p:sp>
+      <p:pic>
+        <p:nvPicPr>
+          <p:cNvPr id="116" name="그림 115">
+            <a:extLst>
+              <a:ext uri="{FF2B5EF4-FFF2-40B4-BE49-F238E27FC236}">
+                <a16:creationId xmlns:a16="http://schemas.microsoft.com/office/drawing/2014/main" id="{ED46CB78-04D6-1228-6EA1-ADC68B4A06C2}"/>
+              </a:ext>
+            </a:extLst>
+          </p:cNvPr>
+          <p:cNvPicPr>
+            <a:picLocks noChangeAspect="1"/>
+          </p:cNvPicPr>
+          <p:nvPr/>
+        </p:nvPicPr>
+        <p:blipFill>
+          <a:blip r:embed="rId3"/>
+          <a:stretch>
+            <a:fillRect/>
+          </a:stretch>
+        </p:blipFill>
+        <p:spPr>
+          <a:xfrm>
+            <a:off x="4473291" y="3457105"/>
+            <a:ext cx="85333" cy="144000"/>
+          </a:xfrm>
+          <a:prstGeom prst="rect">
+            <a:avLst/>
+          </a:prstGeom>
+        </p:spPr>
+      </p:pic>
+      <p:sp>
+        <p:nvSpPr>
+          <p:cNvPr id="117" name="TextBox 116">
+            <a:extLst>
+              <a:ext uri="{FF2B5EF4-FFF2-40B4-BE49-F238E27FC236}">
+                <a16:creationId xmlns:a16="http://schemas.microsoft.com/office/drawing/2014/main" id="{524563A2-2AEA-7F38-4DC4-72D7837DCEFC}"/>
+              </a:ext>
+            </a:extLst>
+          </p:cNvPr>
+          <p:cNvSpPr txBox="1"/>
+          <p:nvPr/>
+        </p:nvSpPr>
+        <p:spPr>
+          <a:xfrm>
+            <a:off x="5356016" y="2657896"/>
+            <a:ext cx="997843" cy="553998"/>
+          </a:xfrm>
+          <a:prstGeom prst="rect">
+            <a:avLst/>
+          </a:prstGeom>
+          <a:noFill/>
+        </p:spPr>
+        <p:txBody>
+          <a:bodyPr wrap="square">
+            <a:spAutoFit/>
+          </a:bodyPr>
+          <a:lstStyle/>
+          <a:p>
+            <a:pPr algn="ctr"/>
+            <a:r>
+              <a:rPr kumimoji="1" lang="en-US" altLang="ko-Kore-KR" sz="1600" dirty="0">
+                <a:solidFill>
+                  <a:srgbClr val="FF0000"/>
+                </a:solidFill>
+                <a:latin typeface="Times New Roman" panose="02020603050405020304" pitchFamily="18" charset="0"/>
+                <a:ea typeface="Source Sans Pro" panose="020B0503030403020204" pitchFamily="34" charset="0"/>
+                <a:cs typeface="Times New Roman" panose="02020603050405020304" pitchFamily="18" charset="0"/>
+              </a:rPr>
+              <a:t>Policy</a:t>
+            </a:r>
+          </a:p>
+          <a:p>
+            <a:pPr algn="ctr"/>
+            <a:endParaRPr lang="ko-Kore-KR" altLang="en-US" dirty="0">
+              <a:latin typeface="Times New Roman" panose="02020603050405020304" pitchFamily="18" charset="0"/>
+              <a:cs typeface="Times New Roman" panose="02020603050405020304" pitchFamily="18" charset="0"/>
+            </a:endParaRPr>
+          </a:p>
+        </p:txBody>
+      </p:sp>
+      <p:pic>
+        <p:nvPicPr>
+          <p:cNvPr id="118" name="그림 117">
+            <a:extLst>
+              <a:ext uri="{FF2B5EF4-FFF2-40B4-BE49-F238E27FC236}">
+                <a16:creationId xmlns:a16="http://schemas.microsoft.com/office/drawing/2014/main" id="{6FE200BA-D280-8CC3-1208-40103B657C2F}"/>
+              </a:ext>
+            </a:extLst>
+          </p:cNvPr>
+          <p:cNvPicPr>
+            <a:picLocks noChangeAspect="1"/>
+          </p:cNvPicPr>
+          <p:nvPr/>
+        </p:nvPicPr>
+        <p:blipFill>
+          <a:blip r:embed="rId4"/>
+          <a:stretch>
+            <a:fillRect/>
+          </a:stretch>
+        </p:blipFill>
+        <p:spPr>
+          <a:xfrm>
+            <a:off x="5428018" y="2977645"/>
+            <a:ext cx="900000" cy="220531"/>
+          </a:xfrm>
+          <a:prstGeom prst="rect">
+            <a:avLst/>
+          </a:prstGeom>
+        </p:spPr>
+      </p:pic>
+      <p:cxnSp>
+        <p:nvCxnSpPr>
+          <p:cNvPr id="119" name="직선 화살표 연결선 118">
+            <a:extLst>
+              <a:ext uri="{FF2B5EF4-FFF2-40B4-BE49-F238E27FC236}">
+                <a16:creationId xmlns:a16="http://schemas.microsoft.com/office/drawing/2014/main" id="{4659420C-23A8-70C7-A11E-A927098AF9D6}"/>
+              </a:ext>
+            </a:extLst>
+          </p:cNvPr>
+          <p:cNvCxnSpPr>
+            <a:cxnSpLocks/>
+            <a:stCxn id="115" idx="3"/>
+            <a:endCxn id="117" idx="1"/>
+          </p:cNvCxnSpPr>
+          <p:nvPr/>
+        </p:nvCxnSpPr>
+        <p:spPr>
+          <a:xfrm flipV="1">
+            <a:off x="5001958" y="2934895"/>
+            <a:ext cx="354058" cy="486000"/>
+          </a:xfrm>
+          <a:prstGeom prst="straightConnector1">
+            <a:avLst/>
+          </a:prstGeom>
+          <a:ln w="19050">
+            <a:solidFill>
+              <a:schemeClr val="tx1"/>
+            </a:solidFill>
+            <a:tailEnd type="triangle"/>
+          </a:ln>
+        </p:spPr>
+        <p:style>
+          <a:lnRef idx="1">
+            <a:schemeClr val="accent1"/>
+          </a:lnRef>
+          <a:fillRef idx="0">
+            <a:schemeClr val="accent1"/>
+          </a:fillRef>
+          <a:effectRef idx="0">
+            <a:schemeClr val="accent1"/>
+          </a:effectRef>
+          <a:fontRef idx="minor">
+            <a:schemeClr val="tx1"/>
+          </a:fontRef>
+        </p:style>
+      </p:cxnSp>
+      <p:sp>
+        <p:nvSpPr>
+          <p:cNvPr id="120" name="TextBox 119">
+            <a:extLst>
+              <a:ext uri="{FF2B5EF4-FFF2-40B4-BE49-F238E27FC236}">
+                <a16:creationId xmlns:a16="http://schemas.microsoft.com/office/drawing/2014/main" id="{F0623EE3-40B9-D24E-AEF5-E94F114EC4C4}"/>
+              </a:ext>
+            </a:extLst>
+          </p:cNvPr>
+          <p:cNvSpPr txBox="1"/>
+          <p:nvPr/>
+        </p:nvSpPr>
+        <p:spPr>
+          <a:xfrm>
+            <a:off x="5356017" y="3629896"/>
+            <a:ext cx="997843" cy="553998"/>
+          </a:xfrm>
+          <a:prstGeom prst="rect">
+            <a:avLst/>
+          </a:prstGeom>
+          <a:noFill/>
+        </p:spPr>
+        <p:txBody>
+          <a:bodyPr wrap="square">
+            <a:spAutoFit/>
+          </a:bodyPr>
+          <a:lstStyle/>
+          <a:p>
+            <a:pPr algn="ctr"/>
+            <a:r>
+              <a:rPr kumimoji="1" lang="en-US" altLang="ko-Kore-KR" sz="1600" dirty="0">
+                <a:solidFill>
+                  <a:schemeClr val="accent1"/>
+                </a:solidFill>
+                <a:latin typeface="Times New Roman" panose="02020603050405020304" pitchFamily="18" charset="0"/>
+                <a:ea typeface="Source Sans Pro" panose="020B0503030403020204" pitchFamily="34" charset="0"/>
+                <a:cs typeface="Times New Roman" panose="02020603050405020304" pitchFamily="18" charset="0"/>
+              </a:rPr>
+              <a:t>Value</a:t>
+            </a:r>
+          </a:p>
+          <a:p>
+            <a:pPr algn="ctr"/>
+            <a:endParaRPr lang="ko-Kore-KR" altLang="en-US" dirty="0">
+              <a:solidFill>
+                <a:schemeClr val="tx1">
+                  <a:alpha val="20000"/>
+                </a:schemeClr>
+              </a:solidFill>
+              <a:latin typeface="Times New Roman" panose="02020603050405020304" pitchFamily="18" charset="0"/>
+              <a:cs typeface="Times New Roman" panose="02020603050405020304" pitchFamily="18" charset="0"/>
+            </a:endParaRPr>
+          </a:p>
+        </p:txBody>
+      </p:sp>
+      <p:pic>
+        <p:nvPicPr>
+          <p:cNvPr id="121" name="그림 120">
+            <a:extLst>
+              <a:ext uri="{FF2B5EF4-FFF2-40B4-BE49-F238E27FC236}">
+                <a16:creationId xmlns:a16="http://schemas.microsoft.com/office/drawing/2014/main" id="{24EB9AF0-CF11-366C-5C87-A8733F7632E5}"/>
+              </a:ext>
+            </a:extLst>
+          </p:cNvPr>
+          <p:cNvPicPr>
+            <a:picLocks noChangeAspect="1"/>
+          </p:cNvPicPr>
+          <p:nvPr/>
+        </p:nvPicPr>
+        <p:blipFill>
+          <a:blip r:embed="rId5">
+            <a:alphaModFix/>
+          </a:blip>
+          <a:stretch>
+            <a:fillRect/>
+          </a:stretch>
+        </p:blipFill>
+        <p:spPr>
+          <a:xfrm>
+            <a:off x="5605369" y="3942261"/>
+            <a:ext cx="499135" cy="205200"/>
+          </a:xfrm>
+          <a:prstGeom prst="rect">
+            <a:avLst/>
+          </a:prstGeom>
+        </p:spPr>
+      </p:pic>
+      <p:cxnSp>
+        <p:nvCxnSpPr>
+          <p:cNvPr id="122" name="직선 화살표 연결선 121">
+            <a:extLst>
+              <a:ext uri="{FF2B5EF4-FFF2-40B4-BE49-F238E27FC236}">
+                <a16:creationId xmlns:a16="http://schemas.microsoft.com/office/drawing/2014/main" id="{111A72F3-2C4F-F86C-20A0-4791BB5DA733}"/>
+              </a:ext>
+            </a:extLst>
+          </p:cNvPr>
+          <p:cNvCxnSpPr>
+            <a:cxnSpLocks/>
+            <a:stCxn id="115" idx="3"/>
+            <a:endCxn id="120" idx="1"/>
+          </p:cNvCxnSpPr>
+          <p:nvPr/>
+        </p:nvCxnSpPr>
+        <p:spPr>
+          <a:xfrm>
+            <a:off x="5001958" y="3420895"/>
+            <a:ext cx="354059" cy="486000"/>
+          </a:xfrm>
+          <a:prstGeom prst="straightConnector1">
+            <a:avLst/>
+          </a:prstGeom>
+          <a:ln w="19050">
+            <a:solidFill>
+              <a:schemeClr val="tx1"/>
+            </a:solidFill>
+            <a:tailEnd type="triangle"/>
+          </a:ln>
+        </p:spPr>
+        <p:style>
+          <a:lnRef idx="1">
+            <a:schemeClr val="accent1"/>
+          </a:lnRef>
+          <a:fillRef idx="0">
+            <a:schemeClr val="accent1"/>
+          </a:fillRef>
+          <a:effectRef idx="0">
+            <a:schemeClr val="accent1"/>
+          </a:effectRef>
+          <a:fontRef idx="minor">
+            <a:schemeClr val="tx1"/>
+          </a:fontRef>
+        </p:style>
+      </p:cxnSp>
+      <p:cxnSp>
+        <p:nvCxnSpPr>
+          <p:cNvPr id="123" name="직선 화살표 연결선 122">
+            <a:extLst>
+              <a:ext uri="{FF2B5EF4-FFF2-40B4-BE49-F238E27FC236}">
+                <a16:creationId xmlns:a16="http://schemas.microsoft.com/office/drawing/2014/main" id="{CBA3C5C3-B8EF-79E9-A246-61AF1C491CAF}"/>
+              </a:ext>
+            </a:extLst>
+          </p:cNvPr>
+          <p:cNvCxnSpPr>
+            <a:cxnSpLocks/>
+            <a:stCxn id="124" idx="3"/>
+            <a:endCxn id="115" idx="1"/>
+          </p:cNvCxnSpPr>
+          <p:nvPr/>
+        </p:nvCxnSpPr>
+        <p:spPr>
+          <a:xfrm>
+            <a:off x="3675898" y="3420817"/>
+            <a:ext cx="354060" cy="78"/>
+          </a:xfrm>
+          <a:prstGeom prst="straightConnector1">
+            <a:avLst/>
+          </a:prstGeom>
+          <a:ln w="19050">
+            <a:solidFill>
+              <a:schemeClr val="tx1"/>
+            </a:solidFill>
+            <a:tailEnd type="triangle"/>
+          </a:ln>
+        </p:spPr>
+        <p:style>
+          <a:lnRef idx="1">
+            <a:schemeClr val="accent1"/>
+          </a:lnRef>
+          <a:fillRef idx="0">
+            <a:schemeClr val="accent1"/>
+          </a:fillRef>
+          <a:effectRef idx="0">
+            <a:schemeClr val="accent1"/>
+          </a:effectRef>
+          <a:fontRef idx="minor">
+            <a:schemeClr val="tx1"/>
+          </a:fontRef>
+        </p:style>
+      </p:cxnSp>
+      <p:sp>
+        <p:nvSpPr>
+          <p:cNvPr id="124" name="TextBox 123">
+            <a:extLst>
+              <a:ext uri="{FF2B5EF4-FFF2-40B4-BE49-F238E27FC236}">
+                <a16:creationId xmlns:a16="http://schemas.microsoft.com/office/drawing/2014/main" id="{2084A08F-C078-58F8-26C8-854892BA3545}"/>
+              </a:ext>
+            </a:extLst>
+          </p:cNvPr>
+          <p:cNvSpPr txBox="1"/>
+          <p:nvPr/>
+        </p:nvSpPr>
+        <p:spPr>
+          <a:xfrm>
+            <a:off x="3009912" y="3097651"/>
+            <a:ext cx="665986" cy="646331"/>
+          </a:xfrm>
+          <a:prstGeom prst="rect">
+            <a:avLst/>
+          </a:prstGeom>
+          <a:noFill/>
+        </p:spPr>
+        <p:txBody>
+          <a:bodyPr wrap="square">
+            <a:spAutoFit/>
+          </a:bodyPr>
+          <a:lstStyle/>
+          <a:p>
+            <a:pPr algn="ctr"/>
+            <a:r>
+              <a:rPr kumimoji="1" lang="en-US" altLang="ko-Kore-KR" sz="1800" dirty="0">
+                <a:solidFill>
+                  <a:schemeClr val="tx1"/>
+                </a:solidFill>
+                <a:latin typeface="Times New Roman" panose="02020603050405020304" pitchFamily="18" charset="0"/>
+                <a:ea typeface="Source Sans Pro" panose="020B0503030403020204" pitchFamily="34" charset="0"/>
+                <a:cs typeface="Times New Roman" panose="02020603050405020304" pitchFamily="18" charset="0"/>
+              </a:rPr>
+              <a:t>State</a:t>
+            </a:r>
+          </a:p>
+          <a:p>
+            <a:pPr algn="ctr"/>
+            <a:endParaRPr lang="ko-Kore-KR" altLang="en-US" sz="1800" dirty="0">
+              <a:latin typeface="Times New Roman" panose="02020603050405020304" pitchFamily="18" charset="0"/>
+              <a:cs typeface="Times New Roman" panose="02020603050405020304" pitchFamily="18" charset="0"/>
+            </a:endParaRPr>
+          </a:p>
+        </p:txBody>
+      </p:sp>
+      <p:pic>
+        <p:nvPicPr>
+          <p:cNvPr id="125" name="그림 124">
+            <a:extLst>
+              <a:ext uri="{FF2B5EF4-FFF2-40B4-BE49-F238E27FC236}">
+                <a16:creationId xmlns:a16="http://schemas.microsoft.com/office/drawing/2014/main" id="{A64DB605-19C2-4E11-C3AD-27AB0FF2CE24}"/>
+              </a:ext>
+            </a:extLst>
+          </p:cNvPr>
+          <p:cNvPicPr>
+            <a:picLocks noChangeAspect="1"/>
+          </p:cNvPicPr>
+          <p:nvPr/>
+        </p:nvPicPr>
+        <p:blipFill>
+          <a:blip r:embed="rId6"/>
+          <a:stretch>
+            <a:fillRect/>
+          </a:stretch>
+        </p:blipFill>
+        <p:spPr>
+          <a:xfrm>
+            <a:off x="3258524" y="3429857"/>
+            <a:ext cx="189626" cy="166871"/>
+          </a:xfrm>
+          <a:prstGeom prst="rect">
+            <a:avLst/>
+          </a:prstGeom>
+        </p:spPr>
+      </p:pic>
+      <p:sp>
+        <p:nvSpPr>
+          <p:cNvPr id="7" name="직사각형 6">
+            <a:extLst>
+              <a:ext uri="{FF2B5EF4-FFF2-40B4-BE49-F238E27FC236}">
+                <a16:creationId xmlns:a16="http://schemas.microsoft.com/office/drawing/2014/main" id="{143471F6-232D-D8A1-E00F-F5DAA29C498C}"/>
+              </a:ext>
+            </a:extLst>
+          </p:cNvPr>
+          <p:cNvSpPr/>
+          <p:nvPr/>
+        </p:nvSpPr>
+        <p:spPr>
+          <a:xfrm>
+            <a:off x="3046722" y="2691485"/>
+            <a:ext cx="3360256" cy="1492019"/>
+          </a:xfrm>
+          <a:prstGeom prst="rect">
+            <a:avLst/>
+          </a:prstGeom>
+          <a:solidFill>
+            <a:schemeClr val="bg1">
+              <a:alpha val="80000"/>
+            </a:schemeClr>
+          </a:solidFill>
+          <a:ln>
+            <a:noFill/>
+          </a:ln>
+        </p:spPr>
+        <p:style>
+          <a:lnRef idx="2">
+            <a:schemeClr val="accent1">
+              <a:shade val="15000"/>
+            </a:schemeClr>
+          </a:lnRef>
+          <a:fillRef idx="1">
+            <a:schemeClr val="accent1"/>
+          </a:fillRef>
+          <a:effectRef idx="0">
+            <a:schemeClr val="accent1"/>
+          </a:effectRef>
+          <a:fontRef idx="minor">
+            <a:schemeClr val="lt1"/>
+          </a:fontRef>
+        </p:style>
+        <p:txBody>
+          <a:bodyPr rtlCol="0" anchor="ctr"/>
+          <a:lstStyle/>
+          <a:p>
+            <a:pPr algn="ctr"/>
+            <a:endParaRPr kumimoji="1" lang="ko-Kore-KR" altLang="en-US" dirty="0"/>
+          </a:p>
+        </p:txBody>
+      </p:sp>
+      <p:sp>
+        <p:nvSpPr>
+          <p:cNvPr id="4" name="아래쪽 화살표[D] 3">
+            <a:extLst>
+              <a:ext uri="{FF2B5EF4-FFF2-40B4-BE49-F238E27FC236}">
+                <a16:creationId xmlns:a16="http://schemas.microsoft.com/office/drawing/2014/main" id="{0997AE67-FCEF-5AF9-561D-39EECC58C91E}"/>
+              </a:ext>
+            </a:extLst>
+          </p:cNvPr>
+          <p:cNvSpPr/>
+          <p:nvPr/>
+        </p:nvSpPr>
+        <p:spPr>
+          <a:xfrm rot="16200000">
+            <a:off x="2657107" y="1320745"/>
+            <a:ext cx="198495" cy="338554"/>
+          </a:xfrm>
+          <a:prstGeom prst="downArrow">
+            <a:avLst>
+              <a:gd name="adj1" fmla="val 37549"/>
+              <a:gd name="adj2" fmla="val 50000"/>
+            </a:avLst>
+          </a:prstGeom>
+          <a:solidFill>
+            <a:schemeClr val="tx1"/>
+          </a:solidFill>
+          <a:ln>
+            <a:noFill/>
+          </a:ln>
+        </p:spPr>
+        <p:style>
+          <a:lnRef idx="2">
+            <a:schemeClr val="accent1">
+              <a:shade val="15000"/>
+            </a:schemeClr>
+          </a:lnRef>
+          <a:fillRef idx="1">
+            <a:schemeClr val="accent1"/>
+          </a:fillRef>
+          <a:effectRef idx="0">
+            <a:schemeClr val="accent1"/>
+          </a:effectRef>
+          <a:fontRef idx="minor">
+            <a:schemeClr val="lt1"/>
+          </a:fontRef>
+        </p:style>
+        <p:txBody>
+          <a:bodyPr rtlCol="0" anchor="ctr"/>
+          <a:lstStyle/>
+          <a:p>
+            <a:pPr algn="ctr"/>
+            <a:endParaRPr kumimoji="1" lang="ko-Kore-KR" altLang="en-US"/>
+          </a:p>
+        </p:txBody>
+      </p:sp>
+    </p:spTree>
+    <p:extLst>
+      <p:ext uri="{BB962C8B-B14F-4D97-AF65-F5344CB8AC3E}">
+        <p14:creationId xmlns:p14="http://schemas.microsoft.com/office/powerpoint/2010/main" val="3896175937"/>
+      </p:ext>
+    </p:extLst>
+  </p:cSld>
+  <p:clrMapOvr>
+    <a:masterClrMapping/>
+  </p:clrMapOvr>
+</p:sld>
+</file>
+
+<file path=ppt/slides/slide11.xml><?xml version="1.0" encoding="utf-8"?>
+<p:sld xmlns:a="http://schemas.openxmlformats.org/drawingml/2006/main" xmlns:r="http://schemas.openxmlformats.org/officeDocument/2006/relationships" xmlns:p="http://schemas.openxmlformats.org/presentationml/2006/main">
+  <p:cSld>
+    <p:spTree>
+      <p:nvGrpSpPr>
+        <p:cNvPr id="1" name="Shape 81"/>
+        <p:cNvGrpSpPr/>
+        <p:nvPr/>
+      </p:nvGrpSpPr>
+      <p:grpSpPr>
+        <a:xfrm>
+          <a:off x="0" y="0"/>
+          <a:ext cx="0" cy="0"/>
+          <a:chOff x="0" y="0"/>
+          <a:chExt cx="0" cy="0"/>
+        </a:xfrm>
+      </p:grpSpPr>
+      <p:sp>
+        <p:nvSpPr>
+          <p:cNvPr id="2" name="직사각형 1">
+            <a:extLst>
+              <a:ext uri="{FF2B5EF4-FFF2-40B4-BE49-F238E27FC236}">
+                <a16:creationId xmlns:a16="http://schemas.microsoft.com/office/drawing/2014/main" id="{0C17AC6A-59F8-9731-C737-FC57B988DE34}"/>
+              </a:ext>
+            </a:extLst>
+          </p:cNvPr>
+          <p:cNvSpPr/>
+          <p:nvPr/>
+        </p:nvSpPr>
+        <p:spPr>
+          <a:xfrm>
+            <a:off x="4029958" y="995060"/>
+            <a:ext cx="972000" cy="972000"/>
+          </a:xfrm>
+          <a:prstGeom prst="rect">
+            <a:avLst/>
+          </a:prstGeom>
+          <a:noFill/>
+          <a:ln w="19050">
+            <a:solidFill>
+              <a:schemeClr val="tx1"/>
+            </a:solidFill>
+          </a:ln>
+        </p:spPr>
+        <p:style>
+          <a:lnRef idx="2">
+            <a:schemeClr val="accent1">
+              <a:shade val="15000"/>
+            </a:schemeClr>
+          </a:lnRef>
+          <a:fillRef idx="1">
+            <a:schemeClr val="accent1"/>
+          </a:fillRef>
+          <a:effectRef idx="0">
+            <a:schemeClr val="accent1"/>
+          </a:effectRef>
+          <a:fontRef idx="minor">
+            <a:schemeClr val="lt1"/>
+          </a:fontRef>
+        </p:style>
+        <p:txBody>
+          <a:bodyPr rtlCol="0" anchor="ctr"/>
+          <a:lstStyle/>
+          <a:p>
+            <a:pPr algn="ctr"/>
+            <a:r>
+              <a:rPr kumimoji="1" lang="en-US" altLang="ko-Kore-KR" sz="1800" dirty="0">
+                <a:solidFill>
+                  <a:schemeClr val="tx1"/>
+                </a:solidFill>
+                <a:latin typeface="Times New Roman" panose="02020603050405020304" pitchFamily="18" charset="0"/>
+                <a:ea typeface="Source Sans Pro" panose="020B0503030403020204" pitchFamily="34" charset="0"/>
+                <a:cs typeface="Times New Roman" panose="02020603050405020304" pitchFamily="18" charset="0"/>
+              </a:rPr>
+              <a:t>Encoder</a:t>
+            </a:r>
+          </a:p>
+          <a:p>
+            <a:pPr algn="ctr"/>
+            <a:endParaRPr kumimoji="1" lang="ko-Kore-KR" altLang="en-US" dirty="0">
+              <a:solidFill>
+                <a:schemeClr val="tx1"/>
+              </a:solidFill>
+              <a:latin typeface="Times New Roman" panose="02020603050405020304" pitchFamily="18" charset="0"/>
+              <a:cs typeface="Times New Roman" panose="02020603050405020304" pitchFamily="18" charset="0"/>
+            </a:endParaRPr>
+          </a:p>
+        </p:txBody>
+      </p:sp>
+      <p:pic>
+        <p:nvPicPr>
+          <p:cNvPr id="3" name="그림 2">
+            <a:extLst>
+              <a:ext uri="{FF2B5EF4-FFF2-40B4-BE49-F238E27FC236}">
+                <a16:creationId xmlns:a16="http://schemas.microsoft.com/office/drawing/2014/main" id="{E56AEE8A-1BEF-3703-F1DB-49CE8B108C2B}"/>
+              </a:ext>
+            </a:extLst>
+          </p:cNvPr>
+          <p:cNvPicPr>
+            <a:picLocks noChangeAspect="1"/>
+          </p:cNvPicPr>
+          <p:nvPr/>
+        </p:nvPicPr>
+        <p:blipFill>
+          <a:blip r:embed="rId3"/>
+          <a:stretch>
+            <a:fillRect/>
+          </a:stretch>
+        </p:blipFill>
+        <p:spPr>
+          <a:xfrm>
+            <a:off x="4473291" y="1517270"/>
+            <a:ext cx="85333" cy="144000"/>
+          </a:xfrm>
+          <a:prstGeom prst="rect">
+            <a:avLst/>
+          </a:prstGeom>
+        </p:spPr>
+      </p:pic>
+      <p:sp>
+        <p:nvSpPr>
+          <p:cNvPr id="5" name="TextBox 4">
+            <a:extLst>
+              <a:ext uri="{FF2B5EF4-FFF2-40B4-BE49-F238E27FC236}">
+                <a16:creationId xmlns:a16="http://schemas.microsoft.com/office/drawing/2014/main" id="{0D3BB70B-A1A2-5CEA-540E-B91FD1233046}"/>
+              </a:ext>
+            </a:extLst>
+          </p:cNvPr>
+          <p:cNvSpPr txBox="1"/>
+          <p:nvPr/>
+        </p:nvSpPr>
+        <p:spPr>
+          <a:xfrm>
+            <a:off x="5356016" y="718061"/>
+            <a:ext cx="997843" cy="553998"/>
+          </a:xfrm>
+          <a:prstGeom prst="rect">
+            <a:avLst/>
+          </a:prstGeom>
+          <a:noFill/>
+        </p:spPr>
+        <p:txBody>
+          <a:bodyPr wrap="square">
+            <a:spAutoFit/>
+          </a:bodyPr>
+          <a:lstStyle/>
+          <a:p>
+            <a:pPr algn="ctr"/>
+            <a:r>
+              <a:rPr kumimoji="1" lang="en-US" altLang="ko-Kore-KR" sz="1600" dirty="0">
+                <a:solidFill>
+                  <a:schemeClr val="accent1"/>
+                </a:solidFill>
+                <a:latin typeface="Times New Roman" panose="02020603050405020304" pitchFamily="18" charset="0"/>
+                <a:ea typeface="Source Sans Pro" panose="020B0503030403020204" pitchFamily="34" charset="0"/>
+                <a:cs typeface="Times New Roman" panose="02020603050405020304" pitchFamily="18" charset="0"/>
+              </a:rPr>
+              <a:t>Policy</a:t>
+            </a:r>
+          </a:p>
+          <a:p>
+            <a:pPr algn="ctr"/>
+            <a:endParaRPr lang="ko-Kore-KR" altLang="en-US" dirty="0">
+              <a:latin typeface="Times New Roman" panose="02020603050405020304" pitchFamily="18" charset="0"/>
+              <a:cs typeface="Times New Roman" panose="02020603050405020304" pitchFamily="18" charset="0"/>
+            </a:endParaRPr>
+          </a:p>
+        </p:txBody>
+      </p:sp>
+      <p:pic>
+        <p:nvPicPr>
+          <p:cNvPr id="33" name="그림 32">
+            <a:extLst>
+              <a:ext uri="{FF2B5EF4-FFF2-40B4-BE49-F238E27FC236}">
+                <a16:creationId xmlns:a16="http://schemas.microsoft.com/office/drawing/2014/main" id="{DEEFFE0F-2FE1-B49B-E7FF-AB0BB2994CA4}"/>
+              </a:ext>
+            </a:extLst>
+          </p:cNvPr>
+          <p:cNvPicPr>
+            <a:picLocks noChangeAspect="1"/>
+          </p:cNvPicPr>
+          <p:nvPr/>
+        </p:nvPicPr>
+        <p:blipFill>
+          <a:blip r:embed="rId4"/>
+          <a:stretch>
+            <a:fillRect/>
+          </a:stretch>
+        </p:blipFill>
+        <p:spPr>
+          <a:xfrm>
+            <a:off x="5428018" y="1037810"/>
+            <a:ext cx="900000" cy="220531"/>
+          </a:xfrm>
+          <a:prstGeom prst="rect">
+            <a:avLst/>
+          </a:prstGeom>
+        </p:spPr>
+      </p:pic>
+      <p:cxnSp>
+        <p:nvCxnSpPr>
+          <p:cNvPr id="34" name="직선 화살표 연결선 33">
+            <a:extLst>
+              <a:ext uri="{FF2B5EF4-FFF2-40B4-BE49-F238E27FC236}">
+                <a16:creationId xmlns:a16="http://schemas.microsoft.com/office/drawing/2014/main" id="{C2468FBF-A481-C026-3B09-3477DD729C4C}"/>
+              </a:ext>
+            </a:extLst>
+          </p:cNvPr>
+          <p:cNvCxnSpPr>
+            <a:cxnSpLocks/>
+            <a:stCxn id="2" idx="3"/>
+            <a:endCxn id="5" idx="1"/>
+          </p:cNvCxnSpPr>
+          <p:nvPr/>
+        </p:nvCxnSpPr>
+        <p:spPr>
+          <a:xfrm flipV="1">
+            <a:off x="5001958" y="995060"/>
+            <a:ext cx="354058" cy="486000"/>
+          </a:xfrm>
+          <a:prstGeom prst="straightConnector1">
+            <a:avLst/>
+          </a:prstGeom>
+          <a:ln w="19050">
+            <a:solidFill>
+              <a:schemeClr val="tx1"/>
+            </a:solidFill>
+            <a:tailEnd type="triangle"/>
+          </a:ln>
+        </p:spPr>
+        <p:style>
+          <a:lnRef idx="1">
+            <a:schemeClr val="accent1"/>
+          </a:lnRef>
+          <a:fillRef idx="0">
+            <a:schemeClr val="accent1"/>
+          </a:fillRef>
+          <a:effectRef idx="0">
+            <a:schemeClr val="accent1"/>
+          </a:effectRef>
+          <a:fontRef idx="minor">
+            <a:schemeClr val="tx1"/>
+          </a:fontRef>
+        </p:style>
+      </p:cxnSp>
+      <p:sp>
+        <p:nvSpPr>
+          <p:cNvPr id="35" name="TextBox 34">
+            <a:extLst>
+              <a:ext uri="{FF2B5EF4-FFF2-40B4-BE49-F238E27FC236}">
+                <a16:creationId xmlns:a16="http://schemas.microsoft.com/office/drawing/2014/main" id="{1D3E3E0C-7302-EF17-5066-1F0164441157}"/>
+              </a:ext>
+            </a:extLst>
+          </p:cNvPr>
+          <p:cNvSpPr txBox="1"/>
+          <p:nvPr/>
+        </p:nvSpPr>
+        <p:spPr>
+          <a:xfrm>
+            <a:off x="5356017" y="1690061"/>
+            <a:ext cx="997843" cy="553998"/>
+          </a:xfrm>
+          <a:prstGeom prst="rect">
+            <a:avLst/>
+          </a:prstGeom>
+          <a:noFill/>
+        </p:spPr>
+        <p:txBody>
+          <a:bodyPr wrap="square">
+            <a:spAutoFit/>
+          </a:bodyPr>
+          <a:lstStyle/>
+          <a:p>
+            <a:pPr algn="ctr"/>
+            <a:r>
+              <a:rPr kumimoji="1" lang="en-US" altLang="ko-Kore-KR" sz="1600" dirty="0">
+                <a:solidFill>
+                  <a:srgbClr val="FF0000"/>
+                </a:solidFill>
+                <a:latin typeface="Times New Roman" panose="02020603050405020304" pitchFamily="18" charset="0"/>
+                <a:ea typeface="Source Sans Pro" panose="020B0503030403020204" pitchFamily="34" charset="0"/>
+                <a:cs typeface="Times New Roman" panose="02020603050405020304" pitchFamily="18" charset="0"/>
+              </a:rPr>
+              <a:t>Value</a:t>
+            </a:r>
+          </a:p>
+          <a:p>
+            <a:pPr algn="ctr"/>
+            <a:endParaRPr lang="ko-Kore-KR" altLang="en-US" dirty="0">
+              <a:solidFill>
+                <a:schemeClr val="tx1">
+                  <a:alpha val="20000"/>
+                </a:schemeClr>
+              </a:solidFill>
+              <a:latin typeface="Times New Roman" panose="02020603050405020304" pitchFamily="18" charset="0"/>
+              <a:cs typeface="Times New Roman" panose="02020603050405020304" pitchFamily="18" charset="0"/>
+            </a:endParaRPr>
+          </a:p>
+        </p:txBody>
+      </p:sp>
+      <p:pic>
+        <p:nvPicPr>
+          <p:cNvPr id="36" name="그림 35">
+            <a:extLst>
+              <a:ext uri="{FF2B5EF4-FFF2-40B4-BE49-F238E27FC236}">
+                <a16:creationId xmlns:a16="http://schemas.microsoft.com/office/drawing/2014/main" id="{4D61E5CD-EDF4-ABE6-5F21-A1323987711C}"/>
+              </a:ext>
+            </a:extLst>
+          </p:cNvPr>
+          <p:cNvPicPr>
+            <a:picLocks noChangeAspect="1"/>
+          </p:cNvPicPr>
+          <p:nvPr/>
+        </p:nvPicPr>
+        <p:blipFill>
+          <a:blip r:embed="rId5">
+            <a:alphaModFix/>
+          </a:blip>
+          <a:stretch>
+            <a:fillRect/>
+          </a:stretch>
+        </p:blipFill>
+        <p:spPr>
+          <a:xfrm>
+            <a:off x="5605369" y="2002426"/>
+            <a:ext cx="499135" cy="205200"/>
+          </a:xfrm>
+          <a:prstGeom prst="rect">
+            <a:avLst/>
+          </a:prstGeom>
+        </p:spPr>
+      </p:pic>
+      <p:cxnSp>
+        <p:nvCxnSpPr>
+          <p:cNvPr id="37" name="직선 화살표 연결선 36">
+            <a:extLst>
+              <a:ext uri="{FF2B5EF4-FFF2-40B4-BE49-F238E27FC236}">
+                <a16:creationId xmlns:a16="http://schemas.microsoft.com/office/drawing/2014/main" id="{22C07C2B-E507-4CE7-806B-DA083EF02A52}"/>
+              </a:ext>
+            </a:extLst>
+          </p:cNvPr>
+          <p:cNvCxnSpPr>
+            <a:cxnSpLocks/>
+            <a:stCxn id="2" idx="3"/>
+            <a:endCxn id="35" idx="1"/>
+          </p:cNvCxnSpPr>
+          <p:nvPr/>
+        </p:nvCxnSpPr>
+        <p:spPr>
+          <a:xfrm>
+            <a:off x="5001958" y="1481060"/>
+            <a:ext cx="354059" cy="486000"/>
+          </a:xfrm>
+          <a:prstGeom prst="straightConnector1">
+            <a:avLst/>
+          </a:prstGeom>
+          <a:ln w="19050">
+            <a:solidFill>
+              <a:schemeClr val="tx1"/>
+            </a:solidFill>
+            <a:tailEnd type="triangle"/>
+          </a:ln>
+        </p:spPr>
+        <p:style>
+          <a:lnRef idx="1">
+            <a:schemeClr val="accent1"/>
+          </a:lnRef>
+          <a:fillRef idx="0">
+            <a:schemeClr val="accent1"/>
+          </a:fillRef>
+          <a:effectRef idx="0">
+            <a:schemeClr val="accent1"/>
+          </a:effectRef>
+          <a:fontRef idx="minor">
+            <a:schemeClr val="tx1"/>
+          </a:fontRef>
+        </p:style>
+      </p:cxnSp>
+      <p:cxnSp>
+        <p:nvCxnSpPr>
+          <p:cNvPr id="38" name="직선 화살표 연결선 37">
+            <a:extLst>
+              <a:ext uri="{FF2B5EF4-FFF2-40B4-BE49-F238E27FC236}">
+                <a16:creationId xmlns:a16="http://schemas.microsoft.com/office/drawing/2014/main" id="{073E87EF-D3AF-9448-26A0-5D909F86E9AC}"/>
+              </a:ext>
+            </a:extLst>
+          </p:cNvPr>
+          <p:cNvCxnSpPr>
+            <a:cxnSpLocks/>
+            <a:stCxn id="39" idx="3"/>
+            <a:endCxn id="2" idx="1"/>
+          </p:cNvCxnSpPr>
+          <p:nvPr/>
+        </p:nvCxnSpPr>
+        <p:spPr>
+          <a:xfrm>
+            <a:off x="3675898" y="1480982"/>
+            <a:ext cx="354060" cy="78"/>
+          </a:xfrm>
+          <a:prstGeom prst="straightConnector1">
+            <a:avLst/>
+          </a:prstGeom>
+          <a:ln w="19050">
+            <a:solidFill>
+              <a:schemeClr val="tx1"/>
+            </a:solidFill>
+            <a:tailEnd type="triangle"/>
+          </a:ln>
+        </p:spPr>
+        <p:style>
+          <a:lnRef idx="1">
+            <a:schemeClr val="accent1"/>
+          </a:lnRef>
+          <a:fillRef idx="0">
+            <a:schemeClr val="accent1"/>
+          </a:fillRef>
+          <a:effectRef idx="0">
+            <a:schemeClr val="accent1"/>
+          </a:effectRef>
+          <a:fontRef idx="minor">
+            <a:schemeClr val="tx1"/>
+          </a:fontRef>
+        </p:style>
+      </p:cxnSp>
+      <p:sp>
+        <p:nvSpPr>
+          <p:cNvPr id="39" name="TextBox 38">
+            <a:extLst>
+              <a:ext uri="{FF2B5EF4-FFF2-40B4-BE49-F238E27FC236}">
+                <a16:creationId xmlns:a16="http://schemas.microsoft.com/office/drawing/2014/main" id="{25D681CB-5F5D-82BD-C937-7ACA2EECC66D}"/>
+              </a:ext>
+            </a:extLst>
+          </p:cNvPr>
+          <p:cNvSpPr txBox="1"/>
+          <p:nvPr/>
+        </p:nvSpPr>
+        <p:spPr>
+          <a:xfrm>
+            <a:off x="3009912" y="1157816"/>
+            <a:ext cx="665986" cy="646331"/>
+          </a:xfrm>
+          <a:prstGeom prst="rect">
+            <a:avLst/>
+          </a:prstGeom>
+          <a:noFill/>
+        </p:spPr>
+        <p:txBody>
+          <a:bodyPr wrap="square">
+            <a:spAutoFit/>
+          </a:bodyPr>
+          <a:lstStyle/>
+          <a:p>
+            <a:pPr algn="ctr"/>
+            <a:r>
+              <a:rPr kumimoji="1" lang="en-US" altLang="ko-Kore-KR" sz="1800" dirty="0">
+                <a:solidFill>
+                  <a:schemeClr val="tx1"/>
+                </a:solidFill>
+                <a:latin typeface="Times New Roman" panose="02020603050405020304" pitchFamily="18" charset="0"/>
+                <a:ea typeface="Source Sans Pro" panose="020B0503030403020204" pitchFamily="34" charset="0"/>
+                <a:cs typeface="Times New Roman" panose="02020603050405020304" pitchFamily="18" charset="0"/>
+              </a:rPr>
+              <a:t>State</a:t>
+            </a:r>
+          </a:p>
+          <a:p>
+            <a:pPr algn="ctr"/>
+            <a:endParaRPr lang="ko-Kore-KR" altLang="en-US" sz="1800" dirty="0">
+              <a:latin typeface="Times New Roman" panose="02020603050405020304" pitchFamily="18" charset="0"/>
+              <a:cs typeface="Times New Roman" panose="02020603050405020304" pitchFamily="18" charset="0"/>
+            </a:endParaRPr>
+          </a:p>
+        </p:txBody>
+      </p:sp>
+      <p:pic>
+        <p:nvPicPr>
+          <p:cNvPr id="40" name="그림 39">
+            <a:extLst>
+              <a:ext uri="{FF2B5EF4-FFF2-40B4-BE49-F238E27FC236}">
+                <a16:creationId xmlns:a16="http://schemas.microsoft.com/office/drawing/2014/main" id="{48159A13-9EFC-8C2B-FF99-E1E0FB4EA17C}"/>
+              </a:ext>
+            </a:extLst>
+          </p:cNvPr>
+          <p:cNvPicPr>
+            <a:picLocks noChangeAspect="1"/>
+          </p:cNvPicPr>
+          <p:nvPr/>
+        </p:nvPicPr>
+        <p:blipFill>
+          <a:blip r:embed="rId6"/>
+          <a:stretch>
+            <a:fillRect/>
+          </a:stretch>
+        </p:blipFill>
+        <p:spPr>
+          <a:xfrm>
+            <a:off x="3258524" y="1490022"/>
+            <a:ext cx="189626" cy="166871"/>
+          </a:xfrm>
+          <a:prstGeom prst="rect">
+            <a:avLst/>
+          </a:prstGeom>
+        </p:spPr>
+      </p:pic>
+      <p:pic>
+        <p:nvPicPr>
+          <p:cNvPr id="48" name="그림 47" descr="지도, 지구, 세계이(가) 표시된 사진&#10;&#10;자동 생성된 설명">
+            <a:extLst>
+              <a:ext uri="{FF2B5EF4-FFF2-40B4-BE49-F238E27FC236}">
+                <a16:creationId xmlns:a16="http://schemas.microsoft.com/office/drawing/2014/main" id="{E1B98D59-EB0F-4867-844E-7EF4ED1F9271}"/>
+              </a:ext>
+            </a:extLst>
+          </p:cNvPr>
+          <p:cNvPicPr>
+            <a:picLocks noChangeAspect="1"/>
+          </p:cNvPicPr>
+          <p:nvPr/>
+        </p:nvPicPr>
+        <p:blipFill>
+          <a:blip r:embed="rId7"/>
+          <a:stretch>
+            <a:fillRect/>
+          </a:stretch>
+        </p:blipFill>
+        <p:spPr>
+          <a:xfrm>
+            <a:off x="688859" y="1130023"/>
+            <a:ext cx="720000" cy="720000"/>
+          </a:xfrm>
+          <a:prstGeom prst="rect">
+            <a:avLst/>
+          </a:prstGeom>
+        </p:spPr>
+      </p:pic>
+      <p:sp>
+        <p:nvSpPr>
+          <p:cNvPr id="49" name="모서리가 둥근 직사각형 48">
+            <a:extLst>
+              <a:ext uri="{FF2B5EF4-FFF2-40B4-BE49-F238E27FC236}">
+                <a16:creationId xmlns:a16="http://schemas.microsoft.com/office/drawing/2014/main" id="{F5C711F4-654C-6D6C-BFCB-594C00E4EC5E}"/>
+              </a:ext>
+            </a:extLst>
+          </p:cNvPr>
+          <p:cNvSpPr/>
+          <p:nvPr/>
+        </p:nvSpPr>
+        <p:spPr>
+          <a:xfrm>
+            <a:off x="1524481" y="1066982"/>
+            <a:ext cx="828000" cy="828000"/>
+          </a:xfrm>
+          <a:prstGeom prst="roundRect">
+            <a:avLst/>
+          </a:prstGeom>
+          <a:noFill/>
+          <a:ln w="19050">
+            <a:solidFill>
+              <a:schemeClr val="tx1"/>
+            </a:solidFill>
+          </a:ln>
+        </p:spPr>
+        <p:style>
+          <a:lnRef idx="2">
+            <a:schemeClr val="accent1">
+              <a:shade val="15000"/>
+            </a:schemeClr>
+          </a:lnRef>
+          <a:fillRef idx="1">
+            <a:schemeClr val="accent1"/>
+          </a:fillRef>
+          <a:effectRef idx="0">
+            <a:schemeClr val="accent1"/>
+          </a:effectRef>
+          <a:fontRef idx="minor">
+            <a:schemeClr val="lt1"/>
+          </a:fontRef>
+        </p:style>
+        <p:txBody>
+          <a:bodyPr rtlCol="0" anchor="ctr"/>
+          <a:lstStyle/>
+          <a:p>
+            <a:pPr algn="ctr"/>
+            <a:r>
+              <a:rPr kumimoji="1" lang="en-US" altLang="ko-Kore-KR" sz="1800" dirty="0">
+                <a:solidFill>
+                  <a:schemeClr val="tx1"/>
+                </a:solidFill>
+                <a:latin typeface="Times New Roman" panose="02020603050405020304" pitchFamily="18" charset="0"/>
+                <a:ea typeface="Source Sans Pro" panose="020B0503030403020204" pitchFamily="34" charset="0"/>
+                <a:cs typeface="Times New Roman" panose="02020603050405020304" pitchFamily="18" charset="0"/>
+              </a:rPr>
+              <a:t>Agent</a:t>
+            </a:r>
+            <a:r>
+              <a:rPr kumimoji="1" lang="en-US" altLang="ko-Kore-KR" dirty="0">
+                <a:solidFill>
+                  <a:schemeClr val="tx1"/>
+                </a:solidFill>
+                <a:latin typeface="Times New Roman" panose="02020603050405020304" pitchFamily="18" charset="0"/>
+                <a:ea typeface="Source Sans Pro" panose="020B0503030403020204" pitchFamily="34" charset="0"/>
+                <a:cs typeface="Times New Roman" panose="02020603050405020304" pitchFamily="18" charset="0"/>
+              </a:rPr>
+              <a:t> </a:t>
+            </a:r>
+          </a:p>
+        </p:txBody>
+      </p:sp>
+      <p:pic>
+        <p:nvPicPr>
+          <p:cNvPr id="50" name="그림 49">
+            <a:extLst>
+              <a:ext uri="{FF2B5EF4-FFF2-40B4-BE49-F238E27FC236}">
+                <a16:creationId xmlns:a16="http://schemas.microsoft.com/office/drawing/2014/main" id="{BF27BC35-289E-4E54-0016-F1A8126FE9CB}"/>
+              </a:ext>
+            </a:extLst>
+          </p:cNvPr>
+          <p:cNvPicPr>
+            <a:picLocks noChangeAspect="1"/>
+          </p:cNvPicPr>
+          <p:nvPr/>
+        </p:nvPicPr>
+        <p:blipFill>
+          <a:blip r:embed="rId8"/>
+          <a:stretch>
+            <a:fillRect/>
+          </a:stretch>
+        </p:blipFill>
+        <p:spPr>
+          <a:xfrm>
+            <a:off x="1048858" y="2081106"/>
+            <a:ext cx="889623" cy="212362"/>
+          </a:xfrm>
+          <a:prstGeom prst="rect">
+            <a:avLst/>
+          </a:prstGeom>
+        </p:spPr>
+      </p:pic>
+      <p:cxnSp>
+        <p:nvCxnSpPr>
+          <p:cNvPr id="51" name="꺾인 연결선[E] 50">
+            <a:extLst>
+              <a:ext uri="{FF2B5EF4-FFF2-40B4-BE49-F238E27FC236}">
+                <a16:creationId xmlns:a16="http://schemas.microsoft.com/office/drawing/2014/main" id="{EEF4BBD7-8FB2-610B-84F8-5AC593131DEC}"/>
+              </a:ext>
+            </a:extLst>
+          </p:cNvPr>
+          <p:cNvCxnSpPr>
+            <a:cxnSpLocks/>
+            <a:stCxn id="48" idx="0"/>
+            <a:endCxn id="49" idx="0"/>
+          </p:cNvCxnSpPr>
+          <p:nvPr/>
+        </p:nvCxnSpPr>
+        <p:spPr>
+          <a:xfrm rot="5400000" flipH="1" flipV="1">
+            <a:off x="1462150" y="653692"/>
+            <a:ext cx="63041" cy="889622"/>
+          </a:xfrm>
+          <a:prstGeom prst="bentConnector3">
+            <a:avLst>
+              <a:gd name="adj1" fmla="val 325407"/>
+            </a:avLst>
+          </a:prstGeom>
+          <a:ln w="19050">
+            <a:solidFill>
+              <a:schemeClr val="tx1"/>
+            </a:solidFill>
+            <a:tailEnd type="triangle"/>
+          </a:ln>
+        </p:spPr>
+        <p:style>
+          <a:lnRef idx="1">
+            <a:schemeClr val="accent1"/>
+          </a:lnRef>
+          <a:fillRef idx="0">
+            <a:schemeClr val="accent1"/>
+          </a:fillRef>
+          <a:effectRef idx="0">
+            <a:schemeClr val="accent1"/>
+          </a:effectRef>
+          <a:fontRef idx="minor">
+            <a:schemeClr val="tx1"/>
+          </a:fontRef>
+        </p:style>
+      </p:cxnSp>
+      <p:cxnSp>
+        <p:nvCxnSpPr>
+          <p:cNvPr id="52" name="꺾인 연결선[E] 51">
+            <a:extLst>
+              <a:ext uri="{FF2B5EF4-FFF2-40B4-BE49-F238E27FC236}">
+                <a16:creationId xmlns:a16="http://schemas.microsoft.com/office/drawing/2014/main" id="{36AB393E-EF5C-2353-ED98-AF943C892131}"/>
+              </a:ext>
+            </a:extLst>
+          </p:cNvPr>
+          <p:cNvCxnSpPr>
+            <a:cxnSpLocks/>
+            <a:stCxn id="49" idx="2"/>
+            <a:endCxn id="48" idx="2"/>
+          </p:cNvCxnSpPr>
+          <p:nvPr/>
+        </p:nvCxnSpPr>
+        <p:spPr>
+          <a:xfrm rot="5400000" flipH="1">
+            <a:off x="1471190" y="1427692"/>
+            <a:ext cx="44959" cy="889622"/>
+          </a:xfrm>
+          <a:prstGeom prst="bentConnector3">
+            <a:avLst>
+              <a:gd name="adj1" fmla="val -302329"/>
+            </a:avLst>
+          </a:prstGeom>
+          <a:ln w="19050">
+            <a:solidFill>
+              <a:schemeClr val="tx1"/>
+            </a:solidFill>
+            <a:tailEnd type="triangle"/>
+          </a:ln>
+        </p:spPr>
+        <p:style>
+          <a:lnRef idx="1">
+            <a:schemeClr val="accent1"/>
+          </a:lnRef>
+          <a:fillRef idx="0">
+            <a:schemeClr val="accent1"/>
+          </a:fillRef>
+          <a:effectRef idx="0">
+            <a:schemeClr val="accent1"/>
+          </a:effectRef>
+          <a:fontRef idx="minor">
+            <a:schemeClr val="tx1"/>
+          </a:fontRef>
+        </p:style>
+      </p:cxnSp>
+      <p:pic>
+        <p:nvPicPr>
+          <p:cNvPr id="53" name="그림 52">
+            <a:extLst>
+              <a:ext uri="{FF2B5EF4-FFF2-40B4-BE49-F238E27FC236}">
+                <a16:creationId xmlns:a16="http://schemas.microsoft.com/office/drawing/2014/main" id="{C4F0EF64-06D2-BD8C-B0E6-55D8F0E9DB76}"/>
+              </a:ext>
+            </a:extLst>
+          </p:cNvPr>
+          <p:cNvPicPr>
+            <a:picLocks noChangeAspect="1"/>
+          </p:cNvPicPr>
+          <p:nvPr/>
+        </p:nvPicPr>
+        <p:blipFill>
+          <a:blip r:embed="rId9"/>
+          <a:stretch>
+            <a:fillRect/>
+          </a:stretch>
+        </p:blipFill>
+        <p:spPr>
+          <a:xfrm>
+            <a:off x="1048858" y="619165"/>
+            <a:ext cx="889623" cy="249364"/>
+          </a:xfrm>
+          <a:prstGeom prst="rect">
+            <a:avLst/>
+          </a:prstGeom>
+        </p:spPr>
+      </p:pic>
+      <p:sp>
+        <p:nvSpPr>
+          <p:cNvPr id="54" name="모서리가 둥근 직사각형 53">
+            <a:extLst>
+              <a:ext uri="{FF2B5EF4-FFF2-40B4-BE49-F238E27FC236}">
+                <a16:creationId xmlns:a16="http://schemas.microsoft.com/office/drawing/2014/main" id="{AE603A07-A0AE-FC7F-9AF3-EE6FF3327535}"/>
+              </a:ext>
+            </a:extLst>
+          </p:cNvPr>
+          <p:cNvSpPr/>
+          <p:nvPr/>
+        </p:nvSpPr>
+        <p:spPr>
+          <a:xfrm>
+            <a:off x="588481" y="544982"/>
+            <a:ext cx="1872000" cy="1872000"/>
+          </a:xfrm>
+          <a:prstGeom prst="roundRect">
+            <a:avLst/>
+          </a:prstGeom>
+          <a:noFill/>
+          <a:ln w="19050">
+            <a:solidFill>
+              <a:schemeClr val="tx1"/>
+            </a:solidFill>
+          </a:ln>
+        </p:spPr>
+        <p:style>
+          <a:lnRef idx="2">
+            <a:schemeClr val="accent1">
+              <a:shade val="15000"/>
+            </a:schemeClr>
+          </a:lnRef>
+          <a:fillRef idx="1">
+            <a:schemeClr val="accent1"/>
+          </a:fillRef>
+          <a:effectRef idx="0">
+            <a:schemeClr val="accent1"/>
+          </a:effectRef>
+          <a:fontRef idx="minor">
+            <a:schemeClr val="lt1"/>
+          </a:fontRef>
+        </p:style>
+        <p:txBody>
+          <a:bodyPr rtlCol="0" anchor="ctr"/>
+          <a:lstStyle/>
+          <a:p>
+            <a:pPr algn="ctr"/>
+            <a:endParaRPr kumimoji="1" lang="ko-Kore-KR" altLang="en-US" sz="1800" dirty="0">
+              <a:solidFill>
+                <a:schemeClr val="tx1"/>
+              </a:solidFill>
+              <a:latin typeface="Source Sans Pro" panose="020B0503030403020204" pitchFamily="34" charset="0"/>
+            </a:endParaRPr>
+          </a:p>
+        </p:txBody>
+      </p:sp>
+      <p:sp>
+        <p:nvSpPr>
+          <p:cNvPr id="25" name="TextBox 24">
+            <a:extLst>
+              <a:ext uri="{FF2B5EF4-FFF2-40B4-BE49-F238E27FC236}">
+                <a16:creationId xmlns:a16="http://schemas.microsoft.com/office/drawing/2014/main" id="{9C7F1AE5-4391-4073-F59D-DC2A1915BDE9}"/>
+              </a:ext>
+            </a:extLst>
+          </p:cNvPr>
+          <p:cNvSpPr txBox="1"/>
+          <p:nvPr/>
+        </p:nvSpPr>
+        <p:spPr>
+          <a:xfrm>
+            <a:off x="128855" y="115348"/>
+            <a:ext cx="1820057" cy="400110"/>
+          </a:xfrm>
+          <a:prstGeom prst="rect">
+            <a:avLst/>
+          </a:prstGeom>
+          <a:noFill/>
+        </p:spPr>
+        <p:txBody>
+          <a:bodyPr wrap="square">
+            <a:spAutoFit/>
+          </a:bodyPr>
+          <a:lstStyle/>
+          <a:p>
+            <a:r>
+              <a:rPr kumimoji="1" lang="en-US" altLang="ko-Kore-KR" sz="2000" b="1" dirty="0">
+                <a:solidFill>
+                  <a:schemeClr val="tx1"/>
+                </a:solidFill>
+                <a:latin typeface="Times New Roman" panose="02020603050405020304" pitchFamily="18" charset="0"/>
+                <a:ea typeface="Source Sans Pro" panose="020B0503030403020204" pitchFamily="34" charset="0"/>
+                <a:cs typeface="Times New Roman" panose="02020603050405020304" pitchFamily="18" charset="0"/>
+              </a:rPr>
+              <a:t>Policy Phase </a:t>
+            </a:r>
+          </a:p>
+        </p:txBody>
+      </p:sp>
+      <p:sp>
+        <p:nvSpPr>
+          <p:cNvPr id="73" name="TextBox 72">
+            <a:extLst>
+              <a:ext uri="{FF2B5EF4-FFF2-40B4-BE49-F238E27FC236}">
+                <a16:creationId xmlns:a16="http://schemas.microsoft.com/office/drawing/2014/main" id="{4B982F0A-B2D5-F009-80F9-C29E87C1563D}"/>
+              </a:ext>
+            </a:extLst>
+          </p:cNvPr>
+          <p:cNvSpPr txBox="1"/>
+          <p:nvPr/>
+        </p:nvSpPr>
+        <p:spPr>
+          <a:xfrm>
+            <a:off x="128855" y="2469558"/>
+            <a:ext cx="1820057" cy="400110"/>
+          </a:xfrm>
+          <a:prstGeom prst="rect">
+            <a:avLst/>
+          </a:prstGeom>
+          <a:noFill/>
+        </p:spPr>
+        <p:txBody>
+          <a:bodyPr wrap="square">
+            <a:spAutoFit/>
+          </a:bodyPr>
+          <a:lstStyle/>
+          <a:p>
+            <a:r>
+              <a:rPr kumimoji="1" lang="en-US" altLang="ko-Kore-KR" sz="2000" b="1" dirty="0">
+                <a:solidFill>
+                  <a:schemeClr val="tx1"/>
+                </a:solidFill>
+                <a:latin typeface="Times New Roman" panose="02020603050405020304" pitchFamily="18" charset="0"/>
+                <a:ea typeface="Source Sans Pro" panose="020B0503030403020204" pitchFamily="34" charset="0"/>
+                <a:cs typeface="Times New Roman" panose="02020603050405020304" pitchFamily="18" charset="0"/>
+              </a:rPr>
+              <a:t>Aux Phase </a:t>
+            </a:r>
+          </a:p>
+        </p:txBody>
+      </p:sp>
+      <p:sp>
+        <p:nvSpPr>
+          <p:cNvPr id="86" name="원통[C] 85">
+            <a:extLst>
+              <a:ext uri="{FF2B5EF4-FFF2-40B4-BE49-F238E27FC236}">
+                <a16:creationId xmlns:a16="http://schemas.microsoft.com/office/drawing/2014/main" id="{91EC83EA-908D-A140-EB93-0EEE7FB84482}"/>
+              </a:ext>
+            </a:extLst>
+          </p:cNvPr>
+          <p:cNvSpPr/>
+          <p:nvPr/>
+        </p:nvSpPr>
+        <p:spPr>
+          <a:xfrm>
+            <a:off x="1071510" y="2970816"/>
+            <a:ext cx="900000" cy="900000"/>
+          </a:xfrm>
+          <a:prstGeom prst="can">
+            <a:avLst/>
+          </a:prstGeom>
+          <a:solidFill>
+            <a:schemeClr val="accent1">
+              <a:lumMod val="60000"/>
+              <a:lumOff val="40000"/>
+            </a:schemeClr>
+          </a:solidFill>
+        </p:spPr>
+        <p:style>
+          <a:lnRef idx="2">
+            <a:schemeClr val="accent1">
+              <a:shade val="15000"/>
+            </a:schemeClr>
+          </a:lnRef>
+          <a:fillRef idx="1">
+            <a:schemeClr val="accent1"/>
+          </a:fillRef>
+          <a:effectRef idx="0">
+            <a:schemeClr val="accent1"/>
+          </a:effectRef>
+          <a:fontRef idx="minor">
+            <a:schemeClr val="lt1"/>
+          </a:fontRef>
+        </p:style>
+        <p:txBody>
+          <a:bodyPr rtlCol="0" anchor="ctr"/>
+          <a:lstStyle/>
+          <a:p>
+            <a:pPr algn="ctr"/>
+            <a:r>
+              <a:rPr kumimoji="1" lang="en-US" altLang="ko-Kore-KR" sz="1800" dirty="0">
+                <a:solidFill>
+                  <a:schemeClr val="tx1"/>
+                </a:solidFill>
+                <a:latin typeface="Times New Roman" panose="02020603050405020304" pitchFamily="18" charset="0"/>
+                <a:ea typeface="Source Sans Pro" panose="020B0503030403020204" pitchFamily="34" charset="0"/>
+                <a:cs typeface="Times New Roman" panose="02020603050405020304" pitchFamily="18" charset="0"/>
+              </a:rPr>
+              <a:t>Buffer</a:t>
+            </a:r>
+            <a:endParaRPr kumimoji="1" lang="ko-Kore-KR" altLang="en-US" sz="1800" dirty="0">
+              <a:solidFill>
+                <a:schemeClr val="tx1"/>
+              </a:solidFill>
+              <a:latin typeface="Times New Roman" panose="02020603050405020304" pitchFamily="18" charset="0"/>
+              <a:cs typeface="Times New Roman" panose="02020603050405020304" pitchFamily="18" charset="0"/>
+            </a:endParaRPr>
+          </a:p>
+        </p:txBody>
+      </p:sp>
+      <p:sp>
+        <p:nvSpPr>
+          <p:cNvPr id="87" name="직사각형 86">
+            <a:extLst>
+              <a:ext uri="{FF2B5EF4-FFF2-40B4-BE49-F238E27FC236}">
+                <a16:creationId xmlns:a16="http://schemas.microsoft.com/office/drawing/2014/main" id="{9DFB388D-C80C-439B-33CF-40298B5B18A2}"/>
+              </a:ext>
+            </a:extLst>
+          </p:cNvPr>
+          <p:cNvSpPr/>
+          <p:nvPr/>
+        </p:nvSpPr>
+        <p:spPr>
+          <a:xfrm>
+            <a:off x="157999" y="2469558"/>
+            <a:ext cx="1236257" cy="400110"/>
+          </a:xfrm>
+          <a:prstGeom prst="rect">
+            <a:avLst/>
+          </a:prstGeom>
+          <a:solidFill>
+            <a:schemeClr val="bg1">
+              <a:alpha val="80000"/>
+            </a:schemeClr>
+          </a:solidFill>
+          <a:ln>
+            <a:noFill/>
+          </a:ln>
+        </p:spPr>
+        <p:style>
+          <a:lnRef idx="2">
+            <a:schemeClr val="accent1">
+              <a:shade val="15000"/>
+            </a:schemeClr>
+          </a:lnRef>
+          <a:fillRef idx="1">
+            <a:schemeClr val="accent1"/>
+          </a:fillRef>
+          <a:effectRef idx="0">
+            <a:schemeClr val="accent1"/>
+          </a:effectRef>
+          <a:fontRef idx="minor">
+            <a:schemeClr val="lt1"/>
+          </a:fontRef>
+        </p:style>
+        <p:txBody>
+          <a:bodyPr rtlCol="0" anchor="ctr"/>
+          <a:lstStyle/>
+          <a:p>
+            <a:pPr algn="ctr"/>
+            <a:endParaRPr kumimoji="1" lang="ko-Kore-KR" altLang="en-US" dirty="0"/>
+          </a:p>
+        </p:txBody>
+      </p:sp>
+      <p:sp>
+        <p:nvSpPr>
+          <p:cNvPr id="115" name="직사각형 114">
+            <a:extLst>
+              <a:ext uri="{FF2B5EF4-FFF2-40B4-BE49-F238E27FC236}">
+                <a16:creationId xmlns:a16="http://schemas.microsoft.com/office/drawing/2014/main" id="{3B73E9E6-9E8E-E1EB-7458-CBB17FCE5893}"/>
+              </a:ext>
+            </a:extLst>
+          </p:cNvPr>
+          <p:cNvSpPr/>
+          <p:nvPr/>
+        </p:nvSpPr>
+        <p:spPr>
+          <a:xfrm>
+            <a:off x="4029958" y="2934895"/>
+            <a:ext cx="972000" cy="972000"/>
+          </a:xfrm>
+          <a:prstGeom prst="rect">
+            <a:avLst/>
+          </a:prstGeom>
+          <a:noFill/>
+          <a:ln w="19050">
+            <a:solidFill>
+              <a:schemeClr val="tx1"/>
+            </a:solidFill>
+          </a:ln>
+        </p:spPr>
+        <p:style>
+          <a:lnRef idx="2">
+            <a:schemeClr val="accent1">
+              <a:shade val="15000"/>
+            </a:schemeClr>
+          </a:lnRef>
+          <a:fillRef idx="1">
+            <a:schemeClr val="accent1"/>
+          </a:fillRef>
+          <a:effectRef idx="0">
+            <a:schemeClr val="accent1"/>
+          </a:effectRef>
+          <a:fontRef idx="minor">
+            <a:schemeClr val="lt1"/>
+          </a:fontRef>
+        </p:style>
+        <p:txBody>
+          <a:bodyPr rtlCol="0" anchor="ctr"/>
+          <a:lstStyle/>
+          <a:p>
+            <a:pPr algn="ctr"/>
+            <a:r>
+              <a:rPr kumimoji="1" lang="en-US" altLang="ko-Kore-KR" sz="1800" dirty="0">
+                <a:solidFill>
+                  <a:schemeClr val="tx1"/>
+                </a:solidFill>
+                <a:latin typeface="Times New Roman" panose="02020603050405020304" pitchFamily="18" charset="0"/>
+                <a:ea typeface="Source Sans Pro" panose="020B0503030403020204" pitchFamily="34" charset="0"/>
+                <a:cs typeface="Times New Roman" panose="02020603050405020304" pitchFamily="18" charset="0"/>
+              </a:rPr>
+              <a:t>Encoder</a:t>
+            </a:r>
+          </a:p>
+          <a:p>
+            <a:pPr algn="ctr"/>
+            <a:endParaRPr kumimoji="1" lang="ko-Kore-KR" altLang="en-US" dirty="0">
+              <a:solidFill>
+                <a:schemeClr val="tx1"/>
+              </a:solidFill>
+              <a:latin typeface="Times New Roman" panose="02020603050405020304" pitchFamily="18" charset="0"/>
+              <a:cs typeface="Times New Roman" panose="02020603050405020304" pitchFamily="18" charset="0"/>
+            </a:endParaRPr>
+          </a:p>
+        </p:txBody>
+      </p:sp>
+      <p:pic>
+        <p:nvPicPr>
+          <p:cNvPr id="116" name="그림 115">
+            <a:extLst>
+              <a:ext uri="{FF2B5EF4-FFF2-40B4-BE49-F238E27FC236}">
+                <a16:creationId xmlns:a16="http://schemas.microsoft.com/office/drawing/2014/main" id="{ED46CB78-04D6-1228-6EA1-ADC68B4A06C2}"/>
+              </a:ext>
+            </a:extLst>
+          </p:cNvPr>
+          <p:cNvPicPr>
+            <a:picLocks noChangeAspect="1"/>
+          </p:cNvPicPr>
+          <p:nvPr/>
+        </p:nvPicPr>
+        <p:blipFill>
+          <a:blip r:embed="rId3"/>
+          <a:stretch>
+            <a:fillRect/>
+          </a:stretch>
+        </p:blipFill>
+        <p:spPr>
+          <a:xfrm>
+            <a:off x="4473291" y="3457105"/>
+            <a:ext cx="85333" cy="144000"/>
+          </a:xfrm>
+          <a:prstGeom prst="rect">
+            <a:avLst/>
+          </a:prstGeom>
+        </p:spPr>
+      </p:pic>
+      <p:sp>
+        <p:nvSpPr>
+          <p:cNvPr id="117" name="TextBox 116">
+            <a:extLst>
+              <a:ext uri="{FF2B5EF4-FFF2-40B4-BE49-F238E27FC236}">
+                <a16:creationId xmlns:a16="http://schemas.microsoft.com/office/drawing/2014/main" id="{524563A2-2AEA-7F38-4DC4-72D7837DCEFC}"/>
+              </a:ext>
+            </a:extLst>
+          </p:cNvPr>
+          <p:cNvSpPr txBox="1"/>
+          <p:nvPr/>
+        </p:nvSpPr>
+        <p:spPr>
+          <a:xfrm>
+            <a:off x="5356016" y="2657896"/>
+            <a:ext cx="997843" cy="553998"/>
+          </a:xfrm>
+          <a:prstGeom prst="rect">
+            <a:avLst/>
+          </a:prstGeom>
+          <a:noFill/>
+        </p:spPr>
+        <p:txBody>
+          <a:bodyPr wrap="square">
+            <a:spAutoFit/>
+          </a:bodyPr>
+          <a:lstStyle/>
+          <a:p>
+            <a:pPr algn="ctr"/>
+            <a:r>
+              <a:rPr kumimoji="1" lang="en-US" altLang="ko-Kore-KR" sz="1600" dirty="0">
+                <a:solidFill>
+                  <a:srgbClr val="FF0000"/>
+                </a:solidFill>
+                <a:latin typeface="Times New Roman" panose="02020603050405020304" pitchFamily="18" charset="0"/>
+                <a:ea typeface="Source Sans Pro" panose="020B0503030403020204" pitchFamily="34" charset="0"/>
+                <a:cs typeface="Times New Roman" panose="02020603050405020304" pitchFamily="18" charset="0"/>
+              </a:rPr>
+              <a:t>Policy</a:t>
+            </a:r>
+          </a:p>
+          <a:p>
+            <a:pPr algn="ctr"/>
+            <a:endParaRPr lang="ko-Kore-KR" altLang="en-US" dirty="0">
+              <a:latin typeface="Times New Roman" panose="02020603050405020304" pitchFamily="18" charset="0"/>
+              <a:cs typeface="Times New Roman" panose="02020603050405020304" pitchFamily="18" charset="0"/>
+            </a:endParaRPr>
+          </a:p>
+        </p:txBody>
+      </p:sp>
+      <p:pic>
+        <p:nvPicPr>
+          <p:cNvPr id="118" name="그림 117">
+            <a:extLst>
+              <a:ext uri="{FF2B5EF4-FFF2-40B4-BE49-F238E27FC236}">
+                <a16:creationId xmlns:a16="http://schemas.microsoft.com/office/drawing/2014/main" id="{6FE200BA-D280-8CC3-1208-40103B657C2F}"/>
+              </a:ext>
+            </a:extLst>
+          </p:cNvPr>
+          <p:cNvPicPr>
+            <a:picLocks noChangeAspect="1"/>
+          </p:cNvPicPr>
+          <p:nvPr/>
+        </p:nvPicPr>
+        <p:blipFill>
+          <a:blip r:embed="rId4"/>
+          <a:stretch>
+            <a:fillRect/>
+          </a:stretch>
+        </p:blipFill>
+        <p:spPr>
+          <a:xfrm>
+            <a:off x="5428018" y="2977645"/>
+            <a:ext cx="900000" cy="220531"/>
+          </a:xfrm>
+          <a:prstGeom prst="rect">
+            <a:avLst/>
+          </a:prstGeom>
+        </p:spPr>
+      </p:pic>
+      <p:cxnSp>
+        <p:nvCxnSpPr>
+          <p:cNvPr id="119" name="직선 화살표 연결선 118">
+            <a:extLst>
+              <a:ext uri="{FF2B5EF4-FFF2-40B4-BE49-F238E27FC236}">
+                <a16:creationId xmlns:a16="http://schemas.microsoft.com/office/drawing/2014/main" id="{4659420C-23A8-70C7-A11E-A927098AF9D6}"/>
+              </a:ext>
+            </a:extLst>
+          </p:cNvPr>
+          <p:cNvCxnSpPr>
+            <a:cxnSpLocks/>
+            <a:stCxn id="115" idx="3"/>
+            <a:endCxn id="117" idx="1"/>
+          </p:cNvCxnSpPr>
+          <p:nvPr/>
+        </p:nvCxnSpPr>
+        <p:spPr>
+          <a:xfrm flipV="1">
+            <a:off x="5001958" y="2934895"/>
+            <a:ext cx="354058" cy="486000"/>
+          </a:xfrm>
+          <a:prstGeom prst="straightConnector1">
+            <a:avLst/>
+          </a:prstGeom>
+          <a:ln w="19050">
+            <a:solidFill>
+              <a:schemeClr val="tx1"/>
+            </a:solidFill>
+            <a:tailEnd type="triangle"/>
+          </a:ln>
+        </p:spPr>
+        <p:style>
+          <a:lnRef idx="1">
+            <a:schemeClr val="accent1"/>
+          </a:lnRef>
+          <a:fillRef idx="0">
+            <a:schemeClr val="accent1"/>
+          </a:fillRef>
+          <a:effectRef idx="0">
+            <a:schemeClr val="accent1"/>
+          </a:effectRef>
+          <a:fontRef idx="minor">
+            <a:schemeClr val="tx1"/>
+          </a:fontRef>
+        </p:style>
+      </p:cxnSp>
+      <p:sp>
+        <p:nvSpPr>
+          <p:cNvPr id="120" name="TextBox 119">
+            <a:extLst>
+              <a:ext uri="{FF2B5EF4-FFF2-40B4-BE49-F238E27FC236}">
+                <a16:creationId xmlns:a16="http://schemas.microsoft.com/office/drawing/2014/main" id="{F0623EE3-40B9-D24E-AEF5-E94F114EC4C4}"/>
+              </a:ext>
+            </a:extLst>
+          </p:cNvPr>
+          <p:cNvSpPr txBox="1"/>
+          <p:nvPr/>
+        </p:nvSpPr>
+        <p:spPr>
+          <a:xfrm>
+            <a:off x="5356017" y="3629896"/>
+            <a:ext cx="997843" cy="553998"/>
+          </a:xfrm>
+          <a:prstGeom prst="rect">
+            <a:avLst/>
+          </a:prstGeom>
+          <a:noFill/>
+        </p:spPr>
+        <p:txBody>
+          <a:bodyPr wrap="square">
+            <a:spAutoFit/>
+          </a:bodyPr>
+          <a:lstStyle/>
+          <a:p>
+            <a:pPr algn="ctr"/>
+            <a:r>
+              <a:rPr kumimoji="1" lang="en-US" altLang="ko-Kore-KR" sz="1600" dirty="0">
+                <a:solidFill>
+                  <a:schemeClr val="accent1"/>
+                </a:solidFill>
+                <a:latin typeface="Times New Roman" panose="02020603050405020304" pitchFamily="18" charset="0"/>
+                <a:ea typeface="Source Sans Pro" panose="020B0503030403020204" pitchFamily="34" charset="0"/>
+                <a:cs typeface="Times New Roman" panose="02020603050405020304" pitchFamily="18" charset="0"/>
+              </a:rPr>
+              <a:t>Value</a:t>
+            </a:r>
+          </a:p>
+          <a:p>
+            <a:pPr algn="ctr"/>
+            <a:endParaRPr lang="ko-Kore-KR" altLang="en-US" dirty="0">
+              <a:solidFill>
+                <a:schemeClr val="tx1">
+                  <a:alpha val="20000"/>
+                </a:schemeClr>
+              </a:solidFill>
+              <a:latin typeface="Times New Roman" panose="02020603050405020304" pitchFamily="18" charset="0"/>
+              <a:cs typeface="Times New Roman" panose="02020603050405020304" pitchFamily="18" charset="0"/>
+            </a:endParaRPr>
+          </a:p>
+        </p:txBody>
+      </p:sp>
+      <p:pic>
+        <p:nvPicPr>
+          <p:cNvPr id="121" name="그림 120">
+            <a:extLst>
+              <a:ext uri="{FF2B5EF4-FFF2-40B4-BE49-F238E27FC236}">
+                <a16:creationId xmlns:a16="http://schemas.microsoft.com/office/drawing/2014/main" id="{24EB9AF0-CF11-366C-5C87-A8733F7632E5}"/>
+              </a:ext>
+            </a:extLst>
+          </p:cNvPr>
+          <p:cNvPicPr>
+            <a:picLocks noChangeAspect="1"/>
+          </p:cNvPicPr>
+          <p:nvPr/>
+        </p:nvPicPr>
+        <p:blipFill>
+          <a:blip r:embed="rId5">
+            <a:alphaModFix/>
+          </a:blip>
+          <a:stretch>
+            <a:fillRect/>
+          </a:stretch>
+        </p:blipFill>
+        <p:spPr>
+          <a:xfrm>
+            <a:off x="5605369" y="3942261"/>
+            <a:ext cx="499135" cy="205200"/>
+          </a:xfrm>
+          <a:prstGeom prst="rect">
+            <a:avLst/>
+          </a:prstGeom>
+        </p:spPr>
+      </p:pic>
+      <p:cxnSp>
+        <p:nvCxnSpPr>
+          <p:cNvPr id="122" name="직선 화살표 연결선 121">
+            <a:extLst>
+              <a:ext uri="{FF2B5EF4-FFF2-40B4-BE49-F238E27FC236}">
+                <a16:creationId xmlns:a16="http://schemas.microsoft.com/office/drawing/2014/main" id="{111A72F3-2C4F-F86C-20A0-4791BB5DA733}"/>
+              </a:ext>
+            </a:extLst>
+          </p:cNvPr>
+          <p:cNvCxnSpPr>
+            <a:cxnSpLocks/>
+            <a:stCxn id="115" idx="3"/>
+            <a:endCxn id="120" idx="1"/>
+          </p:cNvCxnSpPr>
+          <p:nvPr/>
+        </p:nvCxnSpPr>
+        <p:spPr>
+          <a:xfrm>
+            <a:off x="5001958" y="3420895"/>
+            <a:ext cx="354059" cy="486000"/>
+          </a:xfrm>
+          <a:prstGeom prst="straightConnector1">
+            <a:avLst/>
+          </a:prstGeom>
+          <a:ln w="19050">
+            <a:solidFill>
+              <a:schemeClr val="tx1"/>
+            </a:solidFill>
+            <a:tailEnd type="triangle"/>
+          </a:ln>
+        </p:spPr>
+        <p:style>
+          <a:lnRef idx="1">
+            <a:schemeClr val="accent1"/>
+          </a:lnRef>
+          <a:fillRef idx="0">
+            <a:schemeClr val="accent1"/>
+          </a:fillRef>
+          <a:effectRef idx="0">
+            <a:schemeClr val="accent1"/>
+          </a:effectRef>
+          <a:fontRef idx="minor">
+            <a:schemeClr val="tx1"/>
+          </a:fontRef>
+        </p:style>
+      </p:cxnSp>
+      <p:cxnSp>
+        <p:nvCxnSpPr>
+          <p:cNvPr id="123" name="직선 화살표 연결선 122">
+            <a:extLst>
+              <a:ext uri="{FF2B5EF4-FFF2-40B4-BE49-F238E27FC236}">
+                <a16:creationId xmlns:a16="http://schemas.microsoft.com/office/drawing/2014/main" id="{CBA3C5C3-B8EF-79E9-A246-61AF1C491CAF}"/>
+              </a:ext>
+            </a:extLst>
+          </p:cNvPr>
+          <p:cNvCxnSpPr>
+            <a:cxnSpLocks/>
+            <a:stCxn id="124" idx="3"/>
+            <a:endCxn id="115" idx="1"/>
+          </p:cNvCxnSpPr>
+          <p:nvPr/>
+        </p:nvCxnSpPr>
+        <p:spPr>
+          <a:xfrm>
+            <a:off x="3675898" y="3420817"/>
+            <a:ext cx="354060" cy="78"/>
+          </a:xfrm>
+          <a:prstGeom prst="straightConnector1">
+            <a:avLst/>
+          </a:prstGeom>
+          <a:ln w="19050">
+            <a:solidFill>
+              <a:schemeClr val="tx1"/>
+            </a:solidFill>
+            <a:tailEnd type="triangle"/>
+          </a:ln>
+        </p:spPr>
+        <p:style>
+          <a:lnRef idx="1">
+            <a:schemeClr val="accent1"/>
+          </a:lnRef>
+          <a:fillRef idx="0">
+            <a:schemeClr val="accent1"/>
+          </a:fillRef>
+          <a:effectRef idx="0">
+            <a:schemeClr val="accent1"/>
+          </a:effectRef>
+          <a:fontRef idx="minor">
+            <a:schemeClr val="tx1"/>
+          </a:fontRef>
+        </p:style>
+      </p:cxnSp>
+      <p:sp>
+        <p:nvSpPr>
+          <p:cNvPr id="124" name="TextBox 123">
+            <a:extLst>
+              <a:ext uri="{FF2B5EF4-FFF2-40B4-BE49-F238E27FC236}">
+                <a16:creationId xmlns:a16="http://schemas.microsoft.com/office/drawing/2014/main" id="{2084A08F-C078-58F8-26C8-854892BA3545}"/>
+              </a:ext>
+            </a:extLst>
+          </p:cNvPr>
+          <p:cNvSpPr txBox="1"/>
+          <p:nvPr/>
+        </p:nvSpPr>
+        <p:spPr>
+          <a:xfrm>
+            <a:off x="3009912" y="3097651"/>
+            <a:ext cx="665986" cy="646331"/>
+          </a:xfrm>
+          <a:prstGeom prst="rect">
+            <a:avLst/>
+          </a:prstGeom>
+          <a:noFill/>
+        </p:spPr>
+        <p:txBody>
+          <a:bodyPr wrap="square">
+            <a:spAutoFit/>
+          </a:bodyPr>
+          <a:lstStyle/>
+          <a:p>
+            <a:pPr algn="ctr"/>
+            <a:r>
+              <a:rPr kumimoji="1" lang="en-US" altLang="ko-Kore-KR" sz="1800" dirty="0">
+                <a:solidFill>
+                  <a:schemeClr val="tx1"/>
+                </a:solidFill>
+                <a:latin typeface="Times New Roman" panose="02020603050405020304" pitchFamily="18" charset="0"/>
+                <a:ea typeface="Source Sans Pro" panose="020B0503030403020204" pitchFamily="34" charset="0"/>
+                <a:cs typeface="Times New Roman" panose="02020603050405020304" pitchFamily="18" charset="0"/>
+              </a:rPr>
+              <a:t>State</a:t>
+            </a:r>
+          </a:p>
+          <a:p>
+            <a:pPr algn="ctr"/>
+            <a:endParaRPr lang="ko-Kore-KR" altLang="en-US" sz="1800" dirty="0">
+              <a:latin typeface="Times New Roman" panose="02020603050405020304" pitchFamily="18" charset="0"/>
+              <a:cs typeface="Times New Roman" panose="02020603050405020304" pitchFamily="18" charset="0"/>
+            </a:endParaRPr>
+          </a:p>
+        </p:txBody>
+      </p:sp>
+      <p:pic>
+        <p:nvPicPr>
+          <p:cNvPr id="125" name="그림 124">
+            <a:extLst>
+              <a:ext uri="{FF2B5EF4-FFF2-40B4-BE49-F238E27FC236}">
+                <a16:creationId xmlns:a16="http://schemas.microsoft.com/office/drawing/2014/main" id="{A64DB605-19C2-4E11-C3AD-27AB0FF2CE24}"/>
+              </a:ext>
+            </a:extLst>
+          </p:cNvPr>
+          <p:cNvPicPr>
+            <a:picLocks noChangeAspect="1"/>
+          </p:cNvPicPr>
+          <p:nvPr/>
+        </p:nvPicPr>
+        <p:blipFill>
+          <a:blip r:embed="rId6"/>
+          <a:stretch>
+            <a:fillRect/>
+          </a:stretch>
+        </p:blipFill>
+        <p:spPr>
+          <a:xfrm>
+            <a:off x="3258524" y="3429857"/>
+            <a:ext cx="189626" cy="166871"/>
+          </a:xfrm>
+          <a:prstGeom prst="rect">
+            <a:avLst/>
+          </a:prstGeom>
+        </p:spPr>
+      </p:pic>
+      <p:sp>
+        <p:nvSpPr>
+          <p:cNvPr id="7" name="직사각형 6">
+            <a:extLst>
+              <a:ext uri="{FF2B5EF4-FFF2-40B4-BE49-F238E27FC236}">
+                <a16:creationId xmlns:a16="http://schemas.microsoft.com/office/drawing/2014/main" id="{143471F6-232D-D8A1-E00F-F5DAA29C498C}"/>
+              </a:ext>
+            </a:extLst>
+          </p:cNvPr>
+          <p:cNvSpPr/>
+          <p:nvPr/>
+        </p:nvSpPr>
+        <p:spPr>
+          <a:xfrm>
+            <a:off x="3046722" y="2691485"/>
+            <a:ext cx="3360256" cy="1492019"/>
+          </a:xfrm>
+          <a:prstGeom prst="rect">
+            <a:avLst/>
+          </a:prstGeom>
+          <a:solidFill>
+            <a:schemeClr val="bg1">
+              <a:alpha val="80000"/>
+            </a:schemeClr>
+          </a:solidFill>
+          <a:ln>
+            <a:noFill/>
+          </a:ln>
+        </p:spPr>
+        <p:style>
+          <a:lnRef idx="2">
+            <a:schemeClr val="accent1">
+              <a:shade val="15000"/>
+            </a:schemeClr>
+          </a:lnRef>
+          <a:fillRef idx="1">
+            <a:schemeClr val="accent1"/>
+          </a:fillRef>
+          <a:effectRef idx="0">
+            <a:schemeClr val="accent1"/>
+          </a:effectRef>
+          <a:fontRef idx="minor">
+            <a:schemeClr val="lt1"/>
+          </a:fontRef>
+        </p:style>
+        <p:txBody>
+          <a:bodyPr rtlCol="0" anchor="ctr"/>
+          <a:lstStyle/>
+          <a:p>
+            <a:pPr algn="ctr"/>
+            <a:endParaRPr kumimoji="1" lang="ko-Kore-KR" altLang="en-US" dirty="0"/>
+          </a:p>
+        </p:txBody>
+      </p:sp>
+      <p:sp>
+        <p:nvSpPr>
+          <p:cNvPr id="6" name="아래쪽 화살표[D] 5">
+            <a:extLst>
+              <a:ext uri="{FF2B5EF4-FFF2-40B4-BE49-F238E27FC236}">
+                <a16:creationId xmlns:a16="http://schemas.microsoft.com/office/drawing/2014/main" id="{8658D8C4-D667-16FB-BF5A-6AF6541688B8}"/>
+              </a:ext>
+            </a:extLst>
+          </p:cNvPr>
+          <p:cNvSpPr/>
+          <p:nvPr/>
+        </p:nvSpPr>
+        <p:spPr>
+          <a:xfrm>
+            <a:off x="1423400" y="2531114"/>
+            <a:ext cx="198495" cy="338554"/>
+          </a:xfrm>
+          <a:prstGeom prst="downArrow">
+            <a:avLst>
+              <a:gd name="adj1" fmla="val 37549"/>
+              <a:gd name="adj2" fmla="val 50000"/>
+            </a:avLst>
+          </a:prstGeom>
+          <a:solidFill>
+            <a:schemeClr val="tx1"/>
+          </a:solidFill>
+          <a:ln>
+            <a:noFill/>
+          </a:ln>
+        </p:spPr>
+        <p:style>
+          <a:lnRef idx="2">
+            <a:schemeClr val="accent1">
+              <a:shade val="15000"/>
+            </a:schemeClr>
+          </a:lnRef>
+          <a:fillRef idx="1">
+            <a:schemeClr val="accent1"/>
+          </a:fillRef>
+          <a:effectRef idx="0">
+            <a:schemeClr val="accent1"/>
+          </a:effectRef>
+          <a:fontRef idx="minor">
+            <a:schemeClr val="lt1"/>
+          </a:fontRef>
+        </p:style>
+        <p:txBody>
+          <a:bodyPr rtlCol="0" anchor="ctr"/>
+          <a:lstStyle/>
+          <a:p>
+            <a:pPr algn="ctr"/>
+            <a:endParaRPr kumimoji="1" lang="ko-Kore-KR" altLang="en-US" dirty="0"/>
+          </a:p>
+        </p:txBody>
+      </p:sp>
+    </p:spTree>
+    <p:extLst>
+      <p:ext uri="{BB962C8B-B14F-4D97-AF65-F5344CB8AC3E}">
+        <p14:creationId xmlns:p14="http://schemas.microsoft.com/office/powerpoint/2010/main" val="3938941724"/>
+      </p:ext>
+    </p:extLst>
+  </p:cSld>
+  <p:clrMapOvr>
+    <a:masterClrMapping/>
+  </p:clrMapOvr>
+</p:sld>
+</file>
+
+<file path=ppt/slides/slide12.xml><?xml version="1.0" encoding="utf-8"?>
+<p:sld xmlns:a="http://schemas.openxmlformats.org/drawingml/2006/main" xmlns:r="http://schemas.openxmlformats.org/officeDocument/2006/relationships" xmlns:p="http://schemas.openxmlformats.org/presentationml/2006/main">
+  <p:cSld>
+    <p:spTree>
+      <p:nvGrpSpPr>
+        <p:cNvPr id="1" name="Shape 81"/>
+        <p:cNvGrpSpPr/>
+        <p:nvPr/>
+      </p:nvGrpSpPr>
+      <p:grpSpPr>
+        <a:xfrm>
+          <a:off x="0" y="0"/>
+          <a:ext cx="0" cy="0"/>
+          <a:chOff x="0" y="0"/>
+          <a:chExt cx="0" cy="0"/>
+        </a:xfrm>
+      </p:grpSpPr>
+      <p:sp>
+        <p:nvSpPr>
+          <p:cNvPr id="2" name="직사각형 1">
+            <a:extLst>
+              <a:ext uri="{FF2B5EF4-FFF2-40B4-BE49-F238E27FC236}">
+                <a16:creationId xmlns:a16="http://schemas.microsoft.com/office/drawing/2014/main" id="{0C17AC6A-59F8-9731-C737-FC57B988DE34}"/>
+              </a:ext>
+            </a:extLst>
+          </p:cNvPr>
+          <p:cNvSpPr/>
+          <p:nvPr/>
+        </p:nvSpPr>
+        <p:spPr>
+          <a:xfrm>
+            <a:off x="4029958" y="995060"/>
+            <a:ext cx="972000" cy="972000"/>
+          </a:xfrm>
+          <a:prstGeom prst="rect">
+            <a:avLst/>
+          </a:prstGeom>
+          <a:noFill/>
+          <a:ln w="19050">
+            <a:solidFill>
+              <a:schemeClr val="tx1"/>
+            </a:solidFill>
+          </a:ln>
+        </p:spPr>
+        <p:style>
+          <a:lnRef idx="2">
+            <a:schemeClr val="accent1">
+              <a:shade val="15000"/>
+            </a:schemeClr>
+          </a:lnRef>
+          <a:fillRef idx="1">
+            <a:schemeClr val="accent1"/>
+          </a:fillRef>
+          <a:effectRef idx="0">
+            <a:schemeClr val="accent1"/>
+          </a:effectRef>
+          <a:fontRef idx="minor">
+            <a:schemeClr val="lt1"/>
+          </a:fontRef>
+        </p:style>
+        <p:txBody>
+          <a:bodyPr rtlCol="0" anchor="ctr"/>
+          <a:lstStyle/>
+          <a:p>
+            <a:pPr algn="ctr"/>
+            <a:r>
+              <a:rPr kumimoji="1" lang="en-US" altLang="ko-Kore-KR" sz="1800" dirty="0">
+                <a:solidFill>
+                  <a:schemeClr val="tx1"/>
+                </a:solidFill>
+                <a:latin typeface="Times New Roman" panose="02020603050405020304" pitchFamily="18" charset="0"/>
+                <a:ea typeface="Source Sans Pro" panose="020B0503030403020204" pitchFamily="34" charset="0"/>
+                <a:cs typeface="Times New Roman" panose="02020603050405020304" pitchFamily="18" charset="0"/>
+              </a:rPr>
+              <a:t>Encoder</a:t>
+            </a:r>
+          </a:p>
+          <a:p>
+            <a:pPr algn="ctr"/>
+            <a:endParaRPr kumimoji="1" lang="ko-Kore-KR" altLang="en-US" dirty="0">
+              <a:solidFill>
+                <a:schemeClr val="tx1"/>
+              </a:solidFill>
+              <a:latin typeface="Times New Roman" panose="02020603050405020304" pitchFamily="18" charset="0"/>
+              <a:cs typeface="Times New Roman" panose="02020603050405020304" pitchFamily="18" charset="0"/>
+            </a:endParaRPr>
+          </a:p>
+        </p:txBody>
+      </p:sp>
+      <p:pic>
+        <p:nvPicPr>
+          <p:cNvPr id="3" name="그림 2">
+            <a:extLst>
+              <a:ext uri="{FF2B5EF4-FFF2-40B4-BE49-F238E27FC236}">
+                <a16:creationId xmlns:a16="http://schemas.microsoft.com/office/drawing/2014/main" id="{E56AEE8A-1BEF-3703-F1DB-49CE8B108C2B}"/>
+              </a:ext>
+            </a:extLst>
+          </p:cNvPr>
+          <p:cNvPicPr>
+            <a:picLocks noChangeAspect="1"/>
+          </p:cNvPicPr>
+          <p:nvPr/>
+        </p:nvPicPr>
+        <p:blipFill>
+          <a:blip r:embed="rId3"/>
+          <a:stretch>
+            <a:fillRect/>
+          </a:stretch>
+        </p:blipFill>
+        <p:spPr>
+          <a:xfrm>
+            <a:off x="4473291" y="1517270"/>
+            <a:ext cx="85333" cy="144000"/>
+          </a:xfrm>
+          <a:prstGeom prst="rect">
+            <a:avLst/>
+          </a:prstGeom>
+        </p:spPr>
+      </p:pic>
+      <p:sp>
+        <p:nvSpPr>
+          <p:cNvPr id="5" name="TextBox 4">
+            <a:extLst>
+              <a:ext uri="{FF2B5EF4-FFF2-40B4-BE49-F238E27FC236}">
+                <a16:creationId xmlns:a16="http://schemas.microsoft.com/office/drawing/2014/main" id="{0D3BB70B-A1A2-5CEA-540E-B91FD1233046}"/>
+              </a:ext>
+            </a:extLst>
+          </p:cNvPr>
+          <p:cNvSpPr txBox="1"/>
+          <p:nvPr/>
+        </p:nvSpPr>
+        <p:spPr>
+          <a:xfrm>
+            <a:off x="5356016" y="718061"/>
+            <a:ext cx="997843" cy="553998"/>
+          </a:xfrm>
+          <a:prstGeom prst="rect">
+            <a:avLst/>
+          </a:prstGeom>
+          <a:noFill/>
+        </p:spPr>
+        <p:txBody>
+          <a:bodyPr wrap="square">
+            <a:spAutoFit/>
+          </a:bodyPr>
+          <a:lstStyle/>
+          <a:p>
+            <a:pPr algn="ctr"/>
+            <a:r>
+              <a:rPr kumimoji="1" lang="en-US" altLang="ko-Kore-KR" sz="1600" dirty="0">
+                <a:solidFill>
+                  <a:schemeClr val="accent1"/>
+                </a:solidFill>
+                <a:latin typeface="Times New Roman" panose="02020603050405020304" pitchFamily="18" charset="0"/>
+                <a:ea typeface="Source Sans Pro" panose="020B0503030403020204" pitchFamily="34" charset="0"/>
+                <a:cs typeface="Times New Roman" panose="02020603050405020304" pitchFamily="18" charset="0"/>
+              </a:rPr>
+              <a:t>Policy</a:t>
+            </a:r>
+          </a:p>
+          <a:p>
+            <a:pPr algn="ctr"/>
+            <a:endParaRPr lang="ko-Kore-KR" altLang="en-US" dirty="0">
+              <a:latin typeface="Times New Roman" panose="02020603050405020304" pitchFamily="18" charset="0"/>
+              <a:cs typeface="Times New Roman" panose="02020603050405020304" pitchFamily="18" charset="0"/>
+            </a:endParaRPr>
+          </a:p>
+        </p:txBody>
+      </p:sp>
+      <p:pic>
+        <p:nvPicPr>
+          <p:cNvPr id="33" name="그림 32">
+            <a:extLst>
+              <a:ext uri="{FF2B5EF4-FFF2-40B4-BE49-F238E27FC236}">
+                <a16:creationId xmlns:a16="http://schemas.microsoft.com/office/drawing/2014/main" id="{DEEFFE0F-2FE1-B49B-E7FF-AB0BB2994CA4}"/>
+              </a:ext>
+            </a:extLst>
+          </p:cNvPr>
+          <p:cNvPicPr>
+            <a:picLocks noChangeAspect="1"/>
+          </p:cNvPicPr>
+          <p:nvPr/>
+        </p:nvPicPr>
+        <p:blipFill>
+          <a:blip r:embed="rId4"/>
+          <a:stretch>
+            <a:fillRect/>
+          </a:stretch>
+        </p:blipFill>
+        <p:spPr>
+          <a:xfrm>
+            <a:off x="5428018" y="1037810"/>
+            <a:ext cx="900000" cy="220531"/>
+          </a:xfrm>
+          <a:prstGeom prst="rect">
+            <a:avLst/>
+          </a:prstGeom>
+        </p:spPr>
+      </p:pic>
+      <p:cxnSp>
+        <p:nvCxnSpPr>
+          <p:cNvPr id="34" name="직선 화살표 연결선 33">
+            <a:extLst>
+              <a:ext uri="{FF2B5EF4-FFF2-40B4-BE49-F238E27FC236}">
+                <a16:creationId xmlns:a16="http://schemas.microsoft.com/office/drawing/2014/main" id="{C2468FBF-A481-C026-3B09-3477DD729C4C}"/>
+              </a:ext>
+            </a:extLst>
+          </p:cNvPr>
+          <p:cNvCxnSpPr>
+            <a:cxnSpLocks/>
+            <a:stCxn id="2" idx="3"/>
+            <a:endCxn id="5" idx="1"/>
+          </p:cNvCxnSpPr>
+          <p:nvPr/>
+        </p:nvCxnSpPr>
+        <p:spPr>
+          <a:xfrm flipV="1">
+            <a:off x="5001958" y="995060"/>
+            <a:ext cx="354058" cy="486000"/>
+          </a:xfrm>
+          <a:prstGeom prst="straightConnector1">
+            <a:avLst/>
+          </a:prstGeom>
+          <a:ln w="19050">
+            <a:solidFill>
+              <a:schemeClr val="tx1"/>
+            </a:solidFill>
+            <a:tailEnd type="triangle"/>
+          </a:ln>
+        </p:spPr>
+        <p:style>
+          <a:lnRef idx="1">
+            <a:schemeClr val="accent1"/>
+          </a:lnRef>
+          <a:fillRef idx="0">
+            <a:schemeClr val="accent1"/>
+          </a:fillRef>
+          <a:effectRef idx="0">
+            <a:schemeClr val="accent1"/>
+          </a:effectRef>
+          <a:fontRef idx="minor">
+            <a:schemeClr val="tx1"/>
+          </a:fontRef>
+        </p:style>
+      </p:cxnSp>
+      <p:sp>
+        <p:nvSpPr>
+          <p:cNvPr id="35" name="TextBox 34">
+            <a:extLst>
+              <a:ext uri="{FF2B5EF4-FFF2-40B4-BE49-F238E27FC236}">
+                <a16:creationId xmlns:a16="http://schemas.microsoft.com/office/drawing/2014/main" id="{1D3E3E0C-7302-EF17-5066-1F0164441157}"/>
+              </a:ext>
+            </a:extLst>
+          </p:cNvPr>
+          <p:cNvSpPr txBox="1"/>
+          <p:nvPr/>
+        </p:nvSpPr>
+        <p:spPr>
+          <a:xfrm>
+            <a:off x="5356017" y="1690061"/>
+            <a:ext cx="997843" cy="553998"/>
+          </a:xfrm>
+          <a:prstGeom prst="rect">
+            <a:avLst/>
+          </a:prstGeom>
+          <a:noFill/>
+        </p:spPr>
+        <p:txBody>
+          <a:bodyPr wrap="square">
+            <a:spAutoFit/>
+          </a:bodyPr>
+          <a:lstStyle/>
+          <a:p>
+            <a:pPr algn="ctr"/>
+            <a:r>
+              <a:rPr kumimoji="1" lang="en-US" altLang="ko-Kore-KR" sz="1600" dirty="0">
+                <a:solidFill>
+                  <a:srgbClr val="FF0000"/>
+                </a:solidFill>
+                <a:latin typeface="Times New Roman" panose="02020603050405020304" pitchFamily="18" charset="0"/>
+                <a:ea typeface="Source Sans Pro" panose="020B0503030403020204" pitchFamily="34" charset="0"/>
+                <a:cs typeface="Times New Roman" panose="02020603050405020304" pitchFamily="18" charset="0"/>
+              </a:rPr>
+              <a:t>Value</a:t>
+            </a:r>
+          </a:p>
+          <a:p>
+            <a:pPr algn="ctr"/>
+            <a:endParaRPr lang="ko-Kore-KR" altLang="en-US" dirty="0">
+              <a:solidFill>
+                <a:schemeClr val="tx1">
+                  <a:alpha val="20000"/>
+                </a:schemeClr>
+              </a:solidFill>
+              <a:latin typeface="Times New Roman" panose="02020603050405020304" pitchFamily="18" charset="0"/>
+              <a:cs typeface="Times New Roman" panose="02020603050405020304" pitchFamily="18" charset="0"/>
+            </a:endParaRPr>
+          </a:p>
+        </p:txBody>
+      </p:sp>
+      <p:pic>
+        <p:nvPicPr>
+          <p:cNvPr id="36" name="그림 35">
+            <a:extLst>
+              <a:ext uri="{FF2B5EF4-FFF2-40B4-BE49-F238E27FC236}">
+                <a16:creationId xmlns:a16="http://schemas.microsoft.com/office/drawing/2014/main" id="{4D61E5CD-EDF4-ABE6-5F21-A1323987711C}"/>
+              </a:ext>
+            </a:extLst>
+          </p:cNvPr>
+          <p:cNvPicPr>
+            <a:picLocks noChangeAspect="1"/>
+          </p:cNvPicPr>
+          <p:nvPr/>
+        </p:nvPicPr>
+        <p:blipFill>
+          <a:blip r:embed="rId5">
+            <a:alphaModFix/>
+          </a:blip>
+          <a:stretch>
+            <a:fillRect/>
+          </a:stretch>
+        </p:blipFill>
+        <p:spPr>
+          <a:xfrm>
+            <a:off x="5605369" y="2002426"/>
+            <a:ext cx="499135" cy="205200"/>
+          </a:xfrm>
+          <a:prstGeom prst="rect">
+            <a:avLst/>
+          </a:prstGeom>
+        </p:spPr>
+      </p:pic>
+      <p:cxnSp>
+        <p:nvCxnSpPr>
+          <p:cNvPr id="37" name="직선 화살표 연결선 36">
+            <a:extLst>
+              <a:ext uri="{FF2B5EF4-FFF2-40B4-BE49-F238E27FC236}">
+                <a16:creationId xmlns:a16="http://schemas.microsoft.com/office/drawing/2014/main" id="{22C07C2B-E507-4CE7-806B-DA083EF02A52}"/>
+              </a:ext>
+            </a:extLst>
+          </p:cNvPr>
+          <p:cNvCxnSpPr>
+            <a:cxnSpLocks/>
+            <a:stCxn id="2" idx="3"/>
+            <a:endCxn id="35" idx="1"/>
+          </p:cNvCxnSpPr>
+          <p:nvPr/>
+        </p:nvCxnSpPr>
+        <p:spPr>
+          <a:xfrm>
+            <a:off x="5001958" y="1481060"/>
+            <a:ext cx="354059" cy="486000"/>
+          </a:xfrm>
+          <a:prstGeom prst="straightConnector1">
+            <a:avLst/>
+          </a:prstGeom>
+          <a:ln w="19050">
+            <a:solidFill>
+              <a:schemeClr val="tx1"/>
+            </a:solidFill>
+            <a:tailEnd type="triangle"/>
+          </a:ln>
+        </p:spPr>
+        <p:style>
+          <a:lnRef idx="1">
+            <a:schemeClr val="accent1"/>
+          </a:lnRef>
+          <a:fillRef idx="0">
+            <a:schemeClr val="accent1"/>
+          </a:fillRef>
+          <a:effectRef idx="0">
+            <a:schemeClr val="accent1"/>
+          </a:effectRef>
+          <a:fontRef idx="minor">
+            <a:schemeClr val="tx1"/>
+          </a:fontRef>
+        </p:style>
+      </p:cxnSp>
+      <p:cxnSp>
+        <p:nvCxnSpPr>
+          <p:cNvPr id="38" name="직선 화살표 연결선 37">
+            <a:extLst>
+              <a:ext uri="{FF2B5EF4-FFF2-40B4-BE49-F238E27FC236}">
+                <a16:creationId xmlns:a16="http://schemas.microsoft.com/office/drawing/2014/main" id="{073E87EF-D3AF-9448-26A0-5D909F86E9AC}"/>
+              </a:ext>
+            </a:extLst>
+          </p:cNvPr>
+          <p:cNvCxnSpPr>
+            <a:cxnSpLocks/>
+            <a:stCxn id="39" idx="3"/>
+            <a:endCxn id="2" idx="1"/>
+          </p:cNvCxnSpPr>
+          <p:nvPr/>
+        </p:nvCxnSpPr>
+        <p:spPr>
+          <a:xfrm>
+            <a:off x="3675898" y="1480982"/>
+            <a:ext cx="354060" cy="78"/>
+          </a:xfrm>
+          <a:prstGeom prst="straightConnector1">
+            <a:avLst/>
+          </a:prstGeom>
+          <a:ln w="19050">
+            <a:solidFill>
+              <a:schemeClr val="tx1"/>
+            </a:solidFill>
+            <a:tailEnd type="triangle"/>
+          </a:ln>
+        </p:spPr>
+        <p:style>
+          <a:lnRef idx="1">
+            <a:schemeClr val="accent1"/>
+          </a:lnRef>
+          <a:fillRef idx="0">
+            <a:schemeClr val="accent1"/>
+          </a:fillRef>
+          <a:effectRef idx="0">
+            <a:schemeClr val="accent1"/>
+          </a:effectRef>
+          <a:fontRef idx="minor">
+            <a:schemeClr val="tx1"/>
+          </a:fontRef>
+        </p:style>
+      </p:cxnSp>
+      <p:sp>
+        <p:nvSpPr>
+          <p:cNvPr id="39" name="TextBox 38">
+            <a:extLst>
+              <a:ext uri="{FF2B5EF4-FFF2-40B4-BE49-F238E27FC236}">
+                <a16:creationId xmlns:a16="http://schemas.microsoft.com/office/drawing/2014/main" id="{25D681CB-5F5D-82BD-C937-7ACA2EECC66D}"/>
+              </a:ext>
+            </a:extLst>
+          </p:cNvPr>
+          <p:cNvSpPr txBox="1"/>
+          <p:nvPr/>
+        </p:nvSpPr>
+        <p:spPr>
+          <a:xfrm>
+            <a:off x="3009912" y="1157816"/>
+            <a:ext cx="665986" cy="646331"/>
+          </a:xfrm>
+          <a:prstGeom prst="rect">
+            <a:avLst/>
+          </a:prstGeom>
+          <a:noFill/>
+        </p:spPr>
+        <p:txBody>
+          <a:bodyPr wrap="square">
+            <a:spAutoFit/>
+          </a:bodyPr>
+          <a:lstStyle/>
+          <a:p>
+            <a:pPr algn="ctr"/>
+            <a:r>
+              <a:rPr kumimoji="1" lang="en-US" altLang="ko-Kore-KR" sz="1800" dirty="0">
+                <a:solidFill>
+                  <a:schemeClr val="tx1"/>
+                </a:solidFill>
+                <a:latin typeface="Times New Roman" panose="02020603050405020304" pitchFamily="18" charset="0"/>
+                <a:ea typeface="Source Sans Pro" panose="020B0503030403020204" pitchFamily="34" charset="0"/>
+                <a:cs typeface="Times New Roman" panose="02020603050405020304" pitchFamily="18" charset="0"/>
+              </a:rPr>
+              <a:t>State</a:t>
+            </a:r>
+          </a:p>
+          <a:p>
+            <a:pPr algn="ctr"/>
+            <a:endParaRPr lang="ko-Kore-KR" altLang="en-US" sz="1800" dirty="0">
+              <a:latin typeface="Times New Roman" panose="02020603050405020304" pitchFamily="18" charset="0"/>
+              <a:cs typeface="Times New Roman" panose="02020603050405020304" pitchFamily="18" charset="0"/>
+            </a:endParaRPr>
+          </a:p>
+        </p:txBody>
+      </p:sp>
+      <p:pic>
+        <p:nvPicPr>
+          <p:cNvPr id="40" name="그림 39">
+            <a:extLst>
+              <a:ext uri="{FF2B5EF4-FFF2-40B4-BE49-F238E27FC236}">
+                <a16:creationId xmlns:a16="http://schemas.microsoft.com/office/drawing/2014/main" id="{48159A13-9EFC-8C2B-FF99-E1E0FB4EA17C}"/>
+              </a:ext>
+            </a:extLst>
+          </p:cNvPr>
+          <p:cNvPicPr>
+            <a:picLocks noChangeAspect="1"/>
+          </p:cNvPicPr>
+          <p:nvPr/>
+        </p:nvPicPr>
+        <p:blipFill>
+          <a:blip r:embed="rId6"/>
+          <a:stretch>
+            <a:fillRect/>
+          </a:stretch>
+        </p:blipFill>
+        <p:spPr>
+          <a:xfrm>
+            <a:off x="3258524" y="1490022"/>
+            <a:ext cx="189626" cy="166871"/>
+          </a:xfrm>
+          <a:prstGeom prst="rect">
+            <a:avLst/>
+          </a:prstGeom>
+        </p:spPr>
+      </p:pic>
+      <p:pic>
+        <p:nvPicPr>
+          <p:cNvPr id="48" name="그림 47" descr="지도, 지구, 세계이(가) 표시된 사진&#10;&#10;자동 생성된 설명">
+            <a:extLst>
+              <a:ext uri="{FF2B5EF4-FFF2-40B4-BE49-F238E27FC236}">
+                <a16:creationId xmlns:a16="http://schemas.microsoft.com/office/drawing/2014/main" id="{E1B98D59-EB0F-4867-844E-7EF4ED1F9271}"/>
+              </a:ext>
+            </a:extLst>
+          </p:cNvPr>
+          <p:cNvPicPr>
+            <a:picLocks noChangeAspect="1"/>
+          </p:cNvPicPr>
+          <p:nvPr/>
+        </p:nvPicPr>
+        <p:blipFill>
+          <a:blip r:embed="rId7"/>
+          <a:stretch>
+            <a:fillRect/>
+          </a:stretch>
+        </p:blipFill>
+        <p:spPr>
+          <a:xfrm>
+            <a:off x="688859" y="1130023"/>
+            <a:ext cx="720000" cy="720000"/>
+          </a:xfrm>
+          <a:prstGeom prst="rect">
+            <a:avLst/>
+          </a:prstGeom>
+        </p:spPr>
+      </p:pic>
+      <p:sp>
+        <p:nvSpPr>
+          <p:cNvPr id="49" name="모서리가 둥근 직사각형 48">
+            <a:extLst>
+              <a:ext uri="{FF2B5EF4-FFF2-40B4-BE49-F238E27FC236}">
+                <a16:creationId xmlns:a16="http://schemas.microsoft.com/office/drawing/2014/main" id="{F5C711F4-654C-6D6C-BFCB-594C00E4EC5E}"/>
+              </a:ext>
+            </a:extLst>
+          </p:cNvPr>
+          <p:cNvSpPr/>
+          <p:nvPr/>
+        </p:nvSpPr>
+        <p:spPr>
+          <a:xfrm>
+            <a:off x="1524481" y="1066982"/>
+            <a:ext cx="828000" cy="828000"/>
+          </a:xfrm>
+          <a:prstGeom prst="roundRect">
+            <a:avLst/>
+          </a:prstGeom>
+          <a:noFill/>
+          <a:ln w="19050">
+            <a:solidFill>
+              <a:schemeClr val="tx1"/>
+            </a:solidFill>
+          </a:ln>
+        </p:spPr>
+        <p:style>
+          <a:lnRef idx="2">
+            <a:schemeClr val="accent1">
+              <a:shade val="15000"/>
+            </a:schemeClr>
+          </a:lnRef>
+          <a:fillRef idx="1">
+            <a:schemeClr val="accent1"/>
+          </a:fillRef>
+          <a:effectRef idx="0">
+            <a:schemeClr val="accent1"/>
+          </a:effectRef>
+          <a:fontRef idx="minor">
+            <a:schemeClr val="lt1"/>
+          </a:fontRef>
+        </p:style>
+        <p:txBody>
+          <a:bodyPr rtlCol="0" anchor="ctr"/>
+          <a:lstStyle/>
+          <a:p>
+            <a:pPr algn="ctr"/>
+            <a:r>
+              <a:rPr kumimoji="1" lang="en-US" altLang="ko-Kore-KR" sz="1800" dirty="0">
+                <a:solidFill>
+                  <a:schemeClr val="tx1"/>
+                </a:solidFill>
+                <a:latin typeface="Times New Roman" panose="02020603050405020304" pitchFamily="18" charset="0"/>
+                <a:ea typeface="Source Sans Pro" panose="020B0503030403020204" pitchFamily="34" charset="0"/>
+                <a:cs typeface="Times New Roman" panose="02020603050405020304" pitchFamily="18" charset="0"/>
+              </a:rPr>
+              <a:t>Agent</a:t>
+            </a:r>
+            <a:r>
+              <a:rPr kumimoji="1" lang="en-US" altLang="ko-Kore-KR" dirty="0">
+                <a:solidFill>
+                  <a:schemeClr val="tx1"/>
+                </a:solidFill>
+                <a:latin typeface="Times New Roman" panose="02020603050405020304" pitchFamily="18" charset="0"/>
+                <a:ea typeface="Source Sans Pro" panose="020B0503030403020204" pitchFamily="34" charset="0"/>
+                <a:cs typeface="Times New Roman" panose="02020603050405020304" pitchFamily="18" charset="0"/>
+              </a:rPr>
+              <a:t> </a:t>
+            </a:r>
+          </a:p>
+        </p:txBody>
+      </p:sp>
+      <p:pic>
+        <p:nvPicPr>
+          <p:cNvPr id="50" name="그림 49">
+            <a:extLst>
+              <a:ext uri="{FF2B5EF4-FFF2-40B4-BE49-F238E27FC236}">
+                <a16:creationId xmlns:a16="http://schemas.microsoft.com/office/drawing/2014/main" id="{BF27BC35-289E-4E54-0016-F1A8126FE9CB}"/>
+              </a:ext>
+            </a:extLst>
+          </p:cNvPr>
+          <p:cNvPicPr>
+            <a:picLocks noChangeAspect="1"/>
+          </p:cNvPicPr>
+          <p:nvPr/>
+        </p:nvPicPr>
+        <p:blipFill>
+          <a:blip r:embed="rId8"/>
+          <a:stretch>
+            <a:fillRect/>
+          </a:stretch>
+        </p:blipFill>
+        <p:spPr>
+          <a:xfrm>
+            <a:off x="1048858" y="2081106"/>
+            <a:ext cx="889623" cy="212362"/>
+          </a:xfrm>
+          <a:prstGeom prst="rect">
+            <a:avLst/>
+          </a:prstGeom>
+        </p:spPr>
+      </p:pic>
+      <p:cxnSp>
+        <p:nvCxnSpPr>
+          <p:cNvPr id="51" name="꺾인 연결선[E] 50">
+            <a:extLst>
+              <a:ext uri="{FF2B5EF4-FFF2-40B4-BE49-F238E27FC236}">
+                <a16:creationId xmlns:a16="http://schemas.microsoft.com/office/drawing/2014/main" id="{EEF4BBD7-8FB2-610B-84F8-5AC593131DEC}"/>
+              </a:ext>
+            </a:extLst>
+          </p:cNvPr>
+          <p:cNvCxnSpPr>
+            <a:cxnSpLocks/>
+            <a:stCxn id="48" idx="0"/>
+            <a:endCxn id="49" idx="0"/>
+          </p:cNvCxnSpPr>
+          <p:nvPr/>
+        </p:nvCxnSpPr>
+        <p:spPr>
+          <a:xfrm rot="5400000" flipH="1" flipV="1">
+            <a:off x="1462150" y="653692"/>
+            <a:ext cx="63041" cy="889622"/>
+          </a:xfrm>
+          <a:prstGeom prst="bentConnector3">
+            <a:avLst>
+              <a:gd name="adj1" fmla="val 325407"/>
+            </a:avLst>
+          </a:prstGeom>
+          <a:ln w="19050">
+            <a:solidFill>
+              <a:schemeClr val="tx1"/>
+            </a:solidFill>
+            <a:tailEnd type="triangle"/>
+          </a:ln>
+        </p:spPr>
+        <p:style>
+          <a:lnRef idx="1">
+            <a:schemeClr val="accent1"/>
+          </a:lnRef>
+          <a:fillRef idx="0">
+            <a:schemeClr val="accent1"/>
+          </a:fillRef>
+          <a:effectRef idx="0">
+            <a:schemeClr val="accent1"/>
+          </a:effectRef>
+          <a:fontRef idx="minor">
+            <a:schemeClr val="tx1"/>
+          </a:fontRef>
+        </p:style>
+      </p:cxnSp>
+      <p:cxnSp>
+        <p:nvCxnSpPr>
+          <p:cNvPr id="52" name="꺾인 연결선[E] 51">
+            <a:extLst>
+              <a:ext uri="{FF2B5EF4-FFF2-40B4-BE49-F238E27FC236}">
+                <a16:creationId xmlns:a16="http://schemas.microsoft.com/office/drawing/2014/main" id="{36AB393E-EF5C-2353-ED98-AF943C892131}"/>
+              </a:ext>
+            </a:extLst>
+          </p:cNvPr>
+          <p:cNvCxnSpPr>
+            <a:cxnSpLocks/>
+            <a:stCxn id="49" idx="2"/>
+            <a:endCxn id="48" idx="2"/>
+          </p:cNvCxnSpPr>
+          <p:nvPr/>
+        </p:nvCxnSpPr>
+        <p:spPr>
+          <a:xfrm rot="5400000" flipH="1">
+            <a:off x="1471190" y="1427692"/>
+            <a:ext cx="44959" cy="889622"/>
+          </a:xfrm>
+          <a:prstGeom prst="bentConnector3">
+            <a:avLst>
+              <a:gd name="adj1" fmla="val -302329"/>
+            </a:avLst>
+          </a:prstGeom>
+          <a:ln w="19050">
+            <a:solidFill>
+              <a:schemeClr val="tx1"/>
+            </a:solidFill>
+            <a:tailEnd type="triangle"/>
+          </a:ln>
+        </p:spPr>
+        <p:style>
+          <a:lnRef idx="1">
+            <a:schemeClr val="accent1"/>
+          </a:lnRef>
+          <a:fillRef idx="0">
+            <a:schemeClr val="accent1"/>
+          </a:fillRef>
+          <a:effectRef idx="0">
+            <a:schemeClr val="accent1"/>
+          </a:effectRef>
+          <a:fontRef idx="minor">
+            <a:schemeClr val="tx1"/>
+          </a:fontRef>
+        </p:style>
+      </p:cxnSp>
+      <p:pic>
+        <p:nvPicPr>
+          <p:cNvPr id="53" name="그림 52">
+            <a:extLst>
+              <a:ext uri="{FF2B5EF4-FFF2-40B4-BE49-F238E27FC236}">
+                <a16:creationId xmlns:a16="http://schemas.microsoft.com/office/drawing/2014/main" id="{C4F0EF64-06D2-BD8C-B0E6-55D8F0E9DB76}"/>
+              </a:ext>
+            </a:extLst>
+          </p:cNvPr>
+          <p:cNvPicPr>
+            <a:picLocks noChangeAspect="1"/>
+          </p:cNvPicPr>
+          <p:nvPr/>
+        </p:nvPicPr>
+        <p:blipFill>
+          <a:blip r:embed="rId9"/>
+          <a:stretch>
+            <a:fillRect/>
+          </a:stretch>
+        </p:blipFill>
+        <p:spPr>
+          <a:xfrm>
+            <a:off x="1048858" y="619165"/>
+            <a:ext cx="889623" cy="249364"/>
+          </a:xfrm>
+          <a:prstGeom prst="rect">
+            <a:avLst/>
+          </a:prstGeom>
+        </p:spPr>
+      </p:pic>
+      <p:sp>
+        <p:nvSpPr>
+          <p:cNvPr id="54" name="모서리가 둥근 직사각형 53">
+            <a:extLst>
+              <a:ext uri="{FF2B5EF4-FFF2-40B4-BE49-F238E27FC236}">
+                <a16:creationId xmlns:a16="http://schemas.microsoft.com/office/drawing/2014/main" id="{AE603A07-A0AE-FC7F-9AF3-EE6FF3327535}"/>
+              </a:ext>
+            </a:extLst>
+          </p:cNvPr>
+          <p:cNvSpPr/>
+          <p:nvPr/>
+        </p:nvSpPr>
+        <p:spPr>
+          <a:xfrm>
+            <a:off x="588481" y="544982"/>
+            <a:ext cx="1872000" cy="1872000"/>
+          </a:xfrm>
+          <a:prstGeom prst="roundRect">
+            <a:avLst/>
+          </a:prstGeom>
+          <a:noFill/>
+          <a:ln w="19050">
+            <a:solidFill>
+              <a:schemeClr val="tx1"/>
+            </a:solidFill>
+          </a:ln>
+        </p:spPr>
+        <p:style>
+          <a:lnRef idx="2">
+            <a:schemeClr val="accent1">
+              <a:shade val="15000"/>
+            </a:schemeClr>
+          </a:lnRef>
+          <a:fillRef idx="1">
+            <a:schemeClr val="accent1"/>
+          </a:fillRef>
+          <a:effectRef idx="0">
+            <a:schemeClr val="accent1"/>
+          </a:effectRef>
+          <a:fontRef idx="minor">
+            <a:schemeClr val="lt1"/>
+          </a:fontRef>
+        </p:style>
+        <p:txBody>
+          <a:bodyPr rtlCol="0" anchor="ctr"/>
+          <a:lstStyle/>
+          <a:p>
+            <a:pPr algn="ctr"/>
+            <a:endParaRPr kumimoji="1" lang="ko-Kore-KR" altLang="en-US" sz="1800" dirty="0">
+              <a:solidFill>
+                <a:schemeClr val="tx1"/>
+              </a:solidFill>
+              <a:latin typeface="Source Sans Pro" panose="020B0503030403020204" pitchFamily="34" charset="0"/>
+            </a:endParaRPr>
+          </a:p>
+        </p:txBody>
+      </p:sp>
+      <p:sp>
+        <p:nvSpPr>
+          <p:cNvPr id="25" name="TextBox 24">
+            <a:extLst>
+              <a:ext uri="{FF2B5EF4-FFF2-40B4-BE49-F238E27FC236}">
+                <a16:creationId xmlns:a16="http://schemas.microsoft.com/office/drawing/2014/main" id="{9C7F1AE5-4391-4073-F59D-DC2A1915BDE9}"/>
+              </a:ext>
+            </a:extLst>
+          </p:cNvPr>
+          <p:cNvSpPr txBox="1"/>
+          <p:nvPr/>
+        </p:nvSpPr>
+        <p:spPr>
+          <a:xfrm>
+            <a:off x="128855" y="115348"/>
+            <a:ext cx="1820057" cy="400110"/>
+          </a:xfrm>
+          <a:prstGeom prst="rect">
+            <a:avLst/>
+          </a:prstGeom>
+          <a:noFill/>
+        </p:spPr>
+        <p:txBody>
+          <a:bodyPr wrap="square">
+            <a:spAutoFit/>
+          </a:bodyPr>
+          <a:lstStyle/>
+          <a:p>
+            <a:r>
+              <a:rPr kumimoji="1" lang="en-US" altLang="ko-Kore-KR" sz="2000" b="1" dirty="0">
+                <a:solidFill>
+                  <a:schemeClr val="tx1"/>
+                </a:solidFill>
+                <a:latin typeface="Times New Roman" panose="02020603050405020304" pitchFamily="18" charset="0"/>
+                <a:ea typeface="Source Sans Pro" panose="020B0503030403020204" pitchFamily="34" charset="0"/>
+                <a:cs typeface="Times New Roman" panose="02020603050405020304" pitchFamily="18" charset="0"/>
+              </a:rPr>
+              <a:t>Policy Phase </a:t>
+            </a:r>
+          </a:p>
+        </p:txBody>
+      </p:sp>
+      <p:sp>
+        <p:nvSpPr>
+          <p:cNvPr id="73" name="TextBox 72">
+            <a:extLst>
+              <a:ext uri="{FF2B5EF4-FFF2-40B4-BE49-F238E27FC236}">
+                <a16:creationId xmlns:a16="http://schemas.microsoft.com/office/drawing/2014/main" id="{4B982F0A-B2D5-F009-80F9-C29E87C1563D}"/>
+              </a:ext>
+            </a:extLst>
+          </p:cNvPr>
+          <p:cNvSpPr txBox="1"/>
+          <p:nvPr/>
+        </p:nvSpPr>
+        <p:spPr>
+          <a:xfrm>
+            <a:off x="128855" y="2469558"/>
+            <a:ext cx="1820057" cy="400110"/>
+          </a:xfrm>
+          <a:prstGeom prst="rect">
+            <a:avLst/>
+          </a:prstGeom>
+          <a:noFill/>
+        </p:spPr>
+        <p:txBody>
+          <a:bodyPr wrap="square">
+            <a:spAutoFit/>
+          </a:bodyPr>
+          <a:lstStyle/>
+          <a:p>
+            <a:r>
+              <a:rPr kumimoji="1" lang="en-US" altLang="ko-Kore-KR" sz="2000" b="1" dirty="0">
+                <a:solidFill>
+                  <a:schemeClr val="tx1"/>
+                </a:solidFill>
+                <a:latin typeface="Times New Roman" panose="02020603050405020304" pitchFamily="18" charset="0"/>
+                <a:ea typeface="Source Sans Pro" panose="020B0503030403020204" pitchFamily="34" charset="0"/>
+                <a:cs typeface="Times New Roman" panose="02020603050405020304" pitchFamily="18" charset="0"/>
+              </a:rPr>
+              <a:t>Aux Phase </a:t>
+            </a:r>
+          </a:p>
+        </p:txBody>
+      </p:sp>
+      <p:sp>
+        <p:nvSpPr>
+          <p:cNvPr id="86" name="원통[C] 85">
+            <a:extLst>
+              <a:ext uri="{FF2B5EF4-FFF2-40B4-BE49-F238E27FC236}">
+                <a16:creationId xmlns:a16="http://schemas.microsoft.com/office/drawing/2014/main" id="{91EC83EA-908D-A140-EB93-0EEE7FB84482}"/>
+              </a:ext>
+            </a:extLst>
+          </p:cNvPr>
+          <p:cNvSpPr/>
+          <p:nvPr/>
+        </p:nvSpPr>
+        <p:spPr>
+          <a:xfrm>
+            <a:off x="1071510" y="2970816"/>
+            <a:ext cx="900000" cy="900000"/>
+          </a:xfrm>
+          <a:prstGeom prst="can">
+            <a:avLst/>
+          </a:prstGeom>
+          <a:solidFill>
+            <a:schemeClr val="accent1">
+              <a:lumMod val="60000"/>
+              <a:lumOff val="40000"/>
+            </a:schemeClr>
+          </a:solidFill>
+        </p:spPr>
+        <p:style>
+          <a:lnRef idx="2">
+            <a:schemeClr val="accent1">
+              <a:shade val="15000"/>
+            </a:schemeClr>
+          </a:lnRef>
+          <a:fillRef idx="1">
+            <a:schemeClr val="accent1"/>
+          </a:fillRef>
+          <a:effectRef idx="0">
+            <a:schemeClr val="accent1"/>
+          </a:effectRef>
+          <a:fontRef idx="minor">
+            <a:schemeClr val="lt1"/>
+          </a:fontRef>
+        </p:style>
+        <p:txBody>
+          <a:bodyPr rtlCol="0" anchor="ctr"/>
+          <a:lstStyle/>
+          <a:p>
+            <a:pPr algn="ctr"/>
+            <a:r>
+              <a:rPr kumimoji="1" lang="en-US" altLang="ko-Kore-KR" sz="1800" dirty="0">
+                <a:solidFill>
+                  <a:schemeClr val="tx1"/>
+                </a:solidFill>
+                <a:latin typeface="Times New Roman" panose="02020603050405020304" pitchFamily="18" charset="0"/>
+                <a:ea typeface="Source Sans Pro" panose="020B0503030403020204" pitchFamily="34" charset="0"/>
+                <a:cs typeface="Times New Roman" panose="02020603050405020304" pitchFamily="18" charset="0"/>
+              </a:rPr>
+              <a:t>Buffer</a:t>
+            </a:r>
+            <a:endParaRPr kumimoji="1" lang="ko-Kore-KR" altLang="en-US" sz="1800" dirty="0">
+              <a:solidFill>
+                <a:schemeClr val="tx1"/>
+              </a:solidFill>
+              <a:latin typeface="Times New Roman" panose="02020603050405020304" pitchFamily="18" charset="0"/>
+              <a:cs typeface="Times New Roman" panose="02020603050405020304" pitchFamily="18" charset="0"/>
+            </a:endParaRPr>
+          </a:p>
+        </p:txBody>
+      </p:sp>
+      <p:sp>
+        <p:nvSpPr>
+          <p:cNvPr id="115" name="직사각형 114">
+            <a:extLst>
+              <a:ext uri="{FF2B5EF4-FFF2-40B4-BE49-F238E27FC236}">
+                <a16:creationId xmlns:a16="http://schemas.microsoft.com/office/drawing/2014/main" id="{3B73E9E6-9E8E-E1EB-7458-CBB17FCE5893}"/>
+              </a:ext>
+            </a:extLst>
+          </p:cNvPr>
+          <p:cNvSpPr/>
+          <p:nvPr/>
+        </p:nvSpPr>
+        <p:spPr>
+          <a:xfrm>
+            <a:off x="4029958" y="2934895"/>
+            <a:ext cx="972000" cy="972000"/>
+          </a:xfrm>
+          <a:prstGeom prst="rect">
+            <a:avLst/>
+          </a:prstGeom>
+          <a:noFill/>
+          <a:ln w="19050">
+            <a:solidFill>
+              <a:schemeClr val="tx1"/>
+            </a:solidFill>
+          </a:ln>
+        </p:spPr>
+        <p:style>
+          <a:lnRef idx="2">
+            <a:schemeClr val="accent1">
+              <a:shade val="15000"/>
+            </a:schemeClr>
+          </a:lnRef>
+          <a:fillRef idx="1">
+            <a:schemeClr val="accent1"/>
+          </a:fillRef>
+          <a:effectRef idx="0">
+            <a:schemeClr val="accent1"/>
+          </a:effectRef>
+          <a:fontRef idx="minor">
+            <a:schemeClr val="lt1"/>
+          </a:fontRef>
+        </p:style>
+        <p:txBody>
+          <a:bodyPr rtlCol="0" anchor="ctr"/>
+          <a:lstStyle/>
+          <a:p>
+            <a:pPr algn="ctr"/>
+            <a:r>
+              <a:rPr kumimoji="1" lang="en-US" altLang="ko-Kore-KR" sz="1800" dirty="0">
+                <a:solidFill>
+                  <a:schemeClr val="tx1"/>
+                </a:solidFill>
+                <a:latin typeface="Times New Roman" panose="02020603050405020304" pitchFamily="18" charset="0"/>
+                <a:ea typeface="Source Sans Pro" panose="020B0503030403020204" pitchFamily="34" charset="0"/>
+                <a:cs typeface="Times New Roman" panose="02020603050405020304" pitchFamily="18" charset="0"/>
+              </a:rPr>
+              <a:t>Encoder</a:t>
+            </a:r>
+          </a:p>
+          <a:p>
+            <a:pPr algn="ctr"/>
+            <a:endParaRPr kumimoji="1" lang="ko-Kore-KR" altLang="en-US" dirty="0">
+              <a:solidFill>
+                <a:schemeClr val="tx1"/>
+              </a:solidFill>
+              <a:latin typeface="Times New Roman" panose="02020603050405020304" pitchFamily="18" charset="0"/>
+              <a:cs typeface="Times New Roman" panose="02020603050405020304" pitchFamily="18" charset="0"/>
+            </a:endParaRPr>
+          </a:p>
+        </p:txBody>
+      </p:sp>
+      <p:pic>
+        <p:nvPicPr>
+          <p:cNvPr id="116" name="그림 115">
+            <a:extLst>
+              <a:ext uri="{FF2B5EF4-FFF2-40B4-BE49-F238E27FC236}">
+                <a16:creationId xmlns:a16="http://schemas.microsoft.com/office/drawing/2014/main" id="{ED46CB78-04D6-1228-6EA1-ADC68B4A06C2}"/>
+              </a:ext>
+            </a:extLst>
+          </p:cNvPr>
+          <p:cNvPicPr>
+            <a:picLocks noChangeAspect="1"/>
+          </p:cNvPicPr>
+          <p:nvPr/>
+        </p:nvPicPr>
+        <p:blipFill>
+          <a:blip r:embed="rId3"/>
+          <a:stretch>
+            <a:fillRect/>
+          </a:stretch>
+        </p:blipFill>
+        <p:spPr>
+          <a:xfrm>
+            <a:off x="4473291" y="3457105"/>
+            <a:ext cx="85333" cy="144000"/>
+          </a:xfrm>
+          <a:prstGeom prst="rect">
+            <a:avLst/>
+          </a:prstGeom>
+        </p:spPr>
+      </p:pic>
+      <p:sp>
+        <p:nvSpPr>
+          <p:cNvPr id="117" name="TextBox 116">
+            <a:extLst>
+              <a:ext uri="{FF2B5EF4-FFF2-40B4-BE49-F238E27FC236}">
+                <a16:creationId xmlns:a16="http://schemas.microsoft.com/office/drawing/2014/main" id="{524563A2-2AEA-7F38-4DC4-72D7837DCEFC}"/>
+              </a:ext>
+            </a:extLst>
+          </p:cNvPr>
+          <p:cNvSpPr txBox="1"/>
+          <p:nvPr/>
+        </p:nvSpPr>
+        <p:spPr>
+          <a:xfrm>
+            <a:off x="5356016" y="2657896"/>
+            <a:ext cx="997843" cy="553998"/>
+          </a:xfrm>
+          <a:prstGeom prst="rect">
+            <a:avLst/>
+          </a:prstGeom>
+          <a:noFill/>
+        </p:spPr>
+        <p:txBody>
+          <a:bodyPr wrap="square">
+            <a:spAutoFit/>
+          </a:bodyPr>
+          <a:lstStyle/>
+          <a:p>
+            <a:pPr algn="ctr"/>
+            <a:r>
+              <a:rPr kumimoji="1" lang="en-US" altLang="ko-Kore-KR" sz="1600" dirty="0">
+                <a:solidFill>
+                  <a:srgbClr val="FF0000"/>
+                </a:solidFill>
+                <a:latin typeface="Times New Roman" panose="02020603050405020304" pitchFamily="18" charset="0"/>
+                <a:ea typeface="Source Sans Pro" panose="020B0503030403020204" pitchFamily="34" charset="0"/>
+                <a:cs typeface="Times New Roman" panose="02020603050405020304" pitchFamily="18" charset="0"/>
+              </a:rPr>
+              <a:t>Policy</a:t>
+            </a:r>
+          </a:p>
+          <a:p>
+            <a:pPr algn="ctr"/>
+            <a:endParaRPr lang="ko-Kore-KR" altLang="en-US" dirty="0">
+              <a:latin typeface="Times New Roman" panose="02020603050405020304" pitchFamily="18" charset="0"/>
+              <a:cs typeface="Times New Roman" panose="02020603050405020304" pitchFamily="18" charset="0"/>
+            </a:endParaRPr>
+          </a:p>
+        </p:txBody>
+      </p:sp>
+      <p:pic>
+        <p:nvPicPr>
+          <p:cNvPr id="118" name="그림 117">
+            <a:extLst>
+              <a:ext uri="{FF2B5EF4-FFF2-40B4-BE49-F238E27FC236}">
+                <a16:creationId xmlns:a16="http://schemas.microsoft.com/office/drawing/2014/main" id="{6FE200BA-D280-8CC3-1208-40103B657C2F}"/>
+              </a:ext>
+            </a:extLst>
+          </p:cNvPr>
+          <p:cNvPicPr>
+            <a:picLocks noChangeAspect="1"/>
+          </p:cNvPicPr>
+          <p:nvPr/>
+        </p:nvPicPr>
+        <p:blipFill>
+          <a:blip r:embed="rId4"/>
+          <a:stretch>
+            <a:fillRect/>
+          </a:stretch>
+        </p:blipFill>
+        <p:spPr>
+          <a:xfrm>
+            <a:off x="5428018" y="2977645"/>
+            <a:ext cx="900000" cy="220531"/>
+          </a:xfrm>
+          <a:prstGeom prst="rect">
+            <a:avLst/>
+          </a:prstGeom>
+        </p:spPr>
+      </p:pic>
+      <p:cxnSp>
+        <p:nvCxnSpPr>
+          <p:cNvPr id="119" name="직선 화살표 연결선 118">
+            <a:extLst>
+              <a:ext uri="{FF2B5EF4-FFF2-40B4-BE49-F238E27FC236}">
+                <a16:creationId xmlns:a16="http://schemas.microsoft.com/office/drawing/2014/main" id="{4659420C-23A8-70C7-A11E-A927098AF9D6}"/>
+              </a:ext>
+            </a:extLst>
+          </p:cNvPr>
+          <p:cNvCxnSpPr>
+            <a:cxnSpLocks/>
+            <a:stCxn id="115" idx="3"/>
+            <a:endCxn id="117" idx="1"/>
+          </p:cNvCxnSpPr>
+          <p:nvPr/>
+        </p:nvCxnSpPr>
+        <p:spPr>
+          <a:xfrm flipV="1">
+            <a:off x="5001958" y="2934895"/>
+            <a:ext cx="354058" cy="486000"/>
+          </a:xfrm>
+          <a:prstGeom prst="straightConnector1">
+            <a:avLst/>
+          </a:prstGeom>
+          <a:ln w="19050">
+            <a:solidFill>
+              <a:schemeClr val="tx1"/>
+            </a:solidFill>
+            <a:tailEnd type="triangle"/>
+          </a:ln>
+        </p:spPr>
+        <p:style>
+          <a:lnRef idx="1">
+            <a:schemeClr val="accent1"/>
+          </a:lnRef>
+          <a:fillRef idx="0">
+            <a:schemeClr val="accent1"/>
+          </a:fillRef>
+          <a:effectRef idx="0">
+            <a:schemeClr val="accent1"/>
+          </a:effectRef>
+          <a:fontRef idx="minor">
+            <a:schemeClr val="tx1"/>
+          </a:fontRef>
+        </p:style>
+      </p:cxnSp>
+      <p:sp>
+        <p:nvSpPr>
+          <p:cNvPr id="120" name="TextBox 119">
+            <a:extLst>
+              <a:ext uri="{FF2B5EF4-FFF2-40B4-BE49-F238E27FC236}">
+                <a16:creationId xmlns:a16="http://schemas.microsoft.com/office/drawing/2014/main" id="{F0623EE3-40B9-D24E-AEF5-E94F114EC4C4}"/>
+              </a:ext>
+            </a:extLst>
+          </p:cNvPr>
+          <p:cNvSpPr txBox="1"/>
+          <p:nvPr/>
+        </p:nvSpPr>
+        <p:spPr>
+          <a:xfrm>
+            <a:off x="5356017" y="3629896"/>
+            <a:ext cx="997843" cy="553998"/>
+          </a:xfrm>
+          <a:prstGeom prst="rect">
+            <a:avLst/>
+          </a:prstGeom>
+          <a:noFill/>
+        </p:spPr>
+        <p:txBody>
+          <a:bodyPr wrap="square">
+            <a:spAutoFit/>
+          </a:bodyPr>
+          <a:lstStyle/>
+          <a:p>
+            <a:pPr algn="ctr"/>
+            <a:r>
+              <a:rPr kumimoji="1" lang="en-US" altLang="ko-Kore-KR" sz="1600" dirty="0">
+                <a:solidFill>
+                  <a:schemeClr val="accent1"/>
+                </a:solidFill>
+                <a:latin typeface="Times New Roman" panose="02020603050405020304" pitchFamily="18" charset="0"/>
+                <a:ea typeface="Source Sans Pro" panose="020B0503030403020204" pitchFamily="34" charset="0"/>
+                <a:cs typeface="Times New Roman" panose="02020603050405020304" pitchFamily="18" charset="0"/>
+              </a:rPr>
+              <a:t>Value</a:t>
+            </a:r>
+          </a:p>
+          <a:p>
+            <a:pPr algn="ctr"/>
+            <a:endParaRPr lang="ko-Kore-KR" altLang="en-US" dirty="0">
+              <a:solidFill>
+                <a:schemeClr val="tx1">
+                  <a:alpha val="20000"/>
+                </a:schemeClr>
+              </a:solidFill>
+              <a:latin typeface="Times New Roman" panose="02020603050405020304" pitchFamily="18" charset="0"/>
+              <a:cs typeface="Times New Roman" panose="02020603050405020304" pitchFamily="18" charset="0"/>
+            </a:endParaRPr>
+          </a:p>
+        </p:txBody>
+      </p:sp>
+      <p:pic>
+        <p:nvPicPr>
+          <p:cNvPr id="121" name="그림 120">
+            <a:extLst>
+              <a:ext uri="{FF2B5EF4-FFF2-40B4-BE49-F238E27FC236}">
+                <a16:creationId xmlns:a16="http://schemas.microsoft.com/office/drawing/2014/main" id="{24EB9AF0-CF11-366C-5C87-A8733F7632E5}"/>
+              </a:ext>
+            </a:extLst>
+          </p:cNvPr>
+          <p:cNvPicPr>
+            <a:picLocks noChangeAspect="1"/>
+          </p:cNvPicPr>
+          <p:nvPr/>
+        </p:nvPicPr>
+        <p:blipFill>
+          <a:blip r:embed="rId5">
+            <a:alphaModFix/>
+          </a:blip>
+          <a:stretch>
+            <a:fillRect/>
+          </a:stretch>
+        </p:blipFill>
+        <p:spPr>
+          <a:xfrm>
+            <a:off x="5605369" y="3942261"/>
+            <a:ext cx="499135" cy="205200"/>
+          </a:xfrm>
+          <a:prstGeom prst="rect">
+            <a:avLst/>
+          </a:prstGeom>
+        </p:spPr>
+      </p:pic>
+      <p:cxnSp>
+        <p:nvCxnSpPr>
+          <p:cNvPr id="122" name="직선 화살표 연결선 121">
+            <a:extLst>
+              <a:ext uri="{FF2B5EF4-FFF2-40B4-BE49-F238E27FC236}">
+                <a16:creationId xmlns:a16="http://schemas.microsoft.com/office/drawing/2014/main" id="{111A72F3-2C4F-F86C-20A0-4791BB5DA733}"/>
+              </a:ext>
+            </a:extLst>
+          </p:cNvPr>
+          <p:cNvCxnSpPr>
+            <a:cxnSpLocks/>
+            <a:stCxn id="115" idx="3"/>
+            <a:endCxn id="120" idx="1"/>
+          </p:cNvCxnSpPr>
+          <p:nvPr/>
+        </p:nvCxnSpPr>
+        <p:spPr>
+          <a:xfrm>
+            <a:off x="5001958" y="3420895"/>
+            <a:ext cx="354059" cy="486000"/>
+          </a:xfrm>
+          <a:prstGeom prst="straightConnector1">
+            <a:avLst/>
+          </a:prstGeom>
+          <a:ln w="19050">
+            <a:solidFill>
+              <a:schemeClr val="tx1"/>
+            </a:solidFill>
+            <a:tailEnd type="triangle"/>
+          </a:ln>
+        </p:spPr>
+        <p:style>
+          <a:lnRef idx="1">
+            <a:schemeClr val="accent1"/>
+          </a:lnRef>
+          <a:fillRef idx="0">
+            <a:schemeClr val="accent1"/>
+          </a:fillRef>
+          <a:effectRef idx="0">
+            <a:schemeClr val="accent1"/>
+          </a:effectRef>
+          <a:fontRef idx="minor">
+            <a:schemeClr val="tx1"/>
+          </a:fontRef>
+        </p:style>
+      </p:cxnSp>
+      <p:cxnSp>
+        <p:nvCxnSpPr>
+          <p:cNvPr id="123" name="직선 화살표 연결선 122">
+            <a:extLst>
+              <a:ext uri="{FF2B5EF4-FFF2-40B4-BE49-F238E27FC236}">
+                <a16:creationId xmlns:a16="http://schemas.microsoft.com/office/drawing/2014/main" id="{CBA3C5C3-B8EF-79E9-A246-61AF1C491CAF}"/>
+              </a:ext>
+            </a:extLst>
+          </p:cNvPr>
+          <p:cNvCxnSpPr>
+            <a:cxnSpLocks/>
+            <a:stCxn id="124" idx="3"/>
+            <a:endCxn id="115" idx="1"/>
+          </p:cNvCxnSpPr>
+          <p:nvPr/>
+        </p:nvCxnSpPr>
+        <p:spPr>
+          <a:xfrm>
+            <a:off x="3675898" y="3420817"/>
+            <a:ext cx="354060" cy="78"/>
+          </a:xfrm>
+          <a:prstGeom prst="straightConnector1">
+            <a:avLst/>
+          </a:prstGeom>
+          <a:ln w="19050">
+            <a:solidFill>
+              <a:schemeClr val="tx1"/>
+            </a:solidFill>
+            <a:tailEnd type="triangle"/>
+          </a:ln>
+        </p:spPr>
+        <p:style>
+          <a:lnRef idx="1">
+            <a:schemeClr val="accent1"/>
+          </a:lnRef>
+          <a:fillRef idx="0">
+            <a:schemeClr val="accent1"/>
+          </a:fillRef>
+          <a:effectRef idx="0">
+            <a:schemeClr val="accent1"/>
+          </a:effectRef>
+          <a:fontRef idx="minor">
+            <a:schemeClr val="tx1"/>
+          </a:fontRef>
+        </p:style>
+      </p:cxnSp>
+      <p:sp>
+        <p:nvSpPr>
+          <p:cNvPr id="124" name="TextBox 123">
+            <a:extLst>
+              <a:ext uri="{FF2B5EF4-FFF2-40B4-BE49-F238E27FC236}">
+                <a16:creationId xmlns:a16="http://schemas.microsoft.com/office/drawing/2014/main" id="{2084A08F-C078-58F8-26C8-854892BA3545}"/>
+              </a:ext>
+            </a:extLst>
+          </p:cNvPr>
+          <p:cNvSpPr txBox="1"/>
+          <p:nvPr/>
+        </p:nvSpPr>
+        <p:spPr>
+          <a:xfrm>
+            <a:off x="3009912" y="3097651"/>
+            <a:ext cx="665986" cy="646331"/>
+          </a:xfrm>
+          <a:prstGeom prst="rect">
+            <a:avLst/>
+          </a:prstGeom>
+          <a:noFill/>
+        </p:spPr>
+        <p:txBody>
+          <a:bodyPr wrap="square">
+            <a:spAutoFit/>
+          </a:bodyPr>
+          <a:lstStyle/>
+          <a:p>
+            <a:pPr algn="ctr"/>
+            <a:r>
+              <a:rPr kumimoji="1" lang="en-US" altLang="ko-Kore-KR" sz="1800" dirty="0">
+                <a:solidFill>
+                  <a:schemeClr val="tx1"/>
+                </a:solidFill>
+                <a:latin typeface="Times New Roman" panose="02020603050405020304" pitchFamily="18" charset="0"/>
+                <a:ea typeface="Source Sans Pro" panose="020B0503030403020204" pitchFamily="34" charset="0"/>
+                <a:cs typeface="Times New Roman" panose="02020603050405020304" pitchFamily="18" charset="0"/>
+              </a:rPr>
+              <a:t>State</a:t>
+            </a:r>
+          </a:p>
+          <a:p>
+            <a:pPr algn="ctr"/>
+            <a:endParaRPr lang="ko-Kore-KR" altLang="en-US" sz="1800" dirty="0">
+              <a:latin typeface="Times New Roman" panose="02020603050405020304" pitchFamily="18" charset="0"/>
+              <a:cs typeface="Times New Roman" panose="02020603050405020304" pitchFamily="18" charset="0"/>
+            </a:endParaRPr>
+          </a:p>
+        </p:txBody>
+      </p:sp>
+      <p:pic>
+        <p:nvPicPr>
+          <p:cNvPr id="125" name="그림 124">
+            <a:extLst>
+              <a:ext uri="{FF2B5EF4-FFF2-40B4-BE49-F238E27FC236}">
+                <a16:creationId xmlns:a16="http://schemas.microsoft.com/office/drawing/2014/main" id="{A64DB605-19C2-4E11-C3AD-27AB0FF2CE24}"/>
+              </a:ext>
+            </a:extLst>
+          </p:cNvPr>
+          <p:cNvPicPr>
+            <a:picLocks noChangeAspect="1"/>
+          </p:cNvPicPr>
+          <p:nvPr/>
+        </p:nvPicPr>
+        <p:blipFill>
+          <a:blip r:embed="rId6"/>
+          <a:stretch>
+            <a:fillRect/>
+          </a:stretch>
+        </p:blipFill>
+        <p:spPr>
+          <a:xfrm>
+            <a:off x="3258524" y="3429857"/>
+            <a:ext cx="189626" cy="166871"/>
+          </a:xfrm>
+          <a:prstGeom prst="rect">
+            <a:avLst/>
+          </a:prstGeom>
+        </p:spPr>
+      </p:pic>
+      <p:sp>
+        <p:nvSpPr>
+          <p:cNvPr id="7" name="직사각형 6">
+            <a:extLst>
+              <a:ext uri="{FF2B5EF4-FFF2-40B4-BE49-F238E27FC236}">
+                <a16:creationId xmlns:a16="http://schemas.microsoft.com/office/drawing/2014/main" id="{143471F6-232D-D8A1-E00F-F5DAA29C498C}"/>
+              </a:ext>
+            </a:extLst>
+          </p:cNvPr>
+          <p:cNvSpPr/>
+          <p:nvPr/>
+        </p:nvSpPr>
+        <p:spPr>
+          <a:xfrm>
+            <a:off x="226368" y="183285"/>
+            <a:ext cx="6180610" cy="2327279"/>
+          </a:xfrm>
+          <a:prstGeom prst="rect">
+            <a:avLst/>
+          </a:prstGeom>
+          <a:solidFill>
+            <a:schemeClr val="bg1">
+              <a:alpha val="80000"/>
+            </a:schemeClr>
+          </a:solidFill>
+          <a:ln>
+            <a:noFill/>
+          </a:ln>
+        </p:spPr>
+        <p:style>
+          <a:lnRef idx="2">
+            <a:schemeClr val="accent1">
+              <a:shade val="15000"/>
+            </a:schemeClr>
+          </a:lnRef>
+          <a:fillRef idx="1">
+            <a:schemeClr val="accent1"/>
+          </a:fillRef>
+          <a:effectRef idx="0">
+            <a:schemeClr val="accent1"/>
+          </a:effectRef>
+          <a:fontRef idx="minor">
+            <a:schemeClr val="lt1"/>
+          </a:fontRef>
+        </p:style>
+        <p:txBody>
+          <a:bodyPr rtlCol="0" anchor="ctr"/>
+          <a:lstStyle/>
+          <a:p>
+            <a:pPr algn="ctr"/>
+            <a:endParaRPr kumimoji="1" lang="ko-Kore-KR" altLang="en-US" dirty="0"/>
+          </a:p>
+        </p:txBody>
+      </p:sp>
+      <p:sp>
+        <p:nvSpPr>
+          <p:cNvPr id="4" name="아래쪽 화살표[D] 3">
+            <a:extLst>
+              <a:ext uri="{FF2B5EF4-FFF2-40B4-BE49-F238E27FC236}">
+                <a16:creationId xmlns:a16="http://schemas.microsoft.com/office/drawing/2014/main" id="{1CD8AA5F-8E9D-92C9-25E0-254DE231FA54}"/>
+              </a:ext>
+            </a:extLst>
+          </p:cNvPr>
+          <p:cNvSpPr/>
+          <p:nvPr/>
+        </p:nvSpPr>
+        <p:spPr>
+          <a:xfrm rot="16200000">
+            <a:off x="2667659" y="3251538"/>
+            <a:ext cx="198495" cy="338554"/>
+          </a:xfrm>
+          <a:prstGeom prst="downArrow">
+            <a:avLst>
+              <a:gd name="adj1" fmla="val 37549"/>
+              <a:gd name="adj2" fmla="val 50000"/>
+            </a:avLst>
+          </a:prstGeom>
+          <a:solidFill>
+            <a:schemeClr val="tx1"/>
+          </a:solidFill>
+          <a:ln>
+            <a:noFill/>
+          </a:ln>
+        </p:spPr>
+        <p:style>
+          <a:lnRef idx="2">
+            <a:schemeClr val="accent1">
+              <a:shade val="15000"/>
+            </a:schemeClr>
+          </a:lnRef>
+          <a:fillRef idx="1">
+            <a:schemeClr val="accent1"/>
+          </a:fillRef>
+          <a:effectRef idx="0">
+            <a:schemeClr val="accent1"/>
+          </a:effectRef>
+          <a:fontRef idx="minor">
+            <a:schemeClr val="lt1"/>
+          </a:fontRef>
+        </p:style>
+        <p:txBody>
+          <a:bodyPr rtlCol="0" anchor="ctr"/>
+          <a:lstStyle/>
+          <a:p>
+            <a:pPr algn="ctr"/>
+            <a:endParaRPr kumimoji="1" lang="ko-Kore-KR" altLang="en-US"/>
+          </a:p>
+        </p:txBody>
+      </p:sp>
+    </p:spTree>
+    <p:extLst>
+      <p:ext uri="{BB962C8B-B14F-4D97-AF65-F5344CB8AC3E}">
+        <p14:creationId xmlns:p14="http://schemas.microsoft.com/office/powerpoint/2010/main" val="2432472837"/>
+      </p:ext>
+    </p:extLst>
+  </p:cSld>
+  <p:clrMapOvr>
+    <a:masterClrMapping/>
+  </p:clrMapOvr>
+</p:sld>
+</file>
+
+<file path=ppt/slides/slide13.xml><?xml version="1.0" encoding="utf-8"?>
+<p:sld xmlns:a="http://schemas.openxmlformats.org/drawingml/2006/main" xmlns:r="http://schemas.openxmlformats.org/officeDocument/2006/relationships" xmlns:p="http://schemas.openxmlformats.org/presentationml/2006/main">
+  <p:cSld>
+    <p:spTree>
+      <p:nvGrpSpPr>
+        <p:cNvPr id="1" name="Shape 81"/>
+        <p:cNvGrpSpPr/>
+        <p:nvPr/>
+      </p:nvGrpSpPr>
+      <p:grpSpPr>
+        <a:xfrm>
+          <a:off x="0" y="0"/>
+          <a:ext cx="0" cy="0"/>
+          <a:chOff x="0" y="0"/>
+          <a:chExt cx="0" cy="0"/>
+        </a:xfrm>
+      </p:grpSpPr>
+      <p:sp>
+        <p:nvSpPr>
           <p:cNvPr id="2" name="직사각형 1">
             <a:extLst>
               <a:ext uri="{FF2B5EF4-FFF2-40B4-BE49-F238E27FC236}">
@@ -9255,69 +14496,6 @@
       </p:grpSpPr>
       <p:sp>
         <p:nvSpPr>
-          <p:cNvPr id="6" name="원통[C] 5">
-            <a:extLst>
-              <a:ext uri="{FF2B5EF4-FFF2-40B4-BE49-F238E27FC236}">
-                <a16:creationId xmlns:a16="http://schemas.microsoft.com/office/drawing/2014/main" id="{02D361EB-4DCD-ADD2-18ED-8949FC41B7E0}"/>
-              </a:ext>
-            </a:extLst>
-          </p:cNvPr>
-          <p:cNvSpPr/>
-          <p:nvPr/>
-        </p:nvSpPr>
-        <p:spPr>
-          <a:xfrm>
-            <a:off x="1071510" y="3465895"/>
-            <a:ext cx="900000" cy="396000"/>
-          </a:xfrm>
-          <a:prstGeom prst="can">
-            <a:avLst>
-              <a:gd name="adj" fmla="val 50000"/>
-            </a:avLst>
-          </a:prstGeom>
-          <a:solidFill>
-            <a:schemeClr val="accent1">
-              <a:lumMod val="60000"/>
-              <a:lumOff val="40000"/>
-            </a:schemeClr>
-          </a:solidFill>
-          <a:ln>
-            <a:noFill/>
-          </a:ln>
-        </p:spPr>
-        <p:style>
-          <a:lnRef idx="2">
-            <a:schemeClr val="accent1">
-              <a:shade val="15000"/>
-            </a:schemeClr>
-          </a:lnRef>
-          <a:fillRef idx="1">
-            <a:schemeClr val="accent1"/>
-          </a:fillRef>
-          <a:effectRef idx="0">
-            <a:schemeClr val="accent1"/>
-          </a:effectRef>
-          <a:fontRef idx="minor">
-            <a:schemeClr val="lt1"/>
-          </a:fontRef>
-        </p:style>
-        <p:txBody>
-          <a:bodyPr rtlCol="0" anchor="ctr"/>
-          <a:lstStyle/>
-          <a:p>
-            <a:pPr algn="ctr"/>
-            <a:endParaRPr kumimoji="1" lang="ko-Kore-KR" altLang="en-US" dirty="0">
-              <a:solidFill>
-                <a:schemeClr val="tx1"/>
-              </a:solidFill>
-              <a:latin typeface="Times New Roman" panose="02020603050405020304" pitchFamily="18" charset="0"/>
-              <a:cs typeface="Times New Roman" panose="02020603050405020304" pitchFamily="18" charset="0"/>
-            </a:endParaRPr>
-          </a:p>
-        </p:txBody>
-      </p:sp>
-      <p:sp>
-        <p:nvSpPr>
           <p:cNvPr id="2" name="직사각형 1">
             <a:extLst>
               <a:ext uri="{FF2B5EF4-FFF2-40B4-BE49-F238E27FC236}">
@@ -10205,6 +15383,61 @@
       </p:sp>
       <p:sp>
         <p:nvSpPr>
+          <p:cNvPr id="46" name="아래쪽 화살표[D] 45">
+            <a:extLst>
+              <a:ext uri="{FF2B5EF4-FFF2-40B4-BE49-F238E27FC236}">
+                <a16:creationId xmlns:a16="http://schemas.microsoft.com/office/drawing/2014/main" id="{359BF22B-0362-FEF9-1B70-A46F13CA39AE}"/>
+              </a:ext>
+            </a:extLst>
+          </p:cNvPr>
+          <p:cNvSpPr/>
+          <p:nvPr/>
+        </p:nvSpPr>
+        <p:spPr>
+          <a:xfrm rot="16200000">
+            <a:off x="2657107" y="1320745"/>
+            <a:ext cx="198495" cy="338554"/>
+          </a:xfrm>
+          <a:prstGeom prst="downArrow">
+            <a:avLst>
+              <a:gd name="adj1" fmla="val 37549"/>
+              <a:gd name="adj2" fmla="val 50000"/>
+            </a:avLst>
+          </a:prstGeom>
+          <a:solidFill>
+            <a:schemeClr val="tx1"/>
+          </a:solidFill>
+          <a:ln>
+            <a:noFill/>
+          </a:ln>
+        </p:spPr>
+        <p:style>
+          <a:lnRef idx="2">
+            <a:schemeClr val="accent1">
+              <a:shade val="15000"/>
+            </a:schemeClr>
+          </a:lnRef>
+          <a:fillRef idx="1">
+            <a:schemeClr val="accent1"/>
+          </a:fillRef>
+          <a:effectRef idx="0">
+            <a:schemeClr val="accent1"/>
+          </a:effectRef>
+          <a:fontRef idx="minor">
+            <a:schemeClr val="lt1"/>
+          </a:fontRef>
+        </p:style>
+        <p:txBody>
+          <a:bodyPr rtlCol="0" anchor="ctr"/>
+          <a:lstStyle/>
+          <a:p>
+            <a:pPr algn="ctr"/>
+            <a:endParaRPr kumimoji="1" lang="ko-Kore-KR" altLang="en-US"/>
+          </a:p>
+        </p:txBody>
+      </p:sp>
+      <p:sp>
+        <p:nvSpPr>
           <p:cNvPr id="86" name="원통[C] 85">
             <a:extLst>
               <a:ext uri="{FF2B5EF4-FFF2-40B4-BE49-F238E27FC236}">
@@ -10281,8 +15514,8 @@
         </p:nvSpPr>
         <p:spPr>
           <a:xfrm>
-            <a:off x="157999" y="2469558"/>
-            <a:ext cx="1236257" cy="400110"/>
+            <a:off x="157999" y="2469557"/>
+            <a:ext cx="2302482" cy="1472703"/>
           </a:xfrm>
           <a:prstGeom prst="rect">
             <a:avLst/>
@@ -10810,10 +16043,10 @@
       </p:pic>
       <p:sp>
         <p:nvSpPr>
-          <p:cNvPr id="4" name="아래쪽 화살표[D] 3">
-            <a:extLst>
-              <a:ext uri="{FF2B5EF4-FFF2-40B4-BE49-F238E27FC236}">
-                <a16:creationId xmlns:a16="http://schemas.microsoft.com/office/drawing/2014/main" id="{BA91BD95-E5EE-298A-1E22-5C78E788EE2E}"/>
+          <p:cNvPr id="126" name="직사각형 125">
+            <a:extLst>
+              <a:ext uri="{FF2B5EF4-FFF2-40B4-BE49-F238E27FC236}">
+                <a16:creationId xmlns:a16="http://schemas.microsoft.com/office/drawing/2014/main" id="{5D7BA932-914E-9D54-4261-37552821A089}"/>
               </a:ext>
             </a:extLst>
           </p:cNvPr>
@@ -10822,17 +16055,16 @@
         </p:nvSpPr>
         <p:spPr>
           <a:xfrm>
-            <a:off x="1423400" y="2531114"/>
-            <a:ext cx="198495" cy="338554"/>
-          </a:xfrm>
-          <a:prstGeom prst="downArrow">
-            <a:avLst>
-              <a:gd name="adj1" fmla="val 37549"/>
-              <a:gd name="adj2" fmla="val 50000"/>
-            </a:avLst>
+            <a:off x="3046722" y="2691485"/>
+            <a:ext cx="3360256" cy="1492019"/>
+          </a:xfrm>
+          <a:prstGeom prst="rect">
+            <a:avLst/>
           </a:prstGeom>
           <a:solidFill>
-            <a:schemeClr val="tx1"/>
+            <a:schemeClr val="bg1">
+              <a:alpha val="80000"/>
+            </a:schemeClr>
           </a:solidFill>
           <a:ln>
             <a:noFill/>
@@ -10863,64 +16095,10 @@
           </a:p>
         </p:txBody>
       </p:sp>
-      <p:sp>
-        <p:nvSpPr>
-          <p:cNvPr id="7" name="직사각형 6">
-            <a:extLst>
-              <a:ext uri="{FF2B5EF4-FFF2-40B4-BE49-F238E27FC236}">
-                <a16:creationId xmlns:a16="http://schemas.microsoft.com/office/drawing/2014/main" id="{24180436-5CE1-96A9-58AB-690EBF3462F8}"/>
-              </a:ext>
-            </a:extLst>
-          </p:cNvPr>
-          <p:cNvSpPr/>
-          <p:nvPr/>
-        </p:nvSpPr>
-        <p:spPr>
-          <a:xfrm>
-            <a:off x="3046722" y="2691485"/>
-            <a:ext cx="3360256" cy="1492019"/>
-          </a:xfrm>
-          <a:prstGeom prst="rect">
-            <a:avLst/>
-          </a:prstGeom>
-          <a:solidFill>
-            <a:schemeClr val="bg1">
-              <a:alpha val="80000"/>
-            </a:schemeClr>
-          </a:solidFill>
-          <a:ln>
-            <a:noFill/>
-          </a:ln>
-        </p:spPr>
-        <p:style>
-          <a:lnRef idx="2">
-            <a:schemeClr val="accent1">
-              <a:shade val="15000"/>
-            </a:schemeClr>
-          </a:lnRef>
-          <a:fillRef idx="1">
-            <a:schemeClr val="accent1"/>
-          </a:fillRef>
-          <a:effectRef idx="0">
-            <a:schemeClr val="accent1"/>
-          </a:effectRef>
-          <a:fontRef idx="minor">
-            <a:schemeClr val="lt1"/>
-          </a:fontRef>
-        </p:style>
-        <p:txBody>
-          <a:bodyPr rtlCol="0" anchor="ctr"/>
-          <a:lstStyle/>
-          <a:p>
-            <a:pPr algn="ctr"/>
-            <a:endParaRPr kumimoji="1" lang="ko-Kore-KR" altLang="en-US" dirty="0"/>
-          </a:p>
-        </p:txBody>
-      </p:sp>
     </p:spTree>
     <p:extLst>
       <p:ext uri="{BB962C8B-B14F-4D97-AF65-F5344CB8AC3E}">
-        <p14:creationId xmlns:p14="http://schemas.microsoft.com/office/powerpoint/2010/main" val="2743072109"/>
+        <p14:creationId xmlns:p14="http://schemas.microsoft.com/office/powerpoint/2010/main" val="3409277645"/>
       </p:ext>
     </p:extLst>
   </p:cSld>
@@ -11899,61 +17077,6 @@
       </p:sp>
       <p:sp>
         <p:nvSpPr>
-          <p:cNvPr id="46" name="아래쪽 화살표[D] 45">
-            <a:extLst>
-              <a:ext uri="{FF2B5EF4-FFF2-40B4-BE49-F238E27FC236}">
-                <a16:creationId xmlns:a16="http://schemas.microsoft.com/office/drawing/2014/main" id="{359BF22B-0362-FEF9-1B70-A46F13CA39AE}"/>
-              </a:ext>
-            </a:extLst>
-          </p:cNvPr>
-          <p:cNvSpPr/>
-          <p:nvPr/>
-        </p:nvSpPr>
-        <p:spPr>
-          <a:xfrm rot="16200000">
-            <a:off x="2657107" y="1320745"/>
-            <a:ext cx="198495" cy="338554"/>
-          </a:xfrm>
-          <a:prstGeom prst="downArrow">
-            <a:avLst>
-              <a:gd name="adj1" fmla="val 37549"/>
-              <a:gd name="adj2" fmla="val 50000"/>
-            </a:avLst>
-          </a:prstGeom>
-          <a:solidFill>
-            <a:schemeClr val="tx1"/>
-          </a:solidFill>
-          <a:ln>
-            <a:noFill/>
-          </a:ln>
-        </p:spPr>
-        <p:style>
-          <a:lnRef idx="2">
-            <a:schemeClr val="accent1">
-              <a:shade val="15000"/>
-            </a:schemeClr>
-          </a:lnRef>
-          <a:fillRef idx="1">
-            <a:schemeClr val="accent1"/>
-          </a:fillRef>
-          <a:effectRef idx="0">
-            <a:schemeClr val="accent1"/>
-          </a:effectRef>
-          <a:fontRef idx="minor">
-            <a:schemeClr val="lt1"/>
-          </a:fontRef>
-        </p:style>
-        <p:txBody>
-          <a:bodyPr rtlCol="0" anchor="ctr"/>
-          <a:lstStyle/>
-          <a:p>
-            <a:pPr algn="ctr"/>
-            <a:endParaRPr kumimoji="1" lang="ko-Kore-KR" altLang="en-US"/>
-          </a:p>
-        </p:txBody>
-      </p:sp>
-      <p:sp>
-        <p:nvSpPr>
           <p:cNvPr id="86" name="원통[C] 85">
             <a:extLst>
               <a:ext uri="{FF2B5EF4-FFF2-40B4-BE49-F238E27FC236}">
@@ -12559,10 +17682,65 @@
       </p:pic>
       <p:sp>
         <p:nvSpPr>
+          <p:cNvPr id="4" name="아래쪽 화살표[D] 3">
+            <a:extLst>
+              <a:ext uri="{FF2B5EF4-FFF2-40B4-BE49-F238E27FC236}">
+                <a16:creationId xmlns:a16="http://schemas.microsoft.com/office/drawing/2014/main" id="{BA91BD95-E5EE-298A-1E22-5C78E788EE2E}"/>
+              </a:ext>
+            </a:extLst>
+          </p:cNvPr>
+          <p:cNvSpPr/>
+          <p:nvPr/>
+        </p:nvSpPr>
+        <p:spPr>
+          <a:xfrm>
+            <a:off x="1423400" y="2531114"/>
+            <a:ext cx="198495" cy="338554"/>
+          </a:xfrm>
+          <a:prstGeom prst="downArrow">
+            <a:avLst>
+              <a:gd name="adj1" fmla="val 37549"/>
+              <a:gd name="adj2" fmla="val 50000"/>
+            </a:avLst>
+          </a:prstGeom>
+          <a:solidFill>
+            <a:schemeClr val="tx1"/>
+          </a:solidFill>
+          <a:ln>
+            <a:noFill/>
+          </a:ln>
+        </p:spPr>
+        <p:style>
+          <a:lnRef idx="2">
+            <a:schemeClr val="accent1">
+              <a:shade val="15000"/>
+            </a:schemeClr>
+          </a:lnRef>
+          <a:fillRef idx="1">
+            <a:schemeClr val="accent1"/>
+          </a:fillRef>
+          <a:effectRef idx="0">
+            <a:schemeClr val="accent1"/>
+          </a:effectRef>
+          <a:fontRef idx="minor">
+            <a:schemeClr val="lt1"/>
+          </a:fontRef>
+        </p:style>
+        <p:txBody>
+          <a:bodyPr rtlCol="0" anchor="ctr"/>
+          <a:lstStyle/>
+          <a:p>
+            <a:pPr algn="ctr"/>
+            <a:endParaRPr kumimoji="1" lang="ko-Kore-KR" altLang="en-US" dirty="0"/>
+          </a:p>
+        </p:txBody>
+      </p:sp>
+      <p:sp>
+        <p:nvSpPr>
           <p:cNvPr id="7" name="직사각형 6">
             <a:extLst>
               <a:ext uri="{FF2B5EF4-FFF2-40B4-BE49-F238E27FC236}">
-                <a16:creationId xmlns:a16="http://schemas.microsoft.com/office/drawing/2014/main" id="{143471F6-232D-D8A1-E00F-F5DAA29C498C}"/>
+                <a16:creationId xmlns:a16="http://schemas.microsoft.com/office/drawing/2014/main" id="{24180436-5CE1-96A9-58AB-690EBF3462F8}"/>
               </a:ext>
             </a:extLst>
           </p:cNvPr>
@@ -12571,8 +17749,8 @@
         </p:nvSpPr>
         <p:spPr>
           <a:xfrm>
-            <a:off x="3046722" y="2691485"/>
-            <a:ext cx="3360256" cy="1492019"/>
+            <a:off x="3046722" y="575607"/>
+            <a:ext cx="3360256" cy="3607898"/>
           </a:xfrm>
           <a:prstGeom prst="rect">
             <a:avLst/>
@@ -12614,7 +17792,7 @@
     </p:spTree>
     <p:extLst>
       <p:ext uri="{BB962C8B-B14F-4D97-AF65-F5344CB8AC3E}">
-        <p14:creationId xmlns:p14="http://schemas.microsoft.com/office/powerpoint/2010/main" val="1708704160"/>
+        <p14:creationId xmlns:p14="http://schemas.microsoft.com/office/powerpoint/2010/main" val="2743072109"/>
       </p:ext>
     </p:extLst>
   </p:cSld>
@@ -12643,10 +17821,10 @@
       </p:grpSpPr>
       <p:sp>
         <p:nvSpPr>
-          <p:cNvPr id="4" name="원통[C] 3">
-            <a:extLst>
-              <a:ext uri="{FF2B5EF4-FFF2-40B4-BE49-F238E27FC236}">
-                <a16:creationId xmlns:a16="http://schemas.microsoft.com/office/drawing/2014/main" id="{92CE6B56-BB2F-E8ED-DA1B-0D636DA74E8C}"/>
+          <p:cNvPr id="6" name="원통[C] 5">
+            <a:extLst>
+              <a:ext uri="{FF2B5EF4-FFF2-40B4-BE49-F238E27FC236}">
+                <a16:creationId xmlns:a16="http://schemas.microsoft.com/office/drawing/2014/main" id="{02D361EB-4DCD-ADD2-18ED-8949FC41B7E0}"/>
               </a:ext>
             </a:extLst>
           </p:cNvPr>
@@ -12655,12 +17833,12 @@
         </p:nvSpPr>
         <p:spPr>
           <a:xfrm>
-            <a:off x="1071510" y="3334222"/>
-            <a:ext cx="899999" cy="540000"/>
+            <a:off x="1071510" y="3465895"/>
+            <a:ext cx="900000" cy="396000"/>
           </a:xfrm>
           <a:prstGeom prst="can">
             <a:avLst>
-              <a:gd name="adj" fmla="val 41312"/>
+              <a:gd name="adj" fmla="val 50000"/>
             </a:avLst>
           </a:prstGeom>
           <a:solidFill>
@@ -13669,8 +18847,8 @@
         </p:nvSpPr>
         <p:spPr>
           <a:xfrm>
-            <a:off x="157999" y="2469558"/>
-            <a:ext cx="1236257" cy="400110"/>
+            <a:off x="157999" y="2469557"/>
+            <a:ext cx="2102682" cy="1492019"/>
           </a:xfrm>
           <a:prstGeom prst="rect">
             <a:avLst/>
@@ -14210,8 +19388,8 @@
         </p:nvSpPr>
         <p:spPr>
           <a:xfrm>
-            <a:off x="3046722" y="2691485"/>
-            <a:ext cx="3360256" cy="1492019"/>
+            <a:off x="3046722" y="470889"/>
+            <a:ext cx="3360256" cy="3712615"/>
           </a:xfrm>
           <a:prstGeom prst="rect">
             <a:avLst/>
@@ -14250,65 +19428,10 @@
           </a:p>
         </p:txBody>
       </p:sp>
-      <p:sp>
-        <p:nvSpPr>
-          <p:cNvPr id="8" name="아래쪽 화살표[D] 7">
-            <a:extLst>
-              <a:ext uri="{FF2B5EF4-FFF2-40B4-BE49-F238E27FC236}">
-                <a16:creationId xmlns:a16="http://schemas.microsoft.com/office/drawing/2014/main" id="{6F55BCEB-3F7A-83CC-DB45-ED54423E3F00}"/>
-              </a:ext>
-            </a:extLst>
-          </p:cNvPr>
-          <p:cNvSpPr/>
-          <p:nvPr/>
-        </p:nvSpPr>
-        <p:spPr>
-          <a:xfrm>
-            <a:off x="1423400" y="2531114"/>
-            <a:ext cx="198495" cy="338554"/>
-          </a:xfrm>
-          <a:prstGeom prst="downArrow">
-            <a:avLst>
-              <a:gd name="adj1" fmla="val 37549"/>
-              <a:gd name="adj2" fmla="val 50000"/>
-            </a:avLst>
-          </a:prstGeom>
-          <a:solidFill>
-            <a:schemeClr val="tx1"/>
-          </a:solidFill>
-          <a:ln>
-            <a:noFill/>
-          </a:ln>
-        </p:spPr>
-        <p:style>
-          <a:lnRef idx="2">
-            <a:schemeClr val="accent1">
-              <a:shade val="15000"/>
-            </a:schemeClr>
-          </a:lnRef>
-          <a:fillRef idx="1">
-            <a:schemeClr val="accent1"/>
-          </a:fillRef>
-          <a:effectRef idx="0">
-            <a:schemeClr val="accent1"/>
-          </a:effectRef>
-          <a:fontRef idx="minor">
-            <a:schemeClr val="lt1"/>
-          </a:fontRef>
-        </p:style>
-        <p:txBody>
-          <a:bodyPr rtlCol="0" anchor="ctr"/>
-          <a:lstStyle/>
-          <a:p>
-            <a:pPr algn="ctr"/>
-            <a:endParaRPr kumimoji="1" lang="ko-Kore-KR" altLang="en-US" dirty="0"/>
-          </a:p>
-        </p:txBody>
-      </p:sp>
     </p:spTree>
     <p:extLst>
       <p:ext uri="{BB962C8B-B14F-4D97-AF65-F5344CB8AC3E}">
-        <p14:creationId xmlns:p14="http://schemas.microsoft.com/office/powerpoint/2010/main" val="3844553823"/>
+        <p14:creationId xmlns:p14="http://schemas.microsoft.com/office/powerpoint/2010/main" val="1708704160"/>
       </p:ext>
     </p:extLst>
   </p:cSld>
@@ -14337,10 +19460,10 @@
       </p:grpSpPr>
       <p:sp>
         <p:nvSpPr>
-          <p:cNvPr id="4" name="원통[C] 3">
-            <a:extLst>
-              <a:ext uri="{FF2B5EF4-FFF2-40B4-BE49-F238E27FC236}">
-                <a16:creationId xmlns:a16="http://schemas.microsoft.com/office/drawing/2014/main" id="{92CE6B56-BB2F-E8ED-DA1B-0D636DA74E8C}"/>
+          <p:cNvPr id="6" name="원통[C] 5">
+            <a:extLst>
+              <a:ext uri="{FF2B5EF4-FFF2-40B4-BE49-F238E27FC236}">
+                <a16:creationId xmlns:a16="http://schemas.microsoft.com/office/drawing/2014/main" id="{02D361EB-4DCD-ADD2-18ED-8949FC41B7E0}"/>
               </a:ext>
             </a:extLst>
           </p:cNvPr>
@@ -14349,12 +19472,12 @@
         </p:nvSpPr>
         <p:spPr>
           <a:xfrm>
-            <a:off x="1071510" y="3334222"/>
-            <a:ext cx="899999" cy="540000"/>
+            <a:off x="1071510" y="3465895"/>
+            <a:ext cx="900000" cy="396000"/>
           </a:xfrm>
           <a:prstGeom prst="can">
             <a:avLst>
-              <a:gd name="adj" fmla="val 41312"/>
+              <a:gd name="adj" fmla="val 50000"/>
             </a:avLst>
           </a:prstGeom>
           <a:solidFill>
@@ -15287,6 +20410,61 @@
       </p:sp>
       <p:sp>
         <p:nvSpPr>
+          <p:cNvPr id="46" name="아래쪽 화살표[D] 45">
+            <a:extLst>
+              <a:ext uri="{FF2B5EF4-FFF2-40B4-BE49-F238E27FC236}">
+                <a16:creationId xmlns:a16="http://schemas.microsoft.com/office/drawing/2014/main" id="{359BF22B-0362-FEF9-1B70-A46F13CA39AE}"/>
+              </a:ext>
+            </a:extLst>
+          </p:cNvPr>
+          <p:cNvSpPr/>
+          <p:nvPr/>
+        </p:nvSpPr>
+        <p:spPr>
+          <a:xfrm rot="16200000">
+            <a:off x="2657107" y="1320745"/>
+            <a:ext cx="198495" cy="338554"/>
+          </a:xfrm>
+          <a:prstGeom prst="downArrow">
+            <a:avLst>
+              <a:gd name="adj1" fmla="val 37549"/>
+              <a:gd name="adj2" fmla="val 50000"/>
+            </a:avLst>
+          </a:prstGeom>
+          <a:solidFill>
+            <a:schemeClr val="tx1"/>
+          </a:solidFill>
+          <a:ln>
+            <a:noFill/>
+          </a:ln>
+        </p:spPr>
+        <p:style>
+          <a:lnRef idx="2">
+            <a:schemeClr val="accent1">
+              <a:shade val="15000"/>
+            </a:schemeClr>
+          </a:lnRef>
+          <a:fillRef idx="1">
+            <a:schemeClr val="accent1"/>
+          </a:fillRef>
+          <a:effectRef idx="0">
+            <a:schemeClr val="accent1"/>
+          </a:effectRef>
+          <a:fontRef idx="minor">
+            <a:schemeClr val="lt1"/>
+          </a:fontRef>
+        </p:style>
+        <p:txBody>
+          <a:bodyPr rtlCol="0" anchor="ctr"/>
+          <a:lstStyle/>
+          <a:p>
+            <a:pPr algn="ctr"/>
+            <a:endParaRPr kumimoji="1" lang="ko-Kore-KR" altLang="en-US"/>
+          </a:p>
+        </p:txBody>
+      </p:sp>
+      <p:sp>
+        <p:nvSpPr>
           <p:cNvPr id="86" name="원통[C] 85">
             <a:extLst>
               <a:ext uri="{FF2B5EF4-FFF2-40B4-BE49-F238E27FC236}">
@@ -15363,8 +20541,8 @@
         </p:nvSpPr>
         <p:spPr>
           <a:xfrm>
-            <a:off x="157999" y="2469558"/>
-            <a:ext cx="1236257" cy="400110"/>
+            <a:off x="157999" y="2469557"/>
+            <a:ext cx="2102682" cy="1492019"/>
           </a:xfrm>
           <a:prstGeom prst="rect">
             <a:avLst/>
@@ -15944,65 +21122,10 @@
           </a:p>
         </p:txBody>
       </p:sp>
-      <p:sp>
-        <p:nvSpPr>
-          <p:cNvPr id="6" name="아래쪽 화살표[D] 5">
-            <a:extLst>
-              <a:ext uri="{FF2B5EF4-FFF2-40B4-BE49-F238E27FC236}">
-                <a16:creationId xmlns:a16="http://schemas.microsoft.com/office/drawing/2014/main" id="{BAEFCA15-F50E-A98B-4FED-5F6A74BC0B52}"/>
-              </a:ext>
-            </a:extLst>
-          </p:cNvPr>
-          <p:cNvSpPr/>
-          <p:nvPr/>
-        </p:nvSpPr>
-        <p:spPr>
-          <a:xfrm rot="16200000">
-            <a:off x="2657107" y="1320745"/>
-            <a:ext cx="198495" cy="338554"/>
-          </a:xfrm>
-          <a:prstGeom prst="downArrow">
-            <a:avLst>
-              <a:gd name="adj1" fmla="val 37549"/>
-              <a:gd name="adj2" fmla="val 50000"/>
-            </a:avLst>
-          </a:prstGeom>
-          <a:solidFill>
-            <a:schemeClr val="tx1"/>
-          </a:solidFill>
-          <a:ln>
-            <a:noFill/>
-          </a:ln>
-        </p:spPr>
-        <p:style>
-          <a:lnRef idx="2">
-            <a:schemeClr val="accent1">
-              <a:shade val="15000"/>
-            </a:schemeClr>
-          </a:lnRef>
-          <a:fillRef idx="1">
-            <a:schemeClr val="accent1"/>
-          </a:fillRef>
-          <a:effectRef idx="0">
-            <a:schemeClr val="accent1"/>
-          </a:effectRef>
-          <a:fontRef idx="minor">
-            <a:schemeClr val="lt1"/>
-          </a:fontRef>
-        </p:style>
-        <p:txBody>
-          <a:bodyPr rtlCol="0" anchor="ctr"/>
-          <a:lstStyle/>
-          <a:p>
-            <a:pPr algn="ctr"/>
-            <a:endParaRPr kumimoji="1" lang="ko-Kore-KR" altLang="en-US"/>
-          </a:p>
-        </p:txBody>
-      </p:sp>
     </p:spTree>
     <p:extLst>
       <p:ext uri="{BB962C8B-B14F-4D97-AF65-F5344CB8AC3E}">
-        <p14:creationId xmlns:p14="http://schemas.microsoft.com/office/powerpoint/2010/main" val="2760572673"/>
+        <p14:creationId xmlns:p14="http://schemas.microsoft.com/office/powerpoint/2010/main" val="4023525988"/>
       </p:ext>
     </p:extLst>
   </p:cSld>
@@ -16031,10 +21154,10 @@
       </p:grpSpPr>
       <p:sp>
         <p:nvSpPr>
-          <p:cNvPr id="8" name="원통[C] 7">
-            <a:extLst>
-              <a:ext uri="{FF2B5EF4-FFF2-40B4-BE49-F238E27FC236}">
-                <a16:creationId xmlns:a16="http://schemas.microsoft.com/office/drawing/2014/main" id="{63B0F673-4A9D-F104-6350-2FE1EA6D685A}"/>
+          <p:cNvPr id="4" name="원통[C] 3">
+            <a:extLst>
+              <a:ext uri="{FF2B5EF4-FFF2-40B4-BE49-F238E27FC236}">
+                <a16:creationId xmlns:a16="http://schemas.microsoft.com/office/drawing/2014/main" id="{92CE6B56-BB2F-E8ED-DA1B-0D636DA74E8C}"/>
               </a:ext>
             </a:extLst>
           </p:cNvPr>
@@ -16043,12 +21166,12 @@
         </p:nvSpPr>
         <p:spPr>
           <a:xfrm>
-            <a:off x="1071510" y="3184044"/>
-            <a:ext cx="900000" cy="684000"/>
+            <a:off x="1071510" y="3334222"/>
+            <a:ext cx="899999" cy="540000"/>
           </a:xfrm>
           <a:prstGeom prst="can">
             <a:avLst>
-              <a:gd name="adj" fmla="val 30807"/>
+              <a:gd name="adj" fmla="val 41312"/>
             </a:avLst>
           </a:prstGeom>
           <a:solidFill>
@@ -17598,8 +22721,8 @@
         </p:nvSpPr>
         <p:spPr>
           <a:xfrm>
-            <a:off x="3046722" y="2691485"/>
-            <a:ext cx="3360256" cy="1492019"/>
+            <a:off x="3046722" y="544983"/>
+            <a:ext cx="3360256" cy="3638522"/>
           </a:xfrm>
           <a:prstGeom prst="rect">
             <a:avLst/>
@@ -17640,10 +22763,10 @@
       </p:sp>
       <p:sp>
         <p:nvSpPr>
-          <p:cNvPr id="9" name="아래쪽 화살표[D] 8">
-            <a:extLst>
-              <a:ext uri="{FF2B5EF4-FFF2-40B4-BE49-F238E27FC236}">
-                <a16:creationId xmlns:a16="http://schemas.microsoft.com/office/drawing/2014/main" id="{490A400B-6878-2682-5D5C-B09DAFA53F47}"/>
+          <p:cNvPr id="8" name="아래쪽 화살표[D] 7">
+            <a:extLst>
+              <a:ext uri="{FF2B5EF4-FFF2-40B4-BE49-F238E27FC236}">
+                <a16:creationId xmlns:a16="http://schemas.microsoft.com/office/drawing/2014/main" id="{6F55BCEB-3F7A-83CC-DB45-ED54423E3F00}"/>
               </a:ext>
             </a:extLst>
           </p:cNvPr>
@@ -17696,7 +22819,7 @@
     </p:spTree>
     <p:extLst>
       <p:ext uri="{BB962C8B-B14F-4D97-AF65-F5344CB8AC3E}">
-        <p14:creationId xmlns:p14="http://schemas.microsoft.com/office/powerpoint/2010/main" val="2006868265"/>
+        <p14:creationId xmlns:p14="http://schemas.microsoft.com/office/powerpoint/2010/main" val="3844553823"/>
       </p:ext>
     </p:extLst>
   </p:cSld>
@@ -17725,10 +22848,10 @@
       </p:grpSpPr>
       <p:sp>
         <p:nvSpPr>
-          <p:cNvPr id="8" name="원통[C] 7">
-            <a:extLst>
-              <a:ext uri="{FF2B5EF4-FFF2-40B4-BE49-F238E27FC236}">
-                <a16:creationId xmlns:a16="http://schemas.microsoft.com/office/drawing/2014/main" id="{63B0F673-4A9D-F104-6350-2FE1EA6D685A}"/>
+          <p:cNvPr id="4" name="원통[C] 3">
+            <a:extLst>
+              <a:ext uri="{FF2B5EF4-FFF2-40B4-BE49-F238E27FC236}">
+                <a16:creationId xmlns:a16="http://schemas.microsoft.com/office/drawing/2014/main" id="{92CE6B56-BB2F-E8ED-DA1B-0D636DA74E8C}"/>
               </a:ext>
             </a:extLst>
           </p:cNvPr>
@@ -17737,12 +22860,12 @@
         </p:nvSpPr>
         <p:spPr>
           <a:xfrm>
-            <a:off x="1071510" y="3184044"/>
-            <a:ext cx="900000" cy="684000"/>
+            <a:off x="1071510" y="3334222"/>
+            <a:ext cx="899999" cy="540000"/>
           </a:xfrm>
           <a:prstGeom prst="can">
             <a:avLst>
-              <a:gd name="adj" fmla="val 30807"/>
+              <a:gd name="adj" fmla="val 41312"/>
             </a:avLst>
           </a:prstGeom>
           <a:solidFill>
@@ -18751,8 +23874,8 @@
         </p:nvSpPr>
         <p:spPr>
           <a:xfrm>
-            <a:off x="157999" y="2469558"/>
-            <a:ext cx="1236257" cy="400110"/>
+            <a:off x="157999" y="2469557"/>
+            <a:ext cx="2194482" cy="1560373"/>
           </a:xfrm>
           <a:prstGeom prst="rect">
             <a:avLst/>
@@ -19292,8 +24415,8 @@
         </p:nvSpPr>
         <p:spPr>
           <a:xfrm>
-            <a:off x="3046722" y="2691485"/>
-            <a:ext cx="3360256" cy="1492019"/>
+            <a:off x="3046722" y="544983"/>
+            <a:ext cx="3360256" cy="3638522"/>
           </a:xfrm>
           <a:prstGeom prst="rect">
             <a:avLst/>
@@ -19332,65 +24455,10 @@
           </a:p>
         </p:txBody>
       </p:sp>
-      <p:sp>
-        <p:nvSpPr>
-          <p:cNvPr id="4" name="아래쪽 화살표[D] 3">
-            <a:extLst>
-              <a:ext uri="{FF2B5EF4-FFF2-40B4-BE49-F238E27FC236}">
-                <a16:creationId xmlns:a16="http://schemas.microsoft.com/office/drawing/2014/main" id="{0997AE67-FCEF-5AF9-561D-39EECC58C91E}"/>
-              </a:ext>
-            </a:extLst>
-          </p:cNvPr>
-          <p:cNvSpPr/>
-          <p:nvPr/>
-        </p:nvSpPr>
-        <p:spPr>
-          <a:xfrm rot="16200000">
-            <a:off x="2657107" y="1320745"/>
-            <a:ext cx="198495" cy="338554"/>
-          </a:xfrm>
-          <a:prstGeom prst="downArrow">
-            <a:avLst>
-              <a:gd name="adj1" fmla="val 37549"/>
-              <a:gd name="adj2" fmla="val 50000"/>
-            </a:avLst>
-          </a:prstGeom>
-          <a:solidFill>
-            <a:schemeClr val="tx1"/>
-          </a:solidFill>
-          <a:ln>
-            <a:noFill/>
-          </a:ln>
-        </p:spPr>
-        <p:style>
-          <a:lnRef idx="2">
-            <a:schemeClr val="accent1">
-              <a:shade val="15000"/>
-            </a:schemeClr>
-          </a:lnRef>
-          <a:fillRef idx="1">
-            <a:schemeClr val="accent1"/>
-          </a:fillRef>
-          <a:effectRef idx="0">
-            <a:schemeClr val="accent1"/>
-          </a:effectRef>
-          <a:fontRef idx="minor">
-            <a:schemeClr val="lt1"/>
-          </a:fontRef>
-        </p:style>
-        <p:txBody>
-          <a:bodyPr rtlCol="0" anchor="ctr"/>
-          <a:lstStyle/>
-          <a:p>
-            <a:pPr algn="ctr"/>
-            <a:endParaRPr kumimoji="1" lang="ko-Kore-KR" altLang="en-US"/>
-          </a:p>
-        </p:txBody>
-      </p:sp>
     </p:spTree>
     <p:extLst>
       <p:ext uri="{BB962C8B-B14F-4D97-AF65-F5344CB8AC3E}">
-        <p14:creationId xmlns:p14="http://schemas.microsoft.com/office/powerpoint/2010/main" val="3896175937"/>
+        <p14:creationId xmlns:p14="http://schemas.microsoft.com/office/powerpoint/2010/main" val="1298120920"/>
       </p:ext>
     </p:extLst>
   </p:cSld>
@@ -19419,6 +24487,69 @@
       </p:grpSpPr>
       <p:sp>
         <p:nvSpPr>
+          <p:cNvPr id="4" name="원통[C] 3">
+            <a:extLst>
+              <a:ext uri="{FF2B5EF4-FFF2-40B4-BE49-F238E27FC236}">
+                <a16:creationId xmlns:a16="http://schemas.microsoft.com/office/drawing/2014/main" id="{92CE6B56-BB2F-E8ED-DA1B-0D636DA74E8C}"/>
+              </a:ext>
+            </a:extLst>
+          </p:cNvPr>
+          <p:cNvSpPr/>
+          <p:nvPr/>
+        </p:nvSpPr>
+        <p:spPr>
+          <a:xfrm>
+            <a:off x="1071510" y="3334222"/>
+            <a:ext cx="899999" cy="540000"/>
+          </a:xfrm>
+          <a:prstGeom prst="can">
+            <a:avLst>
+              <a:gd name="adj" fmla="val 41312"/>
+            </a:avLst>
+          </a:prstGeom>
+          <a:solidFill>
+            <a:schemeClr val="accent1">
+              <a:lumMod val="60000"/>
+              <a:lumOff val="40000"/>
+            </a:schemeClr>
+          </a:solidFill>
+          <a:ln>
+            <a:noFill/>
+          </a:ln>
+        </p:spPr>
+        <p:style>
+          <a:lnRef idx="2">
+            <a:schemeClr val="accent1">
+              <a:shade val="15000"/>
+            </a:schemeClr>
+          </a:lnRef>
+          <a:fillRef idx="1">
+            <a:schemeClr val="accent1"/>
+          </a:fillRef>
+          <a:effectRef idx="0">
+            <a:schemeClr val="accent1"/>
+          </a:effectRef>
+          <a:fontRef idx="minor">
+            <a:schemeClr val="lt1"/>
+          </a:fontRef>
+        </p:style>
+        <p:txBody>
+          <a:bodyPr rtlCol="0" anchor="ctr"/>
+          <a:lstStyle/>
+          <a:p>
+            <a:pPr algn="ctr"/>
+            <a:endParaRPr kumimoji="1" lang="ko-Kore-KR" altLang="en-US" dirty="0">
+              <a:solidFill>
+                <a:schemeClr val="tx1"/>
+              </a:solidFill>
+              <a:latin typeface="Times New Roman" panose="02020603050405020304" pitchFamily="18" charset="0"/>
+              <a:cs typeface="Times New Roman" panose="02020603050405020304" pitchFamily="18" charset="0"/>
+            </a:endParaRPr>
+          </a:p>
+        </p:txBody>
+      </p:sp>
+      <p:sp>
+        <p:nvSpPr>
           <p:cNvPr id="2" name="직사각형 1">
             <a:extLst>
               <a:ext uri="{FF2B5EF4-FFF2-40B4-BE49-F238E27FC236}">
@@ -20324,12 +25455,7 @@
           <a:prstGeom prst="can">
             <a:avLst/>
           </a:prstGeom>
-          <a:solidFill>
-            <a:schemeClr val="accent1">
-              <a:lumMod val="60000"/>
-              <a:lumOff val="40000"/>
-            </a:schemeClr>
-          </a:solidFill>
+          <a:noFill/>
         </p:spPr>
         <p:style>
           <a:lnRef idx="2">
@@ -20388,7 +25514,7 @@
         <p:spPr>
           <a:xfrm>
             <a:off x="157999" y="2469558"/>
-            <a:ext cx="1236257" cy="400110"/>
+            <a:ext cx="2302482" cy="1492018"/>
           </a:xfrm>
           <a:prstGeom prst="rect">
             <a:avLst/>
@@ -20973,7 +26099,7 @@
           <p:cNvPr id="6" name="아래쪽 화살표[D] 5">
             <a:extLst>
               <a:ext uri="{FF2B5EF4-FFF2-40B4-BE49-F238E27FC236}">
-                <a16:creationId xmlns:a16="http://schemas.microsoft.com/office/drawing/2014/main" id="{8658D8C4-D667-16FB-BF5A-6AF6541688B8}"/>
+                <a16:creationId xmlns:a16="http://schemas.microsoft.com/office/drawing/2014/main" id="{BAEFCA15-F50E-A98B-4FED-5F6A74BC0B52}"/>
               </a:ext>
             </a:extLst>
           </p:cNvPr>
@@ -20981,8 +26107,8 @@
           <p:nvPr/>
         </p:nvSpPr>
         <p:spPr>
-          <a:xfrm>
-            <a:off x="1423400" y="2531114"/>
+          <a:xfrm rot="16200000">
+            <a:off x="2657107" y="1320745"/>
             <a:ext cx="198495" cy="338554"/>
           </a:xfrm>
           <a:prstGeom prst="downArrow">
@@ -21019,14 +26145,14 @@
           <a:lstStyle/>
           <a:p>
             <a:pPr algn="ctr"/>
-            <a:endParaRPr kumimoji="1" lang="ko-Kore-KR" altLang="en-US" dirty="0"/>
+            <a:endParaRPr kumimoji="1" lang="ko-Kore-KR" altLang="en-US"/>
           </a:p>
         </p:txBody>
       </p:sp>
     </p:spTree>
     <p:extLst>
       <p:ext uri="{BB962C8B-B14F-4D97-AF65-F5344CB8AC3E}">
-        <p14:creationId xmlns:p14="http://schemas.microsoft.com/office/powerpoint/2010/main" val="3938941724"/>
+        <p14:creationId xmlns:p14="http://schemas.microsoft.com/office/powerpoint/2010/main" val="2760572673"/>
       </p:ext>
     </p:extLst>
   </p:cSld>
@@ -21055,6 +26181,69 @@
       </p:grpSpPr>
       <p:sp>
         <p:nvSpPr>
+          <p:cNvPr id="8" name="원통[C] 7">
+            <a:extLst>
+              <a:ext uri="{FF2B5EF4-FFF2-40B4-BE49-F238E27FC236}">
+                <a16:creationId xmlns:a16="http://schemas.microsoft.com/office/drawing/2014/main" id="{63B0F673-4A9D-F104-6350-2FE1EA6D685A}"/>
+              </a:ext>
+            </a:extLst>
+          </p:cNvPr>
+          <p:cNvSpPr/>
+          <p:nvPr/>
+        </p:nvSpPr>
+        <p:spPr>
+          <a:xfrm>
+            <a:off x="1071510" y="3184044"/>
+            <a:ext cx="900000" cy="684000"/>
+          </a:xfrm>
+          <a:prstGeom prst="can">
+            <a:avLst>
+              <a:gd name="adj" fmla="val 30807"/>
+            </a:avLst>
+          </a:prstGeom>
+          <a:solidFill>
+            <a:schemeClr val="accent1">
+              <a:lumMod val="60000"/>
+              <a:lumOff val="40000"/>
+            </a:schemeClr>
+          </a:solidFill>
+          <a:ln>
+            <a:noFill/>
+          </a:ln>
+        </p:spPr>
+        <p:style>
+          <a:lnRef idx="2">
+            <a:schemeClr val="accent1">
+              <a:shade val="15000"/>
+            </a:schemeClr>
+          </a:lnRef>
+          <a:fillRef idx="1">
+            <a:schemeClr val="accent1"/>
+          </a:fillRef>
+          <a:effectRef idx="0">
+            <a:schemeClr val="accent1"/>
+          </a:effectRef>
+          <a:fontRef idx="minor">
+            <a:schemeClr val="lt1"/>
+          </a:fontRef>
+        </p:style>
+        <p:txBody>
+          <a:bodyPr rtlCol="0" anchor="ctr"/>
+          <a:lstStyle/>
+          <a:p>
+            <a:pPr algn="ctr"/>
+            <a:endParaRPr kumimoji="1" lang="ko-Kore-KR" altLang="en-US" dirty="0">
+              <a:solidFill>
+                <a:schemeClr val="tx1"/>
+              </a:solidFill>
+              <a:latin typeface="Times New Roman" panose="02020603050405020304" pitchFamily="18" charset="0"/>
+              <a:cs typeface="Times New Roman" panose="02020603050405020304" pitchFamily="18" charset="0"/>
+            </a:endParaRPr>
+          </a:p>
+        </p:txBody>
+      </p:sp>
+      <p:sp>
+        <p:nvSpPr>
           <p:cNvPr id="2" name="직사각형 1">
             <a:extLst>
               <a:ext uri="{FF2B5EF4-FFF2-40B4-BE49-F238E27FC236}">
@@ -21960,12 +27149,7 @@
           <a:prstGeom prst="can">
             <a:avLst/>
           </a:prstGeom>
-          <a:solidFill>
-            <a:schemeClr val="accent1">
-              <a:lumMod val="60000"/>
-              <a:lumOff val="40000"/>
-            </a:schemeClr>
-          </a:solidFill>
+          <a:noFill/>
         </p:spPr>
         <p:style>
           <a:lnRef idx="2">
@@ -22011,6 +27195,60 @@
       </p:sp>
       <p:sp>
         <p:nvSpPr>
+          <p:cNvPr id="87" name="직사각형 86">
+            <a:extLst>
+              <a:ext uri="{FF2B5EF4-FFF2-40B4-BE49-F238E27FC236}">
+                <a16:creationId xmlns:a16="http://schemas.microsoft.com/office/drawing/2014/main" id="{9DFB388D-C80C-439B-33CF-40298B5B18A2}"/>
+              </a:ext>
+            </a:extLst>
+          </p:cNvPr>
+          <p:cNvSpPr/>
+          <p:nvPr/>
+        </p:nvSpPr>
+        <p:spPr>
+          <a:xfrm>
+            <a:off x="157999" y="2469558"/>
+            <a:ext cx="1236257" cy="400110"/>
+          </a:xfrm>
+          <a:prstGeom prst="rect">
+            <a:avLst/>
+          </a:prstGeom>
+          <a:solidFill>
+            <a:schemeClr val="bg1">
+              <a:alpha val="80000"/>
+            </a:schemeClr>
+          </a:solidFill>
+          <a:ln>
+            <a:noFill/>
+          </a:ln>
+        </p:spPr>
+        <p:style>
+          <a:lnRef idx="2">
+            <a:schemeClr val="accent1">
+              <a:shade val="15000"/>
+            </a:schemeClr>
+          </a:lnRef>
+          <a:fillRef idx="1">
+            <a:schemeClr val="accent1"/>
+          </a:fillRef>
+          <a:effectRef idx="0">
+            <a:schemeClr val="accent1"/>
+          </a:effectRef>
+          <a:fontRef idx="minor">
+            <a:schemeClr val="lt1"/>
+          </a:fontRef>
+        </p:style>
+        <p:txBody>
+          <a:bodyPr rtlCol="0" anchor="ctr"/>
+          <a:lstStyle/>
+          <a:p>
+            <a:pPr algn="ctr"/>
+            <a:endParaRPr kumimoji="1" lang="ko-Kore-KR" altLang="en-US" dirty="0"/>
+          </a:p>
+        </p:txBody>
+      </p:sp>
+      <p:sp>
+        <p:nvSpPr>
           <p:cNvPr id="115" name="직사각형 114">
             <a:extLst>
               <a:ext uri="{FF2B5EF4-FFF2-40B4-BE49-F238E27FC236}">
@@ -22510,8 +27748,8 @@
         </p:nvSpPr>
         <p:spPr>
           <a:xfrm>
-            <a:off x="226368" y="183285"/>
-            <a:ext cx="6180610" cy="2327279"/>
+            <a:off x="3046722" y="2691485"/>
+            <a:ext cx="3360256" cy="1492019"/>
           </a:xfrm>
           <a:prstGeom prst="rect">
             <a:avLst/>
@@ -22552,10 +27790,10 @@
       </p:sp>
       <p:sp>
         <p:nvSpPr>
-          <p:cNvPr id="4" name="아래쪽 화살표[D] 3">
-            <a:extLst>
-              <a:ext uri="{FF2B5EF4-FFF2-40B4-BE49-F238E27FC236}">
-                <a16:creationId xmlns:a16="http://schemas.microsoft.com/office/drawing/2014/main" id="{1CD8AA5F-8E9D-92C9-25E0-254DE231FA54}"/>
+          <p:cNvPr id="9" name="아래쪽 화살표[D] 8">
+            <a:extLst>
+              <a:ext uri="{FF2B5EF4-FFF2-40B4-BE49-F238E27FC236}">
+                <a16:creationId xmlns:a16="http://schemas.microsoft.com/office/drawing/2014/main" id="{490A400B-6878-2682-5D5C-B09DAFA53F47}"/>
               </a:ext>
             </a:extLst>
           </p:cNvPr>
@@ -22563,8 +27801,8 @@
           <p:nvPr/>
         </p:nvSpPr>
         <p:spPr>
-          <a:xfrm rot="16200000">
-            <a:off x="2667659" y="3251538"/>
+          <a:xfrm>
+            <a:off x="1423400" y="2531114"/>
             <a:ext cx="198495" cy="338554"/>
           </a:xfrm>
           <a:prstGeom prst="downArrow">
@@ -22601,14 +27839,14 @@
           <a:lstStyle/>
           <a:p>
             <a:pPr algn="ctr"/>
-            <a:endParaRPr kumimoji="1" lang="ko-Kore-KR" altLang="en-US"/>
+            <a:endParaRPr kumimoji="1" lang="ko-Kore-KR" altLang="en-US" dirty="0"/>
           </a:p>
         </p:txBody>
       </p:sp>
     </p:spTree>
     <p:extLst>
       <p:ext uri="{BB962C8B-B14F-4D97-AF65-F5344CB8AC3E}">
-        <p14:creationId xmlns:p14="http://schemas.microsoft.com/office/powerpoint/2010/main" val="2432472837"/>
+        <p14:creationId xmlns:p14="http://schemas.microsoft.com/office/powerpoint/2010/main" val="2006868265"/>
       </p:ext>
     </p:extLst>
   </p:cSld>

--- a/images/moon22neurips.pptx
+++ b/images/moon22neurips.pptx
@@ -5,7 +5,7 @@
     <p:sldMasterId id="2147483659" r:id="rId1"/>
   </p:sldMasterIdLst>
   <p:notesMasterIdLst>
-    <p:notesMasterId r:id="rId15"/>
+    <p:notesMasterId r:id="rId16"/>
   </p:notesMasterIdLst>
   <p:sldIdLst>
     <p:sldId id="297" r:id="rId2"/>
@@ -18,19 +18,20 @@
     <p:sldId id="327" r:id="rId9"/>
     <p:sldId id="328" r:id="rId10"/>
     <p:sldId id="329" r:id="rId11"/>
-    <p:sldId id="330" r:id="rId12"/>
-    <p:sldId id="331" r:id="rId13"/>
-    <p:sldId id="332" r:id="rId14"/>
+    <p:sldId id="336" r:id="rId12"/>
+    <p:sldId id="330" r:id="rId13"/>
+    <p:sldId id="331" r:id="rId14"/>
+    <p:sldId id="332" r:id="rId15"/>
   </p:sldIdLst>
   <p:sldSz cx="6480175" cy="4319588"/>
   <p:notesSz cx="6858000" cy="9144000"/>
   <p:embeddedFontLst>
     <p:embeddedFont>
       <p:font typeface="Source Sans Pro" panose="020B0503030403020204" pitchFamily="34" charset="0"/>
-      <p:regular r:id="rId16"/>
-      <p:bold r:id="rId17"/>
-      <p:italic r:id="rId18"/>
-      <p:boldItalic r:id="rId19"/>
+      <p:regular r:id="rId17"/>
+      <p:bold r:id="rId18"/>
+      <p:italic r:id="rId19"/>
+      <p:boldItalic r:id="rId20"/>
     </p:embeddedFont>
   </p:embeddedFontLst>
   <p:defaultTextStyle>
@@ -1042,7 +1043,7 @@
     </p:spTree>
     <p:extLst>
       <p:ext uri="{BB962C8B-B14F-4D97-AF65-F5344CB8AC3E}">
-        <p14:creationId xmlns:p14="http://schemas.microsoft.com/office/powerpoint/2010/main" val="2388350948"/>
+        <p14:creationId xmlns:p14="http://schemas.microsoft.com/office/powerpoint/2010/main" val="1049729374"/>
       </p:ext>
     </p:extLst>
   </p:cSld>
@@ -1151,6 +1152,115 @@
     </p:spTree>
     <p:extLst>
       <p:ext uri="{BB962C8B-B14F-4D97-AF65-F5344CB8AC3E}">
+        <p14:creationId xmlns:p14="http://schemas.microsoft.com/office/powerpoint/2010/main" val="2388350948"/>
+      </p:ext>
+    </p:extLst>
+  </p:cSld>
+  <p:clrMapOvr>
+    <a:masterClrMapping/>
+  </p:clrMapOvr>
+</p:notes>
+</file>
+
+<file path=ppt/notesSlides/notesSlide13.xml><?xml version="1.0" encoding="utf-8"?>
+<p:notes xmlns:a="http://schemas.openxmlformats.org/drawingml/2006/main" xmlns:r="http://schemas.openxmlformats.org/officeDocument/2006/relationships" xmlns:p="http://schemas.openxmlformats.org/presentationml/2006/main" showMasterSp="0" showMasterPhAnim="0">
+  <p:cSld>
+    <p:spTree>
+      <p:nvGrpSpPr>
+        <p:cNvPr id="1" name="Shape 78"/>
+        <p:cNvGrpSpPr/>
+        <p:nvPr/>
+      </p:nvGrpSpPr>
+      <p:grpSpPr>
+        <a:xfrm>
+          <a:off x="0" y="0"/>
+          <a:ext cx="0" cy="0"/>
+          <a:chOff x="0" y="0"/>
+          <a:chExt cx="0" cy="0"/>
+        </a:xfrm>
+      </p:grpSpPr>
+      <p:sp>
+        <p:nvSpPr>
+          <p:cNvPr id="79" name="Google Shape;79;g24d42045cc7_0_23:notes"/>
+          <p:cNvSpPr>
+            <a:spLocks noGrp="1" noRot="1" noChangeAspect="1"/>
+          </p:cNvSpPr>
+          <p:nvPr>
+            <p:ph type="sldImg" idx="2"/>
+          </p:nvPr>
+        </p:nvSpPr>
+        <p:spPr>
+          <a:xfrm>
+            <a:off x="857250" y="685800"/>
+            <a:ext cx="5143500" cy="3429000"/>
+          </a:xfrm>
+          <a:custGeom>
+            <a:avLst/>
+            <a:gdLst/>
+            <a:ahLst/>
+            <a:cxnLst/>
+            <a:rect l="l" t="t" r="r" b="b"/>
+            <a:pathLst>
+              <a:path w="120000" h="120000" extrusionOk="0">
+                <a:moveTo>
+                  <a:pt x="0" y="0"/>
+                </a:moveTo>
+                <a:lnTo>
+                  <a:pt x="120000" y="0"/>
+                </a:lnTo>
+                <a:lnTo>
+                  <a:pt x="120000" y="120000"/>
+                </a:lnTo>
+                <a:lnTo>
+                  <a:pt x="0" y="120000"/>
+                </a:lnTo>
+                <a:close/>
+              </a:path>
+            </a:pathLst>
+          </a:custGeom>
+        </p:spPr>
+      </p:sp>
+      <p:sp>
+        <p:nvSpPr>
+          <p:cNvPr id="80" name="Google Shape;80;g24d42045cc7_0_23:notes"/>
+          <p:cNvSpPr txBox="1">
+            <a:spLocks noGrp="1"/>
+          </p:cNvSpPr>
+          <p:nvPr>
+            <p:ph type="body" idx="1"/>
+          </p:nvPr>
+        </p:nvSpPr>
+        <p:spPr>
+          <a:xfrm>
+            <a:off x="685800" y="4343400"/>
+            <a:ext cx="5486400" cy="4114800"/>
+          </a:xfrm>
+          <a:prstGeom prst="rect">
+            <a:avLst/>
+          </a:prstGeom>
+        </p:spPr>
+        <p:txBody>
+          <a:bodyPr spcFirstLastPara="1" wrap="square" lIns="91425" tIns="91425" rIns="91425" bIns="91425" anchor="t" anchorCtr="0">
+            <a:noAutofit/>
+          </a:bodyPr>
+          <a:lstStyle/>
+          <a:p>
+            <a:pPr marL="0" lvl="0" indent="0" algn="l" rtl="0">
+              <a:spcBef>
+                <a:spcPts val="0"/>
+              </a:spcBef>
+              <a:spcAft>
+                <a:spcPts val="0"/>
+              </a:spcAft>
+              <a:buNone/>
+            </a:pPr>
+            <a:endParaRPr dirty="0"/>
+          </a:p>
+        </p:txBody>
+      </p:sp>
+    </p:spTree>
+    <p:extLst>
+      <p:ext uri="{BB962C8B-B14F-4D97-AF65-F5344CB8AC3E}">
         <p14:creationId xmlns:p14="http://schemas.microsoft.com/office/powerpoint/2010/main" val="2189495711"/>
       </p:ext>
     </p:extLst>
@@ -1161,7 +1271,7 @@
 </p:notes>
 </file>
 
-<file path=ppt/notesSlides/notesSlide13.xml><?xml version="1.0" encoding="utf-8"?>
+<file path=ppt/notesSlides/notesSlide14.xml><?xml version="1.0" encoding="utf-8"?>
 <p:notes xmlns:a="http://schemas.openxmlformats.org/drawingml/2006/main" xmlns:r="http://schemas.openxmlformats.org/officeDocument/2006/relationships" xmlns:p="http://schemas.openxmlformats.org/presentationml/2006/main" showMasterSp="0" showMasterPhAnim="0">
   <p:cSld>
     <p:spTree>
@@ -9089,7 +9199,7 @@
         <p:spPr>
           <a:xfrm>
             <a:off x="157999" y="2469558"/>
-            <a:ext cx="1236257" cy="400110"/>
+            <a:ext cx="2234246" cy="1734682"/>
           </a:xfrm>
           <a:prstGeom prst="rect">
             <a:avLst/>
@@ -9629,8 +9739,8 @@
         </p:nvSpPr>
         <p:spPr>
           <a:xfrm>
-            <a:off x="3046722" y="2691485"/>
-            <a:ext cx="3360256" cy="1492019"/>
+            <a:off x="3046722" y="412693"/>
+            <a:ext cx="3360256" cy="3770811"/>
           </a:xfrm>
           <a:prstGeom prst="rect">
             <a:avLst/>
@@ -9666,61 +9776,6 @@
           <a:p>
             <a:pPr algn="ctr"/>
             <a:endParaRPr kumimoji="1" lang="ko-Kore-KR" altLang="en-US" dirty="0"/>
-          </a:p>
-        </p:txBody>
-      </p:sp>
-      <p:sp>
-        <p:nvSpPr>
-          <p:cNvPr id="4" name="아래쪽 화살표[D] 3">
-            <a:extLst>
-              <a:ext uri="{FF2B5EF4-FFF2-40B4-BE49-F238E27FC236}">
-                <a16:creationId xmlns:a16="http://schemas.microsoft.com/office/drawing/2014/main" id="{0997AE67-FCEF-5AF9-561D-39EECC58C91E}"/>
-              </a:ext>
-            </a:extLst>
-          </p:cNvPr>
-          <p:cNvSpPr/>
-          <p:nvPr/>
-        </p:nvSpPr>
-        <p:spPr>
-          <a:xfrm rot="16200000">
-            <a:off x="2657107" y="1320745"/>
-            <a:ext cx="198495" cy="338554"/>
-          </a:xfrm>
-          <a:prstGeom prst="downArrow">
-            <a:avLst>
-              <a:gd name="adj1" fmla="val 37549"/>
-              <a:gd name="adj2" fmla="val 50000"/>
-            </a:avLst>
-          </a:prstGeom>
-          <a:solidFill>
-            <a:schemeClr val="tx1"/>
-          </a:solidFill>
-          <a:ln>
-            <a:noFill/>
-          </a:ln>
-        </p:spPr>
-        <p:style>
-          <a:lnRef idx="2">
-            <a:schemeClr val="accent1">
-              <a:shade val="15000"/>
-            </a:schemeClr>
-          </a:lnRef>
-          <a:fillRef idx="1">
-            <a:schemeClr val="accent1"/>
-          </a:fillRef>
-          <a:effectRef idx="0">
-            <a:schemeClr val="accent1"/>
-          </a:effectRef>
-          <a:fontRef idx="minor">
-            <a:schemeClr val="lt1"/>
-          </a:fontRef>
-        </p:style>
-        <p:txBody>
-          <a:bodyPr rtlCol="0" anchor="ctr"/>
-          <a:lstStyle/>
-          <a:p>
-            <a:pPr algn="ctr"/>
-            <a:endParaRPr kumimoji="1" lang="ko-Kore-KR" altLang="en-US"/>
           </a:p>
         </p:txBody>
       </p:sp>
@@ -9756,6 +9811,69 @@
       </p:grpSpPr>
       <p:sp>
         <p:nvSpPr>
+          <p:cNvPr id="8" name="원통[C] 7">
+            <a:extLst>
+              <a:ext uri="{FF2B5EF4-FFF2-40B4-BE49-F238E27FC236}">
+                <a16:creationId xmlns:a16="http://schemas.microsoft.com/office/drawing/2014/main" id="{63B0F673-4A9D-F104-6350-2FE1EA6D685A}"/>
+              </a:ext>
+            </a:extLst>
+          </p:cNvPr>
+          <p:cNvSpPr/>
+          <p:nvPr/>
+        </p:nvSpPr>
+        <p:spPr>
+          <a:xfrm>
+            <a:off x="1071510" y="3184044"/>
+            <a:ext cx="900000" cy="684000"/>
+          </a:xfrm>
+          <a:prstGeom prst="can">
+            <a:avLst>
+              <a:gd name="adj" fmla="val 30807"/>
+            </a:avLst>
+          </a:prstGeom>
+          <a:solidFill>
+            <a:schemeClr val="accent1">
+              <a:lumMod val="60000"/>
+              <a:lumOff val="40000"/>
+            </a:schemeClr>
+          </a:solidFill>
+          <a:ln>
+            <a:noFill/>
+          </a:ln>
+        </p:spPr>
+        <p:style>
+          <a:lnRef idx="2">
+            <a:schemeClr val="accent1">
+              <a:shade val="15000"/>
+            </a:schemeClr>
+          </a:lnRef>
+          <a:fillRef idx="1">
+            <a:schemeClr val="accent1"/>
+          </a:fillRef>
+          <a:effectRef idx="0">
+            <a:schemeClr val="accent1"/>
+          </a:effectRef>
+          <a:fontRef idx="minor">
+            <a:schemeClr val="lt1"/>
+          </a:fontRef>
+        </p:style>
+        <p:txBody>
+          <a:bodyPr rtlCol="0" anchor="ctr"/>
+          <a:lstStyle/>
+          <a:p>
+            <a:pPr algn="ctr"/>
+            <a:endParaRPr kumimoji="1" lang="ko-Kore-KR" altLang="en-US" dirty="0">
+              <a:solidFill>
+                <a:schemeClr val="tx1"/>
+              </a:solidFill>
+              <a:latin typeface="Times New Roman" panose="02020603050405020304" pitchFamily="18" charset="0"/>
+              <a:cs typeface="Times New Roman" panose="02020603050405020304" pitchFamily="18" charset="0"/>
+            </a:endParaRPr>
+          </a:p>
+        </p:txBody>
+      </p:sp>
+      <p:sp>
+        <p:nvSpPr>
           <p:cNvPr id="2" name="직사각형 1">
             <a:extLst>
               <a:ext uri="{FF2B5EF4-FFF2-40B4-BE49-F238E27FC236}">
@@ -10661,12 +10779,7 @@
           <a:prstGeom prst="can">
             <a:avLst/>
           </a:prstGeom>
-          <a:solidFill>
-            <a:schemeClr val="accent1">
-              <a:lumMod val="60000"/>
-              <a:lumOff val="40000"/>
-            </a:schemeClr>
-          </a:solidFill>
+          <a:noFill/>
         </p:spPr>
         <p:style>
           <a:lnRef idx="2">
@@ -10724,8 +10837,8 @@
         </p:nvSpPr>
         <p:spPr>
           <a:xfrm>
-            <a:off x="157999" y="2469558"/>
-            <a:ext cx="1236257" cy="400110"/>
+            <a:off x="157999" y="2469557"/>
+            <a:ext cx="2049563" cy="1677903"/>
           </a:xfrm>
           <a:prstGeom prst="rect">
             <a:avLst/>
@@ -11307,10 +11420,10 @@
       </p:sp>
       <p:sp>
         <p:nvSpPr>
-          <p:cNvPr id="6" name="아래쪽 화살표[D] 5">
-            <a:extLst>
-              <a:ext uri="{FF2B5EF4-FFF2-40B4-BE49-F238E27FC236}">
-                <a16:creationId xmlns:a16="http://schemas.microsoft.com/office/drawing/2014/main" id="{8658D8C4-D667-16FB-BF5A-6AF6541688B8}"/>
+          <p:cNvPr id="4" name="아래쪽 화살표[D] 3">
+            <a:extLst>
+              <a:ext uri="{FF2B5EF4-FFF2-40B4-BE49-F238E27FC236}">
+                <a16:creationId xmlns:a16="http://schemas.microsoft.com/office/drawing/2014/main" id="{0997AE67-FCEF-5AF9-561D-39EECC58C91E}"/>
               </a:ext>
             </a:extLst>
           </p:cNvPr>
@@ -11318,8 +11431,8 @@
           <p:nvPr/>
         </p:nvSpPr>
         <p:spPr>
-          <a:xfrm>
-            <a:off x="1423400" y="2531114"/>
+          <a:xfrm rot="16200000">
+            <a:off x="2657107" y="1320745"/>
             <a:ext cx="198495" cy="338554"/>
           </a:xfrm>
           <a:prstGeom prst="downArrow">
@@ -11356,14 +11469,14 @@
           <a:lstStyle/>
           <a:p>
             <a:pPr algn="ctr"/>
-            <a:endParaRPr kumimoji="1" lang="ko-Kore-KR" altLang="en-US" dirty="0"/>
+            <a:endParaRPr kumimoji="1" lang="ko-Kore-KR" altLang="en-US"/>
           </a:p>
         </p:txBody>
       </p:sp>
     </p:spTree>
     <p:extLst>
       <p:ext uri="{BB962C8B-B14F-4D97-AF65-F5344CB8AC3E}">
-        <p14:creationId xmlns:p14="http://schemas.microsoft.com/office/powerpoint/2010/main" val="3938941724"/>
+        <p14:creationId xmlns:p14="http://schemas.microsoft.com/office/powerpoint/2010/main" val="2745141321"/>
       </p:ext>
     </p:extLst>
   </p:cSld>
@@ -12348,6 +12461,1642 @@
       </p:sp>
       <p:sp>
         <p:nvSpPr>
+          <p:cNvPr id="87" name="직사각형 86">
+            <a:extLst>
+              <a:ext uri="{FF2B5EF4-FFF2-40B4-BE49-F238E27FC236}">
+                <a16:creationId xmlns:a16="http://schemas.microsoft.com/office/drawing/2014/main" id="{9DFB388D-C80C-439B-33CF-40298B5B18A2}"/>
+              </a:ext>
+            </a:extLst>
+          </p:cNvPr>
+          <p:cNvSpPr/>
+          <p:nvPr/>
+        </p:nvSpPr>
+        <p:spPr>
+          <a:xfrm>
+            <a:off x="157999" y="2469558"/>
+            <a:ext cx="1236257" cy="400110"/>
+          </a:xfrm>
+          <a:prstGeom prst="rect">
+            <a:avLst/>
+          </a:prstGeom>
+          <a:solidFill>
+            <a:schemeClr val="bg1">
+              <a:alpha val="80000"/>
+            </a:schemeClr>
+          </a:solidFill>
+          <a:ln>
+            <a:noFill/>
+          </a:ln>
+        </p:spPr>
+        <p:style>
+          <a:lnRef idx="2">
+            <a:schemeClr val="accent1">
+              <a:shade val="15000"/>
+            </a:schemeClr>
+          </a:lnRef>
+          <a:fillRef idx="1">
+            <a:schemeClr val="accent1"/>
+          </a:fillRef>
+          <a:effectRef idx="0">
+            <a:schemeClr val="accent1"/>
+          </a:effectRef>
+          <a:fontRef idx="minor">
+            <a:schemeClr val="lt1"/>
+          </a:fontRef>
+        </p:style>
+        <p:txBody>
+          <a:bodyPr rtlCol="0" anchor="ctr"/>
+          <a:lstStyle/>
+          <a:p>
+            <a:pPr algn="ctr"/>
+            <a:endParaRPr kumimoji="1" lang="ko-Kore-KR" altLang="en-US" dirty="0"/>
+          </a:p>
+        </p:txBody>
+      </p:sp>
+      <p:sp>
+        <p:nvSpPr>
+          <p:cNvPr id="115" name="직사각형 114">
+            <a:extLst>
+              <a:ext uri="{FF2B5EF4-FFF2-40B4-BE49-F238E27FC236}">
+                <a16:creationId xmlns:a16="http://schemas.microsoft.com/office/drawing/2014/main" id="{3B73E9E6-9E8E-E1EB-7458-CBB17FCE5893}"/>
+              </a:ext>
+            </a:extLst>
+          </p:cNvPr>
+          <p:cNvSpPr/>
+          <p:nvPr/>
+        </p:nvSpPr>
+        <p:spPr>
+          <a:xfrm>
+            <a:off x="4029958" y="2934895"/>
+            <a:ext cx="972000" cy="972000"/>
+          </a:xfrm>
+          <a:prstGeom prst="rect">
+            <a:avLst/>
+          </a:prstGeom>
+          <a:noFill/>
+          <a:ln w="19050">
+            <a:solidFill>
+              <a:schemeClr val="tx1"/>
+            </a:solidFill>
+          </a:ln>
+        </p:spPr>
+        <p:style>
+          <a:lnRef idx="2">
+            <a:schemeClr val="accent1">
+              <a:shade val="15000"/>
+            </a:schemeClr>
+          </a:lnRef>
+          <a:fillRef idx="1">
+            <a:schemeClr val="accent1"/>
+          </a:fillRef>
+          <a:effectRef idx="0">
+            <a:schemeClr val="accent1"/>
+          </a:effectRef>
+          <a:fontRef idx="minor">
+            <a:schemeClr val="lt1"/>
+          </a:fontRef>
+        </p:style>
+        <p:txBody>
+          <a:bodyPr rtlCol="0" anchor="ctr"/>
+          <a:lstStyle/>
+          <a:p>
+            <a:pPr algn="ctr"/>
+            <a:r>
+              <a:rPr kumimoji="1" lang="en-US" altLang="ko-Kore-KR" sz="1800" dirty="0">
+                <a:solidFill>
+                  <a:schemeClr val="tx1"/>
+                </a:solidFill>
+                <a:latin typeface="Times New Roman" panose="02020603050405020304" pitchFamily="18" charset="0"/>
+                <a:ea typeface="Source Sans Pro" panose="020B0503030403020204" pitchFamily="34" charset="0"/>
+                <a:cs typeface="Times New Roman" panose="02020603050405020304" pitchFamily="18" charset="0"/>
+              </a:rPr>
+              <a:t>Encoder</a:t>
+            </a:r>
+          </a:p>
+          <a:p>
+            <a:pPr algn="ctr"/>
+            <a:endParaRPr kumimoji="1" lang="ko-Kore-KR" altLang="en-US" dirty="0">
+              <a:solidFill>
+                <a:schemeClr val="tx1"/>
+              </a:solidFill>
+              <a:latin typeface="Times New Roman" panose="02020603050405020304" pitchFamily="18" charset="0"/>
+              <a:cs typeface="Times New Roman" panose="02020603050405020304" pitchFamily="18" charset="0"/>
+            </a:endParaRPr>
+          </a:p>
+        </p:txBody>
+      </p:sp>
+      <p:pic>
+        <p:nvPicPr>
+          <p:cNvPr id="116" name="그림 115">
+            <a:extLst>
+              <a:ext uri="{FF2B5EF4-FFF2-40B4-BE49-F238E27FC236}">
+                <a16:creationId xmlns:a16="http://schemas.microsoft.com/office/drawing/2014/main" id="{ED46CB78-04D6-1228-6EA1-ADC68B4A06C2}"/>
+              </a:ext>
+            </a:extLst>
+          </p:cNvPr>
+          <p:cNvPicPr>
+            <a:picLocks noChangeAspect="1"/>
+          </p:cNvPicPr>
+          <p:nvPr/>
+        </p:nvPicPr>
+        <p:blipFill>
+          <a:blip r:embed="rId3"/>
+          <a:stretch>
+            <a:fillRect/>
+          </a:stretch>
+        </p:blipFill>
+        <p:spPr>
+          <a:xfrm>
+            <a:off x="4473291" y="3457105"/>
+            <a:ext cx="85333" cy="144000"/>
+          </a:xfrm>
+          <a:prstGeom prst="rect">
+            <a:avLst/>
+          </a:prstGeom>
+        </p:spPr>
+      </p:pic>
+      <p:sp>
+        <p:nvSpPr>
+          <p:cNvPr id="117" name="TextBox 116">
+            <a:extLst>
+              <a:ext uri="{FF2B5EF4-FFF2-40B4-BE49-F238E27FC236}">
+                <a16:creationId xmlns:a16="http://schemas.microsoft.com/office/drawing/2014/main" id="{524563A2-2AEA-7F38-4DC4-72D7837DCEFC}"/>
+              </a:ext>
+            </a:extLst>
+          </p:cNvPr>
+          <p:cNvSpPr txBox="1"/>
+          <p:nvPr/>
+        </p:nvSpPr>
+        <p:spPr>
+          <a:xfrm>
+            <a:off x="5356016" y="2657896"/>
+            <a:ext cx="997843" cy="553998"/>
+          </a:xfrm>
+          <a:prstGeom prst="rect">
+            <a:avLst/>
+          </a:prstGeom>
+          <a:noFill/>
+        </p:spPr>
+        <p:txBody>
+          <a:bodyPr wrap="square">
+            <a:spAutoFit/>
+          </a:bodyPr>
+          <a:lstStyle/>
+          <a:p>
+            <a:pPr algn="ctr"/>
+            <a:r>
+              <a:rPr kumimoji="1" lang="en-US" altLang="ko-Kore-KR" sz="1600" dirty="0">
+                <a:solidFill>
+                  <a:srgbClr val="FF0000"/>
+                </a:solidFill>
+                <a:latin typeface="Times New Roman" panose="02020603050405020304" pitchFamily="18" charset="0"/>
+                <a:ea typeface="Source Sans Pro" panose="020B0503030403020204" pitchFamily="34" charset="0"/>
+                <a:cs typeface="Times New Roman" panose="02020603050405020304" pitchFamily="18" charset="0"/>
+              </a:rPr>
+              <a:t>Policy</a:t>
+            </a:r>
+          </a:p>
+          <a:p>
+            <a:pPr algn="ctr"/>
+            <a:endParaRPr lang="ko-Kore-KR" altLang="en-US" dirty="0">
+              <a:latin typeface="Times New Roman" panose="02020603050405020304" pitchFamily="18" charset="0"/>
+              <a:cs typeface="Times New Roman" panose="02020603050405020304" pitchFamily="18" charset="0"/>
+            </a:endParaRPr>
+          </a:p>
+        </p:txBody>
+      </p:sp>
+      <p:pic>
+        <p:nvPicPr>
+          <p:cNvPr id="118" name="그림 117">
+            <a:extLst>
+              <a:ext uri="{FF2B5EF4-FFF2-40B4-BE49-F238E27FC236}">
+                <a16:creationId xmlns:a16="http://schemas.microsoft.com/office/drawing/2014/main" id="{6FE200BA-D280-8CC3-1208-40103B657C2F}"/>
+              </a:ext>
+            </a:extLst>
+          </p:cNvPr>
+          <p:cNvPicPr>
+            <a:picLocks noChangeAspect="1"/>
+          </p:cNvPicPr>
+          <p:nvPr/>
+        </p:nvPicPr>
+        <p:blipFill>
+          <a:blip r:embed="rId4"/>
+          <a:stretch>
+            <a:fillRect/>
+          </a:stretch>
+        </p:blipFill>
+        <p:spPr>
+          <a:xfrm>
+            <a:off x="5428018" y="2977645"/>
+            <a:ext cx="900000" cy="220531"/>
+          </a:xfrm>
+          <a:prstGeom prst="rect">
+            <a:avLst/>
+          </a:prstGeom>
+        </p:spPr>
+      </p:pic>
+      <p:cxnSp>
+        <p:nvCxnSpPr>
+          <p:cNvPr id="119" name="직선 화살표 연결선 118">
+            <a:extLst>
+              <a:ext uri="{FF2B5EF4-FFF2-40B4-BE49-F238E27FC236}">
+                <a16:creationId xmlns:a16="http://schemas.microsoft.com/office/drawing/2014/main" id="{4659420C-23A8-70C7-A11E-A927098AF9D6}"/>
+              </a:ext>
+            </a:extLst>
+          </p:cNvPr>
+          <p:cNvCxnSpPr>
+            <a:cxnSpLocks/>
+            <a:stCxn id="115" idx="3"/>
+            <a:endCxn id="117" idx="1"/>
+          </p:cNvCxnSpPr>
+          <p:nvPr/>
+        </p:nvCxnSpPr>
+        <p:spPr>
+          <a:xfrm flipV="1">
+            <a:off x="5001958" y="2934895"/>
+            <a:ext cx="354058" cy="486000"/>
+          </a:xfrm>
+          <a:prstGeom prst="straightConnector1">
+            <a:avLst/>
+          </a:prstGeom>
+          <a:ln w="19050">
+            <a:solidFill>
+              <a:schemeClr val="tx1"/>
+            </a:solidFill>
+            <a:tailEnd type="triangle"/>
+          </a:ln>
+        </p:spPr>
+        <p:style>
+          <a:lnRef idx="1">
+            <a:schemeClr val="accent1"/>
+          </a:lnRef>
+          <a:fillRef idx="0">
+            <a:schemeClr val="accent1"/>
+          </a:fillRef>
+          <a:effectRef idx="0">
+            <a:schemeClr val="accent1"/>
+          </a:effectRef>
+          <a:fontRef idx="minor">
+            <a:schemeClr val="tx1"/>
+          </a:fontRef>
+        </p:style>
+      </p:cxnSp>
+      <p:sp>
+        <p:nvSpPr>
+          <p:cNvPr id="120" name="TextBox 119">
+            <a:extLst>
+              <a:ext uri="{FF2B5EF4-FFF2-40B4-BE49-F238E27FC236}">
+                <a16:creationId xmlns:a16="http://schemas.microsoft.com/office/drawing/2014/main" id="{F0623EE3-40B9-D24E-AEF5-E94F114EC4C4}"/>
+              </a:ext>
+            </a:extLst>
+          </p:cNvPr>
+          <p:cNvSpPr txBox="1"/>
+          <p:nvPr/>
+        </p:nvSpPr>
+        <p:spPr>
+          <a:xfrm>
+            <a:off x="5356017" y="3629896"/>
+            <a:ext cx="997843" cy="553998"/>
+          </a:xfrm>
+          <a:prstGeom prst="rect">
+            <a:avLst/>
+          </a:prstGeom>
+          <a:noFill/>
+        </p:spPr>
+        <p:txBody>
+          <a:bodyPr wrap="square">
+            <a:spAutoFit/>
+          </a:bodyPr>
+          <a:lstStyle/>
+          <a:p>
+            <a:pPr algn="ctr"/>
+            <a:r>
+              <a:rPr kumimoji="1" lang="en-US" altLang="ko-Kore-KR" sz="1600" dirty="0">
+                <a:solidFill>
+                  <a:schemeClr val="accent1"/>
+                </a:solidFill>
+                <a:latin typeface="Times New Roman" panose="02020603050405020304" pitchFamily="18" charset="0"/>
+                <a:ea typeface="Source Sans Pro" panose="020B0503030403020204" pitchFamily="34" charset="0"/>
+                <a:cs typeface="Times New Roman" panose="02020603050405020304" pitchFamily="18" charset="0"/>
+              </a:rPr>
+              <a:t>Value</a:t>
+            </a:r>
+          </a:p>
+          <a:p>
+            <a:pPr algn="ctr"/>
+            <a:endParaRPr lang="ko-Kore-KR" altLang="en-US" dirty="0">
+              <a:solidFill>
+                <a:schemeClr val="tx1">
+                  <a:alpha val="20000"/>
+                </a:schemeClr>
+              </a:solidFill>
+              <a:latin typeface="Times New Roman" panose="02020603050405020304" pitchFamily="18" charset="0"/>
+              <a:cs typeface="Times New Roman" panose="02020603050405020304" pitchFamily="18" charset="0"/>
+            </a:endParaRPr>
+          </a:p>
+        </p:txBody>
+      </p:sp>
+      <p:pic>
+        <p:nvPicPr>
+          <p:cNvPr id="121" name="그림 120">
+            <a:extLst>
+              <a:ext uri="{FF2B5EF4-FFF2-40B4-BE49-F238E27FC236}">
+                <a16:creationId xmlns:a16="http://schemas.microsoft.com/office/drawing/2014/main" id="{24EB9AF0-CF11-366C-5C87-A8733F7632E5}"/>
+              </a:ext>
+            </a:extLst>
+          </p:cNvPr>
+          <p:cNvPicPr>
+            <a:picLocks noChangeAspect="1"/>
+          </p:cNvPicPr>
+          <p:nvPr/>
+        </p:nvPicPr>
+        <p:blipFill>
+          <a:blip r:embed="rId5">
+            <a:alphaModFix/>
+          </a:blip>
+          <a:stretch>
+            <a:fillRect/>
+          </a:stretch>
+        </p:blipFill>
+        <p:spPr>
+          <a:xfrm>
+            <a:off x="5605369" y="3942261"/>
+            <a:ext cx="499135" cy="205200"/>
+          </a:xfrm>
+          <a:prstGeom prst="rect">
+            <a:avLst/>
+          </a:prstGeom>
+        </p:spPr>
+      </p:pic>
+      <p:cxnSp>
+        <p:nvCxnSpPr>
+          <p:cNvPr id="122" name="직선 화살표 연결선 121">
+            <a:extLst>
+              <a:ext uri="{FF2B5EF4-FFF2-40B4-BE49-F238E27FC236}">
+                <a16:creationId xmlns:a16="http://schemas.microsoft.com/office/drawing/2014/main" id="{111A72F3-2C4F-F86C-20A0-4791BB5DA733}"/>
+              </a:ext>
+            </a:extLst>
+          </p:cNvPr>
+          <p:cNvCxnSpPr>
+            <a:cxnSpLocks/>
+            <a:stCxn id="115" idx="3"/>
+            <a:endCxn id="120" idx="1"/>
+          </p:cNvCxnSpPr>
+          <p:nvPr/>
+        </p:nvCxnSpPr>
+        <p:spPr>
+          <a:xfrm>
+            <a:off x="5001958" y="3420895"/>
+            <a:ext cx="354059" cy="486000"/>
+          </a:xfrm>
+          <a:prstGeom prst="straightConnector1">
+            <a:avLst/>
+          </a:prstGeom>
+          <a:ln w="19050">
+            <a:solidFill>
+              <a:schemeClr val="tx1"/>
+            </a:solidFill>
+            <a:tailEnd type="triangle"/>
+          </a:ln>
+        </p:spPr>
+        <p:style>
+          <a:lnRef idx="1">
+            <a:schemeClr val="accent1"/>
+          </a:lnRef>
+          <a:fillRef idx="0">
+            <a:schemeClr val="accent1"/>
+          </a:fillRef>
+          <a:effectRef idx="0">
+            <a:schemeClr val="accent1"/>
+          </a:effectRef>
+          <a:fontRef idx="minor">
+            <a:schemeClr val="tx1"/>
+          </a:fontRef>
+        </p:style>
+      </p:cxnSp>
+      <p:cxnSp>
+        <p:nvCxnSpPr>
+          <p:cNvPr id="123" name="직선 화살표 연결선 122">
+            <a:extLst>
+              <a:ext uri="{FF2B5EF4-FFF2-40B4-BE49-F238E27FC236}">
+                <a16:creationId xmlns:a16="http://schemas.microsoft.com/office/drawing/2014/main" id="{CBA3C5C3-B8EF-79E9-A246-61AF1C491CAF}"/>
+              </a:ext>
+            </a:extLst>
+          </p:cNvPr>
+          <p:cNvCxnSpPr>
+            <a:cxnSpLocks/>
+            <a:stCxn id="124" idx="3"/>
+            <a:endCxn id="115" idx="1"/>
+          </p:cNvCxnSpPr>
+          <p:nvPr/>
+        </p:nvCxnSpPr>
+        <p:spPr>
+          <a:xfrm>
+            <a:off x="3675898" y="3420817"/>
+            <a:ext cx="354060" cy="78"/>
+          </a:xfrm>
+          <a:prstGeom prst="straightConnector1">
+            <a:avLst/>
+          </a:prstGeom>
+          <a:ln w="19050">
+            <a:solidFill>
+              <a:schemeClr val="tx1"/>
+            </a:solidFill>
+            <a:tailEnd type="triangle"/>
+          </a:ln>
+        </p:spPr>
+        <p:style>
+          <a:lnRef idx="1">
+            <a:schemeClr val="accent1"/>
+          </a:lnRef>
+          <a:fillRef idx="0">
+            <a:schemeClr val="accent1"/>
+          </a:fillRef>
+          <a:effectRef idx="0">
+            <a:schemeClr val="accent1"/>
+          </a:effectRef>
+          <a:fontRef idx="minor">
+            <a:schemeClr val="tx1"/>
+          </a:fontRef>
+        </p:style>
+      </p:cxnSp>
+      <p:sp>
+        <p:nvSpPr>
+          <p:cNvPr id="124" name="TextBox 123">
+            <a:extLst>
+              <a:ext uri="{FF2B5EF4-FFF2-40B4-BE49-F238E27FC236}">
+                <a16:creationId xmlns:a16="http://schemas.microsoft.com/office/drawing/2014/main" id="{2084A08F-C078-58F8-26C8-854892BA3545}"/>
+              </a:ext>
+            </a:extLst>
+          </p:cNvPr>
+          <p:cNvSpPr txBox="1"/>
+          <p:nvPr/>
+        </p:nvSpPr>
+        <p:spPr>
+          <a:xfrm>
+            <a:off x="3009912" y="3097651"/>
+            <a:ext cx="665986" cy="646331"/>
+          </a:xfrm>
+          <a:prstGeom prst="rect">
+            <a:avLst/>
+          </a:prstGeom>
+          <a:noFill/>
+        </p:spPr>
+        <p:txBody>
+          <a:bodyPr wrap="square">
+            <a:spAutoFit/>
+          </a:bodyPr>
+          <a:lstStyle/>
+          <a:p>
+            <a:pPr algn="ctr"/>
+            <a:r>
+              <a:rPr kumimoji="1" lang="en-US" altLang="ko-Kore-KR" sz="1800" dirty="0">
+                <a:solidFill>
+                  <a:schemeClr val="tx1"/>
+                </a:solidFill>
+                <a:latin typeface="Times New Roman" panose="02020603050405020304" pitchFamily="18" charset="0"/>
+                <a:ea typeface="Source Sans Pro" panose="020B0503030403020204" pitchFamily="34" charset="0"/>
+                <a:cs typeface="Times New Roman" panose="02020603050405020304" pitchFamily="18" charset="0"/>
+              </a:rPr>
+              <a:t>State</a:t>
+            </a:r>
+          </a:p>
+          <a:p>
+            <a:pPr algn="ctr"/>
+            <a:endParaRPr lang="ko-Kore-KR" altLang="en-US" sz="1800" dirty="0">
+              <a:latin typeface="Times New Roman" panose="02020603050405020304" pitchFamily="18" charset="0"/>
+              <a:cs typeface="Times New Roman" panose="02020603050405020304" pitchFamily="18" charset="0"/>
+            </a:endParaRPr>
+          </a:p>
+        </p:txBody>
+      </p:sp>
+      <p:pic>
+        <p:nvPicPr>
+          <p:cNvPr id="125" name="그림 124">
+            <a:extLst>
+              <a:ext uri="{FF2B5EF4-FFF2-40B4-BE49-F238E27FC236}">
+                <a16:creationId xmlns:a16="http://schemas.microsoft.com/office/drawing/2014/main" id="{A64DB605-19C2-4E11-C3AD-27AB0FF2CE24}"/>
+              </a:ext>
+            </a:extLst>
+          </p:cNvPr>
+          <p:cNvPicPr>
+            <a:picLocks noChangeAspect="1"/>
+          </p:cNvPicPr>
+          <p:nvPr/>
+        </p:nvPicPr>
+        <p:blipFill>
+          <a:blip r:embed="rId6"/>
+          <a:stretch>
+            <a:fillRect/>
+          </a:stretch>
+        </p:blipFill>
+        <p:spPr>
+          <a:xfrm>
+            <a:off x="3258524" y="3429857"/>
+            <a:ext cx="189626" cy="166871"/>
+          </a:xfrm>
+          <a:prstGeom prst="rect">
+            <a:avLst/>
+          </a:prstGeom>
+        </p:spPr>
+      </p:pic>
+      <p:sp>
+        <p:nvSpPr>
+          <p:cNvPr id="7" name="직사각형 6">
+            <a:extLst>
+              <a:ext uri="{FF2B5EF4-FFF2-40B4-BE49-F238E27FC236}">
+                <a16:creationId xmlns:a16="http://schemas.microsoft.com/office/drawing/2014/main" id="{143471F6-232D-D8A1-E00F-F5DAA29C498C}"/>
+              </a:ext>
+            </a:extLst>
+          </p:cNvPr>
+          <p:cNvSpPr/>
+          <p:nvPr/>
+        </p:nvSpPr>
+        <p:spPr>
+          <a:xfrm>
+            <a:off x="3046722" y="2691485"/>
+            <a:ext cx="3360256" cy="1492019"/>
+          </a:xfrm>
+          <a:prstGeom prst="rect">
+            <a:avLst/>
+          </a:prstGeom>
+          <a:solidFill>
+            <a:schemeClr val="bg1">
+              <a:alpha val="80000"/>
+            </a:schemeClr>
+          </a:solidFill>
+          <a:ln>
+            <a:noFill/>
+          </a:ln>
+        </p:spPr>
+        <p:style>
+          <a:lnRef idx="2">
+            <a:schemeClr val="accent1">
+              <a:shade val="15000"/>
+            </a:schemeClr>
+          </a:lnRef>
+          <a:fillRef idx="1">
+            <a:schemeClr val="accent1"/>
+          </a:fillRef>
+          <a:effectRef idx="0">
+            <a:schemeClr val="accent1"/>
+          </a:effectRef>
+          <a:fontRef idx="minor">
+            <a:schemeClr val="lt1"/>
+          </a:fontRef>
+        </p:style>
+        <p:txBody>
+          <a:bodyPr rtlCol="0" anchor="ctr"/>
+          <a:lstStyle/>
+          <a:p>
+            <a:pPr algn="ctr"/>
+            <a:endParaRPr kumimoji="1" lang="ko-Kore-KR" altLang="en-US" dirty="0"/>
+          </a:p>
+        </p:txBody>
+      </p:sp>
+      <p:sp>
+        <p:nvSpPr>
+          <p:cNvPr id="6" name="아래쪽 화살표[D] 5">
+            <a:extLst>
+              <a:ext uri="{FF2B5EF4-FFF2-40B4-BE49-F238E27FC236}">
+                <a16:creationId xmlns:a16="http://schemas.microsoft.com/office/drawing/2014/main" id="{8658D8C4-D667-16FB-BF5A-6AF6541688B8}"/>
+              </a:ext>
+            </a:extLst>
+          </p:cNvPr>
+          <p:cNvSpPr/>
+          <p:nvPr/>
+        </p:nvSpPr>
+        <p:spPr>
+          <a:xfrm>
+            <a:off x="1423400" y="2531114"/>
+            <a:ext cx="198495" cy="338554"/>
+          </a:xfrm>
+          <a:prstGeom prst="downArrow">
+            <a:avLst>
+              <a:gd name="adj1" fmla="val 37549"/>
+              <a:gd name="adj2" fmla="val 50000"/>
+            </a:avLst>
+          </a:prstGeom>
+          <a:solidFill>
+            <a:schemeClr val="tx1"/>
+          </a:solidFill>
+          <a:ln>
+            <a:noFill/>
+          </a:ln>
+        </p:spPr>
+        <p:style>
+          <a:lnRef idx="2">
+            <a:schemeClr val="accent1">
+              <a:shade val="15000"/>
+            </a:schemeClr>
+          </a:lnRef>
+          <a:fillRef idx="1">
+            <a:schemeClr val="accent1"/>
+          </a:fillRef>
+          <a:effectRef idx="0">
+            <a:schemeClr val="accent1"/>
+          </a:effectRef>
+          <a:fontRef idx="minor">
+            <a:schemeClr val="lt1"/>
+          </a:fontRef>
+        </p:style>
+        <p:txBody>
+          <a:bodyPr rtlCol="0" anchor="ctr"/>
+          <a:lstStyle/>
+          <a:p>
+            <a:pPr algn="ctr"/>
+            <a:endParaRPr kumimoji="1" lang="ko-Kore-KR" altLang="en-US" dirty="0"/>
+          </a:p>
+        </p:txBody>
+      </p:sp>
+    </p:spTree>
+    <p:extLst>
+      <p:ext uri="{BB962C8B-B14F-4D97-AF65-F5344CB8AC3E}">
+        <p14:creationId xmlns:p14="http://schemas.microsoft.com/office/powerpoint/2010/main" val="3938941724"/>
+      </p:ext>
+    </p:extLst>
+  </p:cSld>
+  <p:clrMapOvr>
+    <a:masterClrMapping/>
+  </p:clrMapOvr>
+</p:sld>
+</file>
+
+<file path=ppt/slides/slide13.xml><?xml version="1.0" encoding="utf-8"?>
+<p:sld xmlns:a="http://schemas.openxmlformats.org/drawingml/2006/main" xmlns:r="http://schemas.openxmlformats.org/officeDocument/2006/relationships" xmlns:p="http://schemas.openxmlformats.org/presentationml/2006/main">
+  <p:cSld>
+    <p:spTree>
+      <p:nvGrpSpPr>
+        <p:cNvPr id="1" name="Shape 81"/>
+        <p:cNvGrpSpPr/>
+        <p:nvPr/>
+      </p:nvGrpSpPr>
+      <p:grpSpPr>
+        <a:xfrm>
+          <a:off x="0" y="0"/>
+          <a:ext cx="0" cy="0"/>
+          <a:chOff x="0" y="0"/>
+          <a:chExt cx="0" cy="0"/>
+        </a:xfrm>
+      </p:grpSpPr>
+      <p:sp>
+        <p:nvSpPr>
+          <p:cNvPr id="2" name="직사각형 1">
+            <a:extLst>
+              <a:ext uri="{FF2B5EF4-FFF2-40B4-BE49-F238E27FC236}">
+                <a16:creationId xmlns:a16="http://schemas.microsoft.com/office/drawing/2014/main" id="{0C17AC6A-59F8-9731-C737-FC57B988DE34}"/>
+              </a:ext>
+            </a:extLst>
+          </p:cNvPr>
+          <p:cNvSpPr/>
+          <p:nvPr/>
+        </p:nvSpPr>
+        <p:spPr>
+          <a:xfrm>
+            <a:off x="4029958" y="995060"/>
+            <a:ext cx="972000" cy="972000"/>
+          </a:xfrm>
+          <a:prstGeom prst="rect">
+            <a:avLst/>
+          </a:prstGeom>
+          <a:noFill/>
+          <a:ln w="19050">
+            <a:solidFill>
+              <a:schemeClr val="tx1"/>
+            </a:solidFill>
+          </a:ln>
+        </p:spPr>
+        <p:style>
+          <a:lnRef idx="2">
+            <a:schemeClr val="accent1">
+              <a:shade val="15000"/>
+            </a:schemeClr>
+          </a:lnRef>
+          <a:fillRef idx="1">
+            <a:schemeClr val="accent1"/>
+          </a:fillRef>
+          <a:effectRef idx="0">
+            <a:schemeClr val="accent1"/>
+          </a:effectRef>
+          <a:fontRef idx="minor">
+            <a:schemeClr val="lt1"/>
+          </a:fontRef>
+        </p:style>
+        <p:txBody>
+          <a:bodyPr rtlCol="0" anchor="ctr"/>
+          <a:lstStyle/>
+          <a:p>
+            <a:pPr algn="ctr"/>
+            <a:r>
+              <a:rPr kumimoji="1" lang="en-US" altLang="ko-Kore-KR" sz="1800" dirty="0">
+                <a:solidFill>
+                  <a:schemeClr val="tx1"/>
+                </a:solidFill>
+                <a:latin typeface="Times New Roman" panose="02020603050405020304" pitchFamily="18" charset="0"/>
+                <a:ea typeface="Source Sans Pro" panose="020B0503030403020204" pitchFamily="34" charset="0"/>
+                <a:cs typeface="Times New Roman" panose="02020603050405020304" pitchFamily="18" charset="0"/>
+              </a:rPr>
+              <a:t>Encoder</a:t>
+            </a:r>
+          </a:p>
+          <a:p>
+            <a:pPr algn="ctr"/>
+            <a:endParaRPr kumimoji="1" lang="ko-Kore-KR" altLang="en-US" dirty="0">
+              <a:solidFill>
+                <a:schemeClr val="tx1"/>
+              </a:solidFill>
+              <a:latin typeface="Times New Roman" panose="02020603050405020304" pitchFamily="18" charset="0"/>
+              <a:cs typeface="Times New Roman" panose="02020603050405020304" pitchFamily="18" charset="0"/>
+            </a:endParaRPr>
+          </a:p>
+        </p:txBody>
+      </p:sp>
+      <p:pic>
+        <p:nvPicPr>
+          <p:cNvPr id="3" name="그림 2">
+            <a:extLst>
+              <a:ext uri="{FF2B5EF4-FFF2-40B4-BE49-F238E27FC236}">
+                <a16:creationId xmlns:a16="http://schemas.microsoft.com/office/drawing/2014/main" id="{E56AEE8A-1BEF-3703-F1DB-49CE8B108C2B}"/>
+              </a:ext>
+            </a:extLst>
+          </p:cNvPr>
+          <p:cNvPicPr>
+            <a:picLocks noChangeAspect="1"/>
+          </p:cNvPicPr>
+          <p:nvPr/>
+        </p:nvPicPr>
+        <p:blipFill>
+          <a:blip r:embed="rId3"/>
+          <a:stretch>
+            <a:fillRect/>
+          </a:stretch>
+        </p:blipFill>
+        <p:spPr>
+          <a:xfrm>
+            <a:off x="4473291" y="1517270"/>
+            <a:ext cx="85333" cy="144000"/>
+          </a:xfrm>
+          <a:prstGeom prst="rect">
+            <a:avLst/>
+          </a:prstGeom>
+        </p:spPr>
+      </p:pic>
+      <p:sp>
+        <p:nvSpPr>
+          <p:cNvPr id="5" name="TextBox 4">
+            <a:extLst>
+              <a:ext uri="{FF2B5EF4-FFF2-40B4-BE49-F238E27FC236}">
+                <a16:creationId xmlns:a16="http://schemas.microsoft.com/office/drawing/2014/main" id="{0D3BB70B-A1A2-5CEA-540E-B91FD1233046}"/>
+              </a:ext>
+            </a:extLst>
+          </p:cNvPr>
+          <p:cNvSpPr txBox="1"/>
+          <p:nvPr/>
+        </p:nvSpPr>
+        <p:spPr>
+          <a:xfrm>
+            <a:off x="5356016" y="718061"/>
+            <a:ext cx="997843" cy="553998"/>
+          </a:xfrm>
+          <a:prstGeom prst="rect">
+            <a:avLst/>
+          </a:prstGeom>
+          <a:noFill/>
+        </p:spPr>
+        <p:txBody>
+          <a:bodyPr wrap="square">
+            <a:spAutoFit/>
+          </a:bodyPr>
+          <a:lstStyle/>
+          <a:p>
+            <a:pPr algn="ctr"/>
+            <a:r>
+              <a:rPr kumimoji="1" lang="en-US" altLang="ko-Kore-KR" sz="1600" dirty="0">
+                <a:solidFill>
+                  <a:schemeClr val="accent1"/>
+                </a:solidFill>
+                <a:latin typeface="Times New Roman" panose="02020603050405020304" pitchFamily="18" charset="0"/>
+                <a:ea typeface="Source Sans Pro" panose="020B0503030403020204" pitchFamily="34" charset="0"/>
+                <a:cs typeface="Times New Roman" panose="02020603050405020304" pitchFamily="18" charset="0"/>
+              </a:rPr>
+              <a:t>Policy</a:t>
+            </a:r>
+          </a:p>
+          <a:p>
+            <a:pPr algn="ctr"/>
+            <a:endParaRPr lang="ko-Kore-KR" altLang="en-US" dirty="0">
+              <a:latin typeface="Times New Roman" panose="02020603050405020304" pitchFamily="18" charset="0"/>
+              <a:cs typeface="Times New Roman" panose="02020603050405020304" pitchFamily="18" charset="0"/>
+            </a:endParaRPr>
+          </a:p>
+        </p:txBody>
+      </p:sp>
+      <p:pic>
+        <p:nvPicPr>
+          <p:cNvPr id="33" name="그림 32">
+            <a:extLst>
+              <a:ext uri="{FF2B5EF4-FFF2-40B4-BE49-F238E27FC236}">
+                <a16:creationId xmlns:a16="http://schemas.microsoft.com/office/drawing/2014/main" id="{DEEFFE0F-2FE1-B49B-E7FF-AB0BB2994CA4}"/>
+              </a:ext>
+            </a:extLst>
+          </p:cNvPr>
+          <p:cNvPicPr>
+            <a:picLocks noChangeAspect="1"/>
+          </p:cNvPicPr>
+          <p:nvPr/>
+        </p:nvPicPr>
+        <p:blipFill>
+          <a:blip r:embed="rId4"/>
+          <a:stretch>
+            <a:fillRect/>
+          </a:stretch>
+        </p:blipFill>
+        <p:spPr>
+          <a:xfrm>
+            <a:off x="5428018" y="1037810"/>
+            <a:ext cx="900000" cy="220531"/>
+          </a:xfrm>
+          <a:prstGeom prst="rect">
+            <a:avLst/>
+          </a:prstGeom>
+        </p:spPr>
+      </p:pic>
+      <p:cxnSp>
+        <p:nvCxnSpPr>
+          <p:cNvPr id="34" name="직선 화살표 연결선 33">
+            <a:extLst>
+              <a:ext uri="{FF2B5EF4-FFF2-40B4-BE49-F238E27FC236}">
+                <a16:creationId xmlns:a16="http://schemas.microsoft.com/office/drawing/2014/main" id="{C2468FBF-A481-C026-3B09-3477DD729C4C}"/>
+              </a:ext>
+            </a:extLst>
+          </p:cNvPr>
+          <p:cNvCxnSpPr>
+            <a:cxnSpLocks/>
+            <a:stCxn id="2" idx="3"/>
+            <a:endCxn id="5" idx="1"/>
+          </p:cNvCxnSpPr>
+          <p:nvPr/>
+        </p:nvCxnSpPr>
+        <p:spPr>
+          <a:xfrm flipV="1">
+            <a:off x="5001958" y="995060"/>
+            <a:ext cx="354058" cy="486000"/>
+          </a:xfrm>
+          <a:prstGeom prst="straightConnector1">
+            <a:avLst/>
+          </a:prstGeom>
+          <a:ln w="19050">
+            <a:solidFill>
+              <a:schemeClr val="tx1"/>
+            </a:solidFill>
+            <a:tailEnd type="triangle"/>
+          </a:ln>
+        </p:spPr>
+        <p:style>
+          <a:lnRef idx="1">
+            <a:schemeClr val="accent1"/>
+          </a:lnRef>
+          <a:fillRef idx="0">
+            <a:schemeClr val="accent1"/>
+          </a:fillRef>
+          <a:effectRef idx="0">
+            <a:schemeClr val="accent1"/>
+          </a:effectRef>
+          <a:fontRef idx="minor">
+            <a:schemeClr val="tx1"/>
+          </a:fontRef>
+        </p:style>
+      </p:cxnSp>
+      <p:sp>
+        <p:nvSpPr>
+          <p:cNvPr id="35" name="TextBox 34">
+            <a:extLst>
+              <a:ext uri="{FF2B5EF4-FFF2-40B4-BE49-F238E27FC236}">
+                <a16:creationId xmlns:a16="http://schemas.microsoft.com/office/drawing/2014/main" id="{1D3E3E0C-7302-EF17-5066-1F0164441157}"/>
+              </a:ext>
+            </a:extLst>
+          </p:cNvPr>
+          <p:cNvSpPr txBox="1"/>
+          <p:nvPr/>
+        </p:nvSpPr>
+        <p:spPr>
+          <a:xfrm>
+            <a:off x="5356017" y="1690061"/>
+            <a:ext cx="997843" cy="553998"/>
+          </a:xfrm>
+          <a:prstGeom prst="rect">
+            <a:avLst/>
+          </a:prstGeom>
+          <a:noFill/>
+        </p:spPr>
+        <p:txBody>
+          <a:bodyPr wrap="square">
+            <a:spAutoFit/>
+          </a:bodyPr>
+          <a:lstStyle/>
+          <a:p>
+            <a:pPr algn="ctr"/>
+            <a:r>
+              <a:rPr kumimoji="1" lang="en-US" altLang="ko-Kore-KR" sz="1600" dirty="0">
+                <a:solidFill>
+                  <a:srgbClr val="FF0000"/>
+                </a:solidFill>
+                <a:latin typeface="Times New Roman" panose="02020603050405020304" pitchFamily="18" charset="0"/>
+                <a:ea typeface="Source Sans Pro" panose="020B0503030403020204" pitchFamily="34" charset="0"/>
+                <a:cs typeface="Times New Roman" panose="02020603050405020304" pitchFamily="18" charset="0"/>
+              </a:rPr>
+              <a:t>Value</a:t>
+            </a:r>
+          </a:p>
+          <a:p>
+            <a:pPr algn="ctr"/>
+            <a:endParaRPr lang="ko-Kore-KR" altLang="en-US" dirty="0">
+              <a:solidFill>
+                <a:schemeClr val="tx1">
+                  <a:alpha val="20000"/>
+                </a:schemeClr>
+              </a:solidFill>
+              <a:latin typeface="Times New Roman" panose="02020603050405020304" pitchFamily="18" charset="0"/>
+              <a:cs typeface="Times New Roman" panose="02020603050405020304" pitchFamily="18" charset="0"/>
+            </a:endParaRPr>
+          </a:p>
+        </p:txBody>
+      </p:sp>
+      <p:pic>
+        <p:nvPicPr>
+          <p:cNvPr id="36" name="그림 35">
+            <a:extLst>
+              <a:ext uri="{FF2B5EF4-FFF2-40B4-BE49-F238E27FC236}">
+                <a16:creationId xmlns:a16="http://schemas.microsoft.com/office/drawing/2014/main" id="{4D61E5CD-EDF4-ABE6-5F21-A1323987711C}"/>
+              </a:ext>
+            </a:extLst>
+          </p:cNvPr>
+          <p:cNvPicPr>
+            <a:picLocks noChangeAspect="1"/>
+          </p:cNvPicPr>
+          <p:nvPr/>
+        </p:nvPicPr>
+        <p:blipFill>
+          <a:blip r:embed="rId5">
+            <a:alphaModFix/>
+          </a:blip>
+          <a:stretch>
+            <a:fillRect/>
+          </a:stretch>
+        </p:blipFill>
+        <p:spPr>
+          <a:xfrm>
+            <a:off x="5605369" y="2002426"/>
+            <a:ext cx="499135" cy="205200"/>
+          </a:xfrm>
+          <a:prstGeom prst="rect">
+            <a:avLst/>
+          </a:prstGeom>
+        </p:spPr>
+      </p:pic>
+      <p:cxnSp>
+        <p:nvCxnSpPr>
+          <p:cNvPr id="37" name="직선 화살표 연결선 36">
+            <a:extLst>
+              <a:ext uri="{FF2B5EF4-FFF2-40B4-BE49-F238E27FC236}">
+                <a16:creationId xmlns:a16="http://schemas.microsoft.com/office/drawing/2014/main" id="{22C07C2B-E507-4CE7-806B-DA083EF02A52}"/>
+              </a:ext>
+            </a:extLst>
+          </p:cNvPr>
+          <p:cNvCxnSpPr>
+            <a:cxnSpLocks/>
+            <a:stCxn id="2" idx="3"/>
+            <a:endCxn id="35" idx="1"/>
+          </p:cNvCxnSpPr>
+          <p:nvPr/>
+        </p:nvCxnSpPr>
+        <p:spPr>
+          <a:xfrm>
+            <a:off x="5001958" y="1481060"/>
+            <a:ext cx="354059" cy="486000"/>
+          </a:xfrm>
+          <a:prstGeom prst="straightConnector1">
+            <a:avLst/>
+          </a:prstGeom>
+          <a:ln w="19050">
+            <a:solidFill>
+              <a:schemeClr val="tx1"/>
+            </a:solidFill>
+            <a:tailEnd type="triangle"/>
+          </a:ln>
+        </p:spPr>
+        <p:style>
+          <a:lnRef idx="1">
+            <a:schemeClr val="accent1"/>
+          </a:lnRef>
+          <a:fillRef idx="0">
+            <a:schemeClr val="accent1"/>
+          </a:fillRef>
+          <a:effectRef idx="0">
+            <a:schemeClr val="accent1"/>
+          </a:effectRef>
+          <a:fontRef idx="minor">
+            <a:schemeClr val="tx1"/>
+          </a:fontRef>
+        </p:style>
+      </p:cxnSp>
+      <p:cxnSp>
+        <p:nvCxnSpPr>
+          <p:cNvPr id="38" name="직선 화살표 연결선 37">
+            <a:extLst>
+              <a:ext uri="{FF2B5EF4-FFF2-40B4-BE49-F238E27FC236}">
+                <a16:creationId xmlns:a16="http://schemas.microsoft.com/office/drawing/2014/main" id="{073E87EF-D3AF-9448-26A0-5D909F86E9AC}"/>
+              </a:ext>
+            </a:extLst>
+          </p:cNvPr>
+          <p:cNvCxnSpPr>
+            <a:cxnSpLocks/>
+            <a:stCxn id="39" idx="3"/>
+            <a:endCxn id="2" idx="1"/>
+          </p:cNvCxnSpPr>
+          <p:nvPr/>
+        </p:nvCxnSpPr>
+        <p:spPr>
+          <a:xfrm>
+            <a:off x="3675898" y="1480982"/>
+            <a:ext cx="354060" cy="78"/>
+          </a:xfrm>
+          <a:prstGeom prst="straightConnector1">
+            <a:avLst/>
+          </a:prstGeom>
+          <a:ln w="19050">
+            <a:solidFill>
+              <a:schemeClr val="tx1"/>
+            </a:solidFill>
+            <a:tailEnd type="triangle"/>
+          </a:ln>
+        </p:spPr>
+        <p:style>
+          <a:lnRef idx="1">
+            <a:schemeClr val="accent1"/>
+          </a:lnRef>
+          <a:fillRef idx="0">
+            <a:schemeClr val="accent1"/>
+          </a:fillRef>
+          <a:effectRef idx="0">
+            <a:schemeClr val="accent1"/>
+          </a:effectRef>
+          <a:fontRef idx="minor">
+            <a:schemeClr val="tx1"/>
+          </a:fontRef>
+        </p:style>
+      </p:cxnSp>
+      <p:sp>
+        <p:nvSpPr>
+          <p:cNvPr id="39" name="TextBox 38">
+            <a:extLst>
+              <a:ext uri="{FF2B5EF4-FFF2-40B4-BE49-F238E27FC236}">
+                <a16:creationId xmlns:a16="http://schemas.microsoft.com/office/drawing/2014/main" id="{25D681CB-5F5D-82BD-C937-7ACA2EECC66D}"/>
+              </a:ext>
+            </a:extLst>
+          </p:cNvPr>
+          <p:cNvSpPr txBox="1"/>
+          <p:nvPr/>
+        </p:nvSpPr>
+        <p:spPr>
+          <a:xfrm>
+            <a:off x="3009912" y="1157816"/>
+            <a:ext cx="665986" cy="646331"/>
+          </a:xfrm>
+          <a:prstGeom prst="rect">
+            <a:avLst/>
+          </a:prstGeom>
+          <a:noFill/>
+        </p:spPr>
+        <p:txBody>
+          <a:bodyPr wrap="square">
+            <a:spAutoFit/>
+          </a:bodyPr>
+          <a:lstStyle/>
+          <a:p>
+            <a:pPr algn="ctr"/>
+            <a:r>
+              <a:rPr kumimoji="1" lang="en-US" altLang="ko-Kore-KR" sz="1800" dirty="0">
+                <a:solidFill>
+                  <a:schemeClr val="tx1"/>
+                </a:solidFill>
+                <a:latin typeface="Times New Roman" panose="02020603050405020304" pitchFamily="18" charset="0"/>
+                <a:ea typeface="Source Sans Pro" panose="020B0503030403020204" pitchFamily="34" charset="0"/>
+                <a:cs typeface="Times New Roman" panose="02020603050405020304" pitchFamily="18" charset="0"/>
+              </a:rPr>
+              <a:t>State</a:t>
+            </a:r>
+          </a:p>
+          <a:p>
+            <a:pPr algn="ctr"/>
+            <a:endParaRPr lang="ko-Kore-KR" altLang="en-US" sz="1800" dirty="0">
+              <a:latin typeface="Times New Roman" panose="02020603050405020304" pitchFamily="18" charset="0"/>
+              <a:cs typeface="Times New Roman" panose="02020603050405020304" pitchFamily="18" charset="0"/>
+            </a:endParaRPr>
+          </a:p>
+        </p:txBody>
+      </p:sp>
+      <p:pic>
+        <p:nvPicPr>
+          <p:cNvPr id="40" name="그림 39">
+            <a:extLst>
+              <a:ext uri="{FF2B5EF4-FFF2-40B4-BE49-F238E27FC236}">
+                <a16:creationId xmlns:a16="http://schemas.microsoft.com/office/drawing/2014/main" id="{48159A13-9EFC-8C2B-FF99-E1E0FB4EA17C}"/>
+              </a:ext>
+            </a:extLst>
+          </p:cNvPr>
+          <p:cNvPicPr>
+            <a:picLocks noChangeAspect="1"/>
+          </p:cNvPicPr>
+          <p:nvPr/>
+        </p:nvPicPr>
+        <p:blipFill>
+          <a:blip r:embed="rId6"/>
+          <a:stretch>
+            <a:fillRect/>
+          </a:stretch>
+        </p:blipFill>
+        <p:spPr>
+          <a:xfrm>
+            <a:off x="3258524" y="1490022"/>
+            <a:ext cx="189626" cy="166871"/>
+          </a:xfrm>
+          <a:prstGeom prst="rect">
+            <a:avLst/>
+          </a:prstGeom>
+        </p:spPr>
+      </p:pic>
+      <p:pic>
+        <p:nvPicPr>
+          <p:cNvPr id="48" name="그림 47" descr="지도, 지구, 세계이(가) 표시된 사진&#10;&#10;자동 생성된 설명">
+            <a:extLst>
+              <a:ext uri="{FF2B5EF4-FFF2-40B4-BE49-F238E27FC236}">
+                <a16:creationId xmlns:a16="http://schemas.microsoft.com/office/drawing/2014/main" id="{E1B98D59-EB0F-4867-844E-7EF4ED1F9271}"/>
+              </a:ext>
+            </a:extLst>
+          </p:cNvPr>
+          <p:cNvPicPr>
+            <a:picLocks noChangeAspect="1"/>
+          </p:cNvPicPr>
+          <p:nvPr/>
+        </p:nvPicPr>
+        <p:blipFill>
+          <a:blip r:embed="rId7"/>
+          <a:stretch>
+            <a:fillRect/>
+          </a:stretch>
+        </p:blipFill>
+        <p:spPr>
+          <a:xfrm>
+            <a:off x="688859" y="1130023"/>
+            <a:ext cx="720000" cy="720000"/>
+          </a:xfrm>
+          <a:prstGeom prst="rect">
+            <a:avLst/>
+          </a:prstGeom>
+        </p:spPr>
+      </p:pic>
+      <p:sp>
+        <p:nvSpPr>
+          <p:cNvPr id="49" name="모서리가 둥근 직사각형 48">
+            <a:extLst>
+              <a:ext uri="{FF2B5EF4-FFF2-40B4-BE49-F238E27FC236}">
+                <a16:creationId xmlns:a16="http://schemas.microsoft.com/office/drawing/2014/main" id="{F5C711F4-654C-6D6C-BFCB-594C00E4EC5E}"/>
+              </a:ext>
+            </a:extLst>
+          </p:cNvPr>
+          <p:cNvSpPr/>
+          <p:nvPr/>
+        </p:nvSpPr>
+        <p:spPr>
+          <a:xfrm>
+            <a:off x="1524481" y="1066982"/>
+            <a:ext cx="828000" cy="828000"/>
+          </a:xfrm>
+          <a:prstGeom prst="roundRect">
+            <a:avLst/>
+          </a:prstGeom>
+          <a:noFill/>
+          <a:ln w="19050">
+            <a:solidFill>
+              <a:schemeClr val="tx1"/>
+            </a:solidFill>
+          </a:ln>
+        </p:spPr>
+        <p:style>
+          <a:lnRef idx="2">
+            <a:schemeClr val="accent1">
+              <a:shade val="15000"/>
+            </a:schemeClr>
+          </a:lnRef>
+          <a:fillRef idx="1">
+            <a:schemeClr val="accent1"/>
+          </a:fillRef>
+          <a:effectRef idx="0">
+            <a:schemeClr val="accent1"/>
+          </a:effectRef>
+          <a:fontRef idx="minor">
+            <a:schemeClr val="lt1"/>
+          </a:fontRef>
+        </p:style>
+        <p:txBody>
+          <a:bodyPr rtlCol="0" anchor="ctr"/>
+          <a:lstStyle/>
+          <a:p>
+            <a:pPr algn="ctr"/>
+            <a:r>
+              <a:rPr kumimoji="1" lang="en-US" altLang="ko-Kore-KR" sz="1800" dirty="0">
+                <a:solidFill>
+                  <a:schemeClr val="tx1"/>
+                </a:solidFill>
+                <a:latin typeface="Times New Roman" panose="02020603050405020304" pitchFamily="18" charset="0"/>
+                <a:ea typeface="Source Sans Pro" panose="020B0503030403020204" pitchFamily="34" charset="0"/>
+                <a:cs typeface="Times New Roman" panose="02020603050405020304" pitchFamily="18" charset="0"/>
+              </a:rPr>
+              <a:t>Agent</a:t>
+            </a:r>
+            <a:r>
+              <a:rPr kumimoji="1" lang="en-US" altLang="ko-Kore-KR" dirty="0">
+                <a:solidFill>
+                  <a:schemeClr val="tx1"/>
+                </a:solidFill>
+                <a:latin typeface="Times New Roman" panose="02020603050405020304" pitchFamily="18" charset="0"/>
+                <a:ea typeface="Source Sans Pro" panose="020B0503030403020204" pitchFamily="34" charset="0"/>
+                <a:cs typeface="Times New Roman" panose="02020603050405020304" pitchFamily="18" charset="0"/>
+              </a:rPr>
+              <a:t> </a:t>
+            </a:r>
+          </a:p>
+        </p:txBody>
+      </p:sp>
+      <p:pic>
+        <p:nvPicPr>
+          <p:cNvPr id="50" name="그림 49">
+            <a:extLst>
+              <a:ext uri="{FF2B5EF4-FFF2-40B4-BE49-F238E27FC236}">
+                <a16:creationId xmlns:a16="http://schemas.microsoft.com/office/drawing/2014/main" id="{BF27BC35-289E-4E54-0016-F1A8126FE9CB}"/>
+              </a:ext>
+            </a:extLst>
+          </p:cNvPr>
+          <p:cNvPicPr>
+            <a:picLocks noChangeAspect="1"/>
+          </p:cNvPicPr>
+          <p:nvPr/>
+        </p:nvPicPr>
+        <p:blipFill>
+          <a:blip r:embed="rId8"/>
+          <a:stretch>
+            <a:fillRect/>
+          </a:stretch>
+        </p:blipFill>
+        <p:spPr>
+          <a:xfrm>
+            <a:off x="1048858" y="2081106"/>
+            <a:ext cx="889623" cy="212362"/>
+          </a:xfrm>
+          <a:prstGeom prst="rect">
+            <a:avLst/>
+          </a:prstGeom>
+        </p:spPr>
+      </p:pic>
+      <p:cxnSp>
+        <p:nvCxnSpPr>
+          <p:cNvPr id="51" name="꺾인 연결선[E] 50">
+            <a:extLst>
+              <a:ext uri="{FF2B5EF4-FFF2-40B4-BE49-F238E27FC236}">
+                <a16:creationId xmlns:a16="http://schemas.microsoft.com/office/drawing/2014/main" id="{EEF4BBD7-8FB2-610B-84F8-5AC593131DEC}"/>
+              </a:ext>
+            </a:extLst>
+          </p:cNvPr>
+          <p:cNvCxnSpPr>
+            <a:cxnSpLocks/>
+            <a:stCxn id="48" idx="0"/>
+            <a:endCxn id="49" idx="0"/>
+          </p:cNvCxnSpPr>
+          <p:nvPr/>
+        </p:nvCxnSpPr>
+        <p:spPr>
+          <a:xfrm rot="5400000" flipH="1" flipV="1">
+            <a:off x="1462150" y="653692"/>
+            <a:ext cx="63041" cy="889622"/>
+          </a:xfrm>
+          <a:prstGeom prst="bentConnector3">
+            <a:avLst>
+              <a:gd name="adj1" fmla="val 325407"/>
+            </a:avLst>
+          </a:prstGeom>
+          <a:ln w="19050">
+            <a:solidFill>
+              <a:schemeClr val="tx1"/>
+            </a:solidFill>
+            <a:tailEnd type="triangle"/>
+          </a:ln>
+        </p:spPr>
+        <p:style>
+          <a:lnRef idx="1">
+            <a:schemeClr val="accent1"/>
+          </a:lnRef>
+          <a:fillRef idx="0">
+            <a:schemeClr val="accent1"/>
+          </a:fillRef>
+          <a:effectRef idx="0">
+            <a:schemeClr val="accent1"/>
+          </a:effectRef>
+          <a:fontRef idx="minor">
+            <a:schemeClr val="tx1"/>
+          </a:fontRef>
+        </p:style>
+      </p:cxnSp>
+      <p:cxnSp>
+        <p:nvCxnSpPr>
+          <p:cNvPr id="52" name="꺾인 연결선[E] 51">
+            <a:extLst>
+              <a:ext uri="{FF2B5EF4-FFF2-40B4-BE49-F238E27FC236}">
+                <a16:creationId xmlns:a16="http://schemas.microsoft.com/office/drawing/2014/main" id="{36AB393E-EF5C-2353-ED98-AF943C892131}"/>
+              </a:ext>
+            </a:extLst>
+          </p:cNvPr>
+          <p:cNvCxnSpPr>
+            <a:cxnSpLocks/>
+            <a:stCxn id="49" idx="2"/>
+            <a:endCxn id="48" idx="2"/>
+          </p:cNvCxnSpPr>
+          <p:nvPr/>
+        </p:nvCxnSpPr>
+        <p:spPr>
+          <a:xfrm rot="5400000" flipH="1">
+            <a:off x="1471190" y="1427692"/>
+            <a:ext cx="44959" cy="889622"/>
+          </a:xfrm>
+          <a:prstGeom prst="bentConnector3">
+            <a:avLst>
+              <a:gd name="adj1" fmla="val -302329"/>
+            </a:avLst>
+          </a:prstGeom>
+          <a:ln w="19050">
+            <a:solidFill>
+              <a:schemeClr val="tx1"/>
+            </a:solidFill>
+            <a:tailEnd type="triangle"/>
+          </a:ln>
+        </p:spPr>
+        <p:style>
+          <a:lnRef idx="1">
+            <a:schemeClr val="accent1"/>
+          </a:lnRef>
+          <a:fillRef idx="0">
+            <a:schemeClr val="accent1"/>
+          </a:fillRef>
+          <a:effectRef idx="0">
+            <a:schemeClr val="accent1"/>
+          </a:effectRef>
+          <a:fontRef idx="minor">
+            <a:schemeClr val="tx1"/>
+          </a:fontRef>
+        </p:style>
+      </p:cxnSp>
+      <p:pic>
+        <p:nvPicPr>
+          <p:cNvPr id="53" name="그림 52">
+            <a:extLst>
+              <a:ext uri="{FF2B5EF4-FFF2-40B4-BE49-F238E27FC236}">
+                <a16:creationId xmlns:a16="http://schemas.microsoft.com/office/drawing/2014/main" id="{C4F0EF64-06D2-BD8C-B0E6-55D8F0E9DB76}"/>
+              </a:ext>
+            </a:extLst>
+          </p:cNvPr>
+          <p:cNvPicPr>
+            <a:picLocks noChangeAspect="1"/>
+          </p:cNvPicPr>
+          <p:nvPr/>
+        </p:nvPicPr>
+        <p:blipFill>
+          <a:blip r:embed="rId9"/>
+          <a:stretch>
+            <a:fillRect/>
+          </a:stretch>
+        </p:blipFill>
+        <p:spPr>
+          <a:xfrm>
+            <a:off x="1048858" y="619165"/>
+            <a:ext cx="889623" cy="249364"/>
+          </a:xfrm>
+          <a:prstGeom prst="rect">
+            <a:avLst/>
+          </a:prstGeom>
+        </p:spPr>
+      </p:pic>
+      <p:sp>
+        <p:nvSpPr>
+          <p:cNvPr id="54" name="모서리가 둥근 직사각형 53">
+            <a:extLst>
+              <a:ext uri="{FF2B5EF4-FFF2-40B4-BE49-F238E27FC236}">
+                <a16:creationId xmlns:a16="http://schemas.microsoft.com/office/drawing/2014/main" id="{AE603A07-A0AE-FC7F-9AF3-EE6FF3327535}"/>
+              </a:ext>
+            </a:extLst>
+          </p:cNvPr>
+          <p:cNvSpPr/>
+          <p:nvPr/>
+        </p:nvSpPr>
+        <p:spPr>
+          <a:xfrm>
+            <a:off x="588481" y="544982"/>
+            <a:ext cx="1872000" cy="1872000"/>
+          </a:xfrm>
+          <a:prstGeom prst="roundRect">
+            <a:avLst/>
+          </a:prstGeom>
+          <a:noFill/>
+          <a:ln w="19050">
+            <a:solidFill>
+              <a:schemeClr val="tx1"/>
+            </a:solidFill>
+          </a:ln>
+        </p:spPr>
+        <p:style>
+          <a:lnRef idx="2">
+            <a:schemeClr val="accent1">
+              <a:shade val="15000"/>
+            </a:schemeClr>
+          </a:lnRef>
+          <a:fillRef idx="1">
+            <a:schemeClr val="accent1"/>
+          </a:fillRef>
+          <a:effectRef idx="0">
+            <a:schemeClr val="accent1"/>
+          </a:effectRef>
+          <a:fontRef idx="minor">
+            <a:schemeClr val="lt1"/>
+          </a:fontRef>
+        </p:style>
+        <p:txBody>
+          <a:bodyPr rtlCol="0" anchor="ctr"/>
+          <a:lstStyle/>
+          <a:p>
+            <a:pPr algn="ctr"/>
+            <a:endParaRPr kumimoji="1" lang="ko-Kore-KR" altLang="en-US" sz="1800" dirty="0">
+              <a:solidFill>
+                <a:schemeClr val="tx1"/>
+              </a:solidFill>
+              <a:latin typeface="Source Sans Pro" panose="020B0503030403020204" pitchFamily="34" charset="0"/>
+            </a:endParaRPr>
+          </a:p>
+        </p:txBody>
+      </p:sp>
+      <p:sp>
+        <p:nvSpPr>
+          <p:cNvPr id="25" name="TextBox 24">
+            <a:extLst>
+              <a:ext uri="{FF2B5EF4-FFF2-40B4-BE49-F238E27FC236}">
+                <a16:creationId xmlns:a16="http://schemas.microsoft.com/office/drawing/2014/main" id="{9C7F1AE5-4391-4073-F59D-DC2A1915BDE9}"/>
+              </a:ext>
+            </a:extLst>
+          </p:cNvPr>
+          <p:cNvSpPr txBox="1"/>
+          <p:nvPr/>
+        </p:nvSpPr>
+        <p:spPr>
+          <a:xfrm>
+            <a:off x="128855" y="115348"/>
+            <a:ext cx="1820057" cy="400110"/>
+          </a:xfrm>
+          <a:prstGeom prst="rect">
+            <a:avLst/>
+          </a:prstGeom>
+          <a:noFill/>
+        </p:spPr>
+        <p:txBody>
+          <a:bodyPr wrap="square">
+            <a:spAutoFit/>
+          </a:bodyPr>
+          <a:lstStyle/>
+          <a:p>
+            <a:r>
+              <a:rPr kumimoji="1" lang="en-US" altLang="ko-Kore-KR" sz="2000" b="1" dirty="0">
+                <a:solidFill>
+                  <a:schemeClr val="tx1"/>
+                </a:solidFill>
+                <a:latin typeface="Times New Roman" panose="02020603050405020304" pitchFamily="18" charset="0"/>
+                <a:ea typeface="Source Sans Pro" panose="020B0503030403020204" pitchFamily="34" charset="0"/>
+                <a:cs typeface="Times New Roman" panose="02020603050405020304" pitchFamily="18" charset="0"/>
+              </a:rPr>
+              <a:t>Policy Phase </a:t>
+            </a:r>
+          </a:p>
+        </p:txBody>
+      </p:sp>
+      <p:sp>
+        <p:nvSpPr>
+          <p:cNvPr id="73" name="TextBox 72">
+            <a:extLst>
+              <a:ext uri="{FF2B5EF4-FFF2-40B4-BE49-F238E27FC236}">
+                <a16:creationId xmlns:a16="http://schemas.microsoft.com/office/drawing/2014/main" id="{4B982F0A-B2D5-F009-80F9-C29E87C1563D}"/>
+              </a:ext>
+            </a:extLst>
+          </p:cNvPr>
+          <p:cNvSpPr txBox="1"/>
+          <p:nvPr/>
+        </p:nvSpPr>
+        <p:spPr>
+          <a:xfrm>
+            <a:off x="128855" y="2469558"/>
+            <a:ext cx="1820057" cy="400110"/>
+          </a:xfrm>
+          <a:prstGeom prst="rect">
+            <a:avLst/>
+          </a:prstGeom>
+          <a:noFill/>
+        </p:spPr>
+        <p:txBody>
+          <a:bodyPr wrap="square">
+            <a:spAutoFit/>
+          </a:bodyPr>
+          <a:lstStyle/>
+          <a:p>
+            <a:r>
+              <a:rPr kumimoji="1" lang="en-US" altLang="ko-Kore-KR" sz="2000" b="1" dirty="0">
+                <a:solidFill>
+                  <a:schemeClr val="tx1"/>
+                </a:solidFill>
+                <a:latin typeface="Times New Roman" panose="02020603050405020304" pitchFamily="18" charset="0"/>
+                <a:ea typeface="Source Sans Pro" panose="020B0503030403020204" pitchFamily="34" charset="0"/>
+                <a:cs typeface="Times New Roman" panose="02020603050405020304" pitchFamily="18" charset="0"/>
+              </a:rPr>
+              <a:t>Aux Phase </a:t>
+            </a:r>
+          </a:p>
+        </p:txBody>
+      </p:sp>
+      <p:sp>
+        <p:nvSpPr>
+          <p:cNvPr id="86" name="원통[C] 85">
+            <a:extLst>
+              <a:ext uri="{FF2B5EF4-FFF2-40B4-BE49-F238E27FC236}">
+                <a16:creationId xmlns:a16="http://schemas.microsoft.com/office/drawing/2014/main" id="{91EC83EA-908D-A140-EB93-0EEE7FB84482}"/>
+              </a:ext>
+            </a:extLst>
+          </p:cNvPr>
+          <p:cNvSpPr/>
+          <p:nvPr/>
+        </p:nvSpPr>
+        <p:spPr>
+          <a:xfrm>
+            <a:off x="1071510" y="2970816"/>
+            <a:ext cx="900000" cy="900000"/>
+          </a:xfrm>
+          <a:prstGeom prst="can">
+            <a:avLst/>
+          </a:prstGeom>
+          <a:solidFill>
+            <a:schemeClr val="accent1">
+              <a:lumMod val="60000"/>
+              <a:lumOff val="40000"/>
+            </a:schemeClr>
+          </a:solidFill>
+        </p:spPr>
+        <p:style>
+          <a:lnRef idx="2">
+            <a:schemeClr val="accent1">
+              <a:shade val="15000"/>
+            </a:schemeClr>
+          </a:lnRef>
+          <a:fillRef idx="1">
+            <a:schemeClr val="accent1"/>
+          </a:fillRef>
+          <a:effectRef idx="0">
+            <a:schemeClr val="accent1"/>
+          </a:effectRef>
+          <a:fontRef idx="minor">
+            <a:schemeClr val="lt1"/>
+          </a:fontRef>
+        </p:style>
+        <p:txBody>
+          <a:bodyPr rtlCol="0" anchor="ctr"/>
+          <a:lstStyle/>
+          <a:p>
+            <a:pPr algn="ctr"/>
+            <a:r>
+              <a:rPr kumimoji="1" lang="en-US" altLang="ko-Kore-KR" sz="1800" dirty="0">
+                <a:solidFill>
+                  <a:schemeClr val="tx1"/>
+                </a:solidFill>
+                <a:latin typeface="Times New Roman" panose="02020603050405020304" pitchFamily="18" charset="0"/>
+                <a:ea typeface="Source Sans Pro" panose="020B0503030403020204" pitchFamily="34" charset="0"/>
+                <a:cs typeface="Times New Roman" panose="02020603050405020304" pitchFamily="18" charset="0"/>
+              </a:rPr>
+              <a:t>Buffer</a:t>
+            </a:r>
+            <a:endParaRPr kumimoji="1" lang="ko-Kore-KR" altLang="en-US" sz="1800" dirty="0">
+              <a:solidFill>
+                <a:schemeClr val="tx1"/>
+              </a:solidFill>
+              <a:latin typeface="Times New Roman" panose="02020603050405020304" pitchFamily="18" charset="0"/>
+              <a:cs typeface="Times New Roman" panose="02020603050405020304" pitchFamily="18" charset="0"/>
+            </a:endParaRPr>
+          </a:p>
+        </p:txBody>
+      </p:sp>
+      <p:sp>
+        <p:nvSpPr>
           <p:cNvPr id="115" name="직사각형 114">
             <a:extLst>
               <a:ext uri="{FF2B5EF4-FFF2-40B4-BE49-F238E27FC236}">
@@ -12955,7 +14704,7 @@
 </p:sld>
 </file>
 
-<file path=ppt/slides/slide13.xml><?xml version="1.0" encoding="utf-8"?>
+<file path=ppt/slides/slide14.xml><?xml version="1.0" encoding="utf-8"?>
 <p:sld xmlns:a="http://schemas.openxmlformats.org/drawingml/2006/main" xmlns:r="http://schemas.openxmlformats.org/officeDocument/2006/relationships" xmlns:p="http://schemas.openxmlformats.org/presentationml/2006/main">
   <p:cSld>
     <p:spTree>
@@ -27748,8 +29497,8 @@
         </p:nvSpPr>
         <p:spPr>
           <a:xfrm>
-            <a:off x="3046722" y="2691485"/>
-            <a:ext cx="3360256" cy="1492019"/>
+            <a:off x="3046722" y="544983"/>
+            <a:ext cx="3360256" cy="3638522"/>
           </a:xfrm>
           <a:prstGeom prst="rect">
             <a:avLst/>

--- a/images/moon22neurips.pptx
+++ b/images/moon22neurips.pptx
@@ -27,7 +27,7 @@
   <p:notesSz cx="6858000" cy="9144000"/>
   <p:embeddedFontLst>
     <p:embeddedFont>
-      <p:font typeface="Source Sans Pro" panose="020B0503030403020204" pitchFamily="34" charset="0"/>
+      <p:font typeface="Calibri" panose="020F0502020204030204" pitchFamily="34" charset="0"/>
       <p:regular r:id="rId17"/>
       <p:bold r:id="rId18"/>
       <p:italic r:id="rId19"/>
@@ -6593,21 +6593,21 @@
                 <a:solidFill>
                   <a:schemeClr val="tx1"/>
                 </a:solidFill>
-                <a:latin typeface="Times New Roman" panose="02020603050405020304" pitchFamily="18" charset="0"/>
+                <a:latin typeface="Calibri" panose="020F0502020204030204" pitchFamily="34" charset="0"/>
                 <a:ea typeface="Source Sans Pro" panose="020B0503030403020204" pitchFamily="34" charset="0"/>
-                <a:cs typeface="Times New Roman" panose="02020603050405020304" pitchFamily="18" charset="0"/>
+                <a:cs typeface="Calibri" panose="020F0502020204030204" pitchFamily="34" charset="0"/>
               </a:rPr>
               <a:t>Encoder</a:t>
             </a:r>
           </a:p>
           <a:p>
             <a:pPr algn="ctr"/>
-            <a:endParaRPr kumimoji="1" lang="ko-Kore-KR" altLang="en-US" dirty="0">
+            <a:endParaRPr kumimoji="1" lang="ko-Kore-KR" altLang="en-US" sz="1800" dirty="0">
               <a:solidFill>
                 <a:schemeClr val="tx1"/>
               </a:solidFill>
-              <a:latin typeface="Times New Roman" panose="02020603050405020304" pitchFamily="18" charset="0"/>
-              <a:cs typeface="Times New Roman" panose="02020603050405020304" pitchFamily="18" charset="0"/>
+              <a:latin typeface="Calibri" panose="020F0502020204030204" pitchFamily="34" charset="0"/>
+              <a:cs typeface="Calibri" panose="020F0502020204030204" pitchFamily="34" charset="0"/>
             </a:endParaRPr>
           </a:p>
         </p:txBody>
@@ -6657,7 +6657,7 @@
         <p:spPr>
           <a:xfrm>
             <a:off x="5356016" y="718061"/>
-            <a:ext cx="997843" cy="553998"/>
+            <a:ext cx="997843" cy="646331"/>
           </a:xfrm>
           <a:prstGeom prst="rect">
             <a:avLst/>
@@ -6672,22 +6672,22 @@
           <a:p>
             <a:pPr algn="ctr"/>
             <a:r>
-              <a:rPr kumimoji="1" lang="en-US" altLang="ko-Kore-KR" sz="1600" dirty="0">
+              <a:rPr kumimoji="1" lang="en-US" altLang="ko-Kore-KR" sz="1800" dirty="0">
                 <a:solidFill>
                   <a:schemeClr val="accent1"/>
                 </a:solidFill>
-                <a:latin typeface="Times New Roman" panose="02020603050405020304" pitchFamily="18" charset="0"/>
+                <a:latin typeface="Calibri" panose="020F0502020204030204" pitchFamily="34" charset="0"/>
                 <a:ea typeface="Source Sans Pro" panose="020B0503030403020204" pitchFamily="34" charset="0"/>
-                <a:cs typeface="Times New Roman" panose="02020603050405020304" pitchFamily="18" charset="0"/>
+                <a:cs typeface="Calibri" panose="020F0502020204030204" pitchFamily="34" charset="0"/>
               </a:rPr>
               <a:t>Policy</a:t>
             </a:r>
           </a:p>
           <a:p>
             <a:pPr algn="ctr"/>
-            <a:endParaRPr lang="ko-Kore-KR" altLang="en-US" dirty="0">
-              <a:latin typeface="Times New Roman" panose="02020603050405020304" pitchFamily="18" charset="0"/>
-              <a:cs typeface="Times New Roman" panose="02020603050405020304" pitchFamily="18" charset="0"/>
+            <a:endParaRPr lang="ko-Kore-KR" altLang="en-US" sz="1800" dirty="0">
+              <a:latin typeface="Calibri" panose="020F0502020204030204" pitchFamily="34" charset="0"/>
+              <a:cs typeface="Calibri" panose="020F0502020204030204" pitchFamily="34" charset="0"/>
             </a:endParaRPr>
           </a:p>
         </p:txBody>
@@ -6740,8 +6740,8 @@
         </p:nvCxnSpPr>
         <p:spPr>
           <a:xfrm flipV="1">
-            <a:off x="5001958" y="995060"/>
-            <a:ext cx="354058" cy="486000"/>
+            <a:off x="5001958" y="1041227"/>
+            <a:ext cx="354058" cy="439833"/>
           </a:xfrm>
           <a:prstGeom prst="straightConnector1">
             <a:avLst/>
@@ -6783,7 +6783,7 @@
         <p:spPr>
           <a:xfrm>
             <a:off x="5356017" y="1690061"/>
-            <a:ext cx="997843" cy="553998"/>
+            <a:ext cx="997843" cy="646331"/>
           </a:xfrm>
           <a:prstGeom prst="rect">
             <a:avLst/>
@@ -6798,27 +6798,27 @@
           <a:p>
             <a:pPr algn="ctr"/>
             <a:r>
-              <a:rPr kumimoji="1" lang="en-US" altLang="ko-Kore-KR" sz="1600" dirty="0">
+              <a:rPr kumimoji="1" lang="en-US" altLang="ko-Kore-KR" sz="1800" dirty="0">
                 <a:solidFill>
                   <a:srgbClr val="FF0000"/>
                 </a:solidFill>
-                <a:latin typeface="Times New Roman" panose="02020603050405020304" pitchFamily="18" charset="0"/>
+                <a:latin typeface="Calibri" panose="020F0502020204030204" pitchFamily="34" charset="0"/>
                 <a:ea typeface="Source Sans Pro" panose="020B0503030403020204" pitchFamily="34" charset="0"/>
-                <a:cs typeface="Times New Roman" panose="02020603050405020304" pitchFamily="18" charset="0"/>
+                <a:cs typeface="Calibri" panose="020F0502020204030204" pitchFamily="34" charset="0"/>
               </a:rPr>
               <a:t>Value</a:t>
             </a:r>
           </a:p>
           <a:p>
             <a:pPr algn="ctr"/>
-            <a:endParaRPr lang="ko-Kore-KR" altLang="en-US" dirty="0">
+            <a:endParaRPr lang="ko-Kore-KR" altLang="en-US" sz="1800" dirty="0">
               <a:solidFill>
                 <a:schemeClr val="tx1">
                   <a:alpha val="20000"/>
                 </a:schemeClr>
               </a:solidFill>
-              <a:latin typeface="Times New Roman" panose="02020603050405020304" pitchFamily="18" charset="0"/>
-              <a:cs typeface="Times New Roman" panose="02020603050405020304" pitchFamily="18" charset="0"/>
+              <a:latin typeface="Calibri" panose="020F0502020204030204" pitchFamily="34" charset="0"/>
+              <a:cs typeface="Calibri" panose="020F0502020204030204" pitchFamily="34" charset="0"/>
             </a:endParaRPr>
           </a:p>
         </p:txBody>
@@ -6874,7 +6874,7 @@
         <p:spPr>
           <a:xfrm>
             <a:off x="5001958" y="1481060"/>
-            <a:ext cx="354059" cy="486000"/>
+            <a:ext cx="354059" cy="532167"/>
           </a:xfrm>
           <a:prstGeom prst="straightConnector1">
             <a:avLst/>
@@ -6981,9 +6981,9 @@
                 <a:solidFill>
                   <a:schemeClr val="tx1"/>
                 </a:solidFill>
-                <a:latin typeface="Times New Roman" panose="02020603050405020304" pitchFamily="18" charset="0"/>
+                <a:latin typeface="Calibri" panose="020F0502020204030204" pitchFamily="34" charset="0"/>
                 <a:ea typeface="Source Sans Pro" panose="020B0503030403020204" pitchFamily="34" charset="0"/>
-                <a:cs typeface="Times New Roman" panose="02020603050405020304" pitchFamily="18" charset="0"/>
+                <a:cs typeface="Calibri" panose="020F0502020204030204" pitchFamily="34" charset="0"/>
               </a:rPr>
               <a:t>State</a:t>
             </a:r>
@@ -6991,8 +6991,8 @@
           <a:p>
             <a:pPr algn="ctr"/>
             <a:endParaRPr lang="ko-Kore-KR" altLang="en-US" sz="1800" dirty="0">
-              <a:latin typeface="Times New Roman" panose="02020603050405020304" pitchFamily="18" charset="0"/>
-              <a:cs typeface="Times New Roman" panose="02020603050405020304" pitchFamily="18" charset="0"/>
+              <a:latin typeface="Calibri" panose="020F0502020204030204" pitchFamily="34" charset="0"/>
+              <a:cs typeface="Calibri" panose="020F0502020204030204" pitchFamily="34" charset="0"/>
             </a:endParaRPr>
           </a:p>
         </p:txBody>
@@ -7110,9 +7110,9 @@
                 <a:solidFill>
                   <a:schemeClr val="tx1"/>
                 </a:solidFill>
-                <a:latin typeface="Times New Roman" panose="02020603050405020304" pitchFamily="18" charset="0"/>
+                <a:latin typeface="Calibri" panose="020F0502020204030204" pitchFamily="34" charset="0"/>
                 <a:ea typeface="Source Sans Pro" panose="020B0503030403020204" pitchFamily="34" charset="0"/>
-                <a:cs typeface="Times New Roman" panose="02020603050405020304" pitchFamily="18" charset="0"/>
+                <a:cs typeface="Calibri" panose="020F0502020204030204" pitchFamily="34" charset="0"/>
               </a:rPr>
               <a:t>Agent</a:t>
             </a:r>
@@ -7121,9 +7121,9 @@
                 <a:solidFill>
                   <a:schemeClr val="tx1"/>
                 </a:solidFill>
-                <a:latin typeface="Times New Roman" panose="02020603050405020304" pitchFamily="18" charset="0"/>
+                <a:latin typeface="Calibri" panose="020F0502020204030204" pitchFamily="34" charset="0"/>
                 <a:ea typeface="Source Sans Pro" panose="020B0503030403020204" pitchFamily="34" charset="0"/>
-                <a:cs typeface="Times New Roman" panose="02020603050405020304" pitchFamily="18" charset="0"/>
+                <a:cs typeface="Calibri" panose="020F0502020204030204" pitchFamily="34" charset="0"/>
               </a:rPr>
               <a:t> </a:t>
             </a:r>
@@ -7338,7 +7338,8 @@
               <a:solidFill>
                 <a:schemeClr val="tx1"/>
               </a:solidFill>
-              <a:latin typeface="Source Sans Pro" panose="020B0503030403020204" pitchFamily="34" charset="0"/>
+              <a:latin typeface="Calibri" panose="020F0502020204030204" pitchFamily="34" charset="0"/>
+              <a:cs typeface="Calibri" panose="020F0502020204030204" pitchFamily="34" charset="0"/>
             </a:endParaRPr>
           </a:p>
         </p:txBody>
@@ -7376,9 +7377,9 @@
                 <a:solidFill>
                   <a:schemeClr val="tx1"/>
                 </a:solidFill>
-                <a:latin typeface="Times New Roman" panose="02020603050405020304" pitchFamily="18" charset="0"/>
+                <a:latin typeface="Calibri" panose="020F0502020204030204" pitchFamily="34" charset="0"/>
                 <a:ea typeface="Source Sans Pro" panose="020B0503030403020204" pitchFamily="34" charset="0"/>
-                <a:cs typeface="Times New Roman" panose="02020603050405020304" pitchFamily="18" charset="0"/>
+                <a:cs typeface="Calibri" panose="020F0502020204030204" pitchFamily="34" charset="0"/>
               </a:rPr>
               <a:t>Policy Phase </a:t>
             </a:r>
@@ -7418,9 +7419,9 @@
                 <a:solidFill>
                   <a:schemeClr val="tx1"/>
                 </a:solidFill>
-                <a:latin typeface="Times New Roman" panose="02020603050405020304" pitchFamily="18" charset="0"/>
+                <a:latin typeface="Calibri" panose="020F0502020204030204" pitchFamily="34" charset="0"/>
                 <a:ea typeface="Source Sans Pro" panose="020B0503030403020204" pitchFamily="34" charset="0"/>
-                <a:cs typeface="Times New Roman" panose="02020603050405020304" pitchFamily="18" charset="0"/>
+                <a:cs typeface="Calibri" panose="020F0502020204030204" pitchFamily="34" charset="0"/>
               </a:rPr>
               <a:t>Aux Phase </a:t>
             </a:r>
@@ -7475,9 +7476,9 @@
                 <a:solidFill>
                   <a:schemeClr val="tx1"/>
                 </a:solidFill>
-                <a:latin typeface="Times New Roman" panose="02020603050405020304" pitchFamily="18" charset="0"/>
+                <a:latin typeface="Calibri" panose="020F0502020204030204" pitchFamily="34" charset="0"/>
                 <a:ea typeface="Source Sans Pro" panose="020B0503030403020204" pitchFamily="34" charset="0"/>
-                <a:cs typeface="Times New Roman" panose="02020603050405020304" pitchFamily="18" charset="0"/>
+                <a:cs typeface="Calibri" panose="020F0502020204030204" pitchFamily="34" charset="0"/>
               </a:rPr>
               <a:t>Buffer</a:t>
             </a:r>
@@ -7485,8 +7486,8 @@
               <a:solidFill>
                 <a:schemeClr val="tx1"/>
               </a:solidFill>
-              <a:latin typeface="Times New Roman" panose="02020603050405020304" pitchFamily="18" charset="0"/>
-              <a:cs typeface="Times New Roman" panose="02020603050405020304" pitchFamily="18" charset="0"/>
+              <a:latin typeface="Calibri" panose="020F0502020204030204" pitchFamily="34" charset="0"/>
+              <a:cs typeface="Calibri" panose="020F0502020204030204" pitchFamily="34" charset="0"/>
             </a:endParaRPr>
           </a:p>
         </p:txBody>
@@ -7541,7 +7542,10 @@
           <a:lstStyle/>
           <a:p>
             <a:pPr algn="ctr"/>
-            <a:endParaRPr kumimoji="1" lang="ko-Kore-KR" altLang="en-US" dirty="0"/>
+            <a:endParaRPr kumimoji="1" lang="ko-Kore-KR" altLang="en-US" dirty="0">
+              <a:latin typeface="Calibri" panose="020F0502020204030204" pitchFamily="34" charset="0"/>
+              <a:cs typeface="Calibri" panose="020F0502020204030204" pitchFamily="34" charset="0"/>
+            </a:endParaRPr>
           </a:p>
         </p:txBody>
       </p:sp>
@@ -7598,21 +7602,21 @@
                 <a:solidFill>
                   <a:schemeClr val="tx1"/>
                 </a:solidFill>
-                <a:latin typeface="Times New Roman" panose="02020603050405020304" pitchFamily="18" charset="0"/>
+                <a:latin typeface="Calibri" panose="020F0502020204030204" pitchFamily="34" charset="0"/>
                 <a:ea typeface="Source Sans Pro" panose="020B0503030403020204" pitchFamily="34" charset="0"/>
-                <a:cs typeface="Times New Roman" panose="02020603050405020304" pitchFamily="18" charset="0"/>
+                <a:cs typeface="Calibri" panose="020F0502020204030204" pitchFamily="34" charset="0"/>
               </a:rPr>
               <a:t>Encoder</a:t>
             </a:r>
           </a:p>
           <a:p>
             <a:pPr algn="ctr"/>
-            <a:endParaRPr kumimoji="1" lang="ko-Kore-KR" altLang="en-US" dirty="0">
+            <a:endParaRPr kumimoji="1" lang="ko-Kore-KR" altLang="en-US" sz="1800" dirty="0">
               <a:solidFill>
                 <a:schemeClr val="tx1"/>
               </a:solidFill>
-              <a:latin typeface="Times New Roman" panose="02020603050405020304" pitchFamily="18" charset="0"/>
-              <a:cs typeface="Times New Roman" panose="02020603050405020304" pitchFamily="18" charset="0"/>
+              <a:latin typeface="Calibri" panose="020F0502020204030204" pitchFamily="34" charset="0"/>
+              <a:cs typeface="Calibri" panose="020F0502020204030204" pitchFamily="34" charset="0"/>
             </a:endParaRPr>
           </a:p>
         </p:txBody>
@@ -7662,7 +7666,7 @@
         <p:spPr>
           <a:xfrm>
             <a:off x="5356016" y="2657896"/>
-            <a:ext cx="997843" cy="553998"/>
+            <a:ext cx="997843" cy="646331"/>
           </a:xfrm>
           <a:prstGeom prst="rect">
             <a:avLst/>
@@ -7677,22 +7681,22 @@
           <a:p>
             <a:pPr algn="ctr"/>
             <a:r>
-              <a:rPr kumimoji="1" lang="en-US" altLang="ko-Kore-KR" sz="1600" dirty="0">
+              <a:rPr kumimoji="1" lang="en-US" altLang="ko-Kore-KR" sz="1800" dirty="0">
                 <a:solidFill>
                   <a:srgbClr val="FF0000"/>
                 </a:solidFill>
-                <a:latin typeface="Times New Roman" panose="02020603050405020304" pitchFamily="18" charset="0"/>
+                <a:latin typeface="Calibri" panose="020F0502020204030204" pitchFamily="34" charset="0"/>
                 <a:ea typeface="Source Sans Pro" panose="020B0503030403020204" pitchFamily="34" charset="0"/>
-                <a:cs typeface="Times New Roman" panose="02020603050405020304" pitchFamily="18" charset="0"/>
+                <a:cs typeface="Calibri" panose="020F0502020204030204" pitchFamily="34" charset="0"/>
               </a:rPr>
               <a:t>Policy</a:t>
             </a:r>
           </a:p>
           <a:p>
             <a:pPr algn="ctr"/>
-            <a:endParaRPr lang="ko-Kore-KR" altLang="en-US" dirty="0">
-              <a:latin typeface="Times New Roman" panose="02020603050405020304" pitchFamily="18" charset="0"/>
-              <a:cs typeface="Times New Roman" panose="02020603050405020304" pitchFamily="18" charset="0"/>
+            <a:endParaRPr lang="ko-Kore-KR" altLang="en-US" sz="1800" dirty="0">
+              <a:latin typeface="Calibri" panose="020F0502020204030204" pitchFamily="34" charset="0"/>
+              <a:cs typeface="Calibri" panose="020F0502020204030204" pitchFamily="34" charset="0"/>
             </a:endParaRPr>
           </a:p>
         </p:txBody>
@@ -7745,8 +7749,8 @@
         </p:nvCxnSpPr>
         <p:spPr>
           <a:xfrm flipV="1">
-            <a:off x="5001958" y="2934895"/>
-            <a:ext cx="354058" cy="486000"/>
+            <a:off x="5001958" y="2981062"/>
+            <a:ext cx="354058" cy="439833"/>
           </a:xfrm>
           <a:prstGeom prst="straightConnector1">
             <a:avLst/>
@@ -7788,7 +7792,7 @@
         <p:spPr>
           <a:xfrm>
             <a:off x="5356017" y="3629896"/>
-            <a:ext cx="997843" cy="553998"/>
+            <a:ext cx="997843" cy="646331"/>
           </a:xfrm>
           <a:prstGeom prst="rect">
             <a:avLst/>
@@ -7803,27 +7807,27 @@
           <a:p>
             <a:pPr algn="ctr"/>
             <a:r>
-              <a:rPr kumimoji="1" lang="en-US" altLang="ko-Kore-KR" sz="1600" dirty="0">
+              <a:rPr kumimoji="1" lang="en-US" altLang="ko-Kore-KR" sz="1800" dirty="0">
                 <a:solidFill>
                   <a:schemeClr val="accent1"/>
                 </a:solidFill>
-                <a:latin typeface="Times New Roman" panose="02020603050405020304" pitchFamily="18" charset="0"/>
+                <a:latin typeface="Calibri" panose="020F0502020204030204" pitchFamily="34" charset="0"/>
                 <a:ea typeface="Source Sans Pro" panose="020B0503030403020204" pitchFamily="34" charset="0"/>
-                <a:cs typeface="Times New Roman" panose="02020603050405020304" pitchFamily="18" charset="0"/>
+                <a:cs typeface="Calibri" panose="020F0502020204030204" pitchFamily="34" charset="0"/>
               </a:rPr>
               <a:t>Value</a:t>
             </a:r>
           </a:p>
           <a:p>
             <a:pPr algn="ctr"/>
-            <a:endParaRPr lang="ko-Kore-KR" altLang="en-US" dirty="0">
+            <a:endParaRPr lang="ko-Kore-KR" altLang="en-US" sz="1800" dirty="0">
               <a:solidFill>
                 <a:schemeClr val="tx1">
                   <a:alpha val="20000"/>
                 </a:schemeClr>
               </a:solidFill>
-              <a:latin typeface="Times New Roman" panose="02020603050405020304" pitchFamily="18" charset="0"/>
-              <a:cs typeface="Times New Roman" panose="02020603050405020304" pitchFamily="18" charset="0"/>
+              <a:latin typeface="Calibri" panose="020F0502020204030204" pitchFamily="34" charset="0"/>
+              <a:cs typeface="Calibri" panose="020F0502020204030204" pitchFamily="34" charset="0"/>
             </a:endParaRPr>
           </a:p>
         </p:txBody>
@@ -7879,7 +7883,7 @@
         <p:spPr>
           <a:xfrm>
             <a:off x="5001958" y="3420895"/>
-            <a:ext cx="354059" cy="486000"/>
+            <a:ext cx="354059" cy="532167"/>
           </a:xfrm>
           <a:prstGeom prst="straightConnector1">
             <a:avLst/>
@@ -7986,9 +7990,9 @@
                 <a:solidFill>
                   <a:schemeClr val="tx1"/>
                 </a:solidFill>
-                <a:latin typeface="Times New Roman" panose="02020603050405020304" pitchFamily="18" charset="0"/>
+                <a:latin typeface="Calibri" panose="020F0502020204030204" pitchFamily="34" charset="0"/>
                 <a:ea typeface="Source Sans Pro" panose="020B0503030403020204" pitchFamily="34" charset="0"/>
-                <a:cs typeface="Times New Roman" panose="02020603050405020304" pitchFamily="18" charset="0"/>
+                <a:cs typeface="Calibri" panose="020F0502020204030204" pitchFamily="34" charset="0"/>
               </a:rPr>
               <a:t>State</a:t>
             </a:r>
@@ -7996,8 +8000,8 @@
           <a:p>
             <a:pPr algn="ctr"/>
             <a:endParaRPr lang="ko-Kore-KR" altLang="en-US" sz="1800" dirty="0">
-              <a:latin typeface="Times New Roman" panose="02020603050405020304" pitchFamily="18" charset="0"/>
-              <a:cs typeface="Times New Roman" panose="02020603050405020304" pitchFamily="18" charset="0"/>
+              <a:latin typeface="Calibri" panose="020F0502020204030204" pitchFamily="34" charset="0"/>
+              <a:cs typeface="Calibri" panose="020F0502020204030204" pitchFamily="34" charset="0"/>
             </a:endParaRPr>
           </a:p>
         </p:txBody>
@@ -8082,7 +8086,10 @@
           <a:lstStyle/>
           <a:p>
             <a:pPr algn="ctr"/>
-            <a:endParaRPr kumimoji="1" lang="ko-Kore-KR" altLang="en-US" dirty="0"/>
+            <a:endParaRPr kumimoji="1" lang="ko-Kore-KR" altLang="en-US" sz="1800" dirty="0">
+              <a:latin typeface="Calibri" panose="020F0502020204030204" pitchFamily="34" charset="0"/>
+              <a:cs typeface="Calibri" panose="020F0502020204030204" pitchFamily="34" charset="0"/>
+            </a:endParaRPr>
           </a:p>
         </p:txBody>
       </p:sp>
@@ -8136,7 +8143,10 @@
           <a:lstStyle/>
           <a:p>
             <a:pPr algn="ctr"/>
-            <a:endParaRPr kumimoji="1" lang="ko-Kore-KR" altLang="en-US" dirty="0"/>
+            <a:endParaRPr kumimoji="1" lang="ko-Kore-KR" altLang="en-US" sz="1800" dirty="0">
+              <a:latin typeface="Calibri" panose="020F0502020204030204" pitchFamily="34" charset="0"/>
+              <a:cs typeface="Calibri" panose="020F0502020204030204" pitchFamily="34" charset="0"/>
+            </a:endParaRPr>
           </a:p>
         </p:txBody>
       </p:sp>
@@ -8227,8 +8237,8 @@
               <a:solidFill>
                 <a:schemeClr val="tx1"/>
               </a:solidFill>
-              <a:latin typeface="Times New Roman" panose="02020603050405020304" pitchFamily="18" charset="0"/>
-              <a:cs typeface="Times New Roman" panose="02020603050405020304" pitchFamily="18" charset="0"/>
+              <a:latin typeface="Calibri" panose="020F0502020204030204" pitchFamily="34" charset="0"/>
+              <a:cs typeface="Calibri" panose="020F0502020204030204" pitchFamily="34" charset="0"/>
             </a:endParaRPr>
           </a:p>
         </p:txBody>
@@ -8286,21 +8296,21 @@
                 <a:solidFill>
                   <a:schemeClr val="tx1"/>
                 </a:solidFill>
-                <a:latin typeface="Times New Roman" panose="02020603050405020304" pitchFamily="18" charset="0"/>
+                <a:latin typeface="Calibri" panose="020F0502020204030204" pitchFamily="34" charset="0"/>
                 <a:ea typeface="Source Sans Pro" panose="020B0503030403020204" pitchFamily="34" charset="0"/>
-                <a:cs typeface="Times New Roman" panose="02020603050405020304" pitchFamily="18" charset="0"/>
+                <a:cs typeface="Calibri" panose="020F0502020204030204" pitchFamily="34" charset="0"/>
               </a:rPr>
               <a:t>Encoder</a:t>
             </a:r>
           </a:p>
           <a:p>
             <a:pPr algn="ctr"/>
-            <a:endParaRPr kumimoji="1" lang="ko-Kore-KR" altLang="en-US" dirty="0">
+            <a:endParaRPr kumimoji="1" lang="ko-Kore-KR" altLang="en-US" sz="1800" dirty="0">
               <a:solidFill>
                 <a:schemeClr val="tx1"/>
               </a:solidFill>
-              <a:latin typeface="Times New Roman" panose="02020603050405020304" pitchFamily="18" charset="0"/>
-              <a:cs typeface="Times New Roman" panose="02020603050405020304" pitchFamily="18" charset="0"/>
+              <a:latin typeface="Calibri" panose="020F0502020204030204" pitchFamily="34" charset="0"/>
+              <a:cs typeface="Calibri" panose="020F0502020204030204" pitchFamily="34" charset="0"/>
             </a:endParaRPr>
           </a:p>
         </p:txBody>
@@ -8350,7 +8360,7 @@
         <p:spPr>
           <a:xfrm>
             <a:off x="5356016" y="718061"/>
-            <a:ext cx="997843" cy="553998"/>
+            <a:ext cx="997843" cy="646331"/>
           </a:xfrm>
           <a:prstGeom prst="rect">
             <a:avLst/>
@@ -8365,22 +8375,22 @@
           <a:p>
             <a:pPr algn="ctr"/>
             <a:r>
-              <a:rPr kumimoji="1" lang="en-US" altLang="ko-Kore-KR" sz="1600" dirty="0">
+              <a:rPr kumimoji="1" lang="en-US" altLang="ko-Kore-KR" sz="1800" dirty="0">
                 <a:solidFill>
                   <a:schemeClr val="accent1"/>
                 </a:solidFill>
-                <a:latin typeface="Times New Roman" panose="02020603050405020304" pitchFamily="18" charset="0"/>
+                <a:latin typeface="Calibri" panose="020F0502020204030204" pitchFamily="34" charset="0"/>
                 <a:ea typeface="Source Sans Pro" panose="020B0503030403020204" pitchFamily="34" charset="0"/>
-                <a:cs typeface="Times New Roman" panose="02020603050405020304" pitchFamily="18" charset="0"/>
+                <a:cs typeface="Calibri" panose="020F0502020204030204" pitchFamily="34" charset="0"/>
               </a:rPr>
               <a:t>Policy</a:t>
             </a:r>
           </a:p>
           <a:p>
             <a:pPr algn="ctr"/>
-            <a:endParaRPr lang="ko-Kore-KR" altLang="en-US" dirty="0">
-              <a:latin typeface="Times New Roman" panose="02020603050405020304" pitchFamily="18" charset="0"/>
-              <a:cs typeface="Times New Roman" panose="02020603050405020304" pitchFamily="18" charset="0"/>
+            <a:endParaRPr lang="ko-Kore-KR" altLang="en-US" sz="1800" dirty="0">
+              <a:latin typeface="Calibri" panose="020F0502020204030204" pitchFamily="34" charset="0"/>
+              <a:cs typeface="Calibri" panose="020F0502020204030204" pitchFamily="34" charset="0"/>
             </a:endParaRPr>
           </a:p>
         </p:txBody>
@@ -8433,8 +8443,8 @@
         </p:nvCxnSpPr>
         <p:spPr>
           <a:xfrm flipV="1">
-            <a:off x="5001958" y="995060"/>
-            <a:ext cx="354058" cy="486000"/>
+            <a:off x="5001958" y="1041227"/>
+            <a:ext cx="354058" cy="439833"/>
           </a:xfrm>
           <a:prstGeom prst="straightConnector1">
             <a:avLst/>
@@ -8476,7 +8486,7 @@
         <p:spPr>
           <a:xfrm>
             <a:off x="5356017" y="1690061"/>
-            <a:ext cx="997843" cy="553998"/>
+            <a:ext cx="997843" cy="646331"/>
           </a:xfrm>
           <a:prstGeom prst="rect">
             <a:avLst/>
@@ -8491,27 +8501,27 @@
           <a:p>
             <a:pPr algn="ctr"/>
             <a:r>
-              <a:rPr kumimoji="1" lang="en-US" altLang="ko-Kore-KR" sz="1600" dirty="0">
+              <a:rPr kumimoji="1" lang="en-US" altLang="ko-Kore-KR" sz="1800" dirty="0">
                 <a:solidFill>
                   <a:srgbClr val="FF0000"/>
                 </a:solidFill>
-                <a:latin typeface="Times New Roman" panose="02020603050405020304" pitchFamily="18" charset="0"/>
+                <a:latin typeface="Calibri" panose="020F0502020204030204" pitchFamily="34" charset="0"/>
                 <a:ea typeface="Source Sans Pro" panose="020B0503030403020204" pitchFamily="34" charset="0"/>
-                <a:cs typeface="Times New Roman" panose="02020603050405020304" pitchFamily="18" charset="0"/>
+                <a:cs typeface="Calibri" panose="020F0502020204030204" pitchFamily="34" charset="0"/>
               </a:rPr>
               <a:t>Value</a:t>
             </a:r>
           </a:p>
           <a:p>
             <a:pPr algn="ctr"/>
-            <a:endParaRPr lang="ko-Kore-KR" altLang="en-US" dirty="0">
+            <a:endParaRPr lang="ko-Kore-KR" altLang="en-US" sz="1800" dirty="0">
               <a:solidFill>
                 <a:schemeClr val="tx1">
                   <a:alpha val="20000"/>
                 </a:schemeClr>
               </a:solidFill>
-              <a:latin typeface="Times New Roman" panose="02020603050405020304" pitchFamily="18" charset="0"/>
-              <a:cs typeface="Times New Roman" panose="02020603050405020304" pitchFamily="18" charset="0"/>
+              <a:latin typeface="Calibri" panose="020F0502020204030204" pitchFamily="34" charset="0"/>
+              <a:cs typeface="Calibri" panose="020F0502020204030204" pitchFamily="34" charset="0"/>
             </a:endParaRPr>
           </a:p>
         </p:txBody>
@@ -8567,7 +8577,7 @@
         <p:spPr>
           <a:xfrm>
             <a:off x="5001958" y="1481060"/>
-            <a:ext cx="354059" cy="486000"/>
+            <a:ext cx="354059" cy="532167"/>
           </a:xfrm>
           <a:prstGeom prst="straightConnector1">
             <a:avLst/>
@@ -8674,9 +8684,9 @@
                 <a:solidFill>
                   <a:schemeClr val="tx1"/>
                 </a:solidFill>
-                <a:latin typeface="Times New Roman" panose="02020603050405020304" pitchFamily="18" charset="0"/>
+                <a:latin typeface="Calibri" panose="020F0502020204030204" pitchFamily="34" charset="0"/>
                 <a:ea typeface="Source Sans Pro" panose="020B0503030403020204" pitchFamily="34" charset="0"/>
-                <a:cs typeface="Times New Roman" panose="02020603050405020304" pitchFamily="18" charset="0"/>
+                <a:cs typeface="Calibri" panose="020F0502020204030204" pitchFamily="34" charset="0"/>
               </a:rPr>
               <a:t>State</a:t>
             </a:r>
@@ -8684,8 +8694,8 @@
           <a:p>
             <a:pPr algn="ctr"/>
             <a:endParaRPr lang="ko-Kore-KR" altLang="en-US" sz="1800" dirty="0">
-              <a:latin typeface="Times New Roman" panose="02020603050405020304" pitchFamily="18" charset="0"/>
-              <a:cs typeface="Times New Roman" panose="02020603050405020304" pitchFamily="18" charset="0"/>
+              <a:latin typeface="Calibri" panose="020F0502020204030204" pitchFamily="34" charset="0"/>
+              <a:cs typeface="Calibri" panose="020F0502020204030204" pitchFamily="34" charset="0"/>
             </a:endParaRPr>
           </a:p>
         </p:txBody>
@@ -8803,9 +8813,9 @@
                 <a:solidFill>
                   <a:schemeClr val="tx1"/>
                 </a:solidFill>
-                <a:latin typeface="Times New Roman" panose="02020603050405020304" pitchFamily="18" charset="0"/>
+                <a:latin typeface="Calibri" panose="020F0502020204030204" pitchFamily="34" charset="0"/>
                 <a:ea typeface="Source Sans Pro" panose="020B0503030403020204" pitchFamily="34" charset="0"/>
-                <a:cs typeface="Times New Roman" panose="02020603050405020304" pitchFamily="18" charset="0"/>
+                <a:cs typeface="Calibri" panose="020F0502020204030204" pitchFamily="34" charset="0"/>
               </a:rPr>
               <a:t>Agent</a:t>
             </a:r>
@@ -8814,9 +8824,9 @@
                 <a:solidFill>
                   <a:schemeClr val="tx1"/>
                 </a:solidFill>
-                <a:latin typeface="Times New Roman" panose="02020603050405020304" pitchFamily="18" charset="0"/>
+                <a:latin typeface="Calibri" panose="020F0502020204030204" pitchFamily="34" charset="0"/>
                 <a:ea typeface="Source Sans Pro" panose="020B0503030403020204" pitchFamily="34" charset="0"/>
-                <a:cs typeface="Times New Roman" panose="02020603050405020304" pitchFamily="18" charset="0"/>
+                <a:cs typeface="Calibri" panose="020F0502020204030204" pitchFamily="34" charset="0"/>
               </a:rPr>
               <a:t> </a:t>
             </a:r>
@@ -9031,7 +9041,8 @@
               <a:solidFill>
                 <a:schemeClr val="tx1"/>
               </a:solidFill>
-              <a:latin typeface="Source Sans Pro" panose="020B0503030403020204" pitchFamily="34" charset="0"/>
+              <a:latin typeface="Calibri" panose="020F0502020204030204" pitchFamily="34" charset="0"/>
+              <a:cs typeface="Calibri" panose="020F0502020204030204" pitchFamily="34" charset="0"/>
             </a:endParaRPr>
           </a:p>
         </p:txBody>
@@ -9069,9 +9080,9 @@
                 <a:solidFill>
                   <a:schemeClr val="tx1"/>
                 </a:solidFill>
-                <a:latin typeface="Times New Roman" panose="02020603050405020304" pitchFamily="18" charset="0"/>
+                <a:latin typeface="Calibri" panose="020F0502020204030204" pitchFamily="34" charset="0"/>
                 <a:ea typeface="Source Sans Pro" panose="020B0503030403020204" pitchFamily="34" charset="0"/>
-                <a:cs typeface="Times New Roman" panose="02020603050405020304" pitchFamily="18" charset="0"/>
+                <a:cs typeface="Calibri" panose="020F0502020204030204" pitchFamily="34" charset="0"/>
               </a:rPr>
               <a:t>Policy Phase </a:t>
             </a:r>
@@ -9111,9 +9122,9 @@
                 <a:solidFill>
                   <a:schemeClr val="tx1"/>
                 </a:solidFill>
-                <a:latin typeface="Times New Roman" panose="02020603050405020304" pitchFamily="18" charset="0"/>
+                <a:latin typeface="Calibri" panose="020F0502020204030204" pitchFamily="34" charset="0"/>
                 <a:ea typeface="Source Sans Pro" panose="020B0503030403020204" pitchFamily="34" charset="0"/>
-                <a:cs typeface="Times New Roman" panose="02020603050405020304" pitchFamily="18" charset="0"/>
+                <a:cs typeface="Calibri" panose="020F0502020204030204" pitchFamily="34" charset="0"/>
               </a:rPr>
               <a:t>Aux Phase </a:t>
             </a:r>
@@ -9168,9 +9179,9 @@
                 <a:solidFill>
                   <a:schemeClr val="tx1"/>
                 </a:solidFill>
-                <a:latin typeface="Times New Roman" panose="02020603050405020304" pitchFamily="18" charset="0"/>
+                <a:latin typeface="Calibri" panose="020F0502020204030204" pitchFamily="34" charset="0"/>
                 <a:ea typeface="Source Sans Pro" panose="020B0503030403020204" pitchFamily="34" charset="0"/>
-                <a:cs typeface="Times New Roman" panose="02020603050405020304" pitchFamily="18" charset="0"/>
+                <a:cs typeface="Calibri" panose="020F0502020204030204" pitchFamily="34" charset="0"/>
               </a:rPr>
               <a:t>Buffer</a:t>
             </a:r>
@@ -9178,8 +9189,8 @@
               <a:solidFill>
                 <a:schemeClr val="tx1"/>
               </a:solidFill>
-              <a:latin typeface="Times New Roman" panose="02020603050405020304" pitchFamily="18" charset="0"/>
-              <a:cs typeface="Times New Roman" panose="02020603050405020304" pitchFamily="18" charset="0"/>
+              <a:latin typeface="Calibri" panose="020F0502020204030204" pitchFamily="34" charset="0"/>
+              <a:cs typeface="Calibri" panose="020F0502020204030204" pitchFamily="34" charset="0"/>
             </a:endParaRPr>
           </a:p>
         </p:txBody>
@@ -9234,7 +9245,10 @@
           <a:lstStyle/>
           <a:p>
             <a:pPr algn="ctr"/>
-            <a:endParaRPr kumimoji="1" lang="ko-Kore-KR" altLang="en-US" dirty="0"/>
+            <a:endParaRPr kumimoji="1" lang="ko-Kore-KR" altLang="en-US" dirty="0">
+              <a:latin typeface="Calibri" panose="020F0502020204030204" pitchFamily="34" charset="0"/>
+              <a:cs typeface="Calibri" panose="020F0502020204030204" pitchFamily="34" charset="0"/>
+            </a:endParaRPr>
           </a:p>
         </p:txBody>
       </p:sp>
@@ -9291,21 +9305,21 @@
                 <a:solidFill>
                   <a:schemeClr val="tx1"/>
                 </a:solidFill>
-                <a:latin typeface="Times New Roman" panose="02020603050405020304" pitchFamily="18" charset="0"/>
+                <a:latin typeface="Calibri" panose="020F0502020204030204" pitchFamily="34" charset="0"/>
                 <a:ea typeface="Source Sans Pro" panose="020B0503030403020204" pitchFamily="34" charset="0"/>
-                <a:cs typeface="Times New Roman" panose="02020603050405020304" pitchFamily="18" charset="0"/>
+                <a:cs typeface="Calibri" panose="020F0502020204030204" pitchFamily="34" charset="0"/>
               </a:rPr>
               <a:t>Encoder</a:t>
             </a:r>
           </a:p>
           <a:p>
             <a:pPr algn="ctr"/>
-            <a:endParaRPr kumimoji="1" lang="ko-Kore-KR" altLang="en-US" dirty="0">
+            <a:endParaRPr kumimoji="1" lang="ko-Kore-KR" altLang="en-US" sz="1800" dirty="0">
               <a:solidFill>
                 <a:schemeClr val="tx1"/>
               </a:solidFill>
-              <a:latin typeface="Times New Roman" panose="02020603050405020304" pitchFamily="18" charset="0"/>
-              <a:cs typeface="Times New Roman" panose="02020603050405020304" pitchFamily="18" charset="0"/>
+              <a:latin typeface="Calibri" panose="020F0502020204030204" pitchFamily="34" charset="0"/>
+              <a:cs typeface="Calibri" panose="020F0502020204030204" pitchFamily="34" charset="0"/>
             </a:endParaRPr>
           </a:p>
         </p:txBody>
@@ -9355,7 +9369,7 @@
         <p:spPr>
           <a:xfrm>
             <a:off x="5356016" y="2657896"/>
-            <a:ext cx="997843" cy="553998"/>
+            <a:ext cx="997843" cy="646331"/>
           </a:xfrm>
           <a:prstGeom prst="rect">
             <a:avLst/>
@@ -9370,22 +9384,22 @@
           <a:p>
             <a:pPr algn="ctr"/>
             <a:r>
-              <a:rPr kumimoji="1" lang="en-US" altLang="ko-Kore-KR" sz="1600" dirty="0">
+              <a:rPr kumimoji="1" lang="en-US" altLang="ko-Kore-KR" sz="1800" dirty="0">
                 <a:solidFill>
                   <a:srgbClr val="FF0000"/>
                 </a:solidFill>
-                <a:latin typeface="Times New Roman" panose="02020603050405020304" pitchFamily="18" charset="0"/>
+                <a:latin typeface="Calibri" panose="020F0502020204030204" pitchFamily="34" charset="0"/>
                 <a:ea typeface="Source Sans Pro" panose="020B0503030403020204" pitchFamily="34" charset="0"/>
-                <a:cs typeface="Times New Roman" panose="02020603050405020304" pitchFamily="18" charset="0"/>
+                <a:cs typeface="Calibri" panose="020F0502020204030204" pitchFamily="34" charset="0"/>
               </a:rPr>
               <a:t>Policy</a:t>
             </a:r>
           </a:p>
           <a:p>
             <a:pPr algn="ctr"/>
-            <a:endParaRPr lang="ko-Kore-KR" altLang="en-US" dirty="0">
-              <a:latin typeface="Times New Roman" panose="02020603050405020304" pitchFamily="18" charset="0"/>
-              <a:cs typeface="Times New Roman" panose="02020603050405020304" pitchFamily="18" charset="0"/>
+            <a:endParaRPr lang="ko-Kore-KR" altLang="en-US" sz="1800" dirty="0">
+              <a:latin typeface="Calibri" panose="020F0502020204030204" pitchFamily="34" charset="0"/>
+              <a:cs typeface="Calibri" panose="020F0502020204030204" pitchFamily="34" charset="0"/>
             </a:endParaRPr>
           </a:p>
         </p:txBody>
@@ -9438,8 +9452,8 @@
         </p:nvCxnSpPr>
         <p:spPr>
           <a:xfrm flipV="1">
-            <a:off x="5001958" y="2934895"/>
-            <a:ext cx="354058" cy="486000"/>
+            <a:off x="5001958" y="2981062"/>
+            <a:ext cx="354058" cy="439833"/>
           </a:xfrm>
           <a:prstGeom prst="straightConnector1">
             <a:avLst/>
@@ -9481,7 +9495,7 @@
         <p:spPr>
           <a:xfrm>
             <a:off x="5356017" y="3629896"/>
-            <a:ext cx="997843" cy="553998"/>
+            <a:ext cx="997843" cy="646331"/>
           </a:xfrm>
           <a:prstGeom prst="rect">
             <a:avLst/>
@@ -9496,27 +9510,27 @@
           <a:p>
             <a:pPr algn="ctr"/>
             <a:r>
-              <a:rPr kumimoji="1" lang="en-US" altLang="ko-Kore-KR" sz="1600" dirty="0">
+              <a:rPr kumimoji="1" lang="en-US" altLang="ko-Kore-KR" sz="1800" dirty="0">
                 <a:solidFill>
                   <a:schemeClr val="accent1"/>
                 </a:solidFill>
-                <a:latin typeface="Times New Roman" panose="02020603050405020304" pitchFamily="18" charset="0"/>
+                <a:latin typeface="Calibri" panose="020F0502020204030204" pitchFamily="34" charset="0"/>
                 <a:ea typeface="Source Sans Pro" panose="020B0503030403020204" pitchFamily="34" charset="0"/>
-                <a:cs typeface="Times New Roman" panose="02020603050405020304" pitchFamily="18" charset="0"/>
+                <a:cs typeface="Calibri" panose="020F0502020204030204" pitchFamily="34" charset="0"/>
               </a:rPr>
               <a:t>Value</a:t>
             </a:r>
           </a:p>
           <a:p>
             <a:pPr algn="ctr"/>
-            <a:endParaRPr lang="ko-Kore-KR" altLang="en-US" dirty="0">
+            <a:endParaRPr lang="ko-Kore-KR" altLang="en-US" sz="1800" dirty="0">
               <a:solidFill>
                 <a:schemeClr val="tx1">
                   <a:alpha val="20000"/>
                 </a:schemeClr>
               </a:solidFill>
-              <a:latin typeface="Times New Roman" panose="02020603050405020304" pitchFamily="18" charset="0"/>
-              <a:cs typeface="Times New Roman" panose="02020603050405020304" pitchFamily="18" charset="0"/>
+              <a:latin typeface="Calibri" panose="020F0502020204030204" pitchFamily="34" charset="0"/>
+              <a:cs typeface="Calibri" panose="020F0502020204030204" pitchFamily="34" charset="0"/>
             </a:endParaRPr>
           </a:p>
         </p:txBody>
@@ -9572,7 +9586,7 @@
         <p:spPr>
           <a:xfrm>
             <a:off x="5001958" y="3420895"/>
-            <a:ext cx="354059" cy="486000"/>
+            <a:ext cx="354059" cy="532167"/>
           </a:xfrm>
           <a:prstGeom prst="straightConnector1">
             <a:avLst/>
@@ -9679,9 +9693,9 @@
                 <a:solidFill>
                   <a:schemeClr val="tx1"/>
                 </a:solidFill>
-                <a:latin typeface="Times New Roman" panose="02020603050405020304" pitchFamily="18" charset="0"/>
+                <a:latin typeface="Calibri" panose="020F0502020204030204" pitchFamily="34" charset="0"/>
                 <a:ea typeface="Source Sans Pro" panose="020B0503030403020204" pitchFamily="34" charset="0"/>
-                <a:cs typeface="Times New Roman" panose="02020603050405020304" pitchFamily="18" charset="0"/>
+                <a:cs typeface="Calibri" panose="020F0502020204030204" pitchFamily="34" charset="0"/>
               </a:rPr>
               <a:t>State</a:t>
             </a:r>
@@ -9689,8 +9703,8 @@
           <a:p>
             <a:pPr algn="ctr"/>
             <a:endParaRPr lang="ko-Kore-KR" altLang="en-US" sz="1800" dirty="0">
-              <a:latin typeface="Times New Roman" panose="02020603050405020304" pitchFamily="18" charset="0"/>
-              <a:cs typeface="Times New Roman" panose="02020603050405020304" pitchFamily="18" charset="0"/>
+              <a:latin typeface="Calibri" panose="020F0502020204030204" pitchFamily="34" charset="0"/>
+              <a:cs typeface="Calibri" panose="020F0502020204030204" pitchFamily="34" charset="0"/>
             </a:endParaRPr>
           </a:p>
         </p:txBody>
@@ -9775,7 +9789,10 @@
           <a:lstStyle/>
           <a:p>
             <a:pPr algn="ctr"/>
-            <a:endParaRPr kumimoji="1" lang="ko-Kore-KR" altLang="en-US" dirty="0"/>
+            <a:endParaRPr kumimoji="1" lang="ko-Kore-KR" altLang="en-US" sz="1800" dirty="0">
+              <a:latin typeface="Calibri" panose="020F0502020204030204" pitchFamily="34" charset="0"/>
+              <a:cs typeface="Calibri" panose="020F0502020204030204" pitchFamily="34" charset="0"/>
+            </a:endParaRPr>
           </a:p>
         </p:txBody>
       </p:sp>
@@ -9866,8 +9883,8 @@
               <a:solidFill>
                 <a:schemeClr val="tx1"/>
               </a:solidFill>
-              <a:latin typeface="Times New Roman" panose="02020603050405020304" pitchFamily="18" charset="0"/>
-              <a:cs typeface="Times New Roman" panose="02020603050405020304" pitchFamily="18" charset="0"/>
+              <a:latin typeface="Calibri" panose="020F0502020204030204" pitchFamily="34" charset="0"/>
+              <a:cs typeface="Calibri" panose="020F0502020204030204" pitchFamily="34" charset="0"/>
             </a:endParaRPr>
           </a:p>
         </p:txBody>
@@ -9925,21 +9942,21 @@
                 <a:solidFill>
                   <a:schemeClr val="tx1"/>
                 </a:solidFill>
-                <a:latin typeface="Times New Roman" panose="02020603050405020304" pitchFamily="18" charset="0"/>
+                <a:latin typeface="Calibri" panose="020F0502020204030204" pitchFamily="34" charset="0"/>
                 <a:ea typeface="Source Sans Pro" panose="020B0503030403020204" pitchFamily="34" charset="0"/>
-                <a:cs typeface="Times New Roman" panose="02020603050405020304" pitchFamily="18" charset="0"/>
+                <a:cs typeface="Calibri" panose="020F0502020204030204" pitchFamily="34" charset="0"/>
               </a:rPr>
               <a:t>Encoder</a:t>
             </a:r>
           </a:p>
           <a:p>
             <a:pPr algn="ctr"/>
-            <a:endParaRPr kumimoji="1" lang="ko-Kore-KR" altLang="en-US" dirty="0">
+            <a:endParaRPr kumimoji="1" lang="ko-Kore-KR" altLang="en-US" sz="1800" dirty="0">
               <a:solidFill>
                 <a:schemeClr val="tx1"/>
               </a:solidFill>
-              <a:latin typeface="Times New Roman" panose="02020603050405020304" pitchFamily="18" charset="0"/>
-              <a:cs typeface="Times New Roman" panose="02020603050405020304" pitchFamily="18" charset="0"/>
+              <a:latin typeface="Calibri" panose="020F0502020204030204" pitchFamily="34" charset="0"/>
+              <a:cs typeface="Calibri" panose="020F0502020204030204" pitchFamily="34" charset="0"/>
             </a:endParaRPr>
           </a:p>
         </p:txBody>
@@ -9989,7 +10006,7 @@
         <p:spPr>
           <a:xfrm>
             <a:off x="5356016" y="718061"/>
-            <a:ext cx="997843" cy="553998"/>
+            <a:ext cx="997843" cy="646331"/>
           </a:xfrm>
           <a:prstGeom prst="rect">
             <a:avLst/>
@@ -10004,22 +10021,22 @@
           <a:p>
             <a:pPr algn="ctr"/>
             <a:r>
-              <a:rPr kumimoji="1" lang="en-US" altLang="ko-Kore-KR" sz="1600" dirty="0">
+              <a:rPr kumimoji="1" lang="en-US" altLang="ko-Kore-KR" sz="1800" dirty="0">
                 <a:solidFill>
                   <a:schemeClr val="accent1"/>
                 </a:solidFill>
-                <a:latin typeface="Times New Roman" panose="02020603050405020304" pitchFamily="18" charset="0"/>
+                <a:latin typeface="Calibri" panose="020F0502020204030204" pitchFamily="34" charset="0"/>
                 <a:ea typeface="Source Sans Pro" panose="020B0503030403020204" pitchFamily="34" charset="0"/>
-                <a:cs typeface="Times New Roman" panose="02020603050405020304" pitchFamily="18" charset="0"/>
+                <a:cs typeface="Calibri" panose="020F0502020204030204" pitchFamily="34" charset="0"/>
               </a:rPr>
               <a:t>Policy</a:t>
             </a:r>
           </a:p>
           <a:p>
             <a:pPr algn="ctr"/>
-            <a:endParaRPr lang="ko-Kore-KR" altLang="en-US" dirty="0">
-              <a:latin typeface="Times New Roman" panose="02020603050405020304" pitchFamily="18" charset="0"/>
-              <a:cs typeface="Times New Roman" panose="02020603050405020304" pitchFamily="18" charset="0"/>
+            <a:endParaRPr lang="ko-Kore-KR" altLang="en-US" sz="1800" dirty="0">
+              <a:latin typeface="Calibri" panose="020F0502020204030204" pitchFamily="34" charset="0"/>
+              <a:cs typeface="Calibri" panose="020F0502020204030204" pitchFamily="34" charset="0"/>
             </a:endParaRPr>
           </a:p>
         </p:txBody>
@@ -10072,8 +10089,8 @@
         </p:nvCxnSpPr>
         <p:spPr>
           <a:xfrm flipV="1">
-            <a:off x="5001958" y="995060"/>
-            <a:ext cx="354058" cy="486000"/>
+            <a:off x="5001958" y="1041227"/>
+            <a:ext cx="354058" cy="439833"/>
           </a:xfrm>
           <a:prstGeom prst="straightConnector1">
             <a:avLst/>
@@ -10115,7 +10132,7 @@
         <p:spPr>
           <a:xfrm>
             <a:off x="5356017" y="1690061"/>
-            <a:ext cx="997843" cy="553998"/>
+            <a:ext cx="997843" cy="646331"/>
           </a:xfrm>
           <a:prstGeom prst="rect">
             <a:avLst/>
@@ -10130,27 +10147,27 @@
           <a:p>
             <a:pPr algn="ctr"/>
             <a:r>
-              <a:rPr kumimoji="1" lang="en-US" altLang="ko-Kore-KR" sz="1600" dirty="0">
+              <a:rPr kumimoji="1" lang="en-US" altLang="ko-Kore-KR" sz="1800" dirty="0">
                 <a:solidFill>
                   <a:srgbClr val="FF0000"/>
                 </a:solidFill>
-                <a:latin typeface="Times New Roman" panose="02020603050405020304" pitchFamily="18" charset="0"/>
+                <a:latin typeface="Calibri" panose="020F0502020204030204" pitchFamily="34" charset="0"/>
                 <a:ea typeface="Source Sans Pro" panose="020B0503030403020204" pitchFamily="34" charset="0"/>
-                <a:cs typeface="Times New Roman" panose="02020603050405020304" pitchFamily="18" charset="0"/>
+                <a:cs typeface="Calibri" panose="020F0502020204030204" pitchFamily="34" charset="0"/>
               </a:rPr>
               <a:t>Value</a:t>
             </a:r>
           </a:p>
           <a:p>
             <a:pPr algn="ctr"/>
-            <a:endParaRPr lang="ko-Kore-KR" altLang="en-US" dirty="0">
+            <a:endParaRPr lang="ko-Kore-KR" altLang="en-US" sz="1800" dirty="0">
               <a:solidFill>
                 <a:schemeClr val="tx1">
                   <a:alpha val="20000"/>
                 </a:schemeClr>
               </a:solidFill>
-              <a:latin typeface="Times New Roman" panose="02020603050405020304" pitchFamily="18" charset="0"/>
-              <a:cs typeface="Times New Roman" panose="02020603050405020304" pitchFamily="18" charset="0"/>
+              <a:latin typeface="Calibri" panose="020F0502020204030204" pitchFamily="34" charset="0"/>
+              <a:cs typeface="Calibri" panose="020F0502020204030204" pitchFamily="34" charset="0"/>
             </a:endParaRPr>
           </a:p>
         </p:txBody>
@@ -10206,7 +10223,7 @@
         <p:spPr>
           <a:xfrm>
             <a:off x="5001958" y="1481060"/>
-            <a:ext cx="354059" cy="486000"/>
+            <a:ext cx="354059" cy="532167"/>
           </a:xfrm>
           <a:prstGeom prst="straightConnector1">
             <a:avLst/>
@@ -10313,9 +10330,9 @@
                 <a:solidFill>
                   <a:schemeClr val="tx1"/>
                 </a:solidFill>
-                <a:latin typeface="Times New Roman" panose="02020603050405020304" pitchFamily="18" charset="0"/>
+                <a:latin typeface="Calibri" panose="020F0502020204030204" pitchFamily="34" charset="0"/>
                 <a:ea typeface="Source Sans Pro" panose="020B0503030403020204" pitchFamily="34" charset="0"/>
-                <a:cs typeface="Times New Roman" panose="02020603050405020304" pitchFamily="18" charset="0"/>
+                <a:cs typeface="Calibri" panose="020F0502020204030204" pitchFamily="34" charset="0"/>
               </a:rPr>
               <a:t>State</a:t>
             </a:r>
@@ -10323,8 +10340,8 @@
           <a:p>
             <a:pPr algn="ctr"/>
             <a:endParaRPr lang="ko-Kore-KR" altLang="en-US" sz="1800" dirty="0">
-              <a:latin typeface="Times New Roman" panose="02020603050405020304" pitchFamily="18" charset="0"/>
-              <a:cs typeface="Times New Roman" panose="02020603050405020304" pitchFamily="18" charset="0"/>
+              <a:latin typeface="Calibri" panose="020F0502020204030204" pitchFamily="34" charset="0"/>
+              <a:cs typeface="Calibri" panose="020F0502020204030204" pitchFamily="34" charset="0"/>
             </a:endParaRPr>
           </a:p>
         </p:txBody>
@@ -10442,9 +10459,9 @@
                 <a:solidFill>
                   <a:schemeClr val="tx1"/>
                 </a:solidFill>
-                <a:latin typeface="Times New Roman" panose="02020603050405020304" pitchFamily="18" charset="0"/>
+                <a:latin typeface="Calibri" panose="020F0502020204030204" pitchFamily="34" charset="0"/>
                 <a:ea typeface="Source Sans Pro" panose="020B0503030403020204" pitchFamily="34" charset="0"/>
-                <a:cs typeface="Times New Roman" panose="02020603050405020304" pitchFamily="18" charset="0"/>
+                <a:cs typeface="Calibri" panose="020F0502020204030204" pitchFamily="34" charset="0"/>
               </a:rPr>
               <a:t>Agent</a:t>
             </a:r>
@@ -10453,9 +10470,9 @@
                 <a:solidFill>
                   <a:schemeClr val="tx1"/>
                 </a:solidFill>
-                <a:latin typeface="Times New Roman" panose="02020603050405020304" pitchFamily="18" charset="0"/>
+                <a:latin typeface="Calibri" panose="020F0502020204030204" pitchFamily="34" charset="0"/>
                 <a:ea typeface="Source Sans Pro" panose="020B0503030403020204" pitchFamily="34" charset="0"/>
-                <a:cs typeface="Times New Roman" panose="02020603050405020304" pitchFamily="18" charset="0"/>
+                <a:cs typeface="Calibri" panose="020F0502020204030204" pitchFamily="34" charset="0"/>
               </a:rPr>
               <a:t> </a:t>
             </a:r>
@@ -10670,7 +10687,8 @@
               <a:solidFill>
                 <a:schemeClr val="tx1"/>
               </a:solidFill>
-              <a:latin typeface="Source Sans Pro" panose="020B0503030403020204" pitchFamily="34" charset="0"/>
+              <a:latin typeface="Calibri" panose="020F0502020204030204" pitchFamily="34" charset="0"/>
+              <a:cs typeface="Calibri" panose="020F0502020204030204" pitchFamily="34" charset="0"/>
             </a:endParaRPr>
           </a:p>
         </p:txBody>
@@ -10708,9 +10726,9 @@
                 <a:solidFill>
                   <a:schemeClr val="tx1"/>
                 </a:solidFill>
-                <a:latin typeface="Times New Roman" panose="02020603050405020304" pitchFamily="18" charset="0"/>
+                <a:latin typeface="Calibri" panose="020F0502020204030204" pitchFamily="34" charset="0"/>
                 <a:ea typeface="Source Sans Pro" panose="020B0503030403020204" pitchFamily="34" charset="0"/>
-                <a:cs typeface="Times New Roman" panose="02020603050405020304" pitchFamily="18" charset="0"/>
+                <a:cs typeface="Calibri" panose="020F0502020204030204" pitchFamily="34" charset="0"/>
               </a:rPr>
               <a:t>Policy Phase </a:t>
             </a:r>
@@ -10750,9 +10768,9 @@
                 <a:solidFill>
                   <a:schemeClr val="tx1"/>
                 </a:solidFill>
-                <a:latin typeface="Times New Roman" panose="02020603050405020304" pitchFamily="18" charset="0"/>
+                <a:latin typeface="Calibri" panose="020F0502020204030204" pitchFamily="34" charset="0"/>
                 <a:ea typeface="Source Sans Pro" panose="020B0503030403020204" pitchFamily="34" charset="0"/>
-                <a:cs typeface="Times New Roman" panose="02020603050405020304" pitchFamily="18" charset="0"/>
+                <a:cs typeface="Calibri" panose="020F0502020204030204" pitchFamily="34" charset="0"/>
               </a:rPr>
               <a:t>Aux Phase </a:t>
             </a:r>
@@ -10807,9 +10825,9 @@
                 <a:solidFill>
                   <a:schemeClr val="tx1"/>
                 </a:solidFill>
-                <a:latin typeface="Times New Roman" panose="02020603050405020304" pitchFamily="18" charset="0"/>
+                <a:latin typeface="Calibri" panose="020F0502020204030204" pitchFamily="34" charset="0"/>
                 <a:ea typeface="Source Sans Pro" panose="020B0503030403020204" pitchFamily="34" charset="0"/>
-                <a:cs typeface="Times New Roman" panose="02020603050405020304" pitchFamily="18" charset="0"/>
+                <a:cs typeface="Calibri" panose="020F0502020204030204" pitchFamily="34" charset="0"/>
               </a:rPr>
               <a:t>Buffer</a:t>
             </a:r>
@@ -10817,8 +10835,8 @@
               <a:solidFill>
                 <a:schemeClr val="tx1"/>
               </a:solidFill>
-              <a:latin typeface="Times New Roman" panose="02020603050405020304" pitchFamily="18" charset="0"/>
-              <a:cs typeface="Times New Roman" panose="02020603050405020304" pitchFamily="18" charset="0"/>
+              <a:latin typeface="Calibri" panose="020F0502020204030204" pitchFamily="34" charset="0"/>
+              <a:cs typeface="Calibri" panose="020F0502020204030204" pitchFamily="34" charset="0"/>
             </a:endParaRPr>
           </a:p>
         </p:txBody>
@@ -10873,7 +10891,10 @@
           <a:lstStyle/>
           <a:p>
             <a:pPr algn="ctr"/>
-            <a:endParaRPr kumimoji="1" lang="ko-Kore-KR" altLang="en-US" dirty="0"/>
+            <a:endParaRPr kumimoji="1" lang="ko-Kore-KR" altLang="en-US" dirty="0">
+              <a:latin typeface="Calibri" panose="020F0502020204030204" pitchFamily="34" charset="0"/>
+              <a:cs typeface="Calibri" panose="020F0502020204030204" pitchFamily="34" charset="0"/>
+            </a:endParaRPr>
           </a:p>
         </p:txBody>
       </p:sp>
@@ -10930,21 +10951,21 @@
                 <a:solidFill>
                   <a:schemeClr val="tx1"/>
                 </a:solidFill>
-                <a:latin typeface="Times New Roman" panose="02020603050405020304" pitchFamily="18" charset="0"/>
+                <a:latin typeface="Calibri" panose="020F0502020204030204" pitchFamily="34" charset="0"/>
                 <a:ea typeface="Source Sans Pro" panose="020B0503030403020204" pitchFamily="34" charset="0"/>
-                <a:cs typeface="Times New Roman" panose="02020603050405020304" pitchFamily="18" charset="0"/>
+                <a:cs typeface="Calibri" panose="020F0502020204030204" pitchFamily="34" charset="0"/>
               </a:rPr>
               <a:t>Encoder</a:t>
             </a:r>
           </a:p>
           <a:p>
             <a:pPr algn="ctr"/>
-            <a:endParaRPr kumimoji="1" lang="ko-Kore-KR" altLang="en-US" dirty="0">
+            <a:endParaRPr kumimoji="1" lang="ko-Kore-KR" altLang="en-US" sz="1800" dirty="0">
               <a:solidFill>
                 <a:schemeClr val="tx1"/>
               </a:solidFill>
-              <a:latin typeface="Times New Roman" panose="02020603050405020304" pitchFamily="18" charset="0"/>
-              <a:cs typeface="Times New Roman" panose="02020603050405020304" pitchFamily="18" charset="0"/>
+              <a:latin typeface="Calibri" panose="020F0502020204030204" pitchFamily="34" charset="0"/>
+              <a:cs typeface="Calibri" panose="020F0502020204030204" pitchFamily="34" charset="0"/>
             </a:endParaRPr>
           </a:p>
         </p:txBody>
@@ -10994,7 +11015,7 @@
         <p:spPr>
           <a:xfrm>
             <a:off x="5356016" y="2657896"/>
-            <a:ext cx="997843" cy="553998"/>
+            <a:ext cx="997843" cy="646331"/>
           </a:xfrm>
           <a:prstGeom prst="rect">
             <a:avLst/>
@@ -11009,22 +11030,22 @@
           <a:p>
             <a:pPr algn="ctr"/>
             <a:r>
-              <a:rPr kumimoji="1" lang="en-US" altLang="ko-Kore-KR" sz="1600" dirty="0">
+              <a:rPr kumimoji="1" lang="en-US" altLang="ko-Kore-KR" sz="1800" dirty="0">
                 <a:solidFill>
                   <a:srgbClr val="FF0000"/>
                 </a:solidFill>
-                <a:latin typeface="Times New Roman" panose="02020603050405020304" pitchFamily="18" charset="0"/>
+                <a:latin typeface="Calibri" panose="020F0502020204030204" pitchFamily="34" charset="0"/>
                 <a:ea typeface="Source Sans Pro" panose="020B0503030403020204" pitchFamily="34" charset="0"/>
-                <a:cs typeface="Times New Roman" panose="02020603050405020304" pitchFamily="18" charset="0"/>
+                <a:cs typeface="Calibri" panose="020F0502020204030204" pitchFamily="34" charset="0"/>
               </a:rPr>
               <a:t>Policy</a:t>
             </a:r>
           </a:p>
           <a:p>
             <a:pPr algn="ctr"/>
-            <a:endParaRPr lang="ko-Kore-KR" altLang="en-US" dirty="0">
-              <a:latin typeface="Times New Roman" panose="02020603050405020304" pitchFamily="18" charset="0"/>
-              <a:cs typeface="Times New Roman" panose="02020603050405020304" pitchFamily="18" charset="0"/>
+            <a:endParaRPr lang="ko-Kore-KR" altLang="en-US" sz="1800" dirty="0">
+              <a:latin typeface="Calibri" panose="020F0502020204030204" pitchFamily="34" charset="0"/>
+              <a:cs typeface="Calibri" panose="020F0502020204030204" pitchFamily="34" charset="0"/>
             </a:endParaRPr>
           </a:p>
         </p:txBody>
@@ -11077,8 +11098,8 @@
         </p:nvCxnSpPr>
         <p:spPr>
           <a:xfrm flipV="1">
-            <a:off x="5001958" y="2934895"/>
-            <a:ext cx="354058" cy="486000"/>
+            <a:off x="5001958" y="2981062"/>
+            <a:ext cx="354058" cy="439833"/>
           </a:xfrm>
           <a:prstGeom prst="straightConnector1">
             <a:avLst/>
@@ -11120,7 +11141,7 @@
         <p:spPr>
           <a:xfrm>
             <a:off x="5356017" y="3629896"/>
-            <a:ext cx="997843" cy="553998"/>
+            <a:ext cx="997843" cy="646331"/>
           </a:xfrm>
           <a:prstGeom prst="rect">
             <a:avLst/>
@@ -11135,27 +11156,27 @@
           <a:p>
             <a:pPr algn="ctr"/>
             <a:r>
-              <a:rPr kumimoji="1" lang="en-US" altLang="ko-Kore-KR" sz="1600" dirty="0">
+              <a:rPr kumimoji="1" lang="en-US" altLang="ko-Kore-KR" sz="1800" dirty="0">
                 <a:solidFill>
                   <a:schemeClr val="accent1"/>
                 </a:solidFill>
-                <a:latin typeface="Times New Roman" panose="02020603050405020304" pitchFamily="18" charset="0"/>
+                <a:latin typeface="Calibri" panose="020F0502020204030204" pitchFamily="34" charset="0"/>
                 <a:ea typeface="Source Sans Pro" panose="020B0503030403020204" pitchFamily="34" charset="0"/>
-                <a:cs typeface="Times New Roman" panose="02020603050405020304" pitchFamily="18" charset="0"/>
+                <a:cs typeface="Calibri" panose="020F0502020204030204" pitchFamily="34" charset="0"/>
               </a:rPr>
               <a:t>Value</a:t>
             </a:r>
           </a:p>
           <a:p>
             <a:pPr algn="ctr"/>
-            <a:endParaRPr lang="ko-Kore-KR" altLang="en-US" dirty="0">
+            <a:endParaRPr lang="ko-Kore-KR" altLang="en-US" sz="1800" dirty="0">
               <a:solidFill>
                 <a:schemeClr val="tx1">
                   <a:alpha val="20000"/>
                 </a:schemeClr>
               </a:solidFill>
-              <a:latin typeface="Times New Roman" panose="02020603050405020304" pitchFamily="18" charset="0"/>
-              <a:cs typeface="Times New Roman" panose="02020603050405020304" pitchFamily="18" charset="0"/>
+              <a:latin typeface="Calibri" panose="020F0502020204030204" pitchFamily="34" charset="0"/>
+              <a:cs typeface="Calibri" panose="020F0502020204030204" pitchFamily="34" charset="0"/>
             </a:endParaRPr>
           </a:p>
         </p:txBody>
@@ -11211,7 +11232,7 @@
         <p:spPr>
           <a:xfrm>
             <a:off x="5001958" y="3420895"/>
-            <a:ext cx="354059" cy="486000"/>
+            <a:ext cx="354059" cy="532167"/>
           </a:xfrm>
           <a:prstGeom prst="straightConnector1">
             <a:avLst/>
@@ -11318,9 +11339,9 @@
                 <a:solidFill>
                   <a:schemeClr val="tx1"/>
                 </a:solidFill>
-                <a:latin typeface="Times New Roman" panose="02020603050405020304" pitchFamily="18" charset="0"/>
+                <a:latin typeface="Calibri" panose="020F0502020204030204" pitchFamily="34" charset="0"/>
                 <a:ea typeface="Source Sans Pro" panose="020B0503030403020204" pitchFamily="34" charset="0"/>
-                <a:cs typeface="Times New Roman" panose="02020603050405020304" pitchFamily="18" charset="0"/>
+                <a:cs typeface="Calibri" panose="020F0502020204030204" pitchFamily="34" charset="0"/>
               </a:rPr>
               <a:t>State</a:t>
             </a:r>
@@ -11328,8 +11349,8 @@
           <a:p>
             <a:pPr algn="ctr"/>
             <a:endParaRPr lang="ko-Kore-KR" altLang="en-US" sz="1800" dirty="0">
-              <a:latin typeface="Times New Roman" panose="02020603050405020304" pitchFamily="18" charset="0"/>
-              <a:cs typeface="Times New Roman" panose="02020603050405020304" pitchFamily="18" charset="0"/>
+              <a:latin typeface="Calibri" panose="020F0502020204030204" pitchFamily="34" charset="0"/>
+              <a:cs typeface="Calibri" panose="020F0502020204030204" pitchFamily="34" charset="0"/>
             </a:endParaRPr>
           </a:p>
         </p:txBody>
@@ -11414,7 +11435,10 @@
           <a:lstStyle/>
           <a:p>
             <a:pPr algn="ctr"/>
-            <a:endParaRPr kumimoji="1" lang="ko-Kore-KR" altLang="en-US" dirty="0"/>
+            <a:endParaRPr kumimoji="1" lang="ko-Kore-KR" altLang="en-US" sz="1800" dirty="0">
+              <a:latin typeface="Calibri" panose="020F0502020204030204" pitchFamily="34" charset="0"/>
+              <a:cs typeface="Calibri" panose="020F0502020204030204" pitchFamily="34" charset="0"/>
+            </a:endParaRPr>
           </a:p>
         </p:txBody>
       </p:sp>
@@ -11469,7 +11493,10 @@
           <a:lstStyle/>
           <a:p>
             <a:pPr algn="ctr"/>
-            <a:endParaRPr kumimoji="1" lang="ko-Kore-KR" altLang="en-US"/>
+            <a:endParaRPr kumimoji="1" lang="ko-Kore-KR" altLang="en-US">
+              <a:latin typeface="Calibri" panose="020F0502020204030204" pitchFamily="34" charset="0"/>
+              <a:cs typeface="Calibri" panose="020F0502020204030204" pitchFamily="34" charset="0"/>
+            </a:endParaRPr>
           </a:p>
         </p:txBody>
       </p:sp>
@@ -11556,21 +11583,21 @@
                 <a:solidFill>
                   <a:schemeClr val="tx1"/>
                 </a:solidFill>
-                <a:latin typeface="Times New Roman" panose="02020603050405020304" pitchFamily="18" charset="0"/>
+                <a:latin typeface="Calibri" panose="020F0502020204030204" pitchFamily="34" charset="0"/>
                 <a:ea typeface="Source Sans Pro" panose="020B0503030403020204" pitchFamily="34" charset="0"/>
-                <a:cs typeface="Times New Roman" panose="02020603050405020304" pitchFamily="18" charset="0"/>
+                <a:cs typeface="Calibri" panose="020F0502020204030204" pitchFamily="34" charset="0"/>
               </a:rPr>
               <a:t>Encoder</a:t>
             </a:r>
           </a:p>
           <a:p>
             <a:pPr algn="ctr"/>
-            <a:endParaRPr kumimoji="1" lang="ko-Kore-KR" altLang="en-US" dirty="0">
+            <a:endParaRPr kumimoji="1" lang="ko-Kore-KR" altLang="en-US" sz="1800" dirty="0">
               <a:solidFill>
                 <a:schemeClr val="tx1"/>
               </a:solidFill>
-              <a:latin typeface="Times New Roman" panose="02020603050405020304" pitchFamily="18" charset="0"/>
-              <a:cs typeface="Times New Roman" panose="02020603050405020304" pitchFamily="18" charset="0"/>
+              <a:latin typeface="Calibri" panose="020F0502020204030204" pitchFamily="34" charset="0"/>
+              <a:cs typeface="Calibri" panose="020F0502020204030204" pitchFamily="34" charset="0"/>
             </a:endParaRPr>
           </a:p>
         </p:txBody>
@@ -11620,7 +11647,7 @@
         <p:spPr>
           <a:xfrm>
             <a:off x="5356016" y="718061"/>
-            <a:ext cx="997843" cy="553998"/>
+            <a:ext cx="997843" cy="646331"/>
           </a:xfrm>
           <a:prstGeom prst="rect">
             <a:avLst/>
@@ -11635,22 +11662,22 @@
           <a:p>
             <a:pPr algn="ctr"/>
             <a:r>
-              <a:rPr kumimoji="1" lang="en-US" altLang="ko-Kore-KR" sz="1600" dirty="0">
+              <a:rPr kumimoji="1" lang="en-US" altLang="ko-Kore-KR" sz="1800" dirty="0">
                 <a:solidFill>
                   <a:schemeClr val="accent1"/>
                 </a:solidFill>
-                <a:latin typeface="Times New Roman" panose="02020603050405020304" pitchFamily="18" charset="0"/>
+                <a:latin typeface="Calibri" panose="020F0502020204030204" pitchFamily="34" charset="0"/>
                 <a:ea typeface="Source Sans Pro" panose="020B0503030403020204" pitchFamily="34" charset="0"/>
-                <a:cs typeface="Times New Roman" panose="02020603050405020304" pitchFamily="18" charset="0"/>
+                <a:cs typeface="Calibri" panose="020F0502020204030204" pitchFamily="34" charset="0"/>
               </a:rPr>
               <a:t>Policy</a:t>
             </a:r>
           </a:p>
           <a:p>
             <a:pPr algn="ctr"/>
-            <a:endParaRPr lang="ko-Kore-KR" altLang="en-US" dirty="0">
-              <a:latin typeface="Times New Roman" panose="02020603050405020304" pitchFamily="18" charset="0"/>
-              <a:cs typeface="Times New Roman" panose="02020603050405020304" pitchFamily="18" charset="0"/>
+            <a:endParaRPr lang="ko-Kore-KR" altLang="en-US" sz="1800" dirty="0">
+              <a:latin typeface="Calibri" panose="020F0502020204030204" pitchFamily="34" charset="0"/>
+              <a:cs typeface="Calibri" panose="020F0502020204030204" pitchFamily="34" charset="0"/>
             </a:endParaRPr>
           </a:p>
         </p:txBody>
@@ -11703,8 +11730,8 @@
         </p:nvCxnSpPr>
         <p:spPr>
           <a:xfrm flipV="1">
-            <a:off x="5001958" y="995060"/>
-            <a:ext cx="354058" cy="486000"/>
+            <a:off x="5001958" y="1041227"/>
+            <a:ext cx="354058" cy="439833"/>
           </a:xfrm>
           <a:prstGeom prst="straightConnector1">
             <a:avLst/>
@@ -11746,7 +11773,7 @@
         <p:spPr>
           <a:xfrm>
             <a:off x="5356017" y="1690061"/>
-            <a:ext cx="997843" cy="553998"/>
+            <a:ext cx="997843" cy="646331"/>
           </a:xfrm>
           <a:prstGeom prst="rect">
             <a:avLst/>
@@ -11761,27 +11788,27 @@
           <a:p>
             <a:pPr algn="ctr"/>
             <a:r>
-              <a:rPr kumimoji="1" lang="en-US" altLang="ko-Kore-KR" sz="1600" dirty="0">
+              <a:rPr kumimoji="1" lang="en-US" altLang="ko-Kore-KR" sz="1800" dirty="0">
                 <a:solidFill>
                   <a:srgbClr val="FF0000"/>
                 </a:solidFill>
-                <a:latin typeface="Times New Roman" panose="02020603050405020304" pitchFamily="18" charset="0"/>
+                <a:latin typeface="Calibri" panose="020F0502020204030204" pitchFamily="34" charset="0"/>
                 <a:ea typeface="Source Sans Pro" panose="020B0503030403020204" pitchFamily="34" charset="0"/>
-                <a:cs typeface="Times New Roman" panose="02020603050405020304" pitchFamily="18" charset="0"/>
+                <a:cs typeface="Calibri" panose="020F0502020204030204" pitchFamily="34" charset="0"/>
               </a:rPr>
               <a:t>Value</a:t>
             </a:r>
           </a:p>
           <a:p>
             <a:pPr algn="ctr"/>
-            <a:endParaRPr lang="ko-Kore-KR" altLang="en-US" dirty="0">
+            <a:endParaRPr lang="ko-Kore-KR" altLang="en-US" sz="1800" dirty="0">
               <a:solidFill>
                 <a:schemeClr val="tx1">
                   <a:alpha val="20000"/>
                 </a:schemeClr>
               </a:solidFill>
-              <a:latin typeface="Times New Roman" panose="02020603050405020304" pitchFamily="18" charset="0"/>
-              <a:cs typeface="Times New Roman" panose="02020603050405020304" pitchFamily="18" charset="0"/>
+              <a:latin typeface="Calibri" panose="020F0502020204030204" pitchFamily="34" charset="0"/>
+              <a:cs typeface="Calibri" panose="020F0502020204030204" pitchFamily="34" charset="0"/>
             </a:endParaRPr>
           </a:p>
         </p:txBody>
@@ -11837,7 +11864,7 @@
         <p:spPr>
           <a:xfrm>
             <a:off x="5001958" y="1481060"/>
-            <a:ext cx="354059" cy="486000"/>
+            <a:ext cx="354059" cy="532167"/>
           </a:xfrm>
           <a:prstGeom prst="straightConnector1">
             <a:avLst/>
@@ -11944,9 +11971,9 @@
                 <a:solidFill>
                   <a:schemeClr val="tx1"/>
                 </a:solidFill>
-                <a:latin typeface="Times New Roman" panose="02020603050405020304" pitchFamily="18" charset="0"/>
+                <a:latin typeface="Calibri" panose="020F0502020204030204" pitchFamily="34" charset="0"/>
                 <a:ea typeface="Source Sans Pro" panose="020B0503030403020204" pitchFamily="34" charset="0"/>
-                <a:cs typeface="Times New Roman" panose="02020603050405020304" pitchFamily="18" charset="0"/>
+                <a:cs typeface="Calibri" panose="020F0502020204030204" pitchFamily="34" charset="0"/>
               </a:rPr>
               <a:t>State</a:t>
             </a:r>
@@ -11954,8 +11981,8 @@
           <a:p>
             <a:pPr algn="ctr"/>
             <a:endParaRPr lang="ko-Kore-KR" altLang="en-US" sz="1800" dirty="0">
-              <a:latin typeface="Times New Roman" panose="02020603050405020304" pitchFamily="18" charset="0"/>
-              <a:cs typeface="Times New Roman" panose="02020603050405020304" pitchFamily="18" charset="0"/>
+              <a:latin typeface="Calibri" panose="020F0502020204030204" pitchFamily="34" charset="0"/>
+              <a:cs typeface="Calibri" panose="020F0502020204030204" pitchFamily="34" charset="0"/>
             </a:endParaRPr>
           </a:p>
         </p:txBody>
@@ -12073,9 +12100,9 @@
                 <a:solidFill>
                   <a:schemeClr val="tx1"/>
                 </a:solidFill>
-                <a:latin typeface="Times New Roman" panose="02020603050405020304" pitchFamily="18" charset="0"/>
+                <a:latin typeface="Calibri" panose="020F0502020204030204" pitchFamily="34" charset="0"/>
                 <a:ea typeface="Source Sans Pro" panose="020B0503030403020204" pitchFamily="34" charset="0"/>
-                <a:cs typeface="Times New Roman" panose="02020603050405020304" pitchFamily="18" charset="0"/>
+                <a:cs typeface="Calibri" panose="020F0502020204030204" pitchFamily="34" charset="0"/>
               </a:rPr>
               <a:t>Agent</a:t>
             </a:r>
@@ -12084,9 +12111,9 @@
                 <a:solidFill>
                   <a:schemeClr val="tx1"/>
                 </a:solidFill>
-                <a:latin typeface="Times New Roman" panose="02020603050405020304" pitchFamily="18" charset="0"/>
+                <a:latin typeface="Calibri" panose="020F0502020204030204" pitchFamily="34" charset="0"/>
                 <a:ea typeface="Source Sans Pro" panose="020B0503030403020204" pitchFamily="34" charset="0"/>
-                <a:cs typeface="Times New Roman" panose="02020603050405020304" pitchFamily="18" charset="0"/>
+                <a:cs typeface="Calibri" panose="020F0502020204030204" pitchFamily="34" charset="0"/>
               </a:rPr>
               <a:t> </a:t>
             </a:r>
@@ -12301,7 +12328,8 @@
               <a:solidFill>
                 <a:schemeClr val="tx1"/>
               </a:solidFill>
-              <a:latin typeface="Source Sans Pro" panose="020B0503030403020204" pitchFamily="34" charset="0"/>
+              <a:latin typeface="Calibri" panose="020F0502020204030204" pitchFamily="34" charset="0"/>
+              <a:cs typeface="Calibri" panose="020F0502020204030204" pitchFamily="34" charset="0"/>
             </a:endParaRPr>
           </a:p>
         </p:txBody>
@@ -12339,9 +12367,9 @@
                 <a:solidFill>
                   <a:schemeClr val="tx1"/>
                 </a:solidFill>
-                <a:latin typeface="Times New Roman" panose="02020603050405020304" pitchFamily="18" charset="0"/>
+                <a:latin typeface="Calibri" panose="020F0502020204030204" pitchFamily="34" charset="0"/>
                 <a:ea typeface="Source Sans Pro" panose="020B0503030403020204" pitchFamily="34" charset="0"/>
-                <a:cs typeface="Times New Roman" panose="02020603050405020304" pitchFamily="18" charset="0"/>
+                <a:cs typeface="Calibri" panose="020F0502020204030204" pitchFamily="34" charset="0"/>
               </a:rPr>
               <a:t>Policy Phase </a:t>
             </a:r>
@@ -12381,9 +12409,9 @@
                 <a:solidFill>
                   <a:schemeClr val="tx1"/>
                 </a:solidFill>
-                <a:latin typeface="Times New Roman" panose="02020603050405020304" pitchFamily="18" charset="0"/>
+                <a:latin typeface="Calibri" panose="020F0502020204030204" pitchFamily="34" charset="0"/>
                 <a:ea typeface="Source Sans Pro" panose="020B0503030403020204" pitchFamily="34" charset="0"/>
-                <a:cs typeface="Times New Roman" panose="02020603050405020304" pitchFamily="18" charset="0"/>
+                <a:cs typeface="Calibri" panose="020F0502020204030204" pitchFamily="34" charset="0"/>
               </a:rPr>
               <a:t>Aux Phase </a:t>
             </a:r>
@@ -12443,9 +12471,9 @@
                 <a:solidFill>
                   <a:schemeClr val="tx1"/>
                 </a:solidFill>
-                <a:latin typeface="Times New Roman" panose="02020603050405020304" pitchFamily="18" charset="0"/>
+                <a:latin typeface="Calibri" panose="020F0502020204030204" pitchFamily="34" charset="0"/>
                 <a:ea typeface="Source Sans Pro" panose="020B0503030403020204" pitchFamily="34" charset="0"/>
-                <a:cs typeface="Times New Roman" panose="02020603050405020304" pitchFamily="18" charset="0"/>
+                <a:cs typeface="Calibri" panose="020F0502020204030204" pitchFamily="34" charset="0"/>
               </a:rPr>
               <a:t>Buffer</a:t>
             </a:r>
@@ -12453,8 +12481,8 @@
               <a:solidFill>
                 <a:schemeClr val="tx1"/>
               </a:solidFill>
-              <a:latin typeface="Times New Roman" panose="02020603050405020304" pitchFamily="18" charset="0"/>
-              <a:cs typeface="Times New Roman" panose="02020603050405020304" pitchFamily="18" charset="0"/>
+              <a:latin typeface="Calibri" panose="020F0502020204030204" pitchFamily="34" charset="0"/>
+              <a:cs typeface="Calibri" panose="020F0502020204030204" pitchFamily="34" charset="0"/>
             </a:endParaRPr>
           </a:p>
         </p:txBody>
@@ -12509,7 +12537,10 @@
           <a:lstStyle/>
           <a:p>
             <a:pPr algn="ctr"/>
-            <a:endParaRPr kumimoji="1" lang="ko-Kore-KR" altLang="en-US" dirty="0"/>
+            <a:endParaRPr kumimoji="1" lang="ko-Kore-KR" altLang="en-US" dirty="0">
+              <a:latin typeface="Calibri" panose="020F0502020204030204" pitchFamily="34" charset="0"/>
+              <a:cs typeface="Calibri" panose="020F0502020204030204" pitchFamily="34" charset="0"/>
+            </a:endParaRPr>
           </a:p>
         </p:txBody>
       </p:sp>
@@ -12566,21 +12597,21 @@
                 <a:solidFill>
                   <a:schemeClr val="tx1"/>
                 </a:solidFill>
-                <a:latin typeface="Times New Roman" panose="02020603050405020304" pitchFamily="18" charset="0"/>
+                <a:latin typeface="Calibri" panose="020F0502020204030204" pitchFamily="34" charset="0"/>
                 <a:ea typeface="Source Sans Pro" panose="020B0503030403020204" pitchFamily="34" charset="0"/>
-                <a:cs typeface="Times New Roman" panose="02020603050405020304" pitchFamily="18" charset="0"/>
+                <a:cs typeface="Calibri" panose="020F0502020204030204" pitchFamily="34" charset="0"/>
               </a:rPr>
               <a:t>Encoder</a:t>
             </a:r>
           </a:p>
           <a:p>
             <a:pPr algn="ctr"/>
-            <a:endParaRPr kumimoji="1" lang="ko-Kore-KR" altLang="en-US" dirty="0">
+            <a:endParaRPr kumimoji="1" lang="ko-Kore-KR" altLang="en-US" sz="1800" dirty="0">
               <a:solidFill>
                 <a:schemeClr val="tx1"/>
               </a:solidFill>
-              <a:latin typeface="Times New Roman" panose="02020603050405020304" pitchFamily="18" charset="0"/>
-              <a:cs typeface="Times New Roman" panose="02020603050405020304" pitchFamily="18" charset="0"/>
+              <a:latin typeface="Calibri" panose="020F0502020204030204" pitchFamily="34" charset="0"/>
+              <a:cs typeface="Calibri" panose="020F0502020204030204" pitchFamily="34" charset="0"/>
             </a:endParaRPr>
           </a:p>
         </p:txBody>
@@ -12630,7 +12661,7 @@
         <p:spPr>
           <a:xfrm>
             <a:off x="5356016" y="2657896"/>
-            <a:ext cx="997843" cy="553998"/>
+            <a:ext cx="997843" cy="646331"/>
           </a:xfrm>
           <a:prstGeom prst="rect">
             <a:avLst/>
@@ -12645,22 +12676,22 @@
           <a:p>
             <a:pPr algn="ctr"/>
             <a:r>
-              <a:rPr kumimoji="1" lang="en-US" altLang="ko-Kore-KR" sz="1600" dirty="0">
+              <a:rPr kumimoji="1" lang="en-US" altLang="ko-Kore-KR" sz="1800" dirty="0">
                 <a:solidFill>
                   <a:srgbClr val="FF0000"/>
                 </a:solidFill>
-                <a:latin typeface="Times New Roman" panose="02020603050405020304" pitchFamily="18" charset="0"/>
+                <a:latin typeface="Calibri" panose="020F0502020204030204" pitchFamily="34" charset="0"/>
                 <a:ea typeface="Source Sans Pro" panose="020B0503030403020204" pitchFamily="34" charset="0"/>
-                <a:cs typeface="Times New Roman" panose="02020603050405020304" pitchFamily="18" charset="0"/>
+                <a:cs typeface="Calibri" panose="020F0502020204030204" pitchFamily="34" charset="0"/>
               </a:rPr>
               <a:t>Policy</a:t>
             </a:r>
           </a:p>
           <a:p>
             <a:pPr algn="ctr"/>
-            <a:endParaRPr lang="ko-Kore-KR" altLang="en-US" dirty="0">
-              <a:latin typeface="Times New Roman" panose="02020603050405020304" pitchFamily="18" charset="0"/>
-              <a:cs typeface="Times New Roman" panose="02020603050405020304" pitchFamily="18" charset="0"/>
+            <a:endParaRPr lang="ko-Kore-KR" altLang="en-US" sz="1800" dirty="0">
+              <a:latin typeface="Calibri" panose="020F0502020204030204" pitchFamily="34" charset="0"/>
+              <a:cs typeface="Calibri" panose="020F0502020204030204" pitchFamily="34" charset="0"/>
             </a:endParaRPr>
           </a:p>
         </p:txBody>
@@ -12713,8 +12744,8 @@
         </p:nvCxnSpPr>
         <p:spPr>
           <a:xfrm flipV="1">
-            <a:off x="5001958" y="2934895"/>
-            <a:ext cx="354058" cy="486000"/>
+            <a:off x="5001958" y="2981062"/>
+            <a:ext cx="354058" cy="439833"/>
           </a:xfrm>
           <a:prstGeom prst="straightConnector1">
             <a:avLst/>
@@ -12756,7 +12787,7 @@
         <p:spPr>
           <a:xfrm>
             <a:off x="5356017" y="3629896"/>
-            <a:ext cx="997843" cy="553998"/>
+            <a:ext cx="997843" cy="646331"/>
           </a:xfrm>
           <a:prstGeom prst="rect">
             <a:avLst/>
@@ -12771,27 +12802,27 @@
           <a:p>
             <a:pPr algn="ctr"/>
             <a:r>
-              <a:rPr kumimoji="1" lang="en-US" altLang="ko-Kore-KR" sz="1600" dirty="0">
+              <a:rPr kumimoji="1" lang="en-US" altLang="ko-Kore-KR" sz="1800" dirty="0">
                 <a:solidFill>
                   <a:schemeClr val="accent1"/>
                 </a:solidFill>
-                <a:latin typeface="Times New Roman" panose="02020603050405020304" pitchFamily="18" charset="0"/>
+                <a:latin typeface="Calibri" panose="020F0502020204030204" pitchFamily="34" charset="0"/>
                 <a:ea typeface="Source Sans Pro" panose="020B0503030403020204" pitchFamily="34" charset="0"/>
-                <a:cs typeface="Times New Roman" panose="02020603050405020304" pitchFamily="18" charset="0"/>
+                <a:cs typeface="Calibri" panose="020F0502020204030204" pitchFamily="34" charset="0"/>
               </a:rPr>
               <a:t>Value</a:t>
             </a:r>
           </a:p>
           <a:p>
             <a:pPr algn="ctr"/>
-            <a:endParaRPr lang="ko-Kore-KR" altLang="en-US" dirty="0">
+            <a:endParaRPr lang="ko-Kore-KR" altLang="en-US" sz="1800" dirty="0">
               <a:solidFill>
                 <a:schemeClr val="tx1">
                   <a:alpha val="20000"/>
                 </a:schemeClr>
               </a:solidFill>
-              <a:latin typeface="Times New Roman" panose="02020603050405020304" pitchFamily="18" charset="0"/>
-              <a:cs typeface="Times New Roman" panose="02020603050405020304" pitchFamily="18" charset="0"/>
+              <a:latin typeface="Calibri" panose="020F0502020204030204" pitchFamily="34" charset="0"/>
+              <a:cs typeface="Calibri" panose="020F0502020204030204" pitchFamily="34" charset="0"/>
             </a:endParaRPr>
           </a:p>
         </p:txBody>
@@ -12847,7 +12878,7 @@
         <p:spPr>
           <a:xfrm>
             <a:off x="5001958" y="3420895"/>
-            <a:ext cx="354059" cy="486000"/>
+            <a:ext cx="354059" cy="532167"/>
           </a:xfrm>
           <a:prstGeom prst="straightConnector1">
             <a:avLst/>
@@ -12954,9 +12985,9 @@
                 <a:solidFill>
                   <a:schemeClr val="tx1"/>
                 </a:solidFill>
-                <a:latin typeface="Times New Roman" panose="02020603050405020304" pitchFamily="18" charset="0"/>
+                <a:latin typeface="Calibri" panose="020F0502020204030204" pitchFamily="34" charset="0"/>
                 <a:ea typeface="Source Sans Pro" panose="020B0503030403020204" pitchFamily="34" charset="0"/>
-                <a:cs typeface="Times New Roman" panose="02020603050405020304" pitchFamily="18" charset="0"/>
+                <a:cs typeface="Calibri" panose="020F0502020204030204" pitchFamily="34" charset="0"/>
               </a:rPr>
               <a:t>State</a:t>
             </a:r>
@@ -12964,8 +12995,8 @@
           <a:p>
             <a:pPr algn="ctr"/>
             <a:endParaRPr lang="ko-Kore-KR" altLang="en-US" sz="1800" dirty="0">
-              <a:latin typeface="Times New Roman" panose="02020603050405020304" pitchFamily="18" charset="0"/>
-              <a:cs typeface="Times New Roman" panose="02020603050405020304" pitchFamily="18" charset="0"/>
+              <a:latin typeface="Calibri" panose="020F0502020204030204" pitchFamily="34" charset="0"/>
+              <a:cs typeface="Calibri" panose="020F0502020204030204" pitchFamily="34" charset="0"/>
             </a:endParaRPr>
           </a:p>
         </p:txBody>
@@ -13050,7 +13081,10 @@
           <a:lstStyle/>
           <a:p>
             <a:pPr algn="ctr"/>
-            <a:endParaRPr kumimoji="1" lang="ko-Kore-KR" altLang="en-US" dirty="0"/>
+            <a:endParaRPr kumimoji="1" lang="ko-Kore-KR" altLang="en-US" sz="1800" dirty="0">
+              <a:latin typeface="Calibri" panose="020F0502020204030204" pitchFamily="34" charset="0"/>
+              <a:cs typeface="Calibri" panose="020F0502020204030204" pitchFamily="34" charset="0"/>
+            </a:endParaRPr>
           </a:p>
         </p:txBody>
       </p:sp>
@@ -13105,7 +13139,10 @@
           <a:lstStyle/>
           <a:p>
             <a:pPr algn="ctr"/>
-            <a:endParaRPr kumimoji="1" lang="ko-Kore-KR" altLang="en-US" dirty="0"/>
+            <a:endParaRPr kumimoji="1" lang="ko-Kore-KR" altLang="en-US" dirty="0">
+              <a:latin typeface="Calibri" panose="020F0502020204030204" pitchFamily="34" charset="0"/>
+              <a:cs typeface="Calibri" panose="020F0502020204030204" pitchFamily="34" charset="0"/>
+            </a:endParaRPr>
           </a:p>
         </p:txBody>
       </p:sp>
@@ -13192,21 +13229,21 @@
                 <a:solidFill>
                   <a:schemeClr val="tx1"/>
                 </a:solidFill>
-                <a:latin typeface="Times New Roman" panose="02020603050405020304" pitchFamily="18" charset="0"/>
+                <a:latin typeface="Calibri" panose="020F0502020204030204" pitchFamily="34" charset="0"/>
                 <a:ea typeface="Source Sans Pro" panose="020B0503030403020204" pitchFamily="34" charset="0"/>
-                <a:cs typeface="Times New Roman" panose="02020603050405020304" pitchFamily="18" charset="0"/>
+                <a:cs typeface="Calibri" panose="020F0502020204030204" pitchFamily="34" charset="0"/>
               </a:rPr>
               <a:t>Encoder</a:t>
             </a:r>
           </a:p>
           <a:p>
             <a:pPr algn="ctr"/>
-            <a:endParaRPr kumimoji="1" lang="ko-Kore-KR" altLang="en-US" dirty="0">
+            <a:endParaRPr kumimoji="1" lang="ko-Kore-KR" altLang="en-US" sz="1800" dirty="0">
               <a:solidFill>
                 <a:schemeClr val="tx1"/>
               </a:solidFill>
-              <a:latin typeface="Times New Roman" panose="02020603050405020304" pitchFamily="18" charset="0"/>
-              <a:cs typeface="Times New Roman" panose="02020603050405020304" pitchFamily="18" charset="0"/>
+              <a:latin typeface="Calibri" panose="020F0502020204030204" pitchFamily="34" charset="0"/>
+              <a:cs typeface="Calibri" panose="020F0502020204030204" pitchFamily="34" charset="0"/>
             </a:endParaRPr>
           </a:p>
         </p:txBody>
@@ -13256,7 +13293,7 @@
         <p:spPr>
           <a:xfrm>
             <a:off x="5356016" y="718061"/>
-            <a:ext cx="997843" cy="553998"/>
+            <a:ext cx="997843" cy="646331"/>
           </a:xfrm>
           <a:prstGeom prst="rect">
             <a:avLst/>
@@ -13271,22 +13308,22 @@
           <a:p>
             <a:pPr algn="ctr"/>
             <a:r>
-              <a:rPr kumimoji="1" lang="en-US" altLang="ko-Kore-KR" sz="1600" dirty="0">
+              <a:rPr kumimoji="1" lang="en-US" altLang="ko-Kore-KR" sz="1800" dirty="0">
                 <a:solidFill>
                   <a:schemeClr val="accent1"/>
                 </a:solidFill>
-                <a:latin typeface="Times New Roman" panose="02020603050405020304" pitchFamily="18" charset="0"/>
+                <a:latin typeface="Calibri" panose="020F0502020204030204" pitchFamily="34" charset="0"/>
                 <a:ea typeface="Source Sans Pro" panose="020B0503030403020204" pitchFamily="34" charset="0"/>
-                <a:cs typeface="Times New Roman" panose="02020603050405020304" pitchFamily="18" charset="0"/>
+                <a:cs typeface="Calibri" panose="020F0502020204030204" pitchFamily="34" charset="0"/>
               </a:rPr>
               <a:t>Policy</a:t>
             </a:r>
           </a:p>
           <a:p>
             <a:pPr algn="ctr"/>
-            <a:endParaRPr lang="ko-Kore-KR" altLang="en-US" dirty="0">
-              <a:latin typeface="Times New Roman" panose="02020603050405020304" pitchFamily="18" charset="0"/>
-              <a:cs typeface="Times New Roman" panose="02020603050405020304" pitchFamily="18" charset="0"/>
+            <a:endParaRPr lang="ko-Kore-KR" altLang="en-US" sz="1800" dirty="0">
+              <a:latin typeface="Calibri" panose="020F0502020204030204" pitchFamily="34" charset="0"/>
+              <a:cs typeface="Calibri" panose="020F0502020204030204" pitchFamily="34" charset="0"/>
             </a:endParaRPr>
           </a:p>
         </p:txBody>
@@ -13339,8 +13376,8 @@
         </p:nvCxnSpPr>
         <p:spPr>
           <a:xfrm flipV="1">
-            <a:off x="5001958" y="995060"/>
-            <a:ext cx="354058" cy="486000"/>
+            <a:off x="5001958" y="1041227"/>
+            <a:ext cx="354058" cy="439833"/>
           </a:xfrm>
           <a:prstGeom prst="straightConnector1">
             <a:avLst/>
@@ -13382,7 +13419,7 @@
         <p:spPr>
           <a:xfrm>
             <a:off x="5356017" y="1690061"/>
-            <a:ext cx="997843" cy="553998"/>
+            <a:ext cx="997843" cy="646331"/>
           </a:xfrm>
           <a:prstGeom prst="rect">
             <a:avLst/>
@@ -13397,27 +13434,27 @@
           <a:p>
             <a:pPr algn="ctr"/>
             <a:r>
-              <a:rPr kumimoji="1" lang="en-US" altLang="ko-Kore-KR" sz="1600" dirty="0">
+              <a:rPr kumimoji="1" lang="en-US" altLang="ko-Kore-KR" sz="1800" dirty="0">
                 <a:solidFill>
                   <a:srgbClr val="FF0000"/>
                 </a:solidFill>
-                <a:latin typeface="Times New Roman" panose="02020603050405020304" pitchFamily="18" charset="0"/>
+                <a:latin typeface="Calibri" panose="020F0502020204030204" pitchFamily="34" charset="0"/>
                 <a:ea typeface="Source Sans Pro" panose="020B0503030403020204" pitchFamily="34" charset="0"/>
-                <a:cs typeface="Times New Roman" panose="02020603050405020304" pitchFamily="18" charset="0"/>
+                <a:cs typeface="Calibri" panose="020F0502020204030204" pitchFamily="34" charset="0"/>
               </a:rPr>
               <a:t>Value</a:t>
             </a:r>
           </a:p>
           <a:p>
             <a:pPr algn="ctr"/>
-            <a:endParaRPr lang="ko-Kore-KR" altLang="en-US" dirty="0">
+            <a:endParaRPr lang="ko-Kore-KR" altLang="en-US" sz="1800" dirty="0">
               <a:solidFill>
                 <a:schemeClr val="tx1">
                   <a:alpha val="20000"/>
                 </a:schemeClr>
               </a:solidFill>
-              <a:latin typeface="Times New Roman" panose="02020603050405020304" pitchFamily="18" charset="0"/>
-              <a:cs typeface="Times New Roman" panose="02020603050405020304" pitchFamily="18" charset="0"/>
+              <a:latin typeface="Calibri" panose="020F0502020204030204" pitchFamily="34" charset="0"/>
+              <a:cs typeface="Calibri" panose="020F0502020204030204" pitchFamily="34" charset="0"/>
             </a:endParaRPr>
           </a:p>
         </p:txBody>
@@ -13473,7 +13510,7 @@
         <p:spPr>
           <a:xfrm>
             <a:off x="5001958" y="1481060"/>
-            <a:ext cx="354059" cy="486000"/>
+            <a:ext cx="354059" cy="532167"/>
           </a:xfrm>
           <a:prstGeom prst="straightConnector1">
             <a:avLst/>
@@ -13580,9 +13617,9 @@
                 <a:solidFill>
                   <a:schemeClr val="tx1"/>
                 </a:solidFill>
-                <a:latin typeface="Times New Roman" panose="02020603050405020304" pitchFamily="18" charset="0"/>
+                <a:latin typeface="Calibri" panose="020F0502020204030204" pitchFamily="34" charset="0"/>
                 <a:ea typeface="Source Sans Pro" panose="020B0503030403020204" pitchFamily="34" charset="0"/>
-                <a:cs typeface="Times New Roman" panose="02020603050405020304" pitchFamily="18" charset="0"/>
+                <a:cs typeface="Calibri" panose="020F0502020204030204" pitchFamily="34" charset="0"/>
               </a:rPr>
               <a:t>State</a:t>
             </a:r>
@@ -13590,8 +13627,8 @@
           <a:p>
             <a:pPr algn="ctr"/>
             <a:endParaRPr lang="ko-Kore-KR" altLang="en-US" sz="1800" dirty="0">
-              <a:latin typeface="Times New Roman" panose="02020603050405020304" pitchFamily="18" charset="0"/>
-              <a:cs typeface="Times New Roman" panose="02020603050405020304" pitchFamily="18" charset="0"/>
+              <a:latin typeface="Calibri" panose="020F0502020204030204" pitchFamily="34" charset="0"/>
+              <a:cs typeface="Calibri" panose="020F0502020204030204" pitchFamily="34" charset="0"/>
             </a:endParaRPr>
           </a:p>
         </p:txBody>
@@ -13709,9 +13746,9 @@
                 <a:solidFill>
                   <a:schemeClr val="tx1"/>
                 </a:solidFill>
-                <a:latin typeface="Times New Roman" panose="02020603050405020304" pitchFamily="18" charset="0"/>
+                <a:latin typeface="Calibri" panose="020F0502020204030204" pitchFamily="34" charset="0"/>
                 <a:ea typeface="Source Sans Pro" panose="020B0503030403020204" pitchFamily="34" charset="0"/>
-                <a:cs typeface="Times New Roman" panose="02020603050405020304" pitchFamily="18" charset="0"/>
+                <a:cs typeface="Calibri" panose="020F0502020204030204" pitchFamily="34" charset="0"/>
               </a:rPr>
               <a:t>Agent</a:t>
             </a:r>
@@ -13720,9 +13757,9 @@
                 <a:solidFill>
                   <a:schemeClr val="tx1"/>
                 </a:solidFill>
-                <a:latin typeface="Times New Roman" panose="02020603050405020304" pitchFamily="18" charset="0"/>
+                <a:latin typeface="Calibri" panose="020F0502020204030204" pitchFamily="34" charset="0"/>
                 <a:ea typeface="Source Sans Pro" panose="020B0503030403020204" pitchFamily="34" charset="0"/>
-                <a:cs typeface="Times New Roman" panose="02020603050405020304" pitchFamily="18" charset="0"/>
+                <a:cs typeface="Calibri" panose="020F0502020204030204" pitchFamily="34" charset="0"/>
               </a:rPr>
               <a:t> </a:t>
             </a:r>
@@ -13937,7 +13974,8 @@
               <a:solidFill>
                 <a:schemeClr val="tx1"/>
               </a:solidFill>
-              <a:latin typeface="Source Sans Pro" panose="020B0503030403020204" pitchFamily="34" charset="0"/>
+              <a:latin typeface="Calibri" panose="020F0502020204030204" pitchFamily="34" charset="0"/>
+              <a:cs typeface="Calibri" panose="020F0502020204030204" pitchFamily="34" charset="0"/>
             </a:endParaRPr>
           </a:p>
         </p:txBody>
@@ -13975,9 +14013,9 @@
                 <a:solidFill>
                   <a:schemeClr val="tx1"/>
                 </a:solidFill>
-                <a:latin typeface="Times New Roman" panose="02020603050405020304" pitchFamily="18" charset="0"/>
+                <a:latin typeface="Calibri" panose="020F0502020204030204" pitchFamily="34" charset="0"/>
                 <a:ea typeface="Source Sans Pro" panose="020B0503030403020204" pitchFamily="34" charset="0"/>
-                <a:cs typeface="Times New Roman" panose="02020603050405020304" pitchFamily="18" charset="0"/>
+                <a:cs typeface="Calibri" panose="020F0502020204030204" pitchFamily="34" charset="0"/>
               </a:rPr>
               <a:t>Policy Phase </a:t>
             </a:r>
@@ -14017,9 +14055,9 @@
                 <a:solidFill>
                   <a:schemeClr val="tx1"/>
                 </a:solidFill>
-                <a:latin typeface="Times New Roman" panose="02020603050405020304" pitchFamily="18" charset="0"/>
+                <a:latin typeface="Calibri" panose="020F0502020204030204" pitchFamily="34" charset="0"/>
                 <a:ea typeface="Source Sans Pro" panose="020B0503030403020204" pitchFamily="34" charset="0"/>
-                <a:cs typeface="Times New Roman" panose="02020603050405020304" pitchFamily="18" charset="0"/>
+                <a:cs typeface="Calibri" panose="020F0502020204030204" pitchFamily="34" charset="0"/>
               </a:rPr>
               <a:t>Aux Phase </a:t>
             </a:r>
@@ -14079,9 +14117,9 @@
                 <a:solidFill>
                   <a:schemeClr val="tx1"/>
                 </a:solidFill>
-                <a:latin typeface="Times New Roman" panose="02020603050405020304" pitchFamily="18" charset="0"/>
+                <a:latin typeface="Calibri" panose="020F0502020204030204" pitchFamily="34" charset="0"/>
                 <a:ea typeface="Source Sans Pro" panose="020B0503030403020204" pitchFamily="34" charset="0"/>
-                <a:cs typeface="Times New Roman" panose="02020603050405020304" pitchFamily="18" charset="0"/>
+                <a:cs typeface="Calibri" panose="020F0502020204030204" pitchFamily="34" charset="0"/>
               </a:rPr>
               <a:t>Buffer</a:t>
             </a:r>
@@ -14089,8 +14127,8 @@
               <a:solidFill>
                 <a:schemeClr val="tx1"/>
               </a:solidFill>
-              <a:latin typeface="Times New Roman" panose="02020603050405020304" pitchFamily="18" charset="0"/>
-              <a:cs typeface="Times New Roman" panose="02020603050405020304" pitchFamily="18" charset="0"/>
+              <a:latin typeface="Calibri" panose="020F0502020204030204" pitchFamily="34" charset="0"/>
+              <a:cs typeface="Calibri" panose="020F0502020204030204" pitchFamily="34" charset="0"/>
             </a:endParaRPr>
           </a:p>
         </p:txBody>
@@ -14148,21 +14186,21 @@
                 <a:solidFill>
                   <a:schemeClr val="tx1"/>
                 </a:solidFill>
-                <a:latin typeface="Times New Roman" panose="02020603050405020304" pitchFamily="18" charset="0"/>
+                <a:latin typeface="Calibri" panose="020F0502020204030204" pitchFamily="34" charset="0"/>
                 <a:ea typeface="Source Sans Pro" panose="020B0503030403020204" pitchFamily="34" charset="0"/>
-                <a:cs typeface="Times New Roman" panose="02020603050405020304" pitchFamily="18" charset="0"/>
+                <a:cs typeface="Calibri" panose="020F0502020204030204" pitchFamily="34" charset="0"/>
               </a:rPr>
               <a:t>Encoder</a:t>
             </a:r>
           </a:p>
           <a:p>
             <a:pPr algn="ctr"/>
-            <a:endParaRPr kumimoji="1" lang="ko-Kore-KR" altLang="en-US" dirty="0">
+            <a:endParaRPr kumimoji="1" lang="ko-Kore-KR" altLang="en-US" sz="1800" dirty="0">
               <a:solidFill>
                 <a:schemeClr val="tx1"/>
               </a:solidFill>
-              <a:latin typeface="Times New Roman" panose="02020603050405020304" pitchFamily="18" charset="0"/>
-              <a:cs typeface="Times New Roman" panose="02020603050405020304" pitchFamily="18" charset="0"/>
+              <a:latin typeface="Calibri" panose="020F0502020204030204" pitchFamily="34" charset="0"/>
+              <a:cs typeface="Calibri" panose="020F0502020204030204" pitchFamily="34" charset="0"/>
             </a:endParaRPr>
           </a:p>
         </p:txBody>
@@ -14212,7 +14250,7 @@
         <p:spPr>
           <a:xfrm>
             <a:off x="5356016" y="2657896"/>
-            <a:ext cx="997843" cy="553998"/>
+            <a:ext cx="997843" cy="646331"/>
           </a:xfrm>
           <a:prstGeom prst="rect">
             <a:avLst/>
@@ -14227,22 +14265,22 @@
           <a:p>
             <a:pPr algn="ctr"/>
             <a:r>
-              <a:rPr kumimoji="1" lang="en-US" altLang="ko-Kore-KR" sz="1600" dirty="0">
+              <a:rPr kumimoji="1" lang="en-US" altLang="ko-Kore-KR" sz="1800" dirty="0">
                 <a:solidFill>
                   <a:srgbClr val="FF0000"/>
                 </a:solidFill>
-                <a:latin typeface="Times New Roman" panose="02020603050405020304" pitchFamily="18" charset="0"/>
+                <a:latin typeface="Calibri" panose="020F0502020204030204" pitchFamily="34" charset="0"/>
                 <a:ea typeface="Source Sans Pro" panose="020B0503030403020204" pitchFamily="34" charset="0"/>
-                <a:cs typeface="Times New Roman" panose="02020603050405020304" pitchFamily="18" charset="0"/>
+                <a:cs typeface="Calibri" panose="020F0502020204030204" pitchFamily="34" charset="0"/>
               </a:rPr>
               <a:t>Policy</a:t>
             </a:r>
           </a:p>
           <a:p>
             <a:pPr algn="ctr"/>
-            <a:endParaRPr lang="ko-Kore-KR" altLang="en-US" dirty="0">
-              <a:latin typeface="Times New Roman" panose="02020603050405020304" pitchFamily="18" charset="0"/>
-              <a:cs typeface="Times New Roman" panose="02020603050405020304" pitchFamily="18" charset="0"/>
+            <a:endParaRPr lang="ko-Kore-KR" altLang="en-US" sz="1800" dirty="0">
+              <a:latin typeface="Calibri" panose="020F0502020204030204" pitchFamily="34" charset="0"/>
+              <a:cs typeface="Calibri" panose="020F0502020204030204" pitchFamily="34" charset="0"/>
             </a:endParaRPr>
           </a:p>
         </p:txBody>
@@ -14295,8 +14333,8 @@
         </p:nvCxnSpPr>
         <p:spPr>
           <a:xfrm flipV="1">
-            <a:off x="5001958" y="2934895"/>
-            <a:ext cx="354058" cy="486000"/>
+            <a:off x="5001958" y="2981062"/>
+            <a:ext cx="354058" cy="439833"/>
           </a:xfrm>
           <a:prstGeom prst="straightConnector1">
             <a:avLst/>
@@ -14338,7 +14376,7 @@
         <p:spPr>
           <a:xfrm>
             <a:off x="5356017" y="3629896"/>
-            <a:ext cx="997843" cy="553998"/>
+            <a:ext cx="997843" cy="646331"/>
           </a:xfrm>
           <a:prstGeom prst="rect">
             <a:avLst/>
@@ -14353,27 +14391,27 @@
           <a:p>
             <a:pPr algn="ctr"/>
             <a:r>
-              <a:rPr kumimoji="1" lang="en-US" altLang="ko-Kore-KR" sz="1600" dirty="0">
+              <a:rPr kumimoji="1" lang="en-US" altLang="ko-Kore-KR" sz="1800" dirty="0">
                 <a:solidFill>
                   <a:schemeClr val="accent1"/>
                 </a:solidFill>
-                <a:latin typeface="Times New Roman" panose="02020603050405020304" pitchFamily="18" charset="0"/>
+                <a:latin typeface="Calibri" panose="020F0502020204030204" pitchFamily="34" charset="0"/>
                 <a:ea typeface="Source Sans Pro" panose="020B0503030403020204" pitchFamily="34" charset="0"/>
-                <a:cs typeface="Times New Roman" panose="02020603050405020304" pitchFamily="18" charset="0"/>
+                <a:cs typeface="Calibri" panose="020F0502020204030204" pitchFamily="34" charset="0"/>
               </a:rPr>
               <a:t>Value</a:t>
             </a:r>
           </a:p>
           <a:p>
             <a:pPr algn="ctr"/>
-            <a:endParaRPr lang="ko-Kore-KR" altLang="en-US" dirty="0">
+            <a:endParaRPr lang="ko-Kore-KR" altLang="en-US" sz="1800" dirty="0">
               <a:solidFill>
                 <a:schemeClr val="tx1">
                   <a:alpha val="20000"/>
                 </a:schemeClr>
               </a:solidFill>
-              <a:latin typeface="Times New Roman" panose="02020603050405020304" pitchFamily="18" charset="0"/>
-              <a:cs typeface="Times New Roman" panose="02020603050405020304" pitchFamily="18" charset="0"/>
+              <a:latin typeface="Calibri" panose="020F0502020204030204" pitchFamily="34" charset="0"/>
+              <a:cs typeface="Calibri" panose="020F0502020204030204" pitchFamily="34" charset="0"/>
             </a:endParaRPr>
           </a:p>
         </p:txBody>
@@ -14429,7 +14467,7 @@
         <p:spPr>
           <a:xfrm>
             <a:off x="5001958" y="3420895"/>
-            <a:ext cx="354059" cy="486000"/>
+            <a:ext cx="354059" cy="532167"/>
           </a:xfrm>
           <a:prstGeom prst="straightConnector1">
             <a:avLst/>
@@ -14536,9 +14574,9 @@
                 <a:solidFill>
                   <a:schemeClr val="tx1"/>
                 </a:solidFill>
-                <a:latin typeface="Times New Roman" panose="02020603050405020304" pitchFamily="18" charset="0"/>
+                <a:latin typeface="Calibri" panose="020F0502020204030204" pitchFamily="34" charset="0"/>
                 <a:ea typeface="Source Sans Pro" panose="020B0503030403020204" pitchFamily="34" charset="0"/>
-                <a:cs typeface="Times New Roman" panose="02020603050405020304" pitchFamily="18" charset="0"/>
+                <a:cs typeface="Calibri" panose="020F0502020204030204" pitchFamily="34" charset="0"/>
               </a:rPr>
               <a:t>State</a:t>
             </a:r>
@@ -14546,8 +14584,8 @@
           <a:p>
             <a:pPr algn="ctr"/>
             <a:endParaRPr lang="ko-Kore-KR" altLang="en-US" sz="1800" dirty="0">
-              <a:latin typeface="Times New Roman" panose="02020603050405020304" pitchFamily="18" charset="0"/>
-              <a:cs typeface="Times New Roman" panose="02020603050405020304" pitchFamily="18" charset="0"/>
+              <a:latin typeface="Calibri" panose="020F0502020204030204" pitchFamily="34" charset="0"/>
+              <a:cs typeface="Calibri" panose="020F0502020204030204" pitchFamily="34" charset="0"/>
             </a:endParaRPr>
           </a:p>
         </p:txBody>
@@ -14632,7 +14670,10 @@
           <a:lstStyle/>
           <a:p>
             <a:pPr algn="ctr"/>
-            <a:endParaRPr kumimoji="1" lang="ko-Kore-KR" altLang="en-US" dirty="0"/>
+            <a:endParaRPr kumimoji="1" lang="ko-Kore-KR" altLang="en-US" dirty="0">
+              <a:latin typeface="Calibri" panose="020F0502020204030204" pitchFamily="34" charset="0"/>
+              <a:cs typeface="Calibri" panose="020F0502020204030204" pitchFamily="34" charset="0"/>
+            </a:endParaRPr>
           </a:p>
         </p:txBody>
       </p:sp>
@@ -14687,7 +14728,10 @@
           <a:lstStyle/>
           <a:p>
             <a:pPr algn="ctr"/>
-            <a:endParaRPr kumimoji="1" lang="ko-Kore-KR" altLang="en-US"/>
+            <a:endParaRPr kumimoji="1" lang="ko-Kore-KR" altLang="en-US">
+              <a:latin typeface="Calibri" panose="020F0502020204030204" pitchFamily="34" charset="0"/>
+              <a:cs typeface="Calibri" panose="020F0502020204030204" pitchFamily="34" charset="0"/>
+            </a:endParaRPr>
           </a:p>
         </p:txBody>
       </p:sp>
@@ -14774,21 +14818,21 @@
                 <a:solidFill>
                   <a:schemeClr val="tx1"/>
                 </a:solidFill>
-                <a:latin typeface="Times New Roman" panose="02020603050405020304" pitchFamily="18" charset="0"/>
+                <a:latin typeface="Calibri" panose="020F0502020204030204" pitchFamily="34" charset="0"/>
                 <a:ea typeface="Source Sans Pro" panose="020B0503030403020204" pitchFamily="34" charset="0"/>
-                <a:cs typeface="Times New Roman" panose="02020603050405020304" pitchFamily="18" charset="0"/>
+                <a:cs typeface="Calibri" panose="020F0502020204030204" pitchFamily="34" charset="0"/>
               </a:rPr>
               <a:t>Encoder</a:t>
             </a:r>
           </a:p>
           <a:p>
             <a:pPr algn="ctr"/>
-            <a:endParaRPr kumimoji="1" lang="ko-Kore-KR" altLang="en-US" dirty="0">
+            <a:endParaRPr kumimoji="1" lang="ko-Kore-KR" altLang="en-US" sz="1800" dirty="0">
               <a:solidFill>
                 <a:schemeClr val="tx1"/>
               </a:solidFill>
-              <a:latin typeface="Times New Roman" panose="02020603050405020304" pitchFamily="18" charset="0"/>
-              <a:cs typeface="Times New Roman" panose="02020603050405020304" pitchFamily="18" charset="0"/>
+              <a:latin typeface="Calibri" panose="020F0502020204030204" pitchFamily="34" charset="0"/>
+              <a:cs typeface="Calibri" panose="020F0502020204030204" pitchFamily="34" charset="0"/>
             </a:endParaRPr>
           </a:p>
         </p:txBody>
@@ -14838,7 +14882,7 @@
         <p:spPr>
           <a:xfrm>
             <a:off x="5356016" y="718061"/>
-            <a:ext cx="997843" cy="553998"/>
+            <a:ext cx="997843" cy="646331"/>
           </a:xfrm>
           <a:prstGeom prst="rect">
             <a:avLst/>
@@ -14853,22 +14897,22 @@
           <a:p>
             <a:pPr algn="ctr"/>
             <a:r>
-              <a:rPr kumimoji="1" lang="en-US" altLang="ko-Kore-KR" sz="1600" dirty="0">
+              <a:rPr kumimoji="1" lang="en-US" altLang="ko-Kore-KR" sz="1800" dirty="0">
                 <a:solidFill>
                   <a:schemeClr val="accent1"/>
                 </a:solidFill>
-                <a:latin typeface="Times New Roman" panose="02020603050405020304" pitchFamily="18" charset="0"/>
+                <a:latin typeface="Calibri" panose="020F0502020204030204" pitchFamily="34" charset="0"/>
                 <a:ea typeface="Source Sans Pro" panose="020B0503030403020204" pitchFamily="34" charset="0"/>
-                <a:cs typeface="Times New Roman" panose="02020603050405020304" pitchFamily="18" charset="0"/>
+                <a:cs typeface="Calibri" panose="020F0502020204030204" pitchFamily="34" charset="0"/>
               </a:rPr>
               <a:t>Policy</a:t>
             </a:r>
           </a:p>
           <a:p>
             <a:pPr algn="ctr"/>
-            <a:endParaRPr lang="ko-Kore-KR" altLang="en-US" dirty="0">
-              <a:latin typeface="Times New Roman" panose="02020603050405020304" pitchFamily="18" charset="0"/>
-              <a:cs typeface="Times New Roman" panose="02020603050405020304" pitchFamily="18" charset="0"/>
+            <a:endParaRPr lang="ko-Kore-KR" altLang="en-US" sz="1800" dirty="0">
+              <a:latin typeface="Calibri" panose="020F0502020204030204" pitchFamily="34" charset="0"/>
+              <a:cs typeface="Calibri" panose="020F0502020204030204" pitchFamily="34" charset="0"/>
             </a:endParaRPr>
           </a:p>
         </p:txBody>
@@ -14921,8 +14965,8 @@
         </p:nvCxnSpPr>
         <p:spPr>
           <a:xfrm flipV="1">
-            <a:off x="5001958" y="995060"/>
-            <a:ext cx="354058" cy="486000"/>
+            <a:off x="5001958" y="1041227"/>
+            <a:ext cx="354058" cy="439833"/>
           </a:xfrm>
           <a:prstGeom prst="straightConnector1">
             <a:avLst/>
@@ -14964,7 +15008,7 @@
         <p:spPr>
           <a:xfrm>
             <a:off x="5356017" y="1690061"/>
-            <a:ext cx="997843" cy="553998"/>
+            <a:ext cx="997843" cy="646331"/>
           </a:xfrm>
           <a:prstGeom prst="rect">
             <a:avLst/>
@@ -14979,27 +15023,27 @@
           <a:p>
             <a:pPr algn="ctr"/>
             <a:r>
-              <a:rPr kumimoji="1" lang="en-US" altLang="ko-Kore-KR" sz="1600" dirty="0">
+              <a:rPr kumimoji="1" lang="en-US" altLang="ko-Kore-KR" sz="1800" dirty="0">
                 <a:solidFill>
                   <a:srgbClr val="FF0000"/>
                 </a:solidFill>
-                <a:latin typeface="Times New Roman" panose="02020603050405020304" pitchFamily="18" charset="0"/>
+                <a:latin typeface="Calibri" panose="020F0502020204030204" pitchFamily="34" charset="0"/>
                 <a:ea typeface="Source Sans Pro" panose="020B0503030403020204" pitchFamily="34" charset="0"/>
-                <a:cs typeface="Times New Roman" panose="02020603050405020304" pitchFamily="18" charset="0"/>
+                <a:cs typeface="Calibri" panose="020F0502020204030204" pitchFamily="34" charset="0"/>
               </a:rPr>
               <a:t>Value</a:t>
             </a:r>
           </a:p>
           <a:p>
             <a:pPr algn="ctr"/>
-            <a:endParaRPr lang="ko-Kore-KR" altLang="en-US" dirty="0">
+            <a:endParaRPr lang="ko-Kore-KR" altLang="en-US" sz="1800" dirty="0">
               <a:solidFill>
                 <a:schemeClr val="tx1">
                   <a:alpha val="20000"/>
                 </a:schemeClr>
               </a:solidFill>
-              <a:latin typeface="Times New Roman" panose="02020603050405020304" pitchFamily="18" charset="0"/>
-              <a:cs typeface="Times New Roman" panose="02020603050405020304" pitchFamily="18" charset="0"/>
+              <a:latin typeface="Calibri" panose="020F0502020204030204" pitchFamily="34" charset="0"/>
+              <a:cs typeface="Calibri" panose="020F0502020204030204" pitchFamily="34" charset="0"/>
             </a:endParaRPr>
           </a:p>
         </p:txBody>
@@ -15055,7 +15099,7 @@
         <p:spPr>
           <a:xfrm>
             <a:off x="5001958" y="1481060"/>
-            <a:ext cx="354059" cy="486000"/>
+            <a:ext cx="354059" cy="532167"/>
           </a:xfrm>
           <a:prstGeom prst="straightConnector1">
             <a:avLst/>
@@ -15162,9 +15206,9 @@
                 <a:solidFill>
                   <a:schemeClr val="tx1"/>
                 </a:solidFill>
-                <a:latin typeface="Times New Roman" panose="02020603050405020304" pitchFamily="18" charset="0"/>
+                <a:latin typeface="Calibri" panose="020F0502020204030204" pitchFamily="34" charset="0"/>
                 <a:ea typeface="Source Sans Pro" panose="020B0503030403020204" pitchFamily="34" charset="0"/>
-                <a:cs typeface="Times New Roman" panose="02020603050405020304" pitchFamily="18" charset="0"/>
+                <a:cs typeface="Calibri" panose="020F0502020204030204" pitchFamily="34" charset="0"/>
               </a:rPr>
               <a:t>State</a:t>
             </a:r>
@@ -15172,8 +15216,8 @@
           <a:p>
             <a:pPr algn="ctr"/>
             <a:endParaRPr lang="ko-Kore-KR" altLang="en-US" sz="1800" dirty="0">
-              <a:latin typeface="Times New Roman" panose="02020603050405020304" pitchFamily="18" charset="0"/>
-              <a:cs typeface="Times New Roman" panose="02020603050405020304" pitchFamily="18" charset="0"/>
+              <a:latin typeface="Calibri" panose="020F0502020204030204" pitchFamily="34" charset="0"/>
+              <a:cs typeface="Calibri" panose="020F0502020204030204" pitchFamily="34" charset="0"/>
             </a:endParaRPr>
           </a:p>
         </p:txBody>
@@ -15291,9 +15335,9 @@
                 <a:solidFill>
                   <a:schemeClr val="tx1"/>
                 </a:solidFill>
-                <a:latin typeface="Times New Roman" panose="02020603050405020304" pitchFamily="18" charset="0"/>
+                <a:latin typeface="Calibri" panose="020F0502020204030204" pitchFamily="34" charset="0"/>
                 <a:ea typeface="Source Sans Pro" panose="020B0503030403020204" pitchFamily="34" charset="0"/>
-                <a:cs typeface="Times New Roman" panose="02020603050405020304" pitchFamily="18" charset="0"/>
+                <a:cs typeface="Calibri" panose="020F0502020204030204" pitchFamily="34" charset="0"/>
               </a:rPr>
               <a:t>Agent</a:t>
             </a:r>
@@ -15302,9 +15346,9 @@
                 <a:solidFill>
                   <a:schemeClr val="tx1"/>
                 </a:solidFill>
-                <a:latin typeface="Times New Roman" panose="02020603050405020304" pitchFamily="18" charset="0"/>
+                <a:latin typeface="Calibri" panose="020F0502020204030204" pitchFamily="34" charset="0"/>
                 <a:ea typeface="Source Sans Pro" panose="020B0503030403020204" pitchFamily="34" charset="0"/>
-                <a:cs typeface="Times New Roman" panose="02020603050405020304" pitchFamily="18" charset="0"/>
+                <a:cs typeface="Calibri" panose="020F0502020204030204" pitchFamily="34" charset="0"/>
               </a:rPr>
               <a:t> </a:t>
             </a:r>
@@ -15519,7 +15563,8 @@
               <a:solidFill>
                 <a:schemeClr val="tx1"/>
               </a:solidFill>
-              <a:latin typeface="Source Sans Pro" panose="020B0503030403020204" pitchFamily="34" charset="0"/>
+              <a:latin typeface="Calibri" panose="020F0502020204030204" pitchFamily="34" charset="0"/>
+              <a:cs typeface="Calibri" panose="020F0502020204030204" pitchFamily="34" charset="0"/>
             </a:endParaRPr>
           </a:p>
         </p:txBody>
@@ -15557,9 +15602,9 @@
                 <a:solidFill>
                   <a:schemeClr val="tx1"/>
                 </a:solidFill>
-                <a:latin typeface="Times New Roman" panose="02020603050405020304" pitchFamily="18" charset="0"/>
+                <a:latin typeface="Calibri" panose="020F0502020204030204" pitchFamily="34" charset="0"/>
                 <a:ea typeface="Source Sans Pro" panose="020B0503030403020204" pitchFamily="34" charset="0"/>
-                <a:cs typeface="Times New Roman" panose="02020603050405020304" pitchFamily="18" charset="0"/>
+                <a:cs typeface="Calibri" panose="020F0502020204030204" pitchFamily="34" charset="0"/>
               </a:rPr>
               <a:t>Policy Phase </a:t>
             </a:r>
@@ -15599,9 +15644,9 @@
                 <a:solidFill>
                   <a:schemeClr val="tx1"/>
                 </a:solidFill>
-                <a:latin typeface="Times New Roman" panose="02020603050405020304" pitchFamily="18" charset="0"/>
+                <a:latin typeface="Calibri" panose="020F0502020204030204" pitchFamily="34" charset="0"/>
                 <a:ea typeface="Source Sans Pro" panose="020B0503030403020204" pitchFamily="34" charset="0"/>
-                <a:cs typeface="Times New Roman" panose="02020603050405020304" pitchFamily="18" charset="0"/>
+                <a:cs typeface="Calibri" panose="020F0502020204030204" pitchFamily="34" charset="0"/>
               </a:rPr>
               <a:t>Aux Phase </a:t>
             </a:r>
@@ -15656,9 +15701,9 @@
                 <a:solidFill>
                   <a:schemeClr val="tx1"/>
                 </a:solidFill>
-                <a:latin typeface="Times New Roman" panose="02020603050405020304" pitchFamily="18" charset="0"/>
+                <a:latin typeface="Calibri" panose="020F0502020204030204" pitchFamily="34" charset="0"/>
                 <a:ea typeface="Source Sans Pro" panose="020B0503030403020204" pitchFamily="34" charset="0"/>
-                <a:cs typeface="Times New Roman" panose="02020603050405020304" pitchFamily="18" charset="0"/>
+                <a:cs typeface="Calibri" panose="020F0502020204030204" pitchFamily="34" charset="0"/>
               </a:rPr>
               <a:t>Buffer</a:t>
             </a:r>
@@ -15666,8 +15711,8 @@
               <a:solidFill>
                 <a:schemeClr val="tx1"/>
               </a:solidFill>
-              <a:latin typeface="Times New Roman" panose="02020603050405020304" pitchFamily="18" charset="0"/>
-              <a:cs typeface="Times New Roman" panose="02020603050405020304" pitchFamily="18" charset="0"/>
+              <a:latin typeface="Calibri" panose="020F0502020204030204" pitchFamily="34" charset="0"/>
+              <a:cs typeface="Calibri" panose="020F0502020204030204" pitchFamily="34" charset="0"/>
             </a:endParaRPr>
           </a:p>
         </p:txBody>
@@ -15725,21 +15770,21 @@
                 <a:solidFill>
                   <a:schemeClr val="tx1"/>
                 </a:solidFill>
-                <a:latin typeface="Times New Roman" panose="02020603050405020304" pitchFamily="18" charset="0"/>
+                <a:latin typeface="Calibri" panose="020F0502020204030204" pitchFamily="34" charset="0"/>
                 <a:ea typeface="Source Sans Pro" panose="020B0503030403020204" pitchFamily="34" charset="0"/>
-                <a:cs typeface="Times New Roman" panose="02020603050405020304" pitchFamily="18" charset="0"/>
+                <a:cs typeface="Calibri" panose="020F0502020204030204" pitchFamily="34" charset="0"/>
               </a:rPr>
               <a:t>Encoder</a:t>
             </a:r>
           </a:p>
           <a:p>
             <a:pPr algn="ctr"/>
-            <a:endParaRPr kumimoji="1" lang="ko-Kore-KR" altLang="en-US" dirty="0">
+            <a:endParaRPr kumimoji="1" lang="ko-Kore-KR" altLang="en-US" sz="1800" dirty="0">
               <a:solidFill>
                 <a:schemeClr val="tx1"/>
               </a:solidFill>
-              <a:latin typeface="Times New Roman" panose="02020603050405020304" pitchFamily="18" charset="0"/>
-              <a:cs typeface="Times New Roman" panose="02020603050405020304" pitchFamily="18" charset="0"/>
+              <a:latin typeface="Calibri" panose="020F0502020204030204" pitchFamily="34" charset="0"/>
+              <a:cs typeface="Calibri" panose="020F0502020204030204" pitchFamily="34" charset="0"/>
             </a:endParaRPr>
           </a:p>
         </p:txBody>
@@ -15789,7 +15834,7 @@
         <p:spPr>
           <a:xfrm>
             <a:off x="5356016" y="2657896"/>
-            <a:ext cx="997843" cy="553998"/>
+            <a:ext cx="997843" cy="646331"/>
           </a:xfrm>
           <a:prstGeom prst="rect">
             <a:avLst/>
@@ -15804,22 +15849,22 @@
           <a:p>
             <a:pPr algn="ctr"/>
             <a:r>
-              <a:rPr kumimoji="1" lang="en-US" altLang="ko-Kore-KR" sz="1600" dirty="0">
+              <a:rPr kumimoji="1" lang="en-US" altLang="ko-Kore-KR" sz="1800" dirty="0">
                 <a:solidFill>
                   <a:srgbClr val="FF0000"/>
                 </a:solidFill>
-                <a:latin typeface="Times New Roman" panose="02020603050405020304" pitchFamily="18" charset="0"/>
+                <a:latin typeface="Calibri" panose="020F0502020204030204" pitchFamily="34" charset="0"/>
                 <a:ea typeface="Source Sans Pro" panose="020B0503030403020204" pitchFamily="34" charset="0"/>
-                <a:cs typeface="Times New Roman" panose="02020603050405020304" pitchFamily="18" charset="0"/>
+                <a:cs typeface="Calibri" panose="020F0502020204030204" pitchFamily="34" charset="0"/>
               </a:rPr>
               <a:t>Policy</a:t>
             </a:r>
           </a:p>
           <a:p>
             <a:pPr algn="ctr"/>
-            <a:endParaRPr lang="ko-Kore-KR" altLang="en-US" dirty="0">
-              <a:latin typeface="Times New Roman" panose="02020603050405020304" pitchFamily="18" charset="0"/>
-              <a:cs typeface="Times New Roman" panose="02020603050405020304" pitchFamily="18" charset="0"/>
+            <a:endParaRPr lang="ko-Kore-KR" altLang="en-US" sz="1800" dirty="0">
+              <a:latin typeface="Calibri" panose="020F0502020204030204" pitchFamily="34" charset="0"/>
+              <a:cs typeface="Calibri" panose="020F0502020204030204" pitchFamily="34" charset="0"/>
             </a:endParaRPr>
           </a:p>
         </p:txBody>
@@ -15872,8 +15917,8 @@
         </p:nvCxnSpPr>
         <p:spPr>
           <a:xfrm flipV="1">
-            <a:off x="5001958" y="2934895"/>
-            <a:ext cx="354058" cy="486000"/>
+            <a:off x="5001958" y="2981062"/>
+            <a:ext cx="354058" cy="439833"/>
           </a:xfrm>
           <a:prstGeom prst="straightConnector1">
             <a:avLst/>
@@ -15915,7 +15960,7 @@
         <p:spPr>
           <a:xfrm>
             <a:off x="5356017" y="3629896"/>
-            <a:ext cx="997843" cy="553998"/>
+            <a:ext cx="997843" cy="646331"/>
           </a:xfrm>
           <a:prstGeom prst="rect">
             <a:avLst/>
@@ -15930,27 +15975,27 @@
           <a:p>
             <a:pPr algn="ctr"/>
             <a:r>
-              <a:rPr kumimoji="1" lang="en-US" altLang="ko-Kore-KR" sz="1600" dirty="0">
+              <a:rPr kumimoji="1" lang="en-US" altLang="ko-Kore-KR" sz="1800" dirty="0">
                 <a:solidFill>
                   <a:schemeClr val="accent1"/>
                 </a:solidFill>
-                <a:latin typeface="Times New Roman" panose="02020603050405020304" pitchFamily="18" charset="0"/>
+                <a:latin typeface="Calibri" panose="020F0502020204030204" pitchFamily="34" charset="0"/>
                 <a:ea typeface="Source Sans Pro" panose="020B0503030403020204" pitchFamily="34" charset="0"/>
-                <a:cs typeface="Times New Roman" panose="02020603050405020304" pitchFamily="18" charset="0"/>
+                <a:cs typeface="Calibri" panose="020F0502020204030204" pitchFamily="34" charset="0"/>
               </a:rPr>
               <a:t>Value</a:t>
             </a:r>
           </a:p>
           <a:p>
             <a:pPr algn="ctr"/>
-            <a:endParaRPr lang="ko-Kore-KR" altLang="en-US" dirty="0">
+            <a:endParaRPr lang="ko-Kore-KR" altLang="en-US" sz="1800" dirty="0">
               <a:solidFill>
                 <a:schemeClr val="tx1">
                   <a:alpha val="20000"/>
                 </a:schemeClr>
               </a:solidFill>
-              <a:latin typeface="Times New Roman" panose="02020603050405020304" pitchFamily="18" charset="0"/>
-              <a:cs typeface="Times New Roman" panose="02020603050405020304" pitchFamily="18" charset="0"/>
+              <a:latin typeface="Calibri" panose="020F0502020204030204" pitchFamily="34" charset="0"/>
+              <a:cs typeface="Calibri" panose="020F0502020204030204" pitchFamily="34" charset="0"/>
             </a:endParaRPr>
           </a:p>
         </p:txBody>
@@ -16006,7 +16051,7 @@
         <p:spPr>
           <a:xfrm>
             <a:off x="5001958" y="3420895"/>
-            <a:ext cx="354059" cy="486000"/>
+            <a:ext cx="354059" cy="532167"/>
           </a:xfrm>
           <a:prstGeom prst="straightConnector1">
             <a:avLst/>
@@ -16113,9 +16158,9 @@
                 <a:solidFill>
                   <a:schemeClr val="tx1"/>
                 </a:solidFill>
-                <a:latin typeface="Times New Roman" panose="02020603050405020304" pitchFamily="18" charset="0"/>
+                <a:latin typeface="Calibri" panose="020F0502020204030204" pitchFamily="34" charset="0"/>
                 <a:ea typeface="Source Sans Pro" panose="020B0503030403020204" pitchFamily="34" charset="0"/>
-                <a:cs typeface="Times New Roman" panose="02020603050405020304" pitchFamily="18" charset="0"/>
+                <a:cs typeface="Calibri" panose="020F0502020204030204" pitchFamily="34" charset="0"/>
               </a:rPr>
               <a:t>State</a:t>
             </a:r>
@@ -16123,8 +16168,8 @@
           <a:p>
             <a:pPr algn="ctr"/>
             <a:endParaRPr lang="ko-Kore-KR" altLang="en-US" sz="1800" dirty="0">
-              <a:latin typeface="Times New Roman" panose="02020603050405020304" pitchFamily="18" charset="0"/>
-              <a:cs typeface="Times New Roman" panose="02020603050405020304" pitchFamily="18" charset="0"/>
+              <a:latin typeface="Calibri" panose="020F0502020204030204" pitchFamily="34" charset="0"/>
+              <a:cs typeface="Calibri" panose="020F0502020204030204" pitchFamily="34" charset="0"/>
             </a:endParaRPr>
           </a:p>
         </p:txBody>
@@ -16209,7 +16254,10 @@
           <a:lstStyle/>
           <a:p>
             <a:pPr algn="ctr"/>
-            <a:endParaRPr kumimoji="1" lang="ko-Kore-KR" altLang="en-US" dirty="0"/>
+            <a:endParaRPr kumimoji="1" lang="ko-Kore-KR" altLang="en-US" dirty="0">
+              <a:latin typeface="Calibri" panose="020F0502020204030204" pitchFamily="34" charset="0"/>
+              <a:cs typeface="Calibri" panose="020F0502020204030204" pitchFamily="34" charset="0"/>
+            </a:endParaRPr>
           </a:p>
         </p:txBody>
       </p:sp>
@@ -16296,21 +16344,21 @@
                 <a:solidFill>
                   <a:schemeClr val="tx1"/>
                 </a:solidFill>
-                <a:latin typeface="Times New Roman" panose="02020603050405020304" pitchFamily="18" charset="0"/>
+                <a:latin typeface="Calibri" panose="020F0502020204030204" pitchFamily="34" charset="0"/>
                 <a:ea typeface="Source Sans Pro" panose="020B0503030403020204" pitchFamily="34" charset="0"/>
-                <a:cs typeface="Times New Roman" panose="02020603050405020304" pitchFamily="18" charset="0"/>
+                <a:cs typeface="Calibri" panose="020F0502020204030204" pitchFamily="34" charset="0"/>
               </a:rPr>
               <a:t>Encoder</a:t>
             </a:r>
           </a:p>
           <a:p>
             <a:pPr algn="ctr"/>
-            <a:endParaRPr kumimoji="1" lang="ko-Kore-KR" altLang="en-US" dirty="0">
+            <a:endParaRPr kumimoji="1" lang="ko-Kore-KR" altLang="en-US" sz="1800" dirty="0">
               <a:solidFill>
                 <a:schemeClr val="tx1"/>
               </a:solidFill>
-              <a:latin typeface="Times New Roman" panose="02020603050405020304" pitchFamily="18" charset="0"/>
-              <a:cs typeface="Times New Roman" panose="02020603050405020304" pitchFamily="18" charset="0"/>
+              <a:latin typeface="Calibri" panose="020F0502020204030204" pitchFamily="34" charset="0"/>
+              <a:cs typeface="Calibri" panose="020F0502020204030204" pitchFamily="34" charset="0"/>
             </a:endParaRPr>
           </a:p>
         </p:txBody>
@@ -16360,7 +16408,7 @@
         <p:spPr>
           <a:xfrm>
             <a:off x="5356016" y="718061"/>
-            <a:ext cx="997843" cy="553998"/>
+            <a:ext cx="997843" cy="646331"/>
           </a:xfrm>
           <a:prstGeom prst="rect">
             <a:avLst/>
@@ -16375,22 +16423,22 @@
           <a:p>
             <a:pPr algn="ctr"/>
             <a:r>
-              <a:rPr kumimoji="1" lang="en-US" altLang="ko-Kore-KR" sz="1600" dirty="0">
+              <a:rPr kumimoji="1" lang="en-US" altLang="ko-Kore-KR" sz="1800" dirty="0">
                 <a:solidFill>
                   <a:schemeClr val="accent1"/>
                 </a:solidFill>
-                <a:latin typeface="Times New Roman" panose="02020603050405020304" pitchFamily="18" charset="0"/>
+                <a:latin typeface="Calibri" panose="020F0502020204030204" pitchFamily="34" charset="0"/>
                 <a:ea typeface="Source Sans Pro" panose="020B0503030403020204" pitchFamily="34" charset="0"/>
-                <a:cs typeface="Times New Roman" panose="02020603050405020304" pitchFamily="18" charset="0"/>
+                <a:cs typeface="Calibri" panose="020F0502020204030204" pitchFamily="34" charset="0"/>
               </a:rPr>
               <a:t>Policy</a:t>
             </a:r>
           </a:p>
           <a:p>
             <a:pPr algn="ctr"/>
-            <a:endParaRPr lang="ko-Kore-KR" altLang="en-US" dirty="0">
-              <a:latin typeface="Times New Roman" panose="02020603050405020304" pitchFamily="18" charset="0"/>
-              <a:cs typeface="Times New Roman" panose="02020603050405020304" pitchFamily="18" charset="0"/>
+            <a:endParaRPr lang="ko-Kore-KR" altLang="en-US" sz="1800" dirty="0">
+              <a:latin typeface="Calibri" panose="020F0502020204030204" pitchFamily="34" charset="0"/>
+              <a:cs typeface="Calibri" panose="020F0502020204030204" pitchFamily="34" charset="0"/>
             </a:endParaRPr>
           </a:p>
         </p:txBody>
@@ -16443,8 +16491,8 @@
         </p:nvCxnSpPr>
         <p:spPr>
           <a:xfrm flipV="1">
-            <a:off x="5001958" y="995060"/>
-            <a:ext cx="354058" cy="486000"/>
+            <a:off x="5001958" y="1041227"/>
+            <a:ext cx="354058" cy="439833"/>
           </a:xfrm>
           <a:prstGeom prst="straightConnector1">
             <a:avLst/>
@@ -16486,7 +16534,7 @@
         <p:spPr>
           <a:xfrm>
             <a:off x="5356017" y="1690061"/>
-            <a:ext cx="997843" cy="553998"/>
+            <a:ext cx="997843" cy="646331"/>
           </a:xfrm>
           <a:prstGeom prst="rect">
             <a:avLst/>
@@ -16501,27 +16549,27 @@
           <a:p>
             <a:pPr algn="ctr"/>
             <a:r>
-              <a:rPr kumimoji="1" lang="en-US" altLang="ko-Kore-KR" sz="1600" dirty="0">
+              <a:rPr kumimoji="1" lang="en-US" altLang="ko-Kore-KR" sz="1800" dirty="0">
                 <a:solidFill>
                   <a:srgbClr val="FF0000"/>
                 </a:solidFill>
-                <a:latin typeface="Times New Roman" panose="02020603050405020304" pitchFamily="18" charset="0"/>
+                <a:latin typeface="Calibri" panose="020F0502020204030204" pitchFamily="34" charset="0"/>
                 <a:ea typeface="Source Sans Pro" panose="020B0503030403020204" pitchFamily="34" charset="0"/>
-                <a:cs typeface="Times New Roman" panose="02020603050405020304" pitchFamily="18" charset="0"/>
+                <a:cs typeface="Calibri" panose="020F0502020204030204" pitchFamily="34" charset="0"/>
               </a:rPr>
               <a:t>Value</a:t>
             </a:r>
           </a:p>
           <a:p>
             <a:pPr algn="ctr"/>
-            <a:endParaRPr lang="ko-Kore-KR" altLang="en-US" dirty="0">
+            <a:endParaRPr lang="ko-Kore-KR" altLang="en-US" sz="1800" dirty="0">
               <a:solidFill>
                 <a:schemeClr val="tx1">
                   <a:alpha val="20000"/>
                 </a:schemeClr>
               </a:solidFill>
-              <a:latin typeface="Times New Roman" panose="02020603050405020304" pitchFamily="18" charset="0"/>
-              <a:cs typeface="Times New Roman" panose="02020603050405020304" pitchFamily="18" charset="0"/>
+              <a:latin typeface="Calibri" panose="020F0502020204030204" pitchFamily="34" charset="0"/>
+              <a:cs typeface="Calibri" panose="020F0502020204030204" pitchFamily="34" charset="0"/>
             </a:endParaRPr>
           </a:p>
         </p:txBody>
@@ -16577,7 +16625,7 @@
         <p:spPr>
           <a:xfrm>
             <a:off x="5001958" y="1481060"/>
-            <a:ext cx="354059" cy="486000"/>
+            <a:ext cx="354059" cy="532167"/>
           </a:xfrm>
           <a:prstGeom prst="straightConnector1">
             <a:avLst/>
@@ -16684,9 +16732,9 @@
                 <a:solidFill>
                   <a:schemeClr val="tx1"/>
                 </a:solidFill>
-                <a:latin typeface="Times New Roman" panose="02020603050405020304" pitchFamily="18" charset="0"/>
+                <a:latin typeface="Calibri" panose="020F0502020204030204" pitchFamily="34" charset="0"/>
                 <a:ea typeface="Source Sans Pro" panose="020B0503030403020204" pitchFamily="34" charset="0"/>
-                <a:cs typeface="Times New Roman" panose="02020603050405020304" pitchFamily="18" charset="0"/>
+                <a:cs typeface="Calibri" panose="020F0502020204030204" pitchFamily="34" charset="0"/>
               </a:rPr>
               <a:t>State</a:t>
             </a:r>
@@ -16694,8 +16742,8 @@
           <a:p>
             <a:pPr algn="ctr"/>
             <a:endParaRPr lang="ko-Kore-KR" altLang="en-US" sz="1800" dirty="0">
-              <a:latin typeface="Times New Roman" panose="02020603050405020304" pitchFamily="18" charset="0"/>
-              <a:cs typeface="Times New Roman" panose="02020603050405020304" pitchFamily="18" charset="0"/>
+              <a:latin typeface="Calibri" panose="020F0502020204030204" pitchFamily="34" charset="0"/>
+              <a:cs typeface="Calibri" panose="020F0502020204030204" pitchFamily="34" charset="0"/>
             </a:endParaRPr>
           </a:p>
         </p:txBody>
@@ -16813,9 +16861,9 @@
                 <a:solidFill>
                   <a:schemeClr val="tx1"/>
                 </a:solidFill>
-                <a:latin typeface="Times New Roman" panose="02020603050405020304" pitchFamily="18" charset="0"/>
+                <a:latin typeface="Calibri" panose="020F0502020204030204" pitchFamily="34" charset="0"/>
                 <a:ea typeface="Source Sans Pro" panose="020B0503030403020204" pitchFamily="34" charset="0"/>
-                <a:cs typeface="Times New Roman" panose="02020603050405020304" pitchFamily="18" charset="0"/>
+                <a:cs typeface="Calibri" panose="020F0502020204030204" pitchFamily="34" charset="0"/>
               </a:rPr>
               <a:t>Agent</a:t>
             </a:r>
@@ -16824,9 +16872,9 @@
                 <a:solidFill>
                   <a:schemeClr val="tx1"/>
                 </a:solidFill>
-                <a:latin typeface="Times New Roman" panose="02020603050405020304" pitchFamily="18" charset="0"/>
+                <a:latin typeface="Calibri" panose="020F0502020204030204" pitchFamily="34" charset="0"/>
                 <a:ea typeface="Source Sans Pro" panose="020B0503030403020204" pitchFamily="34" charset="0"/>
-                <a:cs typeface="Times New Roman" panose="02020603050405020304" pitchFamily="18" charset="0"/>
+                <a:cs typeface="Calibri" panose="020F0502020204030204" pitchFamily="34" charset="0"/>
               </a:rPr>
               <a:t> </a:t>
             </a:r>
@@ -17041,7 +17089,8 @@
               <a:solidFill>
                 <a:schemeClr val="tx1"/>
               </a:solidFill>
-              <a:latin typeface="Source Sans Pro" panose="020B0503030403020204" pitchFamily="34" charset="0"/>
+              <a:latin typeface="Calibri" panose="020F0502020204030204" pitchFamily="34" charset="0"/>
+              <a:cs typeface="Calibri" panose="020F0502020204030204" pitchFamily="34" charset="0"/>
             </a:endParaRPr>
           </a:p>
         </p:txBody>
@@ -17079,9 +17128,9 @@
                 <a:solidFill>
                   <a:schemeClr val="tx1"/>
                 </a:solidFill>
-                <a:latin typeface="Times New Roman" panose="02020603050405020304" pitchFamily="18" charset="0"/>
+                <a:latin typeface="Calibri" panose="020F0502020204030204" pitchFamily="34" charset="0"/>
                 <a:ea typeface="Source Sans Pro" panose="020B0503030403020204" pitchFamily="34" charset="0"/>
-                <a:cs typeface="Times New Roman" panose="02020603050405020304" pitchFamily="18" charset="0"/>
+                <a:cs typeface="Calibri" panose="020F0502020204030204" pitchFamily="34" charset="0"/>
               </a:rPr>
               <a:t>Policy Phase </a:t>
             </a:r>
@@ -17121,9 +17170,9 @@
                 <a:solidFill>
                   <a:schemeClr val="tx1"/>
                 </a:solidFill>
-                <a:latin typeface="Times New Roman" panose="02020603050405020304" pitchFamily="18" charset="0"/>
+                <a:latin typeface="Calibri" panose="020F0502020204030204" pitchFamily="34" charset="0"/>
                 <a:ea typeface="Source Sans Pro" panose="020B0503030403020204" pitchFamily="34" charset="0"/>
-                <a:cs typeface="Times New Roman" panose="02020603050405020304" pitchFamily="18" charset="0"/>
+                <a:cs typeface="Calibri" panose="020F0502020204030204" pitchFamily="34" charset="0"/>
               </a:rPr>
               <a:t>Aux Phase </a:t>
             </a:r>
@@ -17181,7 +17230,10 @@
           <a:lstStyle/>
           <a:p>
             <a:pPr algn="ctr"/>
-            <a:endParaRPr kumimoji="1" lang="ko-Kore-KR" altLang="en-US"/>
+            <a:endParaRPr kumimoji="1" lang="ko-Kore-KR" altLang="en-US">
+              <a:latin typeface="Calibri" panose="020F0502020204030204" pitchFamily="34" charset="0"/>
+              <a:cs typeface="Calibri" panose="020F0502020204030204" pitchFamily="34" charset="0"/>
+            </a:endParaRPr>
           </a:p>
         </p:txBody>
       </p:sp>
@@ -17233,9 +17285,9 @@
                 <a:solidFill>
                   <a:schemeClr val="tx1"/>
                 </a:solidFill>
-                <a:latin typeface="Times New Roman" panose="02020603050405020304" pitchFamily="18" charset="0"/>
+                <a:latin typeface="Calibri" panose="020F0502020204030204" pitchFamily="34" charset="0"/>
                 <a:ea typeface="Source Sans Pro" panose="020B0503030403020204" pitchFamily="34" charset="0"/>
-                <a:cs typeface="Times New Roman" panose="02020603050405020304" pitchFamily="18" charset="0"/>
+                <a:cs typeface="Calibri" panose="020F0502020204030204" pitchFamily="34" charset="0"/>
               </a:rPr>
               <a:t>Buffer</a:t>
             </a:r>
@@ -17243,8 +17295,8 @@
               <a:solidFill>
                 <a:schemeClr val="tx1"/>
               </a:solidFill>
-              <a:latin typeface="Times New Roman" panose="02020603050405020304" pitchFamily="18" charset="0"/>
-              <a:cs typeface="Times New Roman" panose="02020603050405020304" pitchFamily="18" charset="0"/>
+              <a:latin typeface="Calibri" panose="020F0502020204030204" pitchFamily="34" charset="0"/>
+              <a:cs typeface="Calibri" panose="020F0502020204030204" pitchFamily="34" charset="0"/>
             </a:endParaRPr>
           </a:p>
         </p:txBody>
@@ -17299,7 +17351,10 @@
           <a:lstStyle/>
           <a:p>
             <a:pPr algn="ctr"/>
-            <a:endParaRPr kumimoji="1" lang="ko-Kore-KR" altLang="en-US" dirty="0"/>
+            <a:endParaRPr kumimoji="1" lang="ko-Kore-KR" altLang="en-US" dirty="0">
+              <a:latin typeface="Calibri" panose="020F0502020204030204" pitchFamily="34" charset="0"/>
+              <a:cs typeface="Calibri" panose="020F0502020204030204" pitchFamily="34" charset="0"/>
+            </a:endParaRPr>
           </a:p>
         </p:txBody>
       </p:sp>
@@ -17356,21 +17411,21 @@
                 <a:solidFill>
                   <a:schemeClr val="tx1"/>
                 </a:solidFill>
-                <a:latin typeface="Times New Roman" panose="02020603050405020304" pitchFamily="18" charset="0"/>
+                <a:latin typeface="Calibri" panose="020F0502020204030204" pitchFamily="34" charset="0"/>
                 <a:ea typeface="Source Sans Pro" panose="020B0503030403020204" pitchFamily="34" charset="0"/>
-                <a:cs typeface="Times New Roman" panose="02020603050405020304" pitchFamily="18" charset="0"/>
+                <a:cs typeface="Calibri" panose="020F0502020204030204" pitchFamily="34" charset="0"/>
               </a:rPr>
               <a:t>Encoder</a:t>
             </a:r>
           </a:p>
           <a:p>
             <a:pPr algn="ctr"/>
-            <a:endParaRPr kumimoji="1" lang="ko-Kore-KR" altLang="en-US" dirty="0">
+            <a:endParaRPr kumimoji="1" lang="ko-Kore-KR" altLang="en-US" sz="1800" dirty="0">
               <a:solidFill>
                 <a:schemeClr val="tx1"/>
               </a:solidFill>
-              <a:latin typeface="Times New Roman" panose="02020603050405020304" pitchFamily="18" charset="0"/>
-              <a:cs typeface="Times New Roman" panose="02020603050405020304" pitchFamily="18" charset="0"/>
+              <a:latin typeface="Calibri" panose="020F0502020204030204" pitchFamily="34" charset="0"/>
+              <a:cs typeface="Calibri" panose="020F0502020204030204" pitchFamily="34" charset="0"/>
             </a:endParaRPr>
           </a:p>
         </p:txBody>
@@ -17420,7 +17475,7 @@
         <p:spPr>
           <a:xfrm>
             <a:off x="5356016" y="2657896"/>
-            <a:ext cx="997843" cy="553998"/>
+            <a:ext cx="997843" cy="646331"/>
           </a:xfrm>
           <a:prstGeom prst="rect">
             <a:avLst/>
@@ -17435,22 +17490,22 @@
           <a:p>
             <a:pPr algn="ctr"/>
             <a:r>
-              <a:rPr kumimoji="1" lang="en-US" altLang="ko-Kore-KR" sz="1600" dirty="0">
+              <a:rPr kumimoji="1" lang="en-US" altLang="ko-Kore-KR" sz="1800" dirty="0">
                 <a:solidFill>
                   <a:srgbClr val="FF0000"/>
                 </a:solidFill>
-                <a:latin typeface="Times New Roman" panose="02020603050405020304" pitchFamily="18" charset="0"/>
+                <a:latin typeface="Calibri" panose="020F0502020204030204" pitchFamily="34" charset="0"/>
                 <a:ea typeface="Source Sans Pro" panose="020B0503030403020204" pitchFamily="34" charset="0"/>
-                <a:cs typeface="Times New Roman" panose="02020603050405020304" pitchFamily="18" charset="0"/>
+                <a:cs typeface="Calibri" panose="020F0502020204030204" pitchFamily="34" charset="0"/>
               </a:rPr>
               <a:t>Policy</a:t>
             </a:r>
           </a:p>
           <a:p>
             <a:pPr algn="ctr"/>
-            <a:endParaRPr lang="ko-Kore-KR" altLang="en-US" dirty="0">
-              <a:latin typeface="Times New Roman" panose="02020603050405020304" pitchFamily="18" charset="0"/>
-              <a:cs typeface="Times New Roman" panose="02020603050405020304" pitchFamily="18" charset="0"/>
+            <a:endParaRPr lang="ko-Kore-KR" altLang="en-US" sz="1800" dirty="0">
+              <a:latin typeface="Calibri" panose="020F0502020204030204" pitchFamily="34" charset="0"/>
+              <a:cs typeface="Calibri" panose="020F0502020204030204" pitchFamily="34" charset="0"/>
             </a:endParaRPr>
           </a:p>
         </p:txBody>
@@ -17503,8 +17558,8 @@
         </p:nvCxnSpPr>
         <p:spPr>
           <a:xfrm flipV="1">
-            <a:off x="5001958" y="2934895"/>
-            <a:ext cx="354058" cy="486000"/>
+            <a:off x="5001958" y="2981062"/>
+            <a:ext cx="354058" cy="439833"/>
           </a:xfrm>
           <a:prstGeom prst="straightConnector1">
             <a:avLst/>
@@ -17546,7 +17601,7 @@
         <p:spPr>
           <a:xfrm>
             <a:off x="5356017" y="3629896"/>
-            <a:ext cx="997843" cy="553998"/>
+            <a:ext cx="997843" cy="646331"/>
           </a:xfrm>
           <a:prstGeom prst="rect">
             <a:avLst/>
@@ -17561,27 +17616,27 @@
           <a:p>
             <a:pPr algn="ctr"/>
             <a:r>
-              <a:rPr kumimoji="1" lang="en-US" altLang="ko-Kore-KR" sz="1600" dirty="0">
+              <a:rPr kumimoji="1" lang="en-US" altLang="ko-Kore-KR" sz="1800" dirty="0">
                 <a:solidFill>
                   <a:schemeClr val="accent1"/>
                 </a:solidFill>
-                <a:latin typeface="Times New Roman" panose="02020603050405020304" pitchFamily="18" charset="0"/>
+                <a:latin typeface="Calibri" panose="020F0502020204030204" pitchFamily="34" charset="0"/>
                 <a:ea typeface="Source Sans Pro" panose="020B0503030403020204" pitchFamily="34" charset="0"/>
-                <a:cs typeface="Times New Roman" panose="02020603050405020304" pitchFamily="18" charset="0"/>
+                <a:cs typeface="Calibri" panose="020F0502020204030204" pitchFamily="34" charset="0"/>
               </a:rPr>
               <a:t>Value</a:t>
             </a:r>
           </a:p>
           <a:p>
             <a:pPr algn="ctr"/>
-            <a:endParaRPr lang="ko-Kore-KR" altLang="en-US" dirty="0">
+            <a:endParaRPr lang="ko-Kore-KR" altLang="en-US" sz="1800" dirty="0">
               <a:solidFill>
                 <a:schemeClr val="tx1">
                   <a:alpha val="20000"/>
                 </a:schemeClr>
               </a:solidFill>
-              <a:latin typeface="Times New Roman" panose="02020603050405020304" pitchFamily="18" charset="0"/>
-              <a:cs typeface="Times New Roman" panose="02020603050405020304" pitchFamily="18" charset="0"/>
+              <a:latin typeface="Calibri" panose="020F0502020204030204" pitchFamily="34" charset="0"/>
+              <a:cs typeface="Calibri" panose="020F0502020204030204" pitchFamily="34" charset="0"/>
             </a:endParaRPr>
           </a:p>
         </p:txBody>
@@ -17637,7 +17692,7 @@
         <p:spPr>
           <a:xfrm>
             <a:off x="5001958" y="3420895"/>
-            <a:ext cx="354059" cy="486000"/>
+            <a:ext cx="354059" cy="532167"/>
           </a:xfrm>
           <a:prstGeom prst="straightConnector1">
             <a:avLst/>
@@ -17744,9 +17799,9 @@
                 <a:solidFill>
                   <a:schemeClr val="tx1"/>
                 </a:solidFill>
-                <a:latin typeface="Times New Roman" panose="02020603050405020304" pitchFamily="18" charset="0"/>
+                <a:latin typeface="Calibri" panose="020F0502020204030204" pitchFamily="34" charset="0"/>
                 <a:ea typeface="Source Sans Pro" panose="020B0503030403020204" pitchFamily="34" charset="0"/>
-                <a:cs typeface="Times New Roman" panose="02020603050405020304" pitchFamily="18" charset="0"/>
+                <a:cs typeface="Calibri" panose="020F0502020204030204" pitchFamily="34" charset="0"/>
               </a:rPr>
               <a:t>State</a:t>
             </a:r>
@@ -17754,8 +17809,8 @@
           <a:p>
             <a:pPr algn="ctr"/>
             <a:endParaRPr lang="ko-Kore-KR" altLang="en-US" sz="1800" dirty="0">
-              <a:latin typeface="Times New Roman" panose="02020603050405020304" pitchFamily="18" charset="0"/>
-              <a:cs typeface="Times New Roman" panose="02020603050405020304" pitchFamily="18" charset="0"/>
+              <a:latin typeface="Calibri" panose="020F0502020204030204" pitchFamily="34" charset="0"/>
+              <a:cs typeface="Calibri" panose="020F0502020204030204" pitchFamily="34" charset="0"/>
             </a:endParaRPr>
           </a:p>
         </p:txBody>
@@ -17840,7 +17895,10 @@
           <a:lstStyle/>
           <a:p>
             <a:pPr algn="ctr"/>
-            <a:endParaRPr kumimoji="1" lang="ko-Kore-KR" altLang="en-US" dirty="0"/>
+            <a:endParaRPr kumimoji="1" lang="ko-Kore-KR" altLang="en-US" sz="1800" dirty="0">
+              <a:latin typeface="Calibri" panose="020F0502020204030204" pitchFamily="34" charset="0"/>
+              <a:cs typeface="Calibri" panose="020F0502020204030204" pitchFamily="34" charset="0"/>
+            </a:endParaRPr>
           </a:p>
         </p:txBody>
       </p:sp>
@@ -17931,8 +17989,8 @@
               <a:solidFill>
                 <a:schemeClr val="tx1"/>
               </a:solidFill>
-              <a:latin typeface="Times New Roman" panose="02020603050405020304" pitchFamily="18" charset="0"/>
-              <a:cs typeface="Times New Roman" panose="02020603050405020304" pitchFamily="18" charset="0"/>
+              <a:latin typeface="Calibri" panose="020F0502020204030204" pitchFamily="34" charset="0"/>
+              <a:cs typeface="Calibri" panose="020F0502020204030204" pitchFamily="34" charset="0"/>
             </a:endParaRPr>
           </a:p>
         </p:txBody>
@@ -17990,21 +18048,21 @@
                 <a:solidFill>
                   <a:schemeClr val="tx1"/>
                 </a:solidFill>
-                <a:latin typeface="Times New Roman" panose="02020603050405020304" pitchFamily="18" charset="0"/>
+                <a:latin typeface="Calibri" panose="020F0502020204030204" pitchFamily="34" charset="0"/>
                 <a:ea typeface="Source Sans Pro" panose="020B0503030403020204" pitchFamily="34" charset="0"/>
-                <a:cs typeface="Times New Roman" panose="02020603050405020304" pitchFamily="18" charset="0"/>
+                <a:cs typeface="Calibri" panose="020F0502020204030204" pitchFamily="34" charset="0"/>
               </a:rPr>
               <a:t>Encoder</a:t>
             </a:r>
           </a:p>
           <a:p>
             <a:pPr algn="ctr"/>
-            <a:endParaRPr kumimoji="1" lang="ko-Kore-KR" altLang="en-US" dirty="0">
+            <a:endParaRPr kumimoji="1" lang="ko-Kore-KR" altLang="en-US" sz="1800" dirty="0">
               <a:solidFill>
                 <a:schemeClr val="tx1"/>
               </a:solidFill>
-              <a:latin typeface="Times New Roman" panose="02020603050405020304" pitchFamily="18" charset="0"/>
-              <a:cs typeface="Times New Roman" panose="02020603050405020304" pitchFamily="18" charset="0"/>
+              <a:latin typeface="Calibri" panose="020F0502020204030204" pitchFamily="34" charset="0"/>
+              <a:cs typeface="Calibri" panose="020F0502020204030204" pitchFamily="34" charset="0"/>
             </a:endParaRPr>
           </a:p>
         </p:txBody>
@@ -18054,7 +18112,7 @@
         <p:spPr>
           <a:xfrm>
             <a:off x="5356016" y="718061"/>
-            <a:ext cx="997843" cy="553998"/>
+            <a:ext cx="997843" cy="646331"/>
           </a:xfrm>
           <a:prstGeom prst="rect">
             <a:avLst/>
@@ -18069,22 +18127,22 @@
           <a:p>
             <a:pPr algn="ctr"/>
             <a:r>
-              <a:rPr kumimoji="1" lang="en-US" altLang="ko-Kore-KR" sz="1600" dirty="0">
+              <a:rPr kumimoji="1" lang="en-US" altLang="ko-Kore-KR" sz="1800" dirty="0">
                 <a:solidFill>
                   <a:schemeClr val="accent1"/>
                 </a:solidFill>
-                <a:latin typeface="Times New Roman" panose="02020603050405020304" pitchFamily="18" charset="0"/>
+                <a:latin typeface="Calibri" panose="020F0502020204030204" pitchFamily="34" charset="0"/>
                 <a:ea typeface="Source Sans Pro" panose="020B0503030403020204" pitchFamily="34" charset="0"/>
-                <a:cs typeface="Times New Roman" panose="02020603050405020304" pitchFamily="18" charset="0"/>
+                <a:cs typeface="Calibri" panose="020F0502020204030204" pitchFamily="34" charset="0"/>
               </a:rPr>
               <a:t>Policy</a:t>
             </a:r>
           </a:p>
           <a:p>
             <a:pPr algn="ctr"/>
-            <a:endParaRPr lang="ko-Kore-KR" altLang="en-US" dirty="0">
-              <a:latin typeface="Times New Roman" panose="02020603050405020304" pitchFamily="18" charset="0"/>
-              <a:cs typeface="Times New Roman" panose="02020603050405020304" pitchFamily="18" charset="0"/>
+            <a:endParaRPr lang="ko-Kore-KR" altLang="en-US" sz="1800" dirty="0">
+              <a:latin typeface="Calibri" panose="020F0502020204030204" pitchFamily="34" charset="0"/>
+              <a:cs typeface="Calibri" panose="020F0502020204030204" pitchFamily="34" charset="0"/>
             </a:endParaRPr>
           </a:p>
         </p:txBody>
@@ -18137,8 +18195,8 @@
         </p:nvCxnSpPr>
         <p:spPr>
           <a:xfrm flipV="1">
-            <a:off x="5001958" y="995060"/>
-            <a:ext cx="354058" cy="486000"/>
+            <a:off x="5001958" y="1041227"/>
+            <a:ext cx="354058" cy="439833"/>
           </a:xfrm>
           <a:prstGeom prst="straightConnector1">
             <a:avLst/>
@@ -18180,7 +18238,7 @@
         <p:spPr>
           <a:xfrm>
             <a:off x="5356017" y="1690061"/>
-            <a:ext cx="997843" cy="553998"/>
+            <a:ext cx="997843" cy="646331"/>
           </a:xfrm>
           <a:prstGeom prst="rect">
             <a:avLst/>
@@ -18195,27 +18253,27 @@
           <a:p>
             <a:pPr algn="ctr"/>
             <a:r>
-              <a:rPr kumimoji="1" lang="en-US" altLang="ko-Kore-KR" sz="1600" dirty="0">
+              <a:rPr kumimoji="1" lang="en-US" altLang="ko-Kore-KR" sz="1800" dirty="0">
                 <a:solidFill>
                   <a:srgbClr val="FF0000"/>
                 </a:solidFill>
-                <a:latin typeface="Times New Roman" panose="02020603050405020304" pitchFamily="18" charset="0"/>
+                <a:latin typeface="Calibri" panose="020F0502020204030204" pitchFamily="34" charset="0"/>
                 <a:ea typeface="Source Sans Pro" panose="020B0503030403020204" pitchFamily="34" charset="0"/>
-                <a:cs typeface="Times New Roman" panose="02020603050405020304" pitchFamily="18" charset="0"/>
+                <a:cs typeface="Calibri" panose="020F0502020204030204" pitchFamily="34" charset="0"/>
               </a:rPr>
               <a:t>Value</a:t>
             </a:r>
           </a:p>
           <a:p>
             <a:pPr algn="ctr"/>
-            <a:endParaRPr lang="ko-Kore-KR" altLang="en-US" dirty="0">
+            <a:endParaRPr lang="ko-Kore-KR" altLang="en-US" sz="1800" dirty="0">
               <a:solidFill>
                 <a:schemeClr val="tx1">
                   <a:alpha val="20000"/>
                 </a:schemeClr>
               </a:solidFill>
-              <a:latin typeface="Times New Roman" panose="02020603050405020304" pitchFamily="18" charset="0"/>
-              <a:cs typeface="Times New Roman" panose="02020603050405020304" pitchFamily="18" charset="0"/>
+              <a:latin typeface="Calibri" panose="020F0502020204030204" pitchFamily="34" charset="0"/>
+              <a:cs typeface="Calibri" panose="020F0502020204030204" pitchFamily="34" charset="0"/>
             </a:endParaRPr>
           </a:p>
         </p:txBody>
@@ -18271,7 +18329,7 @@
         <p:spPr>
           <a:xfrm>
             <a:off x="5001958" y="1481060"/>
-            <a:ext cx="354059" cy="486000"/>
+            <a:ext cx="354059" cy="532167"/>
           </a:xfrm>
           <a:prstGeom prst="straightConnector1">
             <a:avLst/>
@@ -18378,9 +18436,9 @@
                 <a:solidFill>
                   <a:schemeClr val="tx1"/>
                 </a:solidFill>
-                <a:latin typeface="Times New Roman" panose="02020603050405020304" pitchFamily="18" charset="0"/>
+                <a:latin typeface="Calibri" panose="020F0502020204030204" pitchFamily="34" charset="0"/>
                 <a:ea typeface="Source Sans Pro" panose="020B0503030403020204" pitchFamily="34" charset="0"/>
-                <a:cs typeface="Times New Roman" panose="02020603050405020304" pitchFamily="18" charset="0"/>
+                <a:cs typeface="Calibri" panose="020F0502020204030204" pitchFamily="34" charset="0"/>
               </a:rPr>
               <a:t>State</a:t>
             </a:r>
@@ -18388,8 +18446,8 @@
           <a:p>
             <a:pPr algn="ctr"/>
             <a:endParaRPr lang="ko-Kore-KR" altLang="en-US" sz="1800" dirty="0">
-              <a:latin typeface="Times New Roman" panose="02020603050405020304" pitchFamily="18" charset="0"/>
-              <a:cs typeface="Times New Roman" panose="02020603050405020304" pitchFamily="18" charset="0"/>
+              <a:latin typeface="Calibri" panose="020F0502020204030204" pitchFamily="34" charset="0"/>
+              <a:cs typeface="Calibri" panose="020F0502020204030204" pitchFamily="34" charset="0"/>
             </a:endParaRPr>
           </a:p>
         </p:txBody>
@@ -18507,9 +18565,9 @@
                 <a:solidFill>
                   <a:schemeClr val="tx1"/>
                 </a:solidFill>
-                <a:latin typeface="Times New Roman" panose="02020603050405020304" pitchFamily="18" charset="0"/>
+                <a:latin typeface="Calibri" panose="020F0502020204030204" pitchFamily="34" charset="0"/>
                 <a:ea typeface="Source Sans Pro" panose="020B0503030403020204" pitchFamily="34" charset="0"/>
-                <a:cs typeface="Times New Roman" panose="02020603050405020304" pitchFamily="18" charset="0"/>
+                <a:cs typeface="Calibri" panose="020F0502020204030204" pitchFamily="34" charset="0"/>
               </a:rPr>
               <a:t>Agent</a:t>
             </a:r>
@@ -18518,9 +18576,9 @@
                 <a:solidFill>
                   <a:schemeClr val="tx1"/>
                 </a:solidFill>
-                <a:latin typeface="Times New Roman" panose="02020603050405020304" pitchFamily="18" charset="0"/>
+                <a:latin typeface="Calibri" panose="020F0502020204030204" pitchFamily="34" charset="0"/>
                 <a:ea typeface="Source Sans Pro" panose="020B0503030403020204" pitchFamily="34" charset="0"/>
-                <a:cs typeface="Times New Roman" panose="02020603050405020304" pitchFamily="18" charset="0"/>
+                <a:cs typeface="Calibri" panose="020F0502020204030204" pitchFamily="34" charset="0"/>
               </a:rPr>
               <a:t> </a:t>
             </a:r>
@@ -18735,7 +18793,8 @@
               <a:solidFill>
                 <a:schemeClr val="tx1"/>
               </a:solidFill>
-              <a:latin typeface="Source Sans Pro" panose="020B0503030403020204" pitchFamily="34" charset="0"/>
+              <a:latin typeface="Calibri" panose="020F0502020204030204" pitchFamily="34" charset="0"/>
+              <a:cs typeface="Calibri" panose="020F0502020204030204" pitchFamily="34" charset="0"/>
             </a:endParaRPr>
           </a:p>
         </p:txBody>
@@ -18773,9 +18832,9 @@
                 <a:solidFill>
                   <a:schemeClr val="tx1"/>
                 </a:solidFill>
-                <a:latin typeface="Times New Roman" panose="02020603050405020304" pitchFamily="18" charset="0"/>
+                <a:latin typeface="Calibri" panose="020F0502020204030204" pitchFamily="34" charset="0"/>
                 <a:ea typeface="Source Sans Pro" panose="020B0503030403020204" pitchFamily="34" charset="0"/>
-                <a:cs typeface="Times New Roman" panose="02020603050405020304" pitchFamily="18" charset="0"/>
+                <a:cs typeface="Calibri" panose="020F0502020204030204" pitchFamily="34" charset="0"/>
               </a:rPr>
               <a:t>Policy Phase </a:t>
             </a:r>
@@ -18815,9 +18874,9 @@
                 <a:solidFill>
                   <a:schemeClr val="tx1"/>
                 </a:solidFill>
-                <a:latin typeface="Times New Roman" panose="02020603050405020304" pitchFamily="18" charset="0"/>
+                <a:latin typeface="Calibri" panose="020F0502020204030204" pitchFamily="34" charset="0"/>
                 <a:ea typeface="Source Sans Pro" panose="020B0503030403020204" pitchFamily="34" charset="0"/>
-                <a:cs typeface="Times New Roman" panose="02020603050405020304" pitchFamily="18" charset="0"/>
+                <a:cs typeface="Calibri" panose="020F0502020204030204" pitchFamily="34" charset="0"/>
               </a:rPr>
               <a:t>Aux Phase </a:t>
             </a:r>
@@ -18872,9 +18931,9 @@
                 <a:solidFill>
                   <a:schemeClr val="tx1"/>
                 </a:solidFill>
-                <a:latin typeface="Times New Roman" panose="02020603050405020304" pitchFamily="18" charset="0"/>
+                <a:latin typeface="Calibri" panose="020F0502020204030204" pitchFamily="34" charset="0"/>
                 <a:ea typeface="Source Sans Pro" panose="020B0503030403020204" pitchFamily="34" charset="0"/>
-                <a:cs typeface="Times New Roman" panose="02020603050405020304" pitchFamily="18" charset="0"/>
+                <a:cs typeface="Calibri" panose="020F0502020204030204" pitchFamily="34" charset="0"/>
               </a:rPr>
               <a:t>Buffer</a:t>
             </a:r>
@@ -18882,8 +18941,8 @@
               <a:solidFill>
                 <a:schemeClr val="tx1"/>
               </a:solidFill>
-              <a:latin typeface="Times New Roman" panose="02020603050405020304" pitchFamily="18" charset="0"/>
-              <a:cs typeface="Times New Roman" panose="02020603050405020304" pitchFamily="18" charset="0"/>
+              <a:latin typeface="Calibri" panose="020F0502020204030204" pitchFamily="34" charset="0"/>
+              <a:cs typeface="Calibri" panose="020F0502020204030204" pitchFamily="34" charset="0"/>
             </a:endParaRPr>
           </a:p>
         </p:txBody>
@@ -18938,7 +18997,10 @@
           <a:lstStyle/>
           <a:p>
             <a:pPr algn="ctr"/>
-            <a:endParaRPr kumimoji="1" lang="ko-Kore-KR" altLang="en-US" dirty="0"/>
+            <a:endParaRPr kumimoji="1" lang="ko-Kore-KR" altLang="en-US" dirty="0">
+              <a:latin typeface="Calibri" panose="020F0502020204030204" pitchFamily="34" charset="0"/>
+              <a:cs typeface="Calibri" panose="020F0502020204030204" pitchFamily="34" charset="0"/>
+            </a:endParaRPr>
           </a:p>
         </p:txBody>
       </p:sp>
@@ -18995,21 +19057,21 @@
                 <a:solidFill>
                   <a:schemeClr val="tx1"/>
                 </a:solidFill>
-                <a:latin typeface="Times New Roman" panose="02020603050405020304" pitchFamily="18" charset="0"/>
+                <a:latin typeface="Calibri" panose="020F0502020204030204" pitchFamily="34" charset="0"/>
                 <a:ea typeface="Source Sans Pro" panose="020B0503030403020204" pitchFamily="34" charset="0"/>
-                <a:cs typeface="Times New Roman" panose="02020603050405020304" pitchFamily="18" charset="0"/>
+                <a:cs typeface="Calibri" panose="020F0502020204030204" pitchFamily="34" charset="0"/>
               </a:rPr>
               <a:t>Encoder</a:t>
             </a:r>
           </a:p>
           <a:p>
             <a:pPr algn="ctr"/>
-            <a:endParaRPr kumimoji="1" lang="ko-Kore-KR" altLang="en-US" dirty="0">
+            <a:endParaRPr kumimoji="1" lang="ko-Kore-KR" altLang="en-US" sz="1800" dirty="0">
               <a:solidFill>
                 <a:schemeClr val="tx1"/>
               </a:solidFill>
-              <a:latin typeface="Times New Roman" panose="02020603050405020304" pitchFamily="18" charset="0"/>
-              <a:cs typeface="Times New Roman" panose="02020603050405020304" pitchFamily="18" charset="0"/>
+              <a:latin typeface="Calibri" panose="020F0502020204030204" pitchFamily="34" charset="0"/>
+              <a:cs typeface="Calibri" panose="020F0502020204030204" pitchFamily="34" charset="0"/>
             </a:endParaRPr>
           </a:p>
         </p:txBody>
@@ -19059,7 +19121,7 @@
         <p:spPr>
           <a:xfrm>
             <a:off x="5356016" y="2657896"/>
-            <a:ext cx="997843" cy="553998"/>
+            <a:ext cx="997843" cy="646331"/>
           </a:xfrm>
           <a:prstGeom prst="rect">
             <a:avLst/>
@@ -19074,22 +19136,22 @@
           <a:p>
             <a:pPr algn="ctr"/>
             <a:r>
-              <a:rPr kumimoji="1" lang="en-US" altLang="ko-Kore-KR" sz="1600" dirty="0">
+              <a:rPr kumimoji="1" lang="en-US" altLang="ko-Kore-KR" sz="1800" dirty="0">
                 <a:solidFill>
                   <a:srgbClr val="FF0000"/>
                 </a:solidFill>
-                <a:latin typeface="Times New Roman" panose="02020603050405020304" pitchFamily="18" charset="0"/>
+                <a:latin typeface="Calibri" panose="020F0502020204030204" pitchFamily="34" charset="0"/>
                 <a:ea typeface="Source Sans Pro" panose="020B0503030403020204" pitchFamily="34" charset="0"/>
-                <a:cs typeface="Times New Roman" panose="02020603050405020304" pitchFamily="18" charset="0"/>
+                <a:cs typeface="Calibri" panose="020F0502020204030204" pitchFamily="34" charset="0"/>
               </a:rPr>
               <a:t>Policy</a:t>
             </a:r>
           </a:p>
           <a:p>
             <a:pPr algn="ctr"/>
-            <a:endParaRPr lang="ko-Kore-KR" altLang="en-US" dirty="0">
-              <a:latin typeface="Times New Roman" panose="02020603050405020304" pitchFamily="18" charset="0"/>
-              <a:cs typeface="Times New Roman" panose="02020603050405020304" pitchFamily="18" charset="0"/>
+            <a:endParaRPr lang="ko-Kore-KR" altLang="en-US" sz="1800" dirty="0">
+              <a:latin typeface="Calibri" panose="020F0502020204030204" pitchFamily="34" charset="0"/>
+              <a:cs typeface="Calibri" panose="020F0502020204030204" pitchFamily="34" charset="0"/>
             </a:endParaRPr>
           </a:p>
         </p:txBody>
@@ -19142,8 +19204,8 @@
         </p:nvCxnSpPr>
         <p:spPr>
           <a:xfrm flipV="1">
-            <a:off x="5001958" y="2934895"/>
-            <a:ext cx="354058" cy="486000"/>
+            <a:off x="5001958" y="2981062"/>
+            <a:ext cx="354058" cy="439833"/>
           </a:xfrm>
           <a:prstGeom prst="straightConnector1">
             <a:avLst/>
@@ -19185,7 +19247,7 @@
         <p:spPr>
           <a:xfrm>
             <a:off x="5356017" y="3629896"/>
-            <a:ext cx="997843" cy="553998"/>
+            <a:ext cx="997843" cy="646331"/>
           </a:xfrm>
           <a:prstGeom prst="rect">
             <a:avLst/>
@@ -19200,27 +19262,27 @@
           <a:p>
             <a:pPr algn="ctr"/>
             <a:r>
-              <a:rPr kumimoji="1" lang="en-US" altLang="ko-Kore-KR" sz="1600" dirty="0">
+              <a:rPr kumimoji="1" lang="en-US" altLang="ko-Kore-KR" sz="1800" dirty="0">
                 <a:solidFill>
                   <a:schemeClr val="accent1"/>
                 </a:solidFill>
-                <a:latin typeface="Times New Roman" panose="02020603050405020304" pitchFamily="18" charset="0"/>
+                <a:latin typeface="Calibri" panose="020F0502020204030204" pitchFamily="34" charset="0"/>
                 <a:ea typeface="Source Sans Pro" panose="020B0503030403020204" pitchFamily="34" charset="0"/>
-                <a:cs typeface="Times New Roman" panose="02020603050405020304" pitchFamily="18" charset="0"/>
+                <a:cs typeface="Calibri" panose="020F0502020204030204" pitchFamily="34" charset="0"/>
               </a:rPr>
               <a:t>Value</a:t>
             </a:r>
           </a:p>
           <a:p>
             <a:pPr algn="ctr"/>
-            <a:endParaRPr lang="ko-Kore-KR" altLang="en-US" dirty="0">
+            <a:endParaRPr lang="ko-Kore-KR" altLang="en-US" sz="1800" dirty="0">
               <a:solidFill>
                 <a:schemeClr val="tx1">
                   <a:alpha val="20000"/>
                 </a:schemeClr>
               </a:solidFill>
-              <a:latin typeface="Times New Roman" panose="02020603050405020304" pitchFamily="18" charset="0"/>
-              <a:cs typeface="Times New Roman" panose="02020603050405020304" pitchFamily="18" charset="0"/>
+              <a:latin typeface="Calibri" panose="020F0502020204030204" pitchFamily="34" charset="0"/>
+              <a:cs typeface="Calibri" panose="020F0502020204030204" pitchFamily="34" charset="0"/>
             </a:endParaRPr>
           </a:p>
         </p:txBody>
@@ -19276,7 +19338,7 @@
         <p:spPr>
           <a:xfrm>
             <a:off x="5001958" y="3420895"/>
-            <a:ext cx="354059" cy="486000"/>
+            <a:ext cx="354059" cy="532167"/>
           </a:xfrm>
           <a:prstGeom prst="straightConnector1">
             <a:avLst/>
@@ -19383,9 +19445,9 @@
                 <a:solidFill>
                   <a:schemeClr val="tx1"/>
                 </a:solidFill>
-                <a:latin typeface="Times New Roman" panose="02020603050405020304" pitchFamily="18" charset="0"/>
+                <a:latin typeface="Calibri" panose="020F0502020204030204" pitchFamily="34" charset="0"/>
                 <a:ea typeface="Source Sans Pro" panose="020B0503030403020204" pitchFamily="34" charset="0"/>
-                <a:cs typeface="Times New Roman" panose="02020603050405020304" pitchFamily="18" charset="0"/>
+                <a:cs typeface="Calibri" panose="020F0502020204030204" pitchFamily="34" charset="0"/>
               </a:rPr>
               <a:t>State</a:t>
             </a:r>
@@ -19393,8 +19455,8 @@
           <a:p>
             <a:pPr algn="ctr"/>
             <a:endParaRPr lang="ko-Kore-KR" altLang="en-US" sz="1800" dirty="0">
-              <a:latin typeface="Times New Roman" panose="02020603050405020304" pitchFamily="18" charset="0"/>
-              <a:cs typeface="Times New Roman" panose="02020603050405020304" pitchFamily="18" charset="0"/>
+              <a:latin typeface="Calibri" panose="020F0502020204030204" pitchFamily="34" charset="0"/>
+              <a:cs typeface="Calibri" panose="020F0502020204030204" pitchFamily="34" charset="0"/>
             </a:endParaRPr>
           </a:p>
         </p:txBody>
@@ -19480,7 +19542,10 @@
           <a:lstStyle/>
           <a:p>
             <a:pPr algn="ctr"/>
-            <a:endParaRPr kumimoji="1" lang="ko-Kore-KR" altLang="en-US" dirty="0"/>
+            <a:endParaRPr kumimoji="1" lang="ko-Kore-KR" altLang="en-US" dirty="0">
+              <a:latin typeface="Calibri" panose="020F0502020204030204" pitchFamily="34" charset="0"/>
+              <a:cs typeface="Calibri" panose="020F0502020204030204" pitchFamily="34" charset="0"/>
+            </a:endParaRPr>
           </a:p>
         </p:txBody>
       </p:sp>
@@ -19534,7 +19599,10 @@
           <a:lstStyle/>
           <a:p>
             <a:pPr algn="ctr"/>
-            <a:endParaRPr kumimoji="1" lang="ko-Kore-KR" altLang="en-US" dirty="0"/>
+            <a:endParaRPr kumimoji="1" lang="ko-Kore-KR" altLang="en-US" sz="1800" dirty="0">
+              <a:latin typeface="Calibri" panose="020F0502020204030204" pitchFamily="34" charset="0"/>
+              <a:cs typeface="Calibri" panose="020F0502020204030204" pitchFamily="34" charset="0"/>
+            </a:endParaRPr>
           </a:p>
         </p:txBody>
       </p:sp>
@@ -19625,8 +19693,8 @@
               <a:solidFill>
                 <a:schemeClr val="tx1"/>
               </a:solidFill>
-              <a:latin typeface="Times New Roman" panose="02020603050405020304" pitchFamily="18" charset="0"/>
-              <a:cs typeface="Times New Roman" panose="02020603050405020304" pitchFamily="18" charset="0"/>
+              <a:latin typeface="Calibri" panose="020F0502020204030204" pitchFamily="34" charset="0"/>
+              <a:cs typeface="Calibri" panose="020F0502020204030204" pitchFamily="34" charset="0"/>
             </a:endParaRPr>
           </a:p>
         </p:txBody>
@@ -19684,21 +19752,21 @@
                 <a:solidFill>
                   <a:schemeClr val="tx1"/>
                 </a:solidFill>
-                <a:latin typeface="Times New Roman" panose="02020603050405020304" pitchFamily="18" charset="0"/>
+                <a:latin typeface="Calibri" panose="020F0502020204030204" pitchFamily="34" charset="0"/>
                 <a:ea typeface="Source Sans Pro" panose="020B0503030403020204" pitchFamily="34" charset="0"/>
-                <a:cs typeface="Times New Roman" panose="02020603050405020304" pitchFamily="18" charset="0"/>
+                <a:cs typeface="Calibri" panose="020F0502020204030204" pitchFamily="34" charset="0"/>
               </a:rPr>
               <a:t>Encoder</a:t>
             </a:r>
           </a:p>
           <a:p>
             <a:pPr algn="ctr"/>
-            <a:endParaRPr kumimoji="1" lang="ko-Kore-KR" altLang="en-US" dirty="0">
+            <a:endParaRPr kumimoji="1" lang="ko-Kore-KR" altLang="en-US" sz="1800" dirty="0">
               <a:solidFill>
                 <a:schemeClr val="tx1"/>
               </a:solidFill>
-              <a:latin typeface="Times New Roman" panose="02020603050405020304" pitchFamily="18" charset="0"/>
-              <a:cs typeface="Times New Roman" panose="02020603050405020304" pitchFamily="18" charset="0"/>
+              <a:latin typeface="Calibri" panose="020F0502020204030204" pitchFamily="34" charset="0"/>
+              <a:cs typeface="Calibri" panose="020F0502020204030204" pitchFamily="34" charset="0"/>
             </a:endParaRPr>
           </a:p>
         </p:txBody>
@@ -19748,7 +19816,7 @@
         <p:spPr>
           <a:xfrm>
             <a:off x="5356016" y="718061"/>
-            <a:ext cx="997843" cy="553998"/>
+            <a:ext cx="997843" cy="646331"/>
           </a:xfrm>
           <a:prstGeom prst="rect">
             <a:avLst/>
@@ -19763,22 +19831,22 @@
           <a:p>
             <a:pPr algn="ctr"/>
             <a:r>
-              <a:rPr kumimoji="1" lang="en-US" altLang="ko-Kore-KR" sz="1600" dirty="0">
+              <a:rPr kumimoji="1" lang="en-US" altLang="ko-Kore-KR" sz="1800" dirty="0">
                 <a:solidFill>
                   <a:schemeClr val="accent1"/>
                 </a:solidFill>
-                <a:latin typeface="Times New Roman" panose="02020603050405020304" pitchFamily="18" charset="0"/>
+                <a:latin typeface="Calibri" panose="020F0502020204030204" pitchFamily="34" charset="0"/>
                 <a:ea typeface="Source Sans Pro" panose="020B0503030403020204" pitchFamily="34" charset="0"/>
-                <a:cs typeface="Times New Roman" panose="02020603050405020304" pitchFamily="18" charset="0"/>
+                <a:cs typeface="Calibri" panose="020F0502020204030204" pitchFamily="34" charset="0"/>
               </a:rPr>
               <a:t>Policy</a:t>
             </a:r>
           </a:p>
           <a:p>
             <a:pPr algn="ctr"/>
-            <a:endParaRPr lang="ko-Kore-KR" altLang="en-US" dirty="0">
-              <a:latin typeface="Times New Roman" panose="02020603050405020304" pitchFamily="18" charset="0"/>
-              <a:cs typeface="Times New Roman" panose="02020603050405020304" pitchFamily="18" charset="0"/>
+            <a:endParaRPr lang="ko-Kore-KR" altLang="en-US" sz="1800" dirty="0">
+              <a:latin typeface="Calibri" panose="020F0502020204030204" pitchFamily="34" charset="0"/>
+              <a:cs typeface="Calibri" panose="020F0502020204030204" pitchFamily="34" charset="0"/>
             </a:endParaRPr>
           </a:p>
         </p:txBody>
@@ -19831,8 +19899,8 @@
         </p:nvCxnSpPr>
         <p:spPr>
           <a:xfrm flipV="1">
-            <a:off x="5001958" y="995060"/>
-            <a:ext cx="354058" cy="486000"/>
+            <a:off x="5001958" y="1041227"/>
+            <a:ext cx="354058" cy="439833"/>
           </a:xfrm>
           <a:prstGeom prst="straightConnector1">
             <a:avLst/>
@@ -19874,7 +19942,7 @@
         <p:spPr>
           <a:xfrm>
             <a:off x="5356017" y="1690061"/>
-            <a:ext cx="997843" cy="553998"/>
+            <a:ext cx="997843" cy="646331"/>
           </a:xfrm>
           <a:prstGeom prst="rect">
             <a:avLst/>
@@ -19889,27 +19957,27 @@
           <a:p>
             <a:pPr algn="ctr"/>
             <a:r>
-              <a:rPr kumimoji="1" lang="en-US" altLang="ko-Kore-KR" sz="1600" dirty="0">
+              <a:rPr kumimoji="1" lang="en-US" altLang="ko-Kore-KR" sz="1800" dirty="0">
                 <a:solidFill>
                   <a:srgbClr val="FF0000"/>
                 </a:solidFill>
-                <a:latin typeface="Times New Roman" panose="02020603050405020304" pitchFamily="18" charset="0"/>
+                <a:latin typeface="Calibri" panose="020F0502020204030204" pitchFamily="34" charset="0"/>
                 <a:ea typeface="Source Sans Pro" panose="020B0503030403020204" pitchFamily="34" charset="0"/>
-                <a:cs typeface="Times New Roman" panose="02020603050405020304" pitchFamily="18" charset="0"/>
+                <a:cs typeface="Calibri" panose="020F0502020204030204" pitchFamily="34" charset="0"/>
               </a:rPr>
               <a:t>Value</a:t>
             </a:r>
           </a:p>
           <a:p>
             <a:pPr algn="ctr"/>
-            <a:endParaRPr lang="ko-Kore-KR" altLang="en-US" dirty="0">
+            <a:endParaRPr lang="ko-Kore-KR" altLang="en-US" sz="1800" dirty="0">
               <a:solidFill>
                 <a:schemeClr val="tx1">
                   <a:alpha val="20000"/>
                 </a:schemeClr>
               </a:solidFill>
-              <a:latin typeface="Times New Roman" panose="02020603050405020304" pitchFamily="18" charset="0"/>
-              <a:cs typeface="Times New Roman" panose="02020603050405020304" pitchFamily="18" charset="0"/>
+              <a:latin typeface="Calibri" panose="020F0502020204030204" pitchFamily="34" charset="0"/>
+              <a:cs typeface="Calibri" panose="020F0502020204030204" pitchFamily="34" charset="0"/>
             </a:endParaRPr>
           </a:p>
         </p:txBody>
@@ -19965,7 +20033,7 @@
         <p:spPr>
           <a:xfrm>
             <a:off x="5001958" y="1481060"/>
-            <a:ext cx="354059" cy="486000"/>
+            <a:ext cx="354059" cy="532167"/>
           </a:xfrm>
           <a:prstGeom prst="straightConnector1">
             <a:avLst/>
@@ -20072,9 +20140,9 @@
                 <a:solidFill>
                   <a:schemeClr val="tx1"/>
                 </a:solidFill>
-                <a:latin typeface="Times New Roman" panose="02020603050405020304" pitchFamily="18" charset="0"/>
+                <a:latin typeface="Calibri" panose="020F0502020204030204" pitchFamily="34" charset="0"/>
                 <a:ea typeface="Source Sans Pro" panose="020B0503030403020204" pitchFamily="34" charset="0"/>
-                <a:cs typeface="Times New Roman" panose="02020603050405020304" pitchFamily="18" charset="0"/>
+                <a:cs typeface="Calibri" panose="020F0502020204030204" pitchFamily="34" charset="0"/>
               </a:rPr>
               <a:t>State</a:t>
             </a:r>
@@ -20082,8 +20150,8 @@
           <a:p>
             <a:pPr algn="ctr"/>
             <a:endParaRPr lang="ko-Kore-KR" altLang="en-US" sz="1800" dirty="0">
-              <a:latin typeface="Times New Roman" panose="02020603050405020304" pitchFamily="18" charset="0"/>
-              <a:cs typeface="Times New Roman" panose="02020603050405020304" pitchFamily="18" charset="0"/>
+              <a:latin typeface="Calibri" panose="020F0502020204030204" pitchFamily="34" charset="0"/>
+              <a:cs typeface="Calibri" panose="020F0502020204030204" pitchFamily="34" charset="0"/>
             </a:endParaRPr>
           </a:p>
         </p:txBody>
@@ -20201,9 +20269,9 @@
                 <a:solidFill>
                   <a:schemeClr val="tx1"/>
                 </a:solidFill>
-                <a:latin typeface="Times New Roman" panose="02020603050405020304" pitchFamily="18" charset="0"/>
+                <a:latin typeface="Calibri" panose="020F0502020204030204" pitchFamily="34" charset="0"/>
                 <a:ea typeface="Source Sans Pro" panose="020B0503030403020204" pitchFamily="34" charset="0"/>
-                <a:cs typeface="Times New Roman" panose="02020603050405020304" pitchFamily="18" charset="0"/>
+                <a:cs typeface="Calibri" panose="020F0502020204030204" pitchFamily="34" charset="0"/>
               </a:rPr>
               <a:t>Agent</a:t>
             </a:r>
@@ -20212,9 +20280,9 @@
                 <a:solidFill>
                   <a:schemeClr val="tx1"/>
                 </a:solidFill>
-                <a:latin typeface="Times New Roman" panose="02020603050405020304" pitchFamily="18" charset="0"/>
+                <a:latin typeface="Calibri" panose="020F0502020204030204" pitchFamily="34" charset="0"/>
                 <a:ea typeface="Source Sans Pro" panose="020B0503030403020204" pitchFamily="34" charset="0"/>
-                <a:cs typeface="Times New Roman" panose="02020603050405020304" pitchFamily="18" charset="0"/>
+                <a:cs typeface="Calibri" panose="020F0502020204030204" pitchFamily="34" charset="0"/>
               </a:rPr>
               <a:t> </a:t>
             </a:r>
@@ -20429,7 +20497,8 @@
               <a:solidFill>
                 <a:schemeClr val="tx1"/>
               </a:solidFill>
-              <a:latin typeface="Source Sans Pro" panose="020B0503030403020204" pitchFamily="34" charset="0"/>
+              <a:latin typeface="Calibri" panose="020F0502020204030204" pitchFamily="34" charset="0"/>
+              <a:cs typeface="Calibri" panose="020F0502020204030204" pitchFamily="34" charset="0"/>
             </a:endParaRPr>
           </a:p>
         </p:txBody>
@@ -20467,9 +20536,9 @@
                 <a:solidFill>
                   <a:schemeClr val="tx1"/>
                 </a:solidFill>
-                <a:latin typeface="Times New Roman" panose="02020603050405020304" pitchFamily="18" charset="0"/>
+                <a:latin typeface="Calibri" panose="020F0502020204030204" pitchFamily="34" charset="0"/>
                 <a:ea typeface="Source Sans Pro" panose="020B0503030403020204" pitchFamily="34" charset="0"/>
-                <a:cs typeface="Times New Roman" panose="02020603050405020304" pitchFamily="18" charset="0"/>
+                <a:cs typeface="Calibri" panose="020F0502020204030204" pitchFamily="34" charset="0"/>
               </a:rPr>
               <a:t>Policy Phase </a:t>
             </a:r>
@@ -20509,9 +20578,9 @@
                 <a:solidFill>
                   <a:schemeClr val="tx1"/>
                 </a:solidFill>
-                <a:latin typeface="Times New Roman" panose="02020603050405020304" pitchFamily="18" charset="0"/>
+                <a:latin typeface="Calibri" panose="020F0502020204030204" pitchFamily="34" charset="0"/>
                 <a:ea typeface="Source Sans Pro" panose="020B0503030403020204" pitchFamily="34" charset="0"/>
-                <a:cs typeface="Times New Roman" panose="02020603050405020304" pitchFamily="18" charset="0"/>
+                <a:cs typeface="Calibri" panose="020F0502020204030204" pitchFamily="34" charset="0"/>
               </a:rPr>
               <a:t>Aux Phase </a:t>
             </a:r>
@@ -20566,9 +20635,9 @@
                 <a:solidFill>
                   <a:schemeClr val="tx1"/>
                 </a:solidFill>
-                <a:latin typeface="Times New Roman" panose="02020603050405020304" pitchFamily="18" charset="0"/>
+                <a:latin typeface="Calibri" panose="020F0502020204030204" pitchFamily="34" charset="0"/>
                 <a:ea typeface="Source Sans Pro" panose="020B0503030403020204" pitchFamily="34" charset="0"/>
-                <a:cs typeface="Times New Roman" panose="02020603050405020304" pitchFamily="18" charset="0"/>
+                <a:cs typeface="Calibri" panose="020F0502020204030204" pitchFamily="34" charset="0"/>
               </a:rPr>
               <a:t>Buffer</a:t>
             </a:r>
@@ -20576,8 +20645,8 @@
               <a:solidFill>
                 <a:schemeClr val="tx1"/>
               </a:solidFill>
-              <a:latin typeface="Times New Roman" panose="02020603050405020304" pitchFamily="18" charset="0"/>
-              <a:cs typeface="Times New Roman" panose="02020603050405020304" pitchFamily="18" charset="0"/>
+              <a:latin typeface="Calibri" panose="020F0502020204030204" pitchFamily="34" charset="0"/>
+              <a:cs typeface="Calibri" panose="020F0502020204030204" pitchFamily="34" charset="0"/>
             </a:endParaRPr>
           </a:p>
         </p:txBody>
@@ -20632,7 +20701,10 @@
           <a:lstStyle/>
           <a:p>
             <a:pPr algn="ctr"/>
-            <a:endParaRPr kumimoji="1" lang="ko-Kore-KR" altLang="en-US" dirty="0"/>
+            <a:endParaRPr kumimoji="1" lang="ko-Kore-KR" altLang="en-US" dirty="0">
+              <a:latin typeface="Calibri" panose="020F0502020204030204" pitchFamily="34" charset="0"/>
+              <a:cs typeface="Calibri" panose="020F0502020204030204" pitchFamily="34" charset="0"/>
+            </a:endParaRPr>
           </a:p>
         </p:txBody>
       </p:sp>
@@ -20689,21 +20761,21 @@
                 <a:solidFill>
                   <a:schemeClr val="tx1"/>
                 </a:solidFill>
-                <a:latin typeface="Times New Roman" panose="02020603050405020304" pitchFamily="18" charset="0"/>
+                <a:latin typeface="Calibri" panose="020F0502020204030204" pitchFamily="34" charset="0"/>
                 <a:ea typeface="Source Sans Pro" panose="020B0503030403020204" pitchFamily="34" charset="0"/>
-                <a:cs typeface="Times New Roman" panose="02020603050405020304" pitchFamily="18" charset="0"/>
+                <a:cs typeface="Calibri" panose="020F0502020204030204" pitchFamily="34" charset="0"/>
               </a:rPr>
               <a:t>Encoder</a:t>
             </a:r>
           </a:p>
           <a:p>
             <a:pPr algn="ctr"/>
-            <a:endParaRPr kumimoji="1" lang="ko-Kore-KR" altLang="en-US" dirty="0">
+            <a:endParaRPr kumimoji="1" lang="ko-Kore-KR" altLang="en-US" sz="1800" dirty="0">
               <a:solidFill>
                 <a:schemeClr val="tx1"/>
               </a:solidFill>
-              <a:latin typeface="Times New Roman" panose="02020603050405020304" pitchFamily="18" charset="0"/>
-              <a:cs typeface="Times New Roman" panose="02020603050405020304" pitchFamily="18" charset="0"/>
+              <a:latin typeface="Calibri" panose="020F0502020204030204" pitchFamily="34" charset="0"/>
+              <a:cs typeface="Calibri" panose="020F0502020204030204" pitchFamily="34" charset="0"/>
             </a:endParaRPr>
           </a:p>
         </p:txBody>
@@ -20753,7 +20825,7 @@
         <p:spPr>
           <a:xfrm>
             <a:off x="5356016" y="2657896"/>
-            <a:ext cx="997843" cy="553998"/>
+            <a:ext cx="997843" cy="646331"/>
           </a:xfrm>
           <a:prstGeom prst="rect">
             <a:avLst/>
@@ -20768,22 +20840,22 @@
           <a:p>
             <a:pPr algn="ctr"/>
             <a:r>
-              <a:rPr kumimoji="1" lang="en-US" altLang="ko-Kore-KR" sz="1600" dirty="0">
+              <a:rPr kumimoji="1" lang="en-US" altLang="ko-Kore-KR" sz="1800" dirty="0">
                 <a:solidFill>
                   <a:srgbClr val="FF0000"/>
                 </a:solidFill>
-                <a:latin typeface="Times New Roman" panose="02020603050405020304" pitchFamily="18" charset="0"/>
+                <a:latin typeface="Calibri" panose="020F0502020204030204" pitchFamily="34" charset="0"/>
                 <a:ea typeface="Source Sans Pro" panose="020B0503030403020204" pitchFamily="34" charset="0"/>
-                <a:cs typeface="Times New Roman" panose="02020603050405020304" pitchFamily="18" charset="0"/>
+                <a:cs typeface="Calibri" panose="020F0502020204030204" pitchFamily="34" charset="0"/>
               </a:rPr>
               <a:t>Policy</a:t>
             </a:r>
           </a:p>
           <a:p>
             <a:pPr algn="ctr"/>
-            <a:endParaRPr lang="ko-Kore-KR" altLang="en-US" dirty="0">
-              <a:latin typeface="Times New Roman" panose="02020603050405020304" pitchFamily="18" charset="0"/>
-              <a:cs typeface="Times New Roman" panose="02020603050405020304" pitchFamily="18" charset="0"/>
+            <a:endParaRPr lang="ko-Kore-KR" altLang="en-US" sz="1800" dirty="0">
+              <a:latin typeface="Calibri" panose="020F0502020204030204" pitchFamily="34" charset="0"/>
+              <a:cs typeface="Calibri" panose="020F0502020204030204" pitchFamily="34" charset="0"/>
             </a:endParaRPr>
           </a:p>
         </p:txBody>
@@ -20836,8 +20908,8 @@
         </p:nvCxnSpPr>
         <p:spPr>
           <a:xfrm flipV="1">
-            <a:off x="5001958" y="2934895"/>
-            <a:ext cx="354058" cy="486000"/>
+            <a:off x="5001958" y="2981062"/>
+            <a:ext cx="354058" cy="439833"/>
           </a:xfrm>
           <a:prstGeom prst="straightConnector1">
             <a:avLst/>
@@ -20879,7 +20951,7 @@
         <p:spPr>
           <a:xfrm>
             <a:off x="5356017" y="3629896"/>
-            <a:ext cx="997843" cy="553998"/>
+            <a:ext cx="997843" cy="646331"/>
           </a:xfrm>
           <a:prstGeom prst="rect">
             <a:avLst/>
@@ -20894,27 +20966,27 @@
           <a:p>
             <a:pPr algn="ctr"/>
             <a:r>
-              <a:rPr kumimoji="1" lang="en-US" altLang="ko-Kore-KR" sz="1600" dirty="0">
+              <a:rPr kumimoji="1" lang="en-US" altLang="ko-Kore-KR" sz="1800" dirty="0">
                 <a:solidFill>
                   <a:schemeClr val="accent1"/>
                 </a:solidFill>
-                <a:latin typeface="Times New Roman" panose="02020603050405020304" pitchFamily="18" charset="0"/>
+                <a:latin typeface="Calibri" panose="020F0502020204030204" pitchFamily="34" charset="0"/>
                 <a:ea typeface="Source Sans Pro" panose="020B0503030403020204" pitchFamily="34" charset="0"/>
-                <a:cs typeface="Times New Roman" panose="02020603050405020304" pitchFamily="18" charset="0"/>
+                <a:cs typeface="Calibri" panose="020F0502020204030204" pitchFamily="34" charset="0"/>
               </a:rPr>
               <a:t>Value</a:t>
             </a:r>
           </a:p>
           <a:p>
             <a:pPr algn="ctr"/>
-            <a:endParaRPr lang="ko-Kore-KR" altLang="en-US" dirty="0">
+            <a:endParaRPr lang="ko-Kore-KR" altLang="en-US" sz="1800" dirty="0">
               <a:solidFill>
                 <a:schemeClr val="tx1">
                   <a:alpha val="20000"/>
                 </a:schemeClr>
               </a:solidFill>
-              <a:latin typeface="Times New Roman" panose="02020603050405020304" pitchFamily="18" charset="0"/>
-              <a:cs typeface="Times New Roman" panose="02020603050405020304" pitchFamily="18" charset="0"/>
+              <a:latin typeface="Calibri" panose="020F0502020204030204" pitchFamily="34" charset="0"/>
+              <a:cs typeface="Calibri" panose="020F0502020204030204" pitchFamily="34" charset="0"/>
             </a:endParaRPr>
           </a:p>
         </p:txBody>
@@ -20970,7 +21042,7 @@
         <p:spPr>
           <a:xfrm>
             <a:off x="5001958" y="3420895"/>
-            <a:ext cx="354059" cy="486000"/>
+            <a:ext cx="354059" cy="532167"/>
           </a:xfrm>
           <a:prstGeom prst="straightConnector1">
             <a:avLst/>
@@ -21077,9 +21149,9 @@
                 <a:solidFill>
                   <a:schemeClr val="tx1"/>
                 </a:solidFill>
-                <a:latin typeface="Times New Roman" panose="02020603050405020304" pitchFamily="18" charset="0"/>
+                <a:latin typeface="Calibri" panose="020F0502020204030204" pitchFamily="34" charset="0"/>
                 <a:ea typeface="Source Sans Pro" panose="020B0503030403020204" pitchFamily="34" charset="0"/>
-                <a:cs typeface="Times New Roman" panose="02020603050405020304" pitchFamily="18" charset="0"/>
+                <a:cs typeface="Calibri" panose="020F0502020204030204" pitchFamily="34" charset="0"/>
               </a:rPr>
               <a:t>State</a:t>
             </a:r>
@@ -21087,8 +21159,8 @@
           <a:p>
             <a:pPr algn="ctr"/>
             <a:endParaRPr lang="ko-Kore-KR" altLang="en-US" sz="1800" dirty="0">
-              <a:latin typeface="Times New Roman" panose="02020603050405020304" pitchFamily="18" charset="0"/>
-              <a:cs typeface="Times New Roman" panose="02020603050405020304" pitchFamily="18" charset="0"/>
+              <a:latin typeface="Calibri" panose="020F0502020204030204" pitchFamily="34" charset="0"/>
+              <a:cs typeface="Calibri" panose="020F0502020204030204" pitchFamily="34" charset="0"/>
             </a:endParaRPr>
           </a:p>
         </p:txBody>
@@ -21173,7 +21245,10 @@
           <a:lstStyle/>
           <a:p>
             <a:pPr algn="ctr"/>
-            <a:endParaRPr kumimoji="1" lang="ko-Kore-KR" altLang="en-US" dirty="0"/>
+            <a:endParaRPr kumimoji="1" lang="ko-Kore-KR" altLang="en-US" sz="1800" dirty="0">
+              <a:latin typeface="Calibri" panose="020F0502020204030204" pitchFamily="34" charset="0"/>
+              <a:cs typeface="Calibri" panose="020F0502020204030204" pitchFamily="34" charset="0"/>
+            </a:endParaRPr>
           </a:p>
         </p:txBody>
       </p:sp>
@@ -21264,8 +21339,8 @@
               <a:solidFill>
                 <a:schemeClr val="tx1"/>
               </a:solidFill>
-              <a:latin typeface="Times New Roman" panose="02020603050405020304" pitchFamily="18" charset="0"/>
-              <a:cs typeface="Times New Roman" panose="02020603050405020304" pitchFamily="18" charset="0"/>
+              <a:latin typeface="Calibri" panose="020F0502020204030204" pitchFamily="34" charset="0"/>
+              <a:cs typeface="Calibri" panose="020F0502020204030204" pitchFamily="34" charset="0"/>
             </a:endParaRPr>
           </a:p>
         </p:txBody>
@@ -21323,21 +21398,21 @@
                 <a:solidFill>
                   <a:schemeClr val="tx1"/>
                 </a:solidFill>
-                <a:latin typeface="Times New Roman" panose="02020603050405020304" pitchFamily="18" charset="0"/>
+                <a:latin typeface="Calibri" panose="020F0502020204030204" pitchFamily="34" charset="0"/>
                 <a:ea typeface="Source Sans Pro" panose="020B0503030403020204" pitchFamily="34" charset="0"/>
-                <a:cs typeface="Times New Roman" panose="02020603050405020304" pitchFamily="18" charset="0"/>
+                <a:cs typeface="Calibri" panose="020F0502020204030204" pitchFamily="34" charset="0"/>
               </a:rPr>
               <a:t>Encoder</a:t>
             </a:r>
           </a:p>
           <a:p>
             <a:pPr algn="ctr"/>
-            <a:endParaRPr kumimoji="1" lang="ko-Kore-KR" altLang="en-US" dirty="0">
+            <a:endParaRPr kumimoji="1" lang="ko-Kore-KR" altLang="en-US" sz="1800" dirty="0">
               <a:solidFill>
                 <a:schemeClr val="tx1"/>
               </a:solidFill>
-              <a:latin typeface="Times New Roman" panose="02020603050405020304" pitchFamily="18" charset="0"/>
-              <a:cs typeface="Times New Roman" panose="02020603050405020304" pitchFamily="18" charset="0"/>
+              <a:latin typeface="Calibri" panose="020F0502020204030204" pitchFamily="34" charset="0"/>
+              <a:cs typeface="Calibri" panose="020F0502020204030204" pitchFamily="34" charset="0"/>
             </a:endParaRPr>
           </a:p>
         </p:txBody>
@@ -21387,7 +21462,7 @@
         <p:spPr>
           <a:xfrm>
             <a:off x="5356016" y="718061"/>
-            <a:ext cx="997843" cy="553998"/>
+            <a:ext cx="997843" cy="646331"/>
           </a:xfrm>
           <a:prstGeom prst="rect">
             <a:avLst/>
@@ -21402,22 +21477,22 @@
           <a:p>
             <a:pPr algn="ctr"/>
             <a:r>
-              <a:rPr kumimoji="1" lang="en-US" altLang="ko-Kore-KR" sz="1600" dirty="0">
+              <a:rPr kumimoji="1" lang="en-US" altLang="ko-Kore-KR" sz="1800" dirty="0">
                 <a:solidFill>
                   <a:schemeClr val="accent1"/>
                 </a:solidFill>
-                <a:latin typeface="Times New Roman" panose="02020603050405020304" pitchFamily="18" charset="0"/>
+                <a:latin typeface="Calibri" panose="020F0502020204030204" pitchFamily="34" charset="0"/>
                 <a:ea typeface="Source Sans Pro" panose="020B0503030403020204" pitchFamily="34" charset="0"/>
-                <a:cs typeface="Times New Roman" panose="02020603050405020304" pitchFamily="18" charset="0"/>
+                <a:cs typeface="Calibri" panose="020F0502020204030204" pitchFamily="34" charset="0"/>
               </a:rPr>
               <a:t>Policy</a:t>
             </a:r>
           </a:p>
           <a:p>
             <a:pPr algn="ctr"/>
-            <a:endParaRPr lang="ko-Kore-KR" altLang="en-US" dirty="0">
-              <a:latin typeface="Times New Roman" panose="02020603050405020304" pitchFamily="18" charset="0"/>
-              <a:cs typeface="Times New Roman" panose="02020603050405020304" pitchFamily="18" charset="0"/>
+            <a:endParaRPr lang="ko-Kore-KR" altLang="en-US" sz="1800" dirty="0">
+              <a:latin typeface="Calibri" panose="020F0502020204030204" pitchFamily="34" charset="0"/>
+              <a:cs typeface="Calibri" panose="020F0502020204030204" pitchFamily="34" charset="0"/>
             </a:endParaRPr>
           </a:p>
         </p:txBody>
@@ -21470,8 +21545,8 @@
         </p:nvCxnSpPr>
         <p:spPr>
           <a:xfrm flipV="1">
-            <a:off x="5001958" y="995060"/>
-            <a:ext cx="354058" cy="486000"/>
+            <a:off x="5001958" y="1041227"/>
+            <a:ext cx="354058" cy="439833"/>
           </a:xfrm>
           <a:prstGeom prst="straightConnector1">
             <a:avLst/>
@@ -21513,7 +21588,7 @@
         <p:spPr>
           <a:xfrm>
             <a:off x="5356017" y="1690061"/>
-            <a:ext cx="997843" cy="553998"/>
+            <a:ext cx="997843" cy="646331"/>
           </a:xfrm>
           <a:prstGeom prst="rect">
             <a:avLst/>
@@ -21528,27 +21603,27 @@
           <a:p>
             <a:pPr algn="ctr"/>
             <a:r>
-              <a:rPr kumimoji="1" lang="en-US" altLang="ko-Kore-KR" sz="1600" dirty="0">
+              <a:rPr kumimoji="1" lang="en-US" altLang="ko-Kore-KR" sz="1800" dirty="0">
                 <a:solidFill>
                   <a:srgbClr val="FF0000"/>
                 </a:solidFill>
-                <a:latin typeface="Times New Roman" panose="02020603050405020304" pitchFamily="18" charset="0"/>
+                <a:latin typeface="Calibri" panose="020F0502020204030204" pitchFamily="34" charset="0"/>
                 <a:ea typeface="Source Sans Pro" panose="020B0503030403020204" pitchFamily="34" charset="0"/>
-                <a:cs typeface="Times New Roman" panose="02020603050405020304" pitchFamily="18" charset="0"/>
+                <a:cs typeface="Calibri" panose="020F0502020204030204" pitchFamily="34" charset="0"/>
               </a:rPr>
               <a:t>Value</a:t>
             </a:r>
           </a:p>
           <a:p>
             <a:pPr algn="ctr"/>
-            <a:endParaRPr lang="ko-Kore-KR" altLang="en-US" dirty="0">
+            <a:endParaRPr lang="ko-Kore-KR" altLang="en-US" sz="1800" dirty="0">
               <a:solidFill>
                 <a:schemeClr val="tx1">
                   <a:alpha val="20000"/>
                 </a:schemeClr>
               </a:solidFill>
-              <a:latin typeface="Times New Roman" panose="02020603050405020304" pitchFamily="18" charset="0"/>
-              <a:cs typeface="Times New Roman" panose="02020603050405020304" pitchFamily="18" charset="0"/>
+              <a:latin typeface="Calibri" panose="020F0502020204030204" pitchFamily="34" charset="0"/>
+              <a:cs typeface="Calibri" panose="020F0502020204030204" pitchFamily="34" charset="0"/>
             </a:endParaRPr>
           </a:p>
         </p:txBody>
@@ -21604,7 +21679,7 @@
         <p:spPr>
           <a:xfrm>
             <a:off x="5001958" y="1481060"/>
-            <a:ext cx="354059" cy="486000"/>
+            <a:ext cx="354059" cy="532167"/>
           </a:xfrm>
           <a:prstGeom prst="straightConnector1">
             <a:avLst/>
@@ -21711,9 +21786,9 @@
                 <a:solidFill>
                   <a:schemeClr val="tx1"/>
                 </a:solidFill>
-                <a:latin typeface="Times New Roman" panose="02020603050405020304" pitchFamily="18" charset="0"/>
+                <a:latin typeface="Calibri" panose="020F0502020204030204" pitchFamily="34" charset="0"/>
                 <a:ea typeface="Source Sans Pro" panose="020B0503030403020204" pitchFamily="34" charset="0"/>
-                <a:cs typeface="Times New Roman" panose="02020603050405020304" pitchFamily="18" charset="0"/>
+                <a:cs typeface="Calibri" panose="020F0502020204030204" pitchFamily="34" charset="0"/>
               </a:rPr>
               <a:t>State</a:t>
             </a:r>
@@ -21721,8 +21796,8 @@
           <a:p>
             <a:pPr algn="ctr"/>
             <a:endParaRPr lang="ko-Kore-KR" altLang="en-US" sz="1800" dirty="0">
-              <a:latin typeface="Times New Roman" panose="02020603050405020304" pitchFamily="18" charset="0"/>
-              <a:cs typeface="Times New Roman" panose="02020603050405020304" pitchFamily="18" charset="0"/>
+              <a:latin typeface="Calibri" panose="020F0502020204030204" pitchFamily="34" charset="0"/>
+              <a:cs typeface="Calibri" panose="020F0502020204030204" pitchFamily="34" charset="0"/>
             </a:endParaRPr>
           </a:p>
         </p:txBody>
@@ -21840,9 +21915,9 @@
                 <a:solidFill>
                   <a:schemeClr val="tx1"/>
                 </a:solidFill>
-                <a:latin typeface="Times New Roman" panose="02020603050405020304" pitchFamily="18" charset="0"/>
+                <a:latin typeface="Calibri" panose="020F0502020204030204" pitchFamily="34" charset="0"/>
                 <a:ea typeface="Source Sans Pro" panose="020B0503030403020204" pitchFamily="34" charset="0"/>
-                <a:cs typeface="Times New Roman" panose="02020603050405020304" pitchFamily="18" charset="0"/>
+                <a:cs typeface="Calibri" panose="020F0502020204030204" pitchFamily="34" charset="0"/>
               </a:rPr>
               <a:t>Agent</a:t>
             </a:r>
@@ -21851,9 +21926,9 @@
                 <a:solidFill>
                   <a:schemeClr val="tx1"/>
                 </a:solidFill>
-                <a:latin typeface="Times New Roman" panose="02020603050405020304" pitchFamily="18" charset="0"/>
+                <a:latin typeface="Calibri" panose="020F0502020204030204" pitchFamily="34" charset="0"/>
                 <a:ea typeface="Source Sans Pro" panose="020B0503030403020204" pitchFamily="34" charset="0"/>
-                <a:cs typeface="Times New Roman" panose="02020603050405020304" pitchFamily="18" charset="0"/>
+                <a:cs typeface="Calibri" panose="020F0502020204030204" pitchFamily="34" charset="0"/>
               </a:rPr>
               <a:t> </a:t>
             </a:r>
@@ -22068,7 +22143,8 @@
               <a:solidFill>
                 <a:schemeClr val="tx1"/>
               </a:solidFill>
-              <a:latin typeface="Source Sans Pro" panose="020B0503030403020204" pitchFamily="34" charset="0"/>
+              <a:latin typeface="Calibri" panose="020F0502020204030204" pitchFamily="34" charset="0"/>
+              <a:cs typeface="Calibri" panose="020F0502020204030204" pitchFamily="34" charset="0"/>
             </a:endParaRPr>
           </a:p>
         </p:txBody>
@@ -22106,9 +22182,9 @@
                 <a:solidFill>
                   <a:schemeClr val="tx1"/>
                 </a:solidFill>
-                <a:latin typeface="Times New Roman" panose="02020603050405020304" pitchFamily="18" charset="0"/>
+                <a:latin typeface="Calibri" panose="020F0502020204030204" pitchFamily="34" charset="0"/>
                 <a:ea typeface="Source Sans Pro" panose="020B0503030403020204" pitchFamily="34" charset="0"/>
-                <a:cs typeface="Times New Roman" panose="02020603050405020304" pitchFamily="18" charset="0"/>
+                <a:cs typeface="Calibri" panose="020F0502020204030204" pitchFamily="34" charset="0"/>
               </a:rPr>
               <a:t>Policy Phase </a:t>
             </a:r>
@@ -22148,9 +22224,9 @@
                 <a:solidFill>
                   <a:schemeClr val="tx1"/>
                 </a:solidFill>
-                <a:latin typeface="Times New Roman" panose="02020603050405020304" pitchFamily="18" charset="0"/>
+                <a:latin typeface="Calibri" panose="020F0502020204030204" pitchFamily="34" charset="0"/>
                 <a:ea typeface="Source Sans Pro" panose="020B0503030403020204" pitchFamily="34" charset="0"/>
-                <a:cs typeface="Times New Roman" panose="02020603050405020304" pitchFamily="18" charset="0"/>
+                <a:cs typeface="Calibri" panose="020F0502020204030204" pitchFamily="34" charset="0"/>
               </a:rPr>
               <a:t>Aux Phase </a:t>
             </a:r>
@@ -22208,7 +22284,10 @@
           <a:lstStyle/>
           <a:p>
             <a:pPr algn="ctr"/>
-            <a:endParaRPr kumimoji="1" lang="ko-Kore-KR" altLang="en-US"/>
+            <a:endParaRPr kumimoji="1" lang="ko-Kore-KR" altLang="en-US" sz="1800">
+              <a:latin typeface="Calibri" panose="020F0502020204030204" pitchFamily="34" charset="0"/>
+              <a:cs typeface="Calibri" panose="020F0502020204030204" pitchFamily="34" charset="0"/>
+            </a:endParaRPr>
           </a:p>
         </p:txBody>
       </p:sp>
@@ -22260,9 +22339,9 @@
                 <a:solidFill>
                   <a:schemeClr val="tx1"/>
                 </a:solidFill>
-                <a:latin typeface="Times New Roman" panose="02020603050405020304" pitchFamily="18" charset="0"/>
+                <a:latin typeface="Calibri" panose="020F0502020204030204" pitchFamily="34" charset="0"/>
                 <a:ea typeface="Source Sans Pro" panose="020B0503030403020204" pitchFamily="34" charset="0"/>
-                <a:cs typeface="Times New Roman" panose="02020603050405020304" pitchFamily="18" charset="0"/>
+                <a:cs typeface="Calibri" panose="020F0502020204030204" pitchFamily="34" charset="0"/>
               </a:rPr>
               <a:t>Buffer</a:t>
             </a:r>
@@ -22270,8 +22349,8 @@
               <a:solidFill>
                 <a:schemeClr val="tx1"/>
               </a:solidFill>
-              <a:latin typeface="Times New Roman" panose="02020603050405020304" pitchFamily="18" charset="0"/>
-              <a:cs typeface="Times New Roman" panose="02020603050405020304" pitchFamily="18" charset="0"/>
+              <a:latin typeface="Calibri" panose="020F0502020204030204" pitchFamily="34" charset="0"/>
+              <a:cs typeface="Calibri" panose="020F0502020204030204" pitchFamily="34" charset="0"/>
             </a:endParaRPr>
           </a:p>
         </p:txBody>
@@ -22326,7 +22405,10 @@
           <a:lstStyle/>
           <a:p>
             <a:pPr algn="ctr"/>
-            <a:endParaRPr kumimoji="1" lang="ko-Kore-KR" altLang="en-US" dirty="0"/>
+            <a:endParaRPr kumimoji="1" lang="ko-Kore-KR" altLang="en-US" dirty="0">
+              <a:latin typeface="Calibri" panose="020F0502020204030204" pitchFamily="34" charset="0"/>
+              <a:cs typeface="Calibri" panose="020F0502020204030204" pitchFamily="34" charset="0"/>
+            </a:endParaRPr>
           </a:p>
         </p:txBody>
       </p:sp>
@@ -22383,21 +22465,21 @@
                 <a:solidFill>
                   <a:schemeClr val="tx1"/>
                 </a:solidFill>
-                <a:latin typeface="Times New Roman" panose="02020603050405020304" pitchFamily="18" charset="0"/>
+                <a:latin typeface="Calibri" panose="020F0502020204030204" pitchFamily="34" charset="0"/>
                 <a:ea typeface="Source Sans Pro" panose="020B0503030403020204" pitchFamily="34" charset="0"/>
-                <a:cs typeface="Times New Roman" panose="02020603050405020304" pitchFamily="18" charset="0"/>
+                <a:cs typeface="Calibri" panose="020F0502020204030204" pitchFamily="34" charset="0"/>
               </a:rPr>
               <a:t>Encoder</a:t>
             </a:r>
           </a:p>
           <a:p>
             <a:pPr algn="ctr"/>
-            <a:endParaRPr kumimoji="1" lang="ko-Kore-KR" altLang="en-US" dirty="0">
+            <a:endParaRPr kumimoji="1" lang="ko-Kore-KR" altLang="en-US" sz="1800" dirty="0">
               <a:solidFill>
                 <a:schemeClr val="tx1"/>
               </a:solidFill>
-              <a:latin typeface="Times New Roman" panose="02020603050405020304" pitchFamily="18" charset="0"/>
-              <a:cs typeface="Times New Roman" panose="02020603050405020304" pitchFamily="18" charset="0"/>
+              <a:latin typeface="Calibri" panose="020F0502020204030204" pitchFamily="34" charset="0"/>
+              <a:cs typeface="Calibri" panose="020F0502020204030204" pitchFamily="34" charset="0"/>
             </a:endParaRPr>
           </a:p>
         </p:txBody>
@@ -22447,7 +22529,7 @@
         <p:spPr>
           <a:xfrm>
             <a:off x="5356016" y="2657896"/>
-            <a:ext cx="997843" cy="553998"/>
+            <a:ext cx="997843" cy="646331"/>
           </a:xfrm>
           <a:prstGeom prst="rect">
             <a:avLst/>
@@ -22462,22 +22544,22 @@
           <a:p>
             <a:pPr algn="ctr"/>
             <a:r>
-              <a:rPr kumimoji="1" lang="en-US" altLang="ko-Kore-KR" sz="1600" dirty="0">
+              <a:rPr kumimoji="1" lang="en-US" altLang="ko-Kore-KR" sz="1800" dirty="0">
                 <a:solidFill>
                   <a:srgbClr val="FF0000"/>
                 </a:solidFill>
-                <a:latin typeface="Times New Roman" panose="02020603050405020304" pitchFamily="18" charset="0"/>
+                <a:latin typeface="Calibri" panose="020F0502020204030204" pitchFamily="34" charset="0"/>
                 <a:ea typeface="Source Sans Pro" panose="020B0503030403020204" pitchFamily="34" charset="0"/>
-                <a:cs typeface="Times New Roman" panose="02020603050405020304" pitchFamily="18" charset="0"/>
+                <a:cs typeface="Calibri" panose="020F0502020204030204" pitchFamily="34" charset="0"/>
               </a:rPr>
               <a:t>Policy</a:t>
             </a:r>
           </a:p>
           <a:p>
             <a:pPr algn="ctr"/>
-            <a:endParaRPr lang="ko-Kore-KR" altLang="en-US" dirty="0">
-              <a:latin typeface="Times New Roman" panose="02020603050405020304" pitchFamily="18" charset="0"/>
-              <a:cs typeface="Times New Roman" panose="02020603050405020304" pitchFamily="18" charset="0"/>
+            <a:endParaRPr lang="ko-Kore-KR" altLang="en-US" sz="1800" dirty="0">
+              <a:latin typeface="Calibri" panose="020F0502020204030204" pitchFamily="34" charset="0"/>
+              <a:cs typeface="Calibri" panose="020F0502020204030204" pitchFamily="34" charset="0"/>
             </a:endParaRPr>
           </a:p>
         </p:txBody>
@@ -22530,8 +22612,8 @@
         </p:nvCxnSpPr>
         <p:spPr>
           <a:xfrm flipV="1">
-            <a:off x="5001958" y="2934895"/>
-            <a:ext cx="354058" cy="486000"/>
+            <a:off x="5001958" y="2981062"/>
+            <a:ext cx="354058" cy="439833"/>
           </a:xfrm>
           <a:prstGeom prst="straightConnector1">
             <a:avLst/>
@@ -22573,7 +22655,7 @@
         <p:spPr>
           <a:xfrm>
             <a:off x="5356017" y="3629896"/>
-            <a:ext cx="997843" cy="553998"/>
+            <a:ext cx="997843" cy="646331"/>
           </a:xfrm>
           <a:prstGeom prst="rect">
             <a:avLst/>
@@ -22588,27 +22670,27 @@
           <a:p>
             <a:pPr algn="ctr"/>
             <a:r>
-              <a:rPr kumimoji="1" lang="en-US" altLang="ko-Kore-KR" sz="1600" dirty="0">
+              <a:rPr kumimoji="1" lang="en-US" altLang="ko-Kore-KR" sz="1800" dirty="0">
                 <a:solidFill>
                   <a:schemeClr val="accent1"/>
                 </a:solidFill>
-                <a:latin typeface="Times New Roman" panose="02020603050405020304" pitchFamily="18" charset="0"/>
+                <a:latin typeface="Calibri" panose="020F0502020204030204" pitchFamily="34" charset="0"/>
                 <a:ea typeface="Source Sans Pro" panose="020B0503030403020204" pitchFamily="34" charset="0"/>
-                <a:cs typeface="Times New Roman" panose="02020603050405020304" pitchFamily="18" charset="0"/>
+                <a:cs typeface="Calibri" panose="020F0502020204030204" pitchFamily="34" charset="0"/>
               </a:rPr>
               <a:t>Value</a:t>
             </a:r>
           </a:p>
           <a:p>
             <a:pPr algn="ctr"/>
-            <a:endParaRPr lang="ko-Kore-KR" altLang="en-US" dirty="0">
+            <a:endParaRPr lang="ko-Kore-KR" altLang="en-US" sz="1800" dirty="0">
               <a:solidFill>
                 <a:schemeClr val="tx1">
                   <a:alpha val="20000"/>
                 </a:schemeClr>
               </a:solidFill>
-              <a:latin typeface="Times New Roman" panose="02020603050405020304" pitchFamily="18" charset="0"/>
-              <a:cs typeface="Times New Roman" panose="02020603050405020304" pitchFamily="18" charset="0"/>
+              <a:latin typeface="Calibri" panose="020F0502020204030204" pitchFamily="34" charset="0"/>
+              <a:cs typeface="Calibri" panose="020F0502020204030204" pitchFamily="34" charset="0"/>
             </a:endParaRPr>
           </a:p>
         </p:txBody>
@@ -22664,7 +22746,7 @@
         <p:spPr>
           <a:xfrm>
             <a:off x="5001958" y="3420895"/>
-            <a:ext cx="354059" cy="486000"/>
+            <a:ext cx="354059" cy="532167"/>
           </a:xfrm>
           <a:prstGeom prst="straightConnector1">
             <a:avLst/>
@@ -22771,9 +22853,9 @@
                 <a:solidFill>
                   <a:schemeClr val="tx1"/>
                 </a:solidFill>
-                <a:latin typeface="Times New Roman" panose="02020603050405020304" pitchFamily="18" charset="0"/>
+                <a:latin typeface="Calibri" panose="020F0502020204030204" pitchFamily="34" charset="0"/>
                 <a:ea typeface="Source Sans Pro" panose="020B0503030403020204" pitchFamily="34" charset="0"/>
-                <a:cs typeface="Times New Roman" panose="02020603050405020304" pitchFamily="18" charset="0"/>
+                <a:cs typeface="Calibri" panose="020F0502020204030204" pitchFamily="34" charset="0"/>
               </a:rPr>
               <a:t>State</a:t>
             </a:r>
@@ -22781,8 +22863,8 @@
           <a:p>
             <a:pPr algn="ctr"/>
             <a:endParaRPr lang="ko-Kore-KR" altLang="en-US" sz="1800" dirty="0">
-              <a:latin typeface="Times New Roman" panose="02020603050405020304" pitchFamily="18" charset="0"/>
-              <a:cs typeface="Times New Roman" panose="02020603050405020304" pitchFamily="18" charset="0"/>
+              <a:latin typeface="Calibri" panose="020F0502020204030204" pitchFamily="34" charset="0"/>
+              <a:cs typeface="Calibri" panose="020F0502020204030204" pitchFamily="34" charset="0"/>
             </a:endParaRPr>
           </a:p>
         </p:txBody>
@@ -22867,7 +22949,10 @@
           <a:lstStyle/>
           <a:p>
             <a:pPr algn="ctr"/>
-            <a:endParaRPr kumimoji="1" lang="ko-Kore-KR" altLang="en-US" dirty="0"/>
+            <a:endParaRPr kumimoji="1" lang="ko-Kore-KR" altLang="en-US" sz="1800" dirty="0">
+              <a:latin typeface="Calibri" panose="020F0502020204030204" pitchFamily="34" charset="0"/>
+              <a:cs typeface="Calibri" panose="020F0502020204030204" pitchFamily="34" charset="0"/>
+            </a:endParaRPr>
           </a:p>
         </p:txBody>
       </p:sp>
@@ -22958,8 +23043,8 @@
               <a:solidFill>
                 <a:schemeClr val="tx1"/>
               </a:solidFill>
-              <a:latin typeface="Times New Roman" panose="02020603050405020304" pitchFamily="18" charset="0"/>
-              <a:cs typeface="Times New Roman" panose="02020603050405020304" pitchFamily="18" charset="0"/>
+              <a:latin typeface="Calibri" panose="020F0502020204030204" pitchFamily="34" charset="0"/>
+              <a:cs typeface="Calibri" panose="020F0502020204030204" pitchFamily="34" charset="0"/>
             </a:endParaRPr>
           </a:p>
         </p:txBody>
@@ -23017,21 +23102,21 @@
                 <a:solidFill>
                   <a:schemeClr val="tx1"/>
                 </a:solidFill>
-                <a:latin typeface="Times New Roman" panose="02020603050405020304" pitchFamily="18" charset="0"/>
+                <a:latin typeface="Calibri" panose="020F0502020204030204" pitchFamily="34" charset="0"/>
                 <a:ea typeface="Source Sans Pro" panose="020B0503030403020204" pitchFamily="34" charset="0"/>
-                <a:cs typeface="Times New Roman" panose="02020603050405020304" pitchFamily="18" charset="0"/>
+                <a:cs typeface="Calibri" panose="020F0502020204030204" pitchFamily="34" charset="0"/>
               </a:rPr>
               <a:t>Encoder</a:t>
             </a:r>
           </a:p>
           <a:p>
             <a:pPr algn="ctr"/>
-            <a:endParaRPr kumimoji="1" lang="ko-Kore-KR" altLang="en-US" dirty="0">
+            <a:endParaRPr kumimoji="1" lang="ko-Kore-KR" altLang="en-US" sz="1800" dirty="0">
               <a:solidFill>
                 <a:schemeClr val="tx1"/>
               </a:solidFill>
-              <a:latin typeface="Times New Roman" panose="02020603050405020304" pitchFamily="18" charset="0"/>
-              <a:cs typeface="Times New Roman" panose="02020603050405020304" pitchFamily="18" charset="0"/>
+              <a:latin typeface="Calibri" panose="020F0502020204030204" pitchFamily="34" charset="0"/>
+              <a:cs typeface="Calibri" panose="020F0502020204030204" pitchFamily="34" charset="0"/>
             </a:endParaRPr>
           </a:p>
         </p:txBody>
@@ -23081,7 +23166,7 @@
         <p:spPr>
           <a:xfrm>
             <a:off x="5356016" y="718061"/>
-            <a:ext cx="997843" cy="553998"/>
+            <a:ext cx="997843" cy="646331"/>
           </a:xfrm>
           <a:prstGeom prst="rect">
             <a:avLst/>
@@ -23096,22 +23181,22 @@
           <a:p>
             <a:pPr algn="ctr"/>
             <a:r>
-              <a:rPr kumimoji="1" lang="en-US" altLang="ko-Kore-KR" sz="1600" dirty="0">
+              <a:rPr kumimoji="1" lang="en-US" altLang="ko-Kore-KR" sz="1800" dirty="0">
                 <a:solidFill>
                   <a:schemeClr val="accent1"/>
                 </a:solidFill>
-                <a:latin typeface="Times New Roman" panose="02020603050405020304" pitchFamily="18" charset="0"/>
+                <a:latin typeface="Calibri" panose="020F0502020204030204" pitchFamily="34" charset="0"/>
                 <a:ea typeface="Source Sans Pro" panose="020B0503030403020204" pitchFamily="34" charset="0"/>
-                <a:cs typeface="Times New Roman" panose="02020603050405020304" pitchFamily="18" charset="0"/>
+                <a:cs typeface="Calibri" panose="020F0502020204030204" pitchFamily="34" charset="0"/>
               </a:rPr>
               <a:t>Policy</a:t>
             </a:r>
           </a:p>
           <a:p>
             <a:pPr algn="ctr"/>
-            <a:endParaRPr lang="ko-Kore-KR" altLang="en-US" dirty="0">
-              <a:latin typeface="Times New Roman" panose="02020603050405020304" pitchFamily="18" charset="0"/>
-              <a:cs typeface="Times New Roman" panose="02020603050405020304" pitchFamily="18" charset="0"/>
+            <a:endParaRPr lang="ko-Kore-KR" altLang="en-US" sz="1800" dirty="0">
+              <a:latin typeface="Calibri" panose="020F0502020204030204" pitchFamily="34" charset="0"/>
+              <a:cs typeface="Calibri" panose="020F0502020204030204" pitchFamily="34" charset="0"/>
             </a:endParaRPr>
           </a:p>
         </p:txBody>
@@ -23164,8 +23249,8 @@
         </p:nvCxnSpPr>
         <p:spPr>
           <a:xfrm flipV="1">
-            <a:off x="5001958" y="995060"/>
-            <a:ext cx="354058" cy="486000"/>
+            <a:off x="5001958" y="1041227"/>
+            <a:ext cx="354058" cy="439833"/>
           </a:xfrm>
           <a:prstGeom prst="straightConnector1">
             <a:avLst/>
@@ -23207,7 +23292,7 @@
         <p:spPr>
           <a:xfrm>
             <a:off x="5356017" y="1690061"/>
-            <a:ext cx="997843" cy="553998"/>
+            <a:ext cx="997843" cy="646331"/>
           </a:xfrm>
           <a:prstGeom prst="rect">
             <a:avLst/>
@@ -23222,27 +23307,27 @@
           <a:p>
             <a:pPr algn="ctr"/>
             <a:r>
-              <a:rPr kumimoji="1" lang="en-US" altLang="ko-Kore-KR" sz="1600" dirty="0">
+              <a:rPr kumimoji="1" lang="en-US" altLang="ko-Kore-KR" sz="1800" dirty="0">
                 <a:solidFill>
                   <a:srgbClr val="FF0000"/>
                 </a:solidFill>
-                <a:latin typeface="Times New Roman" panose="02020603050405020304" pitchFamily="18" charset="0"/>
+                <a:latin typeface="Calibri" panose="020F0502020204030204" pitchFamily="34" charset="0"/>
                 <a:ea typeface="Source Sans Pro" panose="020B0503030403020204" pitchFamily="34" charset="0"/>
-                <a:cs typeface="Times New Roman" panose="02020603050405020304" pitchFamily="18" charset="0"/>
+                <a:cs typeface="Calibri" panose="020F0502020204030204" pitchFamily="34" charset="0"/>
               </a:rPr>
               <a:t>Value</a:t>
             </a:r>
           </a:p>
           <a:p>
             <a:pPr algn="ctr"/>
-            <a:endParaRPr lang="ko-Kore-KR" altLang="en-US" dirty="0">
+            <a:endParaRPr lang="ko-Kore-KR" altLang="en-US" sz="1800" dirty="0">
               <a:solidFill>
                 <a:schemeClr val="tx1">
                   <a:alpha val="20000"/>
                 </a:schemeClr>
               </a:solidFill>
-              <a:latin typeface="Times New Roman" panose="02020603050405020304" pitchFamily="18" charset="0"/>
-              <a:cs typeface="Times New Roman" panose="02020603050405020304" pitchFamily="18" charset="0"/>
+              <a:latin typeface="Calibri" panose="020F0502020204030204" pitchFamily="34" charset="0"/>
+              <a:cs typeface="Calibri" panose="020F0502020204030204" pitchFamily="34" charset="0"/>
             </a:endParaRPr>
           </a:p>
         </p:txBody>
@@ -23298,7 +23383,7 @@
         <p:spPr>
           <a:xfrm>
             <a:off x="5001958" y="1481060"/>
-            <a:ext cx="354059" cy="486000"/>
+            <a:ext cx="354059" cy="532167"/>
           </a:xfrm>
           <a:prstGeom prst="straightConnector1">
             <a:avLst/>
@@ -23405,9 +23490,9 @@
                 <a:solidFill>
                   <a:schemeClr val="tx1"/>
                 </a:solidFill>
-                <a:latin typeface="Times New Roman" panose="02020603050405020304" pitchFamily="18" charset="0"/>
+                <a:latin typeface="Calibri" panose="020F0502020204030204" pitchFamily="34" charset="0"/>
                 <a:ea typeface="Source Sans Pro" panose="020B0503030403020204" pitchFamily="34" charset="0"/>
-                <a:cs typeface="Times New Roman" panose="02020603050405020304" pitchFamily="18" charset="0"/>
+                <a:cs typeface="Calibri" panose="020F0502020204030204" pitchFamily="34" charset="0"/>
               </a:rPr>
               <a:t>State</a:t>
             </a:r>
@@ -23415,8 +23500,8 @@
           <a:p>
             <a:pPr algn="ctr"/>
             <a:endParaRPr lang="ko-Kore-KR" altLang="en-US" sz="1800" dirty="0">
-              <a:latin typeface="Times New Roman" panose="02020603050405020304" pitchFamily="18" charset="0"/>
-              <a:cs typeface="Times New Roman" panose="02020603050405020304" pitchFamily="18" charset="0"/>
+              <a:latin typeface="Calibri" panose="020F0502020204030204" pitchFamily="34" charset="0"/>
+              <a:cs typeface="Calibri" panose="020F0502020204030204" pitchFamily="34" charset="0"/>
             </a:endParaRPr>
           </a:p>
         </p:txBody>
@@ -23534,9 +23619,9 @@
                 <a:solidFill>
                   <a:schemeClr val="tx1"/>
                 </a:solidFill>
-                <a:latin typeface="Times New Roman" panose="02020603050405020304" pitchFamily="18" charset="0"/>
+                <a:latin typeface="Calibri" panose="020F0502020204030204" pitchFamily="34" charset="0"/>
                 <a:ea typeface="Source Sans Pro" panose="020B0503030403020204" pitchFamily="34" charset="0"/>
-                <a:cs typeface="Times New Roman" panose="02020603050405020304" pitchFamily="18" charset="0"/>
+                <a:cs typeface="Calibri" panose="020F0502020204030204" pitchFamily="34" charset="0"/>
               </a:rPr>
               <a:t>Agent</a:t>
             </a:r>
@@ -23545,9 +23630,9 @@
                 <a:solidFill>
                   <a:schemeClr val="tx1"/>
                 </a:solidFill>
-                <a:latin typeface="Times New Roman" panose="02020603050405020304" pitchFamily="18" charset="0"/>
+                <a:latin typeface="Calibri" panose="020F0502020204030204" pitchFamily="34" charset="0"/>
                 <a:ea typeface="Source Sans Pro" panose="020B0503030403020204" pitchFamily="34" charset="0"/>
-                <a:cs typeface="Times New Roman" panose="02020603050405020304" pitchFamily="18" charset="0"/>
+                <a:cs typeface="Calibri" panose="020F0502020204030204" pitchFamily="34" charset="0"/>
               </a:rPr>
               <a:t> </a:t>
             </a:r>
@@ -23762,7 +23847,8 @@
               <a:solidFill>
                 <a:schemeClr val="tx1"/>
               </a:solidFill>
-              <a:latin typeface="Source Sans Pro" panose="020B0503030403020204" pitchFamily="34" charset="0"/>
+              <a:latin typeface="Calibri" panose="020F0502020204030204" pitchFamily="34" charset="0"/>
+              <a:cs typeface="Calibri" panose="020F0502020204030204" pitchFamily="34" charset="0"/>
             </a:endParaRPr>
           </a:p>
         </p:txBody>
@@ -23800,9 +23886,9 @@
                 <a:solidFill>
                   <a:schemeClr val="tx1"/>
                 </a:solidFill>
-                <a:latin typeface="Times New Roman" panose="02020603050405020304" pitchFamily="18" charset="0"/>
+                <a:latin typeface="Calibri" panose="020F0502020204030204" pitchFamily="34" charset="0"/>
                 <a:ea typeface="Source Sans Pro" panose="020B0503030403020204" pitchFamily="34" charset="0"/>
-                <a:cs typeface="Times New Roman" panose="02020603050405020304" pitchFamily="18" charset="0"/>
+                <a:cs typeface="Calibri" panose="020F0502020204030204" pitchFamily="34" charset="0"/>
               </a:rPr>
               <a:t>Policy Phase </a:t>
             </a:r>
@@ -23842,9 +23928,9 @@
                 <a:solidFill>
                   <a:schemeClr val="tx1"/>
                 </a:solidFill>
-                <a:latin typeface="Times New Roman" panose="02020603050405020304" pitchFamily="18" charset="0"/>
+                <a:latin typeface="Calibri" panose="020F0502020204030204" pitchFamily="34" charset="0"/>
                 <a:ea typeface="Source Sans Pro" panose="020B0503030403020204" pitchFamily="34" charset="0"/>
-                <a:cs typeface="Times New Roman" panose="02020603050405020304" pitchFamily="18" charset="0"/>
+                <a:cs typeface="Calibri" panose="020F0502020204030204" pitchFamily="34" charset="0"/>
               </a:rPr>
               <a:t>Aux Phase </a:t>
             </a:r>
@@ -23899,9 +23985,9 @@
                 <a:solidFill>
                   <a:schemeClr val="tx1"/>
                 </a:solidFill>
-                <a:latin typeface="Times New Roman" panose="02020603050405020304" pitchFamily="18" charset="0"/>
+                <a:latin typeface="Calibri" panose="020F0502020204030204" pitchFamily="34" charset="0"/>
                 <a:ea typeface="Source Sans Pro" panose="020B0503030403020204" pitchFamily="34" charset="0"/>
-                <a:cs typeface="Times New Roman" panose="02020603050405020304" pitchFamily="18" charset="0"/>
+                <a:cs typeface="Calibri" panose="020F0502020204030204" pitchFamily="34" charset="0"/>
               </a:rPr>
               <a:t>Buffer</a:t>
             </a:r>
@@ -23909,8 +23995,8 @@
               <a:solidFill>
                 <a:schemeClr val="tx1"/>
               </a:solidFill>
-              <a:latin typeface="Times New Roman" panose="02020603050405020304" pitchFamily="18" charset="0"/>
-              <a:cs typeface="Times New Roman" panose="02020603050405020304" pitchFamily="18" charset="0"/>
+              <a:latin typeface="Calibri" panose="020F0502020204030204" pitchFamily="34" charset="0"/>
+              <a:cs typeface="Calibri" panose="020F0502020204030204" pitchFamily="34" charset="0"/>
             </a:endParaRPr>
           </a:p>
         </p:txBody>
@@ -23965,7 +24051,10 @@
           <a:lstStyle/>
           <a:p>
             <a:pPr algn="ctr"/>
-            <a:endParaRPr kumimoji="1" lang="ko-Kore-KR" altLang="en-US" dirty="0"/>
+            <a:endParaRPr kumimoji="1" lang="ko-Kore-KR" altLang="en-US" dirty="0">
+              <a:latin typeface="Calibri" panose="020F0502020204030204" pitchFamily="34" charset="0"/>
+              <a:cs typeface="Calibri" panose="020F0502020204030204" pitchFamily="34" charset="0"/>
+            </a:endParaRPr>
           </a:p>
         </p:txBody>
       </p:sp>
@@ -24022,21 +24111,21 @@
                 <a:solidFill>
                   <a:schemeClr val="tx1"/>
                 </a:solidFill>
-                <a:latin typeface="Times New Roman" panose="02020603050405020304" pitchFamily="18" charset="0"/>
+                <a:latin typeface="Calibri" panose="020F0502020204030204" pitchFamily="34" charset="0"/>
                 <a:ea typeface="Source Sans Pro" panose="020B0503030403020204" pitchFamily="34" charset="0"/>
-                <a:cs typeface="Times New Roman" panose="02020603050405020304" pitchFamily="18" charset="0"/>
+                <a:cs typeface="Calibri" panose="020F0502020204030204" pitchFamily="34" charset="0"/>
               </a:rPr>
               <a:t>Encoder</a:t>
             </a:r>
           </a:p>
           <a:p>
             <a:pPr algn="ctr"/>
-            <a:endParaRPr kumimoji="1" lang="ko-Kore-KR" altLang="en-US" dirty="0">
+            <a:endParaRPr kumimoji="1" lang="ko-Kore-KR" altLang="en-US" sz="1800" dirty="0">
               <a:solidFill>
                 <a:schemeClr val="tx1"/>
               </a:solidFill>
-              <a:latin typeface="Times New Roman" panose="02020603050405020304" pitchFamily="18" charset="0"/>
-              <a:cs typeface="Times New Roman" panose="02020603050405020304" pitchFamily="18" charset="0"/>
+              <a:latin typeface="Calibri" panose="020F0502020204030204" pitchFamily="34" charset="0"/>
+              <a:cs typeface="Calibri" panose="020F0502020204030204" pitchFamily="34" charset="0"/>
             </a:endParaRPr>
           </a:p>
         </p:txBody>
@@ -24086,7 +24175,7 @@
         <p:spPr>
           <a:xfrm>
             <a:off x="5356016" y="2657896"/>
-            <a:ext cx="997843" cy="553998"/>
+            <a:ext cx="997843" cy="646331"/>
           </a:xfrm>
           <a:prstGeom prst="rect">
             <a:avLst/>
@@ -24101,22 +24190,22 @@
           <a:p>
             <a:pPr algn="ctr"/>
             <a:r>
-              <a:rPr kumimoji="1" lang="en-US" altLang="ko-Kore-KR" sz="1600" dirty="0">
+              <a:rPr kumimoji="1" lang="en-US" altLang="ko-Kore-KR" sz="1800" dirty="0">
                 <a:solidFill>
                   <a:srgbClr val="FF0000"/>
                 </a:solidFill>
-                <a:latin typeface="Times New Roman" panose="02020603050405020304" pitchFamily="18" charset="0"/>
+                <a:latin typeface="Calibri" panose="020F0502020204030204" pitchFamily="34" charset="0"/>
                 <a:ea typeface="Source Sans Pro" panose="020B0503030403020204" pitchFamily="34" charset="0"/>
-                <a:cs typeface="Times New Roman" panose="02020603050405020304" pitchFamily="18" charset="0"/>
+                <a:cs typeface="Calibri" panose="020F0502020204030204" pitchFamily="34" charset="0"/>
               </a:rPr>
               <a:t>Policy</a:t>
             </a:r>
           </a:p>
           <a:p>
             <a:pPr algn="ctr"/>
-            <a:endParaRPr lang="ko-Kore-KR" altLang="en-US" dirty="0">
-              <a:latin typeface="Times New Roman" panose="02020603050405020304" pitchFamily="18" charset="0"/>
-              <a:cs typeface="Times New Roman" panose="02020603050405020304" pitchFamily="18" charset="0"/>
+            <a:endParaRPr lang="ko-Kore-KR" altLang="en-US" sz="1800" dirty="0">
+              <a:latin typeface="Calibri" panose="020F0502020204030204" pitchFamily="34" charset="0"/>
+              <a:cs typeface="Calibri" panose="020F0502020204030204" pitchFamily="34" charset="0"/>
             </a:endParaRPr>
           </a:p>
         </p:txBody>
@@ -24169,8 +24258,8 @@
         </p:nvCxnSpPr>
         <p:spPr>
           <a:xfrm flipV="1">
-            <a:off x="5001958" y="2934895"/>
-            <a:ext cx="354058" cy="486000"/>
+            <a:off x="5001958" y="2981062"/>
+            <a:ext cx="354058" cy="439833"/>
           </a:xfrm>
           <a:prstGeom prst="straightConnector1">
             <a:avLst/>
@@ -24212,7 +24301,7 @@
         <p:spPr>
           <a:xfrm>
             <a:off x="5356017" y="3629896"/>
-            <a:ext cx="997843" cy="553998"/>
+            <a:ext cx="997843" cy="646331"/>
           </a:xfrm>
           <a:prstGeom prst="rect">
             <a:avLst/>
@@ -24227,27 +24316,27 @@
           <a:p>
             <a:pPr algn="ctr"/>
             <a:r>
-              <a:rPr kumimoji="1" lang="en-US" altLang="ko-Kore-KR" sz="1600" dirty="0">
+              <a:rPr kumimoji="1" lang="en-US" altLang="ko-Kore-KR" sz="1800" dirty="0">
                 <a:solidFill>
                   <a:schemeClr val="accent1"/>
                 </a:solidFill>
-                <a:latin typeface="Times New Roman" panose="02020603050405020304" pitchFamily="18" charset="0"/>
+                <a:latin typeface="Calibri" panose="020F0502020204030204" pitchFamily="34" charset="0"/>
                 <a:ea typeface="Source Sans Pro" panose="020B0503030403020204" pitchFamily="34" charset="0"/>
-                <a:cs typeface="Times New Roman" panose="02020603050405020304" pitchFamily="18" charset="0"/>
+                <a:cs typeface="Calibri" panose="020F0502020204030204" pitchFamily="34" charset="0"/>
               </a:rPr>
               <a:t>Value</a:t>
             </a:r>
           </a:p>
           <a:p>
             <a:pPr algn="ctr"/>
-            <a:endParaRPr lang="ko-Kore-KR" altLang="en-US" dirty="0">
+            <a:endParaRPr lang="ko-Kore-KR" altLang="en-US" sz="1800" dirty="0">
               <a:solidFill>
                 <a:schemeClr val="tx1">
                   <a:alpha val="20000"/>
                 </a:schemeClr>
               </a:solidFill>
-              <a:latin typeface="Times New Roman" panose="02020603050405020304" pitchFamily="18" charset="0"/>
-              <a:cs typeface="Times New Roman" panose="02020603050405020304" pitchFamily="18" charset="0"/>
+              <a:latin typeface="Calibri" panose="020F0502020204030204" pitchFamily="34" charset="0"/>
+              <a:cs typeface="Calibri" panose="020F0502020204030204" pitchFamily="34" charset="0"/>
             </a:endParaRPr>
           </a:p>
         </p:txBody>
@@ -24303,7 +24392,7 @@
         <p:spPr>
           <a:xfrm>
             <a:off x="5001958" y="3420895"/>
-            <a:ext cx="354059" cy="486000"/>
+            <a:ext cx="354059" cy="532167"/>
           </a:xfrm>
           <a:prstGeom prst="straightConnector1">
             <a:avLst/>
@@ -24410,9 +24499,9 @@
                 <a:solidFill>
                   <a:schemeClr val="tx1"/>
                 </a:solidFill>
-                <a:latin typeface="Times New Roman" panose="02020603050405020304" pitchFamily="18" charset="0"/>
+                <a:latin typeface="Calibri" panose="020F0502020204030204" pitchFamily="34" charset="0"/>
                 <a:ea typeface="Source Sans Pro" panose="020B0503030403020204" pitchFamily="34" charset="0"/>
-                <a:cs typeface="Times New Roman" panose="02020603050405020304" pitchFamily="18" charset="0"/>
+                <a:cs typeface="Calibri" panose="020F0502020204030204" pitchFamily="34" charset="0"/>
               </a:rPr>
               <a:t>State</a:t>
             </a:r>
@@ -24420,8 +24509,8 @@
           <a:p>
             <a:pPr algn="ctr"/>
             <a:endParaRPr lang="ko-Kore-KR" altLang="en-US" sz="1800" dirty="0">
-              <a:latin typeface="Times New Roman" panose="02020603050405020304" pitchFamily="18" charset="0"/>
-              <a:cs typeface="Times New Roman" panose="02020603050405020304" pitchFamily="18" charset="0"/>
+              <a:latin typeface="Calibri" panose="020F0502020204030204" pitchFamily="34" charset="0"/>
+              <a:cs typeface="Calibri" panose="020F0502020204030204" pitchFamily="34" charset="0"/>
             </a:endParaRPr>
           </a:p>
         </p:txBody>
@@ -24506,7 +24595,10 @@
           <a:lstStyle/>
           <a:p>
             <a:pPr algn="ctr"/>
-            <a:endParaRPr kumimoji="1" lang="ko-Kore-KR" altLang="en-US" dirty="0"/>
+            <a:endParaRPr kumimoji="1" lang="ko-Kore-KR" altLang="en-US" sz="1800" dirty="0">
+              <a:latin typeface="Calibri" panose="020F0502020204030204" pitchFamily="34" charset="0"/>
+              <a:cs typeface="Calibri" panose="020F0502020204030204" pitchFamily="34" charset="0"/>
+            </a:endParaRPr>
           </a:p>
         </p:txBody>
       </p:sp>
@@ -24561,7 +24653,10 @@
           <a:lstStyle/>
           <a:p>
             <a:pPr algn="ctr"/>
-            <a:endParaRPr kumimoji="1" lang="ko-Kore-KR" altLang="en-US" dirty="0"/>
+            <a:endParaRPr kumimoji="1" lang="ko-Kore-KR" altLang="en-US" dirty="0">
+              <a:latin typeface="Calibri" panose="020F0502020204030204" pitchFamily="34" charset="0"/>
+              <a:cs typeface="Calibri" panose="020F0502020204030204" pitchFamily="34" charset="0"/>
+            </a:endParaRPr>
           </a:p>
         </p:txBody>
       </p:sp>
@@ -24652,8 +24747,8 @@
               <a:solidFill>
                 <a:schemeClr val="tx1"/>
               </a:solidFill>
-              <a:latin typeface="Times New Roman" panose="02020603050405020304" pitchFamily="18" charset="0"/>
-              <a:cs typeface="Times New Roman" panose="02020603050405020304" pitchFamily="18" charset="0"/>
+              <a:latin typeface="Calibri" panose="020F0502020204030204" pitchFamily="34" charset="0"/>
+              <a:cs typeface="Calibri" panose="020F0502020204030204" pitchFamily="34" charset="0"/>
             </a:endParaRPr>
           </a:p>
         </p:txBody>
@@ -24711,21 +24806,21 @@
                 <a:solidFill>
                   <a:schemeClr val="tx1"/>
                 </a:solidFill>
-                <a:latin typeface="Times New Roman" panose="02020603050405020304" pitchFamily="18" charset="0"/>
+                <a:latin typeface="Calibri" panose="020F0502020204030204" pitchFamily="34" charset="0"/>
                 <a:ea typeface="Source Sans Pro" panose="020B0503030403020204" pitchFamily="34" charset="0"/>
-                <a:cs typeface="Times New Roman" panose="02020603050405020304" pitchFamily="18" charset="0"/>
+                <a:cs typeface="Calibri" panose="020F0502020204030204" pitchFamily="34" charset="0"/>
               </a:rPr>
               <a:t>Encoder</a:t>
             </a:r>
           </a:p>
           <a:p>
             <a:pPr algn="ctr"/>
-            <a:endParaRPr kumimoji="1" lang="ko-Kore-KR" altLang="en-US" dirty="0">
+            <a:endParaRPr kumimoji="1" lang="ko-Kore-KR" altLang="en-US" sz="1800" dirty="0">
               <a:solidFill>
                 <a:schemeClr val="tx1"/>
               </a:solidFill>
-              <a:latin typeface="Times New Roman" panose="02020603050405020304" pitchFamily="18" charset="0"/>
-              <a:cs typeface="Times New Roman" panose="02020603050405020304" pitchFamily="18" charset="0"/>
+              <a:latin typeface="Calibri" panose="020F0502020204030204" pitchFamily="34" charset="0"/>
+              <a:cs typeface="Calibri" panose="020F0502020204030204" pitchFamily="34" charset="0"/>
             </a:endParaRPr>
           </a:p>
         </p:txBody>
@@ -24775,7 +24870,7 @@
         <p:spPr>
           <a:xfrm>
             <a:off x="5356016" y="718061"/>
-            <a:ext cx="997843" cy="553998"/>
+            <a:ext cx="997843" cy="646331"/>
           </a:xfrm>
           <a:prstGeom prst="rect">
             <a:avLst/>
@@ -24790,22 +24885,22 @@
           <a:p>
             <a:pPr algn="ctr"/>
             <a:r>
-              <a:rPr kumimoji="1" lang="en-US" altLang="ko-Kore-KR" sz="1600" dirty="0">
+              <a:rPr kumimoji="1" lang="en-US" altLang="ko-Kore-KR" sz="1800" dirty="0">
                 <a:solidFill>
                   <a:schemeClr val="accent1"/>
                 </a:solidFill>
-                <a:latin typeface="Times New Roman" panose="02020603050405020304" pitchFamily="18" charset="0"/>
+                <a:latin typeface="Calibri" panose="020F0502020204030204" pitchFamily="34" charset="0"/>
                 <a:ea typeface="Source Sans Pro" panose="020B0503030403020204" pitchFamily="34" charset="0"/>
-                <a:cs typeface="Times New Roman" panose="02020603050405020304" pitchFamily="18" charset="0"/>
+                <a:cs typeface="Calibri" panose="020F0502020204030204" pitchFamily="34" charset="0"/>
               </a:rPr>
               <a:t>Policy</a:t>
             </a:r>
           </a:p>
           <a:p>
             <a:pPr algn="ctr"/>
-            <a:endParaRPr lang="ko-Kore-KR" altLang="en-US" dirty="0">
-              <a:latin typeface="Times New Roman" panose="02020603050405020304" pitchFamily="18" charset="0"/>
-              <a:cs typeface="Times New Roman" panose="02020603050405020304" pitchFamily="18" charset="0"/>
+            <a:endParaRPr lang="ko-Kore-KR" altLang="en-US" sz="1800" dirty="0">
+              <a:latin typeface="Calibri" panose="020F0502020204030204" pitchFamily="34" charset="0"/>
+              <a:cs typeface="Calibri" panose="020F0502020204030204" pitchFamily="34" charset="0"/>
             </a:endParaRPr>
           </a:p>
         </p:txBody>
@@ -24858,8 +24953,8 @@
         </p:nvCxnSpPr>
         <p:spPr>
           <a:xfrm flipV="1">
-            <a:off x="5001958" y="995060"/>
-            <a:ext cx="354058" cy="486000"/>
+            <a:off x="5001958" y="1041227"/>
+            <a:ext cx="354058" cy="439833"/>
           </a:xfrm>
           <a:prstGeom prst="straightConnector1">
             <a:avLst/>
@@ -24901,7 +24996,7 @@
         <p:spPr>
           <a:xfrm>
             <a:off x="5356017" y="1690061"/>
-            <a:ext cx="997843" cy="553998"/>
+            <a:ext cx="997843" cy="646331"/>
           </a:xfrm>
           <a:prstGeom prst="rect">
             <a:avLst/>
@@ -24916,27 +25011,27 @@
           <a:p>
             <a:pPr algn="ctr"/>
             <a:r>
-              <a:rPr kumimoji="1" lang="en-US" altLang="ko-Kore-KR" sz="1600" dirty="0">
+              <a:rPr kumimoji="1" lang="en-US" altLang="ko-Kore-KR" sz="1800" dirty="0">
                 <a:solidFill>
                   <a:srgbClr val="FF0000"/>
                 </a:solidFill>
-                <a:latin typeface="Times New Roman" panose="02020603050405020304" pitchFamily="18" charset="0"/>
+                <a:latin typeface="Calibri" panose="020F0502020204030204" pitchFamily="34" charset="0"/>
                 <a:ea typeface="Source Sans Pro" panose="020B0503030403020204" pitchFamily="34" charset="0"/>
-                <a:cs typeface="Times New Roman" panose="02020603050405020304" pitchFamily="18" charset="0"/>
+                <a:cs typeface="Calibri" panose="020F0502020204030204" pitchFamily="34" charset="0"/>
               </a:rPr>
               <a:t>Value</a:t>
             </a:r>
           </a:p>
           <a:p>
             <a:pPr algn="ctr"/>
-            <a:endParaRPr lang="ko-Kore-KR" altLang="en-US" dirty="0">
+            <a:endParaRPr lang="ko-Kore-KR" altLang="en-US" sz="1800" dirty="0">
               <a:solidFill>
                 <a:schemeClr val="tx1">
                   <a:alpha val="20000"/>
                 </a:schemeClr>
               </a:solidFill>
-              <a:latin typeface="Times New Roman" panose="02020603050405020304" pitchFamily="18" charset="0"/>
-              <a:cs typeface="Times New Roman" panose="02020603050405020304" pitchFamily="18" charset="0"/>
+              <a:latin typeface="Calibri" panose="020F0502020204030204" pitchFamily="34" charset="0"/>
+              <a:cs typeface="Calibri" panose="020F0502020204030204" pitchFamily="34" charset="0"/>
             </a:endParaRPr>
           </a:p>
         </p:txBody>
@@ -24992,7 +25087,7 @@
         <p:spPr>
           <a:xfrm>
             <a:off x="5001958" y="1481060"/>
-            <a:ext cx="354059" cy="486000"/>
+            <a:ext cx="354059" cy="532167"/>
           </a:xfrm>
           <a:prstGeom prst="straightConnector1">
             <a:avLst/>
@@ -25099,9 +25194,9 @@
                 <a:solidFill>
                   <a:schemeClr val="tx1"/>
                 </a:solidFill>
-                <a:latin typeface="Times New Roman" panose="02020603050405020304" pitchFamily="18" charset="0"/>
+                <a:latin typeface="Calibri" panose="020F0502020204030204" pitchFamily="34" charset="0"/>
                 <a:ea typeface="Source Sans Pro" panose="020B0503030403020204" pitchFamily="34" charset="0"/>
-                <a:cs typeface="Times New Roman" panose="02020603050405020304" pitchFamily="18" charset="0"/>
+                <a:cs typeface="Calibri" panose="020F0502020204030204" pitchFamily="34" charset="0"/>
               </a:rPr>
               <a:t>State</a:t>
             </a:r>
@@ -25109,8 +25204,8 @@
           <a:p>
             <a:pPr algn="ctr"/>
             <a:endParaRPr lang="ko-Kore-KR" altLang="en-US" sz="1800" dirty="0">
-              <a:latin typeface="Times New Roman" panose="02020603050405020304" pitchFamily="18" charset="0"/>
-              <a:cs typeface="Times New Roman" panose="02020603050405020304" pitchFamily="18" charset="0"/>
+              <a:latin typeface="Calibri" panose="020F0502020204030204" pitchFamily="34" charset="0"/>
+              <a:cs typeface="Calibri" panose="020F0502020204030204" pitchFamily="34" charset="0"/>
             </a:endParaRPr>
           </a:p>
         </p:txBody>
@@ -25228,9 +25323,9 @@
                 <a:solidFill>
                   <a:schemeClr val="tx1"/>
                 </a:solidFill>
-                <a:latin typeface="Times New Roman" panose="02020603050405020304" pitchFamily="18" charset="0"/>
+                <a:latin typeface="Calibri" panose="020F0502020204030204" pitchFamily="34" charset="0"/>
                 <a:ea typeface="Source Sans Pro" panose="020B0503030403020204" pitchFamily="34" charset="0"/>
-                <a:cs typeface="Times New Roman" panose="02020603050405020304" pitchFamily="18" charset="0"/>
+                <a:cs typeface="Calibri" panose="020F0502020204030204" pitchFamily="34" charset="0"/>
               </a:rPr>
               <a:t>Agent</a:t>
             </a:r>
@@ -25239,9 +25334,9 @@
                 <a:solidFill>
                   <a:schemeClr val="tx1"/>
                 </a:solidFill>
-                <a:latin typeface="Times New Roman" panose="02020603050405020304" pitchFamily="18" charset="0"/>
+                <a:latin typeface="Calibri" panose="020F0502020204030204" pitchFamily="34" charset="0"/>
                 <a:ea typeface="Source Sans Pro" panose="020B0503030403020204" pitchFamily="34" charset="0"/>
-                <a:cs typeface="Times New Roman" panose="02020603050405020304" pitchFamily="18" charset="0"/>
+                <a:cs typeface="Calibri" panose="020F0502020204030204" pitchFamily="34" charset="0"/>
               </a:rPr>
               <a:t> </a:t>
             </a:r>
@@ -25456,7 +25551,8 @@
               <a:solidFill>
                 <a:schemeClr val="tx1"/>
               </a:solidFill>
-              <a:latin typeface="Source Sans Pro" panose="020B0503030403020204" pitchFamily="34" charset="0"/>
+              <a:latin typeface="Calibri" panose="020F0502020204030204" pitchFamily="34" charset="0"/>
+              <a:cs typeface="Calibri" panose="020F0502020204030204" pitchFamily="34" charset="0"/>
             </a:endParaRPr>
           </a:p>
         </p:txBody>
@@ -25494,9 +25590,9 @@
                 <a:solidFill>
                   <a:schemeClr val="tx1"/>
                 </a:solidFill>
-                <a:latin typeface="Times New Roman" panose="02020603050405020304" pitchFamily="18" charset="0"/>
+                <a:latin typeface="Calibri" panose="020F0502020204030204" pitchFamily="34" charset="0"/>
                 <a:ea typeface="Source Sans Pro" panose="020B0503030403020204" pitchFamily="34" charset="0"/>
-                <a:cs typeface="Times New Roman" panose="02020603050405020304" pitchFamily="18" charset="0"/>
+                <a:cs typeface="Calibri" panose="020F0502020204030204" pitchFamily="34" charset="0"/>
               </a:rPr>
               <a:t>Policy Phase </a:t>
             </a:r>
@@ -25536,9 +25632,9 @@
                 <a:solidFill>
                   <a:schemeClr val="tx1"/>
                 </a:solidFill>
-                <a:latin typeface="Times New Roman" panose="02020603050405020304" pitchFamily="18" charset="0"/>
+                <a:latin typeface="Calibri" panose="020F0502020204030204" pitchFamily="34" charset="0"/>
                 <a:ea typeface="Source Sans Pro" panose="020B0503030403020204" pitchFamily="34" charset="0"/>
-                <a:cs typeface="Times New Roman" panose="02020603050405020304" pitchFamily="18" charset="0"/>
+                <a:cs typeface="Calibri" panose="020F0502020204030204" pitchFamily="34" charset="0"/>
               </a:rPr>
               <a:t>Aux Phase </a:t>
             </a:r>
@@ -25593,9 +25689,9 @@
                 <a:solidFill>
                   <a:schemeClr val="tx1"/>
                 </a:solidFill>
-                <a:latin typeface="Times New Roman" panose="02020603050405020304" pitchFamily="18" charset="0"/>
+                <a:latin typeface="Calibri" panose="020F0502020204030204" pitchFamily="34" charset="0"/>
                 <a:ea typeface="Source Sans Pro" panose="020B0503030403020204" pitchFamily="34" charset="0"/>
-                <a:cs typeface="Times New Roman" panose="02020603050405020304" pitchFamily="18" charset="0"/>
+                <a:cs typeface="Calibri" panose="020F0502020204030204" pitchFamily="34" charset="0"/>
               </a:rPr>
               <a:t>Buffer</a:t>
             </a:r>
@@ -25603,8 +25699,8 @@
               <a:solidFill>
                 <a:schemeClr val="tx1"/>
               </a:solidFill>
-              <a:latin typeface="Times New Roman" panose="02020603050405020304" pitchFamily="18" charset="0"/>
-              <a:cs typeface="Times New Roman" panose="02020603050405020304" pitchFamily="18" charset="0"/>
+              <a:latin typeface="Calibri" panose="020F0502020204030204" pitchFamily="34" charset="0"/>
+              <a:cs typeface="Calibri" panose="020F0502020204030204" pitchFamily="34" charset="0"/>
             </a:endParaRPr>
           </a:p>
         </p:txBody>
@@ -25659,7 +25755,10 @@
           <a:lstStyle/>
           <a:p>
             <a:pPr algn="ctr"/>
-            <a:endParaRPr kumimoji="1" lang="ko-Kore-KR" altLang="en-US" dirty="0"/>
+            <a:endParaRPr kumimoji="1" lang="ko-Kore-KR" altLang="en-US" dirty="0">
+              <a:latin typeface="Calibri" panose="020F0502020204030204" pitchFamily="34" charset="0"/>
+              <a:cs typeface="Calibri" panose="020F0502020204030204" pitchFamily="34" charset="0"/>
+            </a:endParaRPr>
           </a:p>
         </p:txBody>
       </p:sp>
@@ -25716,21 +25815,21 @@
                 <a:solidFill>
                   <a:schemeClr val="tx1"/>
                 </a:solidFill>
-                <a:latin typeface="Times New Roman" panose="02020603050405020304" pitchFamily="18" charset="0"/>
+                <a:latin typeface="Calibri" panose="020F0502020204030204" pitchFamily="34" charset="0"/>
                 <a:ea typeface="Source Sans Pro" panose="020B0503030403020204" pitchFamily="34" charset="0"/>
-                <a:cs typeface="Times New Roman" panose="02020603050405020304" pitchFamily="18" charset="0"/>
+                <a:cs typeface="Calibri" panose="020F0502020204030204" pitchFamily="34" charset="0"/>
               </a:rPr>
               <a:t>Encoder</a:t>
             </a:r>
           </a:p>
           <a:p>
             <a:pPr algn="ctr"/>
-            <a:endParaRPr kumimoji="1" lang="ko-Kore-KR" altLang="en-US" dirty="0">
+            <a:endParaRPr kumimoji="1" lang="ko-Kore-KR" altLang="en-US" sz="1800" dirty="0">
               <a:solidFill>
                 <a:schemeClr val="tx1"/>
               </a:solidFill>
-              <a:latin typeface="Times New Roman" panose="02020603050405020304" pitchFamily="18" charset="0"/>
-              <a:cs typeface="Times New Roman" panose="02020603050405020304" pitchFamily="18" charset="0"/>
+              <a:latin typeface="Calibri" panose="020F0502020204030204" pitchFamily="34" charset="0"/>
+              <a:cs typeface="Calibri" panose="020F0502020204030204" pitchFamily="34" charset="0"/>
             </a:endParaRPr>
           </a:p>
         </p:txBody>
@@ -25780,7 +25879,7 @@
         <p:spPr>
           <a:xfrm>
             <a:off x="5356016" y="2657896"/>
-            <a:ext cx="997843" cy="553998"/>
+            <a:ext cx="997843" cy="646331"/>
           </a:xfrm>
           <a:prstGeom prst="rect">
             <a:avLst/>
@@ -25795,22 +25894,22 @@
           <a:p>
             <a:pPr algn="ctr"/>
             <a:r>
-              <a:rPr kumimoji="1" lang="en-US" altLang="ko-Kore-KR" sz="1600" dirty="0">
+              <a:rPr kumimoji="1" lang="en-US" altLang="ko-Kore-KR" sz="1800" dirty="0">
                 <a:solidFill>
                   <a:srgbClr val="FF0000"/>
                 </a:solidFill>
-                <a:latin typeface="Times New Roman" panose="02020603050405020304" pitchFamily="18" charset="0"/>
+                <a:latin typeface="Calibri" panose="020F0502020204030204" pitchFamily="34" charset="0"/>
                 <a:ea typeface="Source Sans Pro" panose="020B0503030403020204" pitchFamily="34" charset="0"/>
-                <a:cs typeface="Times New Roman" panose="02020603050405020304" pitchFamily="18" charset="0"/>
+                <a:cs typeface="Calibri" panose="020F0502020204030204" pitchFamily="34" charset="0"/>
               </a:rPr>
               <a:t>Policy</a:t>
             </a:r>
           </a:p>
           <a:p>
             <a:pPr algn="ctr"/>
-            <a:endParaRPr lang="ko-Kore-KR" altLang="en-US" dirty="0">
-              <a:latin typeface="Times New Roman" panose="02020603050405020304" pitchFamily="18" charset="0"/>
-              <a:cs typeface="Times New Roman" panose="02020603050405020304" pitchFamily="18" charset="0"/>
+            <a:endParaRPr lang="ko-Kore-KR" altLang="en-US" sz="1800" dirty="0">
+              <a:latin typeface="Calibri" panose="020F0502020204030204" pitchFamily="34" charset="0"/>
+              <a:cs typeface="Calibri" panose="020F0502020204030204" pitchFamily="34" charset="0"/>
             </a:endParaRPr>
           </a:p>
         </p:txBody>
@@ -25863,8 +25962,8 @@
         </p:nvCxnSpPr>
         <p:spPr>
           <a:xfrm flipV="1">
-            <a:off x="5001958" y="2934895"/>
-            <a:ext cx="354058" cy="486000"/>
+            <a:off x="5001958" y="2981062"/>
+            <a:ext cx="354058" cy="439833"/>
           </a:xfrm>
           <a:prstGeom prst="straightConnector1">
             <a:avLst/>
@@ -25906,7 +26005,7 @@
         <p:spPr>
           <a:xfrm>
             <a:off x="5356017" y="3629896"/>
-            <a:ext cx="997843" cy="553998"/>
+            <a:ext cx="997843" cy="646331"/>
           </a:xfrm>
           <a:prstGeom prst="rect">
             <a:avLst/>
@@ -25921,27 +26020,27 @@
           <a:p>
             <a:pPr algn="ctr"/>
             <a:r>
-              <a:rPr kumimoji="1" lang="en-US" altLang="ko-Kore-KR" sz="1600" dirty="0">
+              <a:rPr kumimoji="1" lang="en-US" altLang="ko-Kore-KR" sz="1800" dirty="0">
                 <a:solidFill>
                   <a:schemeClr val="accent1"/>
                 </a:solidFill>
-                <a:latin typeface="Times New Roman" panose="02020603050405020304" pitchFamily="18" charset="0"/>
+                <a:latin typeface="Calibri" panose="020F0502020204030204" pitchFamily="34" charset="0"/>
                 <a:ea typeface="Source Sans Pro" panose="020B0503030403020204" pitchFamily="34" charset="0"/>
-                <a:cs typeface="Times New Roman" panose="02020603050405020304" pitchFamily="18" charset="0"/>
+                <a:cs typeface="Calibri" panose="020F0502020204030204" pitchFamily="34" charset="0"/>
               </a:rPr>
               <a:t>Value</a:t>
             </a:r>
           </a:p>
           <a:p>
             <a:pPr algn="ctr"/>
-            <a:endParaRPr lang="ko-Kore-KR" altLang="en-US" dirty="0">
+            <a:endParaRPr lang="ko-Kore-KR" altLang="en-US" sz="1800" dirty="0">
               <a:solidFill>
                 <a:schemeClr val="tx1">
                   <a:alpha val="20000"/>
                 </a:schemeClr>
               </a:solidFill>
-              <a:latin typeface="Times New Roman" panose="02020603050405020304" pitchFamily="18" charset="0"/>
-              <a:cs typeface="Times New Roman" panose="02020603050405020304" pitchFamily="18" charset="0"/>
+              <a:latin typeface="Calibri" panose="020F0502020204030204" pitchFamily="34" charset="0"/>
+              <a:cs typeface="Calibri" panose="020F0502020204030204" pitchFamily="34" charset="0"/>
             </a:endParaRPr>
           </a:p>
         </p:txBody>
@@ -25997,7 +26096,7 @@
         <p:spPr>
           <a:xfrm>
             <a:off x="5001958" y="3420895"/>
-            <a:ext cx="354059" cy="486000"/>
+            <a:ext cx="354059" cy="532167"/>
           </a:xfrm>
           <a:prstGeom prst="straightConnector1">
             <a:avLst/>
@@ -26104,9 +26203,9 @@
                 <a:solidFill>
                   <a:schemeClr val="tx1"/>
                 </a:solidFill>
-                <a:latin typeface="Times New Roman" panose="02020603050405020304" pitchFamily="18" charset="0"/>
+                <a:latin typeface="Calibri" panose="020F0502020204030204" pitchFamily="34" charset="0"/>
                 <a:ea typeface="Source Sans Pro" panose="020B0503030403020204" pitchFamily="34" charset="0"/>
-                <a:cs typeface="Times New Roman" panose="02020603050405020304" pitchFamily="18" charset="0"/>
+                <a:cs typeface="Calibri" panose="020F0502020204030204" pitchFamily="34" charset="0"/>
               </a:rPr>
               <a:t>State</a:t>
             </a:r>
@@ -26114,8 +26213,8 @@
           <a:p>
             <a:pPr algn="ctr"/>
             <a:endParaRPr lang="ko-Kore-KR" altLang="en-US" sz="1800" dirty="0">
-              <a:latin typeface="Times New Roman" panose="02020603050405020304" pitchFamily="18" charset="0"/>
-              <a:cs typeface="Times New Roman" panose="02020603050405020304" pitchFamily="18" charset="0"/>
+              <a:latin typeface="Calibri" panose="020F0502020204030204" pitchFamily="34" charset="0"/>
+              <a:cs typeface="Calibri" panose="020F0502020204030204" pitchFamily="34" charset="0"/>
             </a:endParaRPr>
           </a:p>
         </p:txBody>
@@ -26200,7 +26299,10 @@
           <a:lstStyle/>
           <a:p>
             <a:pPr algn="ctr"/>
-            <a:endParaRPr kumimoji="1" lang="ko-Kore-KR" altLang="en-US" dirty="0"/>
+            <a:endParaRPr kumimoji="1" lang="ko-Kore-KR" altLang="en-US" sz="1800" dirty="0">
+              <a:latin typeface="Calibri" panose="020F0502020204030204" pitchFamily="34" charset="0"/>
+              <a:cs typeface="Calibri" panose="020F0502020204030204" pitchFamily="34" charset="0"/>
+            </a:endParaRPr>
           </a:p>
         </p:txBody>
       </p:sp>
@@ -26287,12 +26389,12 @@
           <a:lstStyle/>
           <a:p>
             <a:pPr algn="ctr"/>
-            <a:endParaRPr kumimoji="1" lang="ko-Kore-KR" altLang="en-US" dirty="0">
+            <a:endParaRPr kumimoji="1" lang="ko-Kore-KR" altLang="en-US" sz="1800" dirty="0">
               <a:solidFill>
                 <a:schemeClr val="tx1"/>
               </a:solidFill>
-              <a:latin typeface="Times New Roman" panose="02020603050405020304" pitchFamily="18" charset="0"/>
-              <a:cs typeface="Times New Roman" panose="02020603050405020304" pitchFamily="18" charset="0"/>
+              <a:latin typeface="Calibri" panose="020F0502020204030204" pitchFamily="34" charset="0"/>
+              <a:cs typeface="Calibri" panose="020F0502020204030204" pitchFamily="34" charset="0"/>
             </a:endParaRPr>
           </a:p>
         </p:txBody>
@@ -26350,21 +26452,21 @@
                 <a:solidFill>
                   <a:schemeClr val="tx1"/>
                 </a:solidFill>
-                <a:latin typeface="Times New Roman" panose="02020603050405020304" pitchFamily="18" charset="0"/>
+                <a:latin typeface="Calibri" panose="020F0502020204030204" pitchFamily="34" charset="0"/>
                 <a:ea typeface="Source Sans Pro" panose="020B0503030403020204" pitchFamily="34" charset="0"/>
-                <a:cs typeface="Times New Roman" panose="02020603050405020304" pitchFamily="18" charset="0"/>
+                <a:cs typeface="Calibri" panose="020F0502020204030204" pitchFamily="34" charset="0"/>
               </a:rPr>
               <a:t>Encoder</a:t>
             </a:r>
           </a:p>
           <a:p>
             <a:pPr algn="ctr"/>
-            <a:endParaRPr kumimoji="1" lang="ko-Kore-KR" altLang="en-US" dirty="0">
+            <a:endParaRPr kumimoji="1" lang="ko-Kore-KR" altLang="en-US" sz="1800" dirty="0">
               <a:solidFill>
                 <a:schemeClr val="tx1"/>
               </a:solidFill>
-              <a:latin typeface="Times New Roman" panose="02020603050405020304" pitchFamily="18" charset="0"/>
-              <a:cs typeface="Times New Roman" panose="02020603050405020304" pitchFamily="18" charset="0"/>
+              <a:latin typeface="Calibri" panose="020F0502020204030204" pitchFamily="34" charset="0"/>
+              <a:cs typeface="Calibri" panose="020F0502020204030204" pitchFamily="34" charset="0"/>
             </a:endParaRPr>
           </a:p>
         </p:txBody>
@@ -26414,7 +26516,7 @@
         <p:spPr>
           <a:xfrm>
             <a:off x="5356016" y="718061"/>
-            <a:ext cx="997843" cy="553998"/>
+            <a:ext cx="997843" cy="646331"/>
           </a:xfrm>
           <a:prstGeom prst="rect">
             <a:avLst/>
@@ -26429,22 +26531,22 @@
           <a:p>
             <a:pPr algn="ctr"/>
             <a:r>
-              <a:rPr kumimoji="1" lang="en-US" altLang="ko-Kore-KR" sz="1600" dirty="0">
+              <a:rPr kumimoji="1" lang="en-US" altLang="ko-Kore-KR" sz="1800" dirty="0">
                 <a:solidFill>
                   <a:schemeClr val="accent1"/>
                 </a:solidFill>
-                <a:latin typeface="Times New Roman" panose="02020603050405020304" pitchFamily="18" charset="0"/>
+                <a:latin typeface="Calibri" panose="020F0502020204030204" pitchFamily="34" charset="0"/>
                 <a:ea typeface="Source Sans Pro" panose="020B0503030403020204" pitchFamily="34" charset="0"/>
-                <a:cs typeface="Times New Roman" panose="02020603050405020304" pitchFamily="18" charset="0"/>
+                <a:cs typeface="Calibri" panose="020F0502020204030204" pitchFamily="34" charset="0"/>
               </a:rPr>
               <a:t>Policy</a:t>
             </a:r>
           </a:p>
           <a:p>
             <a:pPr algn="ctr"/>
-            <a:endParaRPr lang="ko-Kore-KR" altLang="en-US" dirty="0">
-              <a:latin typeface="Times New Roman" panose="02020603050405020304" pitchFamily="18" charset="0"/>
-              <a:cs typeface="Times New Roman" panose="02020603050405020304" pitchFamily="18" charset="0"/>
+            <a:endParaRPr lang="ko-Kore-KR" altLang="en-US" sz="1800" dirty="0">
+              <a:latin typeface="Calibri" panose="020F0502020204030204" pitchFamily="34" charset="0"/>
+              <a:cs typeface="Calibri" panose="020F0502020204030204" pitchFamily="34" charset="0"/>
             </a:endParaRPr>
           </a:p>
         </p:txBody>
@@ -26497,8 +26599,8 @@
         </p:nvCxnSpPr>
         <p:spPr>
           <a:xfrm flipV="1">
-            <a:off x="5001958" y="995060"/>
-            <a:ext cx="354058" cy="486000"/>
+            <a:off x="5001958" y="1041227"/>
+            <a:ext cx="354058" cy="439833"/>
           </a:xfrm>
           <a:prstGeom prst="straightConnector1">
             <a:avLst/>
@@ -26540,7 +26642,7 @@
         <p:spPr>
           <a:xfrm>
             <a:off x="5356017" y="1690061"/>
-            <a:ext cx="997843" cy="553998"/>
+            <a:ext cx="997843" cy="646331"/>
           </a:xfrm>
           <a:prstGeom prst="rect">
             <a:avLst/>
@@ -26555,27 +26657,27 @@
           <a:p>
             <a:pPr algn="ctr"/>
             <a:r>
-              <a:rPr kumimoji="1" lang="en-US" altLang="ko-Kore-KR" sz="1600" dirty="0">
+              <a:rPr kumimoji="1" lang="en-US" altLang="ko-Kore-KR" sz="1800" dirty="0">
                 <a:solidFill>
                   <a:srgbClr val="FF0000"/>
                 </a:solidFill>
-                <a:latin typeface="Times New Roman" panose="02020603050405020304" pitchFamily="18" charset="0"/>
+                <a:latin typeface="Calibri" panose="020F0502020204030204" pitchFamily="34" charset="0"/>
                 <a:ea typeface="Source Sans Pro" panose="020B0503030403020204" pitchFamily="34" charset="0"/>
-                <a:cs typeface="Times New Roman" panose="02020603050405020304" pitchFamily="18" charset="0"/>
+                <a:cs typeface="Calibri" panose="020F0502020204030204" pitchFamily="34" charset="0"/>
               </a:rPr>
               <a:t>Value</a:t>
             </a:r>
           </a:p>
           <a:p>
             <a:pPr algn="ctr"/>
-            <a:endParaRPr lang="ko-Kore-KR" altLang="en-US" dirty="0">
+            <a:endParaRPr lang="ko-Kore-KR" altLang="en-US" sz="1800" dirty="0">
               <a:solidFill>
                 <a:schemeClr val="tx1">
                   <a:alpha val="20000"/>
                 </a:schemeClr>
               </a:solidFill>
-              <a:latin typeface="Times New Roman" panose="02020603050405020304" pitchFamily="18" charset="0"/>
-              <a:cs typeface="Times New Roman" panose="02020603050405020304" pitchFamily="18" charset="0"/>
+              <a:latin typeface="Calibri" panose="020F0502020204030204" pitchFamily="34" charset="0"/>
+              <a:cs typeface="Calibri" panose="020F0502020204030204" pitchFamily="34" charset="0"/>
             </a:endParaRPr>
           </a:p>
         </p:txBody>
@@ -26631,7 +26733,7 @@
         <p:spPr>
           <a:xfrm>
             <a:off x="5001958" y="1481060"/>
-            <a:ext cx="354059" cy="486000"/>
+            <a:ext cx="354059" cy="532167"/>
           </a:xfrm>
           <a:prstGeom prst="straightConnector1">
             <a:avLst/>
@@ -26738,9 +26840,9 @@
                 <a:solidFill>
                   <a:schemeClr val="tx1"/>
                 </a:solidFill>
-                <a:latin typeface="Times New Roman" panose="02020603050405020304" pitchFamily="18" charset="0"/>
+                <a:latin typeface="Calibri" panose="020F0502020204030204" pitchFamily="34" charset="0"/>
                 <a:ea typeface="Source Sans Pro" panose="020B0503030403020204" pitchFamily="34" charset="0"/>
-                <a:cs typeface="Times New Roman" panose="02020603050405020304" pitchFamily="18" charset="0"/>
+                <a:cs typeface="Calibri" panose="020F0502020204030204" pitchFamily="34" charset="0"/>
               </a:rPr>
               <a:t>State</a:t>
             </a:r>
@@ -26748,8 +26850,8 @@
           <a:p>
             <a:pPr algn="ctr"/>
             <a:endParaRPr lang="ko-Kore-KR" altLang="en-US" sz="1800" dirty="0">
-              <a:latin typeface="Times New Roman" panose="02020603050405020304" pitchFamily="18" charset="0"/>
-              <a:cs typeface="Times New Roman" panose="02020603050405020304" pitchFamily="18" charset="0"/>
+              <a:latin typeface="Calibri" panose="020F0502020204030204" pitchFamily="34" charset="0"/>
+              <a:cs typeface="Calibri" panose="020F0502020204030204" pitchFamily="34" charset="0"/>
             </a:endParaRPr>
           </a:p>
         </p:txBody>
@@ -26867,22 +26969,11 @@
                 <a:solidFill>
                   <a:schemeClr val="tx1"/>
                 </a:solidFill>
-                <a:latin typeface="Times New Roman" panose="02020603050405020304" pitchFamily="18" charset="0"/>
+                <a:latin typeface="Calibri" panose="020F0502020204030204" pitchFamily="34" charset="0"/>
                 <a:ea typeface="Source Sans Pro" panose="020B0503030403020204" pitchFamily="34" charset="0"/>
-                <a:cs typeface="Times New Roman" panose="02020603050405020304" pitchFamily="18" charset="0"/>
+                <a:cs typeface="Calibri" panose="020F0502020204030204" pitchFamily="34" charset="0"/>
               </a:rPr>
-              <a:t>Agent</a:t>
-            </a:r>
-            <a:r>
-              <a:rPr kumimoji="1" lang="en-US" altLang="ko-Kore-KR" dirty="0">
-                <a:solidFill>
-                  <a:schemeClr val="tx1"/>
-                </a:solidFill>
-                <a:latin typeface="Times New Roman" panose="02020603050405020304" pitchFamily="18" charset="0"/>
-                <a:ea typeface="Source Sans Pro" panose="020B0503030403020204" pitchFamily="34" charset="0"/>
-                <a:cs typeface="Times New Roman" panose="02020603050405020304" pitchFamily="18" charset="0"/>
-              </a:rPr>
-              <a:t> </a:t>
+              <a:t>Agent </a:t>
             </a:r>
           </a:p>
         </p:txBody>
@@ -27095,7 +27186,8 @@
               <a:solidFill>
                 <a:schemeClr val="tx1"/>
               </a:solidFill>
-              <a:latin typeface="Source Sans Pro" panose="020B0503030403020204" pitchFamily="34" charset="0"/>
+              <a:latin typeface="Calibri" panose="020F0502020204030204" pitchFamily="34" charset="0"/>
+              <a:cs typeface="Calibri" panose="020F0502020204030204" pitchFamily="34" charset="0"/>
             </a:endParaRPr>
           </a:p>
         </p:txBody>
@@ -27115,7 +27207,7 @@
         <p:spPr>
           <a:xfrm>
             <a:off x="128855" y="115348"/>
-            <a:ext cx="1820057" cy="400110"/>
+            <a:ext cx="1820057" cy="369332"/>
           </a:xfrm>
           <a:prstGeom prst="rect">
             <a:avLst/>
@@ -27129,13 +27221,13 @@
           <a:lstStyle/>
           <a:p>
             <a:r>
-              <a:rPr kumimoji="1" lang="en-US" altLang="ko-Kore-KR" sz="2000" b="1" dirty="0">
+              <a:rPr kumimoji="1" lang="en-US" altLang="ko-Kore-KR" sz="1800" b="1" dirty="0">
                 <a:solidFill>
                   <a:schemeClr val="tx1"/>
                 </a:solidFill>
-                <a:latin typeface="Times New Roman" panose="02020603050405020304" pitchFamily="18" charset="0"/>
+                <a:latin typeface="Calibri" panose="020F0502020204030204" pitchFamily="34" charset="0"/>
                 <a:ea typeface="Source Sans Pro" panose="020B0503030403020204" pitchFamily="34" charset="0"/>
-                <a:cs typeface="Times New Roman" panose="02020603050405020304" pitchFamily="18" charset="0"/>
+                <a:cs typeface="Calibri" panose="020F0502020204030204" pitchFamily="34" charset="0"/>
               </a:rPr>
               <a:t>Policy Phase </a:t>
             </a:r>
@@ -27157,7 +27249,7 @@
         <p:spPr>
           <a:xfrm>
             <a:off x="128855" y="2469558"/>
-            <a:ext cx="1820057" cy="400110"/>
+            <a:ext cx="1820057" cy="369332"/>
           </a:xfrm>
           <a:prstGeom prst="rect">
             <a:avLst/>
@@ -27171,13 +27263,13 @@
           <a:lstStyle/>
           <a:p>
             <a:r>
-              <a:rPr kumimoji="1" lang="en-US" altLang="ko-Kore-KR" sz="2000" b="1" dirty="0">
+              <a:rPr kumimoji="1" lang="en-US" altLang="ko-Kore-KR" sz="1800" b="1" dirty="0">
                 <a:solidFill>
                   <a:schemeClr val="tx1"/>
                 </a:solidFill>
-                <a:latin typeface="Times New Roman" panose="02020603050405020304" pitchFamily="18" charset="0"/>
+                <a:latin typeface="Calibri" panose="020F0502020204030204" pitchFamily="34" charset="0"/>
                 <a:ea typeface="Source Sans Pro" panose="020B0503030403020204" pitchFamily="34" charset="0"/>
-                <a:cs typeface="Times New Roman" panose="02020603050405020304" pitchFamily="18" charset="0"/>
+                <a:cs typeface="Calibri" panose="020F0502020204030204" pitchFamily="34" charset="0"/>
               </a:rPr>
               <a:t>Aux Phase </a:t>
             </a:r>
@@ -27232,9 +27324,9 @@
                 <a:solidFill>
                   <a:schemeClr val="tx1"/>
                 </a:solidFill>
-                <a:latin typeface="Times New Roman" panose="02020603050405020304" pitchFamily="18" charset="0"/>
+                <a:latin typeface="Calibri" panose="020F0502020204030204" pitchFamily="34" charset="0"/>
                 <a:ea typeface="Source Sans Pro" panose="020B0503030403020204" pitchFamily="34" charset="0"/>
-                <a:cs typeface="Times New Roman" panose="02020603050405020304" pitchFamily="18" charset="0"/>
+                <a:cs typeface="Calibri" panose="020F0502020204030204" pitchFamily="34" charset="0"/>
               </a:rPr>
               <a:t>Buffer</a:t>
             </a:r>
@@ -27242,8 +27334,8 @@
               <a:solidFill>
                 <a:schemeClr val="tx1"/>
               </a:solidFill>
-              <a:latin typeface="Times New Roman" panose="02020603050405020304" pitchFamily="18" charset="0"/>
-              <a:cs typeface="Times New Roman" panose="02020603050405020304" pitchFamily="18" charset="0"/>
+              <a:latin typeface="Calibri" panose="020F0502020204030204" pitchFamily="34" charset="0"/>
+              <a:cs typeface="Calibri" panose="020F0502020204030204" pitchFamily="34" charset="0"/>
             </a:endParaRPr>
           </a:p>
         </p:txBody>
@@ -27298,7 +27390,10 @@
           <a:lstStyle/>
           <a:p>
             <a:pPr algn="ctr"/>
-            <a:endParaRPr kumimoji="1" lang="ko-Kore-KR" altLang="en-US" dirty="0"/>
+            <a:endParaRPr kumimoji="1" lang="ko-Kore-KR" altLang="en-US" sz="1800" dirty="0">
+              <a:latin typeface="Calibri" panose="020F0502020204030204" pitchFamily="34" charset="0"/>
+              <a:cs typeface="Calibri" panose="020F0502020204030204" pitchFamily="34" charset="0"/>
+            </a:endParaRPr>
           </a:p>
         </p:txBody>
       </p:sp>
@@ -27355,21 +27450,21 @@
                 <a:solidFill>
                   <a:schemeClr val="tx1"/>
                 </a:solidFill>
-                <a:latin typeface="Times New Roman" panose="02020603050405020304" pitchFamily="18" charset="0"/>
+                <a:latin typeface="Calibri" panose="020F0502020204030204" pitchFamily="34" charset="0"/>
                 <a:ea typeface="Source Sans Pro" panose="020B0503030403020204" pitchFamily="34" charset="0"/>
-                <a:cs typeface="Times New Roman" panose="02020603050405020304" pitchFamily="18" charset="0"/>
+                <a:cs typeface="Calibri" panose="020F0502020204030204" pitchFamily="34" charset="0"/>
               </a:rPr>
               <a:t>Encoder</a:t>
             </a:r>
           </a:p>
           <a:p>
             <a:pPr algn="ctr"/>
-            <a:endParaRPr kumimoji="1" lang="ko-Kore-KR" altLang="en-US" dirty="0">
+            <a:endParaRPr kumimoji="1" lang="ko-Kore-KR" altLang="en-US" sz="1800" dirty="0">
               <a:solidFill>
                 <a:schemeClr val="tx1"/>
               </a:solidFill>
-              <a:latin typeface="Times New Roman" panose="02020603050405020304" pitchFamily="18" charset="0"/>
-              <a:cs typeface="Times New Roman" panose="02020603050405020304" pitchFamily="18" charset="0"/>
+              <a:latin typeface="Calibri" panose="020F0502020204030204" pitchFamily="34" charset="0"/>
+              <a:cs typeface="Calibri" panose="020F0502020204030204" pitchFamily="34" charset="0"/>
             </a:endParaRPr>
           </a:p>
         </p:txBody>
@@ -27419,7 +27514,7 @@
         <p:spPr>
           <a:xfrm>
             <a:off x="5356016" y="2657896"/>
-            <a:ext cx="997843" cy="553998"/>
+            <a:ext cx="997843" cy="646331"/>
           </a:xfrm>
           <a:prstGeom prst="rect">
             <a:avLst/>
@@ -27434,22 +27529,22 @@
           <a:p>
             <a:pPr algn="ctr"/>
             <a:r>
-              <a:rPr kumimoji="1" lang="en-US" altLang="ko-Kore-KR" sz="1600" dirty="0">
+              <a:rPr kumimoji="1" lang="en-US" altLang="ko-Kore-KR" sz="1800" dirty="0">
                 <a:solidFill>
                   <a:srgbClr val="FF0000"/>
                 </a:solidFill>
-                <a:latin typeface="Times New Roman" panose="02020603050405020304" pitchFamily="18" charset="0"/>
+                <a:latin typeface="Calibri" panose="020F0502020204030204" pitchFamily="34" charset="0"/>
                 <a:ea typeface="Source Sans Pro" panose="020B0503030403020204" pitchFamily="34" charset="0"/>
-                <a:cs typeface="Times New Roman" panose="02020603050405020304" pitchFamily="18" charset="0"/>
+                <a:cs typeface="Calibri" panose="020F0502020204030204" pitchFamily="34" charset="0"/>
               </a:rPr>
               <a:t>Policy</a:t>
             </a:r>
           </a:p>
           <a:p>
             <a:pPr algn="ctr"/>
-            <a:endParaRPr lang="ko-Kore-KR" altLang="en-US" dirty="0">
-              <a:latin typeface="Times New Roman" panose="02020603050405020304" pitchFamily="18" charset="0"/>
-              <a:cs typeface="Times New Roman" panose="02020603050405020304" pitchFamily="18" charset="0"/>
+            <a:endParaRPr lang="ko-Kore-KR" altLang="en-US" sz="1800" dirty="0">
+              <a:latin typeface="Calibri" panose="020F0502020204030204" pitchFamily="34" charset="0"/>
+              <a:cs typeface="Calibri" panose="020F0502020204030204" pitchFamily="34" charset="0"/>
             </a:endParaRPr>
           </a:p>
         </p:txBody>
@@ -27502,8 +27597,8 @@
         </p:nvCxnSpPr>
         <p:spPr>
           <a:xfrm flipV="1">
-            <a:off x="5001958" y="2934895"/>
-            <a:ext cx="354058" cy="486000"/>
+            <a:off x="5001958" y="2981062"/>
+            <a:ext cx="354058" cy="439833"/>
           </a:xfrm>
           <a:prstGeom prst="straightConnector1">
             <a:avLst/>
@@ -27545,7 +27640,7 @@
         <p:spPr>
           <a:xfrm>
             <a:off x="5356017" y="3629896"/>
-            <a:ext cx="997843" cy="553998"/>
+            <a:ext cx="997843" cy="646331"/>
           </a:xfrm>
           <a:prstGeom prst="rect">
             <a:avLst/>
@@ -27560,27 +27655,27 @@
           <a:p>
             <a:pPr algn="ctr"/>
             <a:r>
-              <a:rPr kumimoji="1" lang="en-US" altLang="ko-Kore-KR" sz="1600" dirty="0">
+              <a:rPr kumimoji="1" lang="en-US" altLang="ko-Kore-KR" sz="1800" dirty="0">
                 <a:solidFill>
                   <a:schemeClr val="accent1"/>
                 </a:solidFill>
-                <a:latin typeface="Times New Roman" panose="02020603050405020304" pitchFamily="18" charset="0"/>
+                <a:latin typeface="Calibri" panose="020F0502020204030204" pitchFamily="34" charset="0"/>
                 <a:ea typeface="Source Sans Pro" panose="020B0503030403020204" pitchFamily="34" charset="0"/>
-                <a:cs typeface="Times New Roman" panose="02020603050405020304" pitchFamily="18" charset="0"/>
+                <a:cs typeface="Calibri" panose="020F0502020204030204" pitchFamily="34" charset="0"/>
               </a:rPr>
               <a:t>Value</a:t>
             </a:r>
           </a:p>
           <a:p>
             <a:pPr algn="ctr"/>
-            <a:endParaRPr lang="ko-Kore-KR" altLang="en-US" dirty="0">
+            <a:endParaRPr lang="ko-Kore-KR" altLang="en-US" sz="1800" dirty="0">
               <a:solidFill>
                 <a:schemeClr val="tx1">
                   <a:alpha val="20000"/>
                 </a:schemeClr>
               </a:solidFill>
-              <a:latin typeface="Times New Roman" panose="02020603050405020304" pitchFamily="18" charset="0"/>
-              <a:cs typeface="Times New Roman" panose="02020603050405020304" pitchFamily="18" charset="0"/>
+              <a:latin typeface="Calibri" panose="020F0502020204030204" pitchFamily="34" charset="0"/>
+              <a:cs typeface="Calibri" panose="020F0502020204030204" pitchFamily="34" charset="0"/>
             </a:endParaRPr>
           </a:p>
         </p:txBody>
@@ -27636,7 +27731,7 @@
         <p:spPr>
           <a:xfrm>
             <a:off x="5001958" y="3420895"/>
-            <a:ext cx="354059" cy="486000"/>
+            <a:ext cx="354059" cy="532167"/>
           </a:xfrm>
           <a:prstGeom prst="straightConnector1">
             <a:avLst/>
@@ -27743,9 +27838,9 @@
                 <a:solidFill>
                   <a:schemeClr val="tx1"/>
                 </a:solidFill>
-                <a:latin typeface="Times New Roman" panose="02020603050405020304" pitchFamily="18" charset="0"/>
+                <a:latin typeface="Calibri" panose="020F0502020204030204" pitchFamily="34" charset="0"/>
                 <a:ea typeface="Source Sans Pro" panose="020B0503030403020204" pitchFamily="34" charset="0"/>
-                <a:cs typeface="Times New Roman" panose="02020603050405020304" pitchFamily="18" charset="0"/>
+                <a:cs typeface="Calibri" panose="020F0502020204030204" pitchFamily="34" charset="0"/>
               </a:rPr>
               <a:t>State</a:t>
             </a:r>
@@ -27753,8 +27848,8 @@
           <a:p>
             <a:pPr algn="ctr"/>
             <a:endParaRPr lang="ko-Kore-KR" altLang="en-US" sz="1800" dirty="0">
-              <a:latin typeface="Times New Roman" panose="02020603050405020304" pitchFamily="18" charset="0"/>
-              <a:cs typeface="Times New Roman" panose="02020603050405020304" pitchFamily="18" charset="0"/>
+              <a:latin typeface="Calibri" panose="020F0502020204030204" pitchFamily="34" charset="0"/>
+              <a:cs typeface="Calibri" panose="020F0502020204030204" pitchFamily="34" charset="0"/>
             </a:endParaRPr>
           </a:p>
         </p:txBody>
@@ -27839,7 +27934,10 @@
           <a:lstStyle/>
           <a:p>
             <a:pPr algn="ctr"/>
-            <a:endParaRPr kumimoji="1" lang="ko-Kore-KR" altLang="en-US" dirty="0"/>
+            <a:endParaRPr kumimoji="1" lang="ko-Kore-KR" altLang="en-US" sz="1800" dirty="0">
+              <a:latin typeface="Calibri" panose="020F0502020204030204" pitchFamily="34" charset="0"/>
+              <a:cs typeface="Calibri" panose="020F0502020204030204" pitchFamily="34" charset="0"/>
+            </a:endParaRPr>
           </a:p>
         </p:txBody>
       </p:sp>
@@ -27894,7 +27992,10 @@
           <a:lstStyle/>
           <a:p>
             <a:pPr algn="ctr"/>
-            <a:endParaRPr kumimoji="1" lang="ko-Kore-KR" altLang="en-US"/>
+            <a:endParaRPr kumimoji="1" lang="ko-Kore-KR" altLang="en-US" sz="1800">
+              <a:latin typeface="Calibri" panose="020F0502020204030204" pitchFamily="34" charset="0"/>
+              <a:cs typeface="Calibri" panose="020F0502020204030204" pitchFamily="34" charset="0"/>
+            </a:endParaRPr>
           </a:p>
         </p:txBody>
       </p:sp>
@@ -27985,8 +28086,8 @@
               <a:solidFill>
                 <a:schemeClr val="tx1"/>
               </a:solidFill>
-              <a:latin typeface="Times New Roman" panose="02020603050405020304" pitchFamily="18" charset="0"/>
-              <a:cs typeface="Times New Roman" panose="02020603050405020304" pitchFamily="18" charset="0"/>
+              <a:latin typeface="Calibri" panose="020F0502020204030204" pitchFamily="34" charset="0"/>
+              <a:cs typeface="Calibri" panose="020F0502020204030204" pitchFamily="34" charset="0"/>
             </a:endParaRPr>
           </a:p>
         </p:txBody>
@@ -28044,21 +28145,21 @@
                 <a:solidFill>
                   <a:schemeClr val="tx1"/>
                 </a:solidFill>
-                <a:latin typeface="Times New Roman" panose="02020603050405020304" pitchFamily="18" charset="0"/>
+                <a:latin typeface="Calibri" panose="020F0502020204030204" pitchFamily="34" charset="0"/>
                 <a:ea typeface="Source Sans Pro" panose="020B0503030403020204" pitchFamily="34" charset="0"/>
-                <a:cs typeface="Times New Roman" panose="02020603050405020304" pitchFamily="18" charset="0"/>
+                <a:cs typeface="Calibri" panose="020F0502020204030204" pitchFamily="34" charset="0"/>
               </a:rPr>
               <a:t>Encoder</a:t>
             </a:r>
           </a:p>
           <a:p>
             <a:pPr algn="ctr"/>
-            <a:endParaRPr kumimoji="1" lang="ko-Kore-KR" altLang="en-US" dirty="0">
+            <a:endParaRPr kumimoji="1" lang="ko-Kore-KR" altLang="en-US" sz="1800" dirty="0">
               <a:solidFill>
                 <a:schemeClr val="tx1"/>
               </a:solidFill>
-              <a:latin typeface="Times New Roman" panose="02020603050405020304" pitchFamily="18" charset="0"/>
-              <a:cs typeface="Times New Roman" panose="02020603050405020304" pitchFamily="18" charset="0"/>
+              <a:latin typeface="Calibri" panose="020F0502020204030204" pitchFamily="34" charset="0"/>
+              <a:cs typeface="Calibri" panose="020F0502020204030204" pitchFamily="34" charset="0"/>
             </a:endParaRPr>
           </a:p>
         </p:txBody>
@@ -28108,7 +28209,7 @@
         <p:spPr>
           <a:xfrm>
             <a:off x="5356016" y="718061"/>
-            <a:ext cx="997843" cy="553998"/>
+            <a:ext cx="997843" cy="646331"/>
           </a:xfrm>
           <a:prstGeom prst="rect">
             <a:avLst/>
@@ -28123,22 +28224,22 @@
           <a:p>
             <a:pPr algn="ctr"/>
             <a:r>
-              <a:rPr kumimoji="1" lang="en-US" altLang="ko-Kore-KR" sz="1600" dirty="0">
+              <a:rPr kumimoji="1" lang="en-US" altLang="ko-Kore-KR" sz="1800" dirty="0">
                 <a:solidFill>
                   <a:schemeClr val="accent1"/>
                 </a:solidFill>
-                <a:latin typeface="Times New Roman" panose="02020603050405020304" pitchFamily="18" charset="0"/>
+                <a:latin typeface="Calibri" panose="020F0502020204030204" pitchFamily="34" charset="0"/>
                 <a:ea typeface="Source Sans Pro" panose="020B0503030403020204" pitchFamily="34" charset="0"/>
-                <a:cs typeface="Times New Roman" panose="02020603050405020304" pitchFamily="18" charset="0"/>
+                <a:cs typeface="Calibri" panose="020F0502020204030204" pitchFamily="34" charset="0"/>
               </a:rPr>
               <a:t>Policy</a:t>
             </a:r>
           </a:p>
           <a:p>
             <a:pPr algn="ctr"/>
-            <a:endParaRPr lang="ko-Kore-KR" altLang="en-US" dirty="0">
-              <a:latin typeface="Times New Roman" panose="02020603050405020304" pitchFamily="18" charset="0"/>
-              <a:cs typeface="Times New Roman" panose="02020603050405020304" pitchFamily="18" charset="0"/>
+            <a:endParaRPr lang="ko-Kore-KR" altLang="en-US" sz="1800" dirty="0">
+              <a:latin typeface="Calibri" panose="020F0502020204030204" pitchFamily="34" charset="0"/>
+              <a:cs typeface="Calibri" panose="020F0502020204030204" pitchFamily="34" charset="0"/>
             </a:endParaRPr>
           </a:p>
         </p:txBody>
@@ -28191,8 +28292,8 @@
         </p:nvCxnSpPr>
         <p:spPr>
           <a:xfrm flipV="1">
-            <a:off x="5001958" y="995060"/>
-            <a:ext cx="354058" cy="486000"/>
+            <a:off x="5001958" y="1041227"/>
+            <a:ext cx="354058" cy="439833"/>
           </a:xfrm>
           <a:prstGeom prst="straightConnector1">
             <a:avLst/>
@@ -28234,7 +28335,7 @@
         <p:spPr>
           <a:xfrm>
             <a:off x="5356017" y="1690061"/>
-            <a:ext cx="997843" cy="553998"/>
+            <a:ext cx="997843" cy="646331"/>
           </a:xfrm>
           <a:prstGeom prst="rect">
             <a:avLst/>
@@ -28249,27 +28350,27 @@
           <a:p>
             <a:pPr algn="ctr"/>
             <a:r>
-              <a:rPr kumimoji="1" lang="en-US" altLang="ko-Kore-KR" sz="1600" dirty="0">
+              <a:rPr kumimoji="1" lang="en-US" altLang="ko-Kore-KR" sz="1800" dirty="0">
                 <a:solidFill>
                   <a:srgbClr val="FF0000"/>
                 </a:solidFill>
-                <a:latin typeface="Times New Roman" panose="02020603050405020304" pitchFamily="18" charset="0"/>
+                <a:latin typeface="Calibri" panose="020F0502020204030204" pitchFamily="34" charset="0"/>
                 <a:ea typeface="Source Sans Pro" panose="020B0503030403020204" pitchFamily="34" charset="0"/>
-                <a:cs typeface="Times New Roman" panose="02020603050405020304" pitchFamily="18" charset="0"/>
+                <a:cs typeface="Calibri" panose="020F0502020204030204" pitchFamily="34" charset="0"/>
               </a:rPr>
               <a:t>Value</a:t>
             </a:r>
           </a:p>
           <a:p>
             <a:pPr algn="ctr"/>
-            <a:endParaRPr lang="ko-Kore-KR" altLang="en-US" dirty="0">
+            <a:endParaRPr lang="ko-Kore-KR" altLang="en-US" sz="1800" dirty="0">
               <a:solidFill>
                 <a:schemeClr val="tx1">
                   <a:alpha val="20000"/>
                 </a:schemeClr>
               </a:solidFill>
-              <a:latin typeface="Times New Roman" panose="02020603050405020304" pitchFamily="18" charset="0"/>
-              <a:cs typeface="Times New Roman" panose="02020603050405020304" pitchFamily="18" charset="0"/>
+              <a:latin typeface="Calibri" panose="020F0502020204030204" pitchFamily="34" charset="0"/>
+              <a:cs typeface="Calibri" panose="020F0502020204030204" pitchFamily="34" charset="0"/>
             </a:endParaRPr>
           </a:p>
         </p:txBody>
@@ -28325,7 +28426,7 @@
         <p:spPr>
           <a:xfrm>
             <a:off x="5001958" y="1481060"/>
-            <a:ext cx="354059" cy="486000"/>
+            <a:ext cx="354059" cy="532167"/>
           </a:xfrm>
           <a:prstGeom prst="straightConnector1">
             <a:avLst/>
@@ -28432,9 +28533,9 @@
                 <a:solidFill>
                   <a:schemeClr val="tx1"/>
                 </a:solidFill>
-                <a:latin typeface="Times New Roman" panose="02020603050405020304" pitchFamily="18" charset="0"/>
+                <a:latin typeface="Calibri" panose="020F0502020204030204" pitchFamily="34" charset="0"/>
                 <a:ea typeface="Source Sans Pro" panose="020B0503030403020204" pitchFamily="34" charset="0"/>
-                <a:cs typeface="Times New Roman" panose="02020603050405020304" pitchFamily="18" charset="0"/>
+                <a:cs typeface="Calibri" panose="020F0502020204030204" pitchFamily="34" charset="0"/>
               </a:rPr>
               <a:t>State</a:t>
             </a:r>
@@ -28442,8 +28543,8 @@
           <a:p>
             <a:pPr algn="ctr"/>
             <a:endParaRPr lang="ko-Kore-KR" altLang="en-US" sz="1800" dirty="0">
-              <a:latin typeface="Times New Roman" panose="02020603050405020304" pitchFamily="18" charset="0"/>
-              <a:cs typeface="Times New Roman" panose="02020603050405020304" pitchFamily="18" charset="0"/>
+              <a:latin typeface="Calibri" panose="020F0502020204030204" pitchFamily="34" charset="0"/>
+              <a:cs typeface="Calibri" panose="020F0502020204030204" pitchFamily="34" charset="0"/>
             </a:endParaRPr>
           </a:p>
         </p:txBody>
@@ -28561,9 +28662,9 @@
                 <a:solidFill>
                   <a:schemeClr val="tx1"/>
                 </a:solidFill>
-                <a:latin typeface="Times New Roman" panose="02020603050405020304" pitchFamily="18" charset="0"/>
+                <a:latin typeface="Calibri" panose="020F0502020204030204" pitchFamily="34" charset="0"/>
                 <a:ea typeface="Source Sans Pro" panose="020B0503030403020204" pitchFamily="34" charset="0"/>
-                <a:cs typeface="Times New Roman" panose="02020603050405020304" pitchFamily="18" charset="0"/>
+                <a:cs typeface="Calibri" panose="020F0502020204030204" pitchFamily="34" charset="0"/>
               </a:rPr>
               <a:t>Agent</a:t>
             </a:r>
@@ -28572,9 +28673,9 @@
                 <a:solidFill>
                   <a:schemeClr val="tx1"/>
                 </a:solidFill>
-                <a:latin typeface="Times New Roman" panose="02020603050405020304" pitchFamily="18" charset="0"/>
+                <a:latin typeface="Calibri" panose="020F0502020204030204" pitchFamily="34" charset="0"/>
                 <a:ea typeface="Source Sans Pro" panose="020B0503030403020204" pitchFamily="34" charset="0"/>
-                <a:cs typeface="Times New Roman" panose="02020603050405020304" pitchFamily="18" charset="0"/>
+                <a:cs typeface="Calibri" panose="020F0502020204030204" pitchFamily="34" charset="0"/>
               </a:rPr>
               <a:t> </a:t>
             </a:r>
@@ -28789,7 +28890,8 @@
               <a:solidFill>
                 <a:schemeClr val="tx1"/>
               </a:solidFill>
-              <a:latin typeface="Source Sans Pro" panose="020B0503030403020204" pitchFamily="34" charset="0"/>
+              <a:latin typeface="Calibri" panose="020F0502020204030204" pitchFamily="34" charset="0"/>
+              <a:cs typeface="Calibri" panose="020F0502020204030204" pitchFamily="34" charset="0"/>
             </a:endParaRPr>
           </a:p>
         </p:txBody>
@@ -28827,9 +28929,9 @@
                 <a:solidFill>
                   <a:schemeClr val="tx1"/>
                 </a:solidFill>
-                <a:latin typeface="Times New Roman" panose="02020603050405020304" pitchFamily="18" charset="0"/>
+                <a:latin typeface="Calibri" panose="020F0502020204030204" pitchFamily="34" charset="0"/>
                 <a:ea typeface="Source Sans Pro" panose="020B0503030403020204" pitchFamily="34" charset="0"/>
-                <a:cs typeface="Times New Roman" panose="02020603050405020304" pitchFamily="18" charset="0"/>
+                <a:cs typeface="Calibri" panose="020F0502020204030204" pitchFamily="34" charset="0"/>
               </a:rPr>
               <a:t>Policy Phase </a:t>
             </a:r>
@@ -28869,9 +28971,9 @@
                 <a:solidFill>
                   <a:schemeClr val="tx1"/>
                 </a:solidFill>
-                <a:latin typeface="Times New Roman" panose="02020603050405020304" pitchFamily="18" charset="0"/>
+                <a:latin typeface="Calibri" panose="020F0502020204030204" pitchFamily="34" charset="0"/>
                 <a:ea typeface="Source Sans Pro" panose="020B0503030403020204" pitchFamily="34" charset="0"/>
-                <a:cs typeface="Times New Roman" panose="02020603050405020304" pitchFamily="18" charset="0"/>
+                <a:cs typeface="Calibri" panose="020F0502020204030204" pitchFamily="34" charset="0"/>
               </a:rPr>
               <a:t>Aux Phase </a:t>
             </a:r>
@@ -28926,9 +29028,9 @@
                 <a:solidFill>
                   <a:schemeClr val="tx1"/>
                 </a:solidFill>
-                <a:latin typeface="Times New Roman" panose="02020603050405020304" pitchFamily="18" charset="0"/>
+                <a:latin typeface="Calibri" panose="020F0502020204030204" pitchFamily="34" charset="0"/>
                 <a:ea typeface="Source Sans Pro" panose="020B0503030403020204" pitchFamily="34" charset="0"/>
-                <a:cs typeface="Times New Roman" panose="02020603050405020304" pitchFamily="18" charset="0"/>
+                <a:cs typeface="Calibri" panose="020F0502020204030204" pitchFamily="34" charset="0"/>
               </a:rPr>
               <a:t>Buffer</a:t>
             </a:r>
@@ -28936,8 +29038,8 @@
               <a:solidFill>
                 <a:schemeClr val="tx1"/>
               </a:solidFill>
-              <a:latin typeface="Times New Roman" panose="02020603050405020304" pitchFamily="18" charset="0"/>
-              <a:cs typeface="Times New Roman" panose="02020603050405020304" pitchFamily="18" charset="0"/>
+              <a:latin typeface="Calibri" panose="020F0502020204030204" pitchFamily="34" charset="0"/>
+              <a:cs typeface="Calibri" panose="020F0502020204030204" pitchFamily="34" charset="0"/>
             </a:endParaRPr>
           </a:p>
         </p:txBody>
@@ -28992,7 +29094,10 @@
           <a:lstStyle/>
           <a:p>
             <a:pPr algn="ctr"/>
-            <a:endParaRPr kumimoji="1" lang="ko-Kore-KR" altLang="en-US" dirty="0"/>
+            <a:endParaRPr kumimoji="1" lang="ko-Kore-KR" altLang="en-US" dirty="0">
+              <a:latin typeface="Calibri" panose="020F0502020204030204" pitchFamily="34" charset="0"/>
+              <a:cs typeface="Calibri" panose="020F0502020204030204" pitchFamily="34" charset="0"/>
+            </a:endParaRPr>
           </a:p>
         </p:txBody>
       </p:sp>
@@ -29049,21 +29154,21 @@
                 <a:solidFill>
                   <a:schemeClr val="tx1"/>
                 </a:solidFill>
-                <a:latin typeface="Times New Roman" panose="02020603050405020304" pitchFamily="18" charset="0"/>
+                <a:latin typeface="Calibri" panose="020F0502020204030204" pitchFamily="34" charset="0"/>
                 <a:ea typeface="Source Sans Pro" panose="020B0503030403020204" pitchFamily="34" charset="0"/>
-                <a:cs typeface="Times New Roman" panose="02020603050405020304" pitchFamily="18" charset="0"/>
+                <a:cs typeface="Calibri" panose="020F0502020204030204" pitchFamily="34" charset="0"/>
               </a:rPr>
               <a:t>Encoder</a:t>
             </a:r>
           </a:p>
           <a:p>
             <a:pPr algn="ctr"/>
-            <a:endParaRPr kumimoji="1" lang="ko-Kore-KR" altLang="en-US" dirty="0">
+            <a:endParaRPr kumimoji="1" lang="ko-Kore-KR" altLang="en-US" sz="1800" dirty="0">
               <a:solidFill>
                 <a:schemeClr val="tx1"/>
               </a:solidFill>
-              <a:latin typeface="Times New Roman" panose="02020603050405020304" pitchFamily="18" charset="0"/>
-              <a:cs typeface="Times New Roman" panose="02020603050405020304" pitchFamily="18" charset="0"/>
+              <a:latin typeface="Calibri" panose="020F0502020204030204" pitchFamily="34" charset="0"/>
+              <a:cs typeface="Calibri" panose="020F0502020204030204" pitchFamily="34" charset="0"/>
             </a:endParaRPr>
           </a:p>
         </p:txBody>
@@ -29113,7 +29218,7 @@
         <p:spPr>
           <a:xfrm>
             <a:off x="5356016" y="2657896"/>
-            <a:ext cx="997843" cy="553998"/>
+            <a:ext cx="997843" cy="646331"/>
           </a:xfrm>
           <a:prstGeom prst="rect">
             <a:avLst/>
@@ -29128,22 +29233,22 @@
           <a:p>
             <a:pPr algn="ctr"/>
             <a:r>
-              <a:rPr kumimoji="1" lang="en-US" altLang="ko-Kore-KR" sz="1600" dirty="0">
+              <a:rPr kumimoji="1" lang="en-US" altLang="ko-Kore-KR" sz="1800" dirty="0">
                 <a:solidFill>
                   <a:srgbClr val="FF0000"/>
                 </a:solidFill>
-                <a:latin typeface="Times New Roman" panose="02020603050405020304" pitchFamily="18" charset="0"/>
+                <a:latin typeface="Calibri" panose="020F0502020204030204" pitchFamily="34" charset="0"/>
                 <a:ea typeface="Source Sans Pro" panose="020B0503030403020204" pitchFamily="34" charset="0"/>
-                <a:cs typeface="Times New Roman" panose="02020603050405020304" pitchFamily="18" charset="0"/>
+                <a:cs typeface="Calibri" panose="020F0502020204030204" pitchFamily="34" charset="0"/>
               </a:rPr>
               <a:t>Policy</a:t>
             </a:r>
           </a:p>
           <a:p>
             <a:pPr algn="ctr"/>
-            <a:endParaRPr lang="ko-Kore-KR" altLang="en-US" dirty="0">
-              <a:latin typeface="Times New Roman" panose="02020603050405020304" pitchFamily="18" charset="0"/>
-              <a:cs typeface="Times New Roman" panose="02020603050405020304" pitchFamily="18" charset="0"/>
+            <a:endParaRPr lang="ko-Kore-KR" altLang="en-US" sz="1800" dirty="0">
+              <a:latin typeface="Calibri" panose="020F0502020204030204" pitchFamily="34" charset="0"/>
+              <a:cs typeface="Calibri" panose="020F0502020204030204" pitchFamily="34" charset="0"/>
             </a:endParaRPr>
           </a:p>
         </p:txBody>
@@ -29196,8 +29301,8 @@
         </p:nvCxnSpPr>
         <p:spPr>
           <a:xfrm flipV="1">
-            <a:off x="5001958" y="2934895"/>
-            <a:ext cx="354058" cy="486000"/>
+            <a:off x="5001958" y="2981062"/>
+            <a:ext cx="354058" cy="439833"/>
           </a:xfrm>
           <a:prstGeom prst="straightConnector1">
             <a:avLst/>
@@ -29239,7 +29344,7 @@
         <p:spPr>
           <a:xfrm>
             <a:off x="5356017" y="3629896"/>
-            <a:ext cx="997843" cy="553998"/>
+            <a:ext cx="997843" cy="646331"/>
           </a:xfrm>
           <a:prstGeom prst="rect">
             <a:avLst/>
@@ -29254,27 +29359,27 @@
           <a:p>
             <a:pPr algn="ctr"/>
             <a:r>
-              <a:rPr kumimoji="1" lang="en-US" altLang="ko-Kore-KR" sz="1600" dirty="0">
+              <a:rPr kumimoji="1" lang="en-US" altLang="ko-Kore-KR" sz="1800" dirty="0">
                 <a:solidFill>
                   <a:schemeClr val="accent1"/>
                 </a:solidFill>
-                <a:latin typeface="Times New Roman" panose="02020603050405020304" pitchFamily="18" charset="0"/>
+                <a:latin typeface="Calibri" panose="020F0502020204030204" pitchFamily="34" charset="0"/>
                 <a:ea typeface="Source Sans Pro" panose="020B0503030403020204" pitchFamily="34" charset="0"/>
-                <a:cs typeface="Times New Roman" panose="02020603050405020304" pitchFamily="18" charset="0"/>
+                <a:cs typeface="Calibri" panose="020F0502020204030204" pitchFamily="34" charset="0"/>
               </a:rPr>
               <a:t>Value</a:t>
             </a:r>
           </a:p>
           <a:p>
             <a:pPr algn="ctr"/>
-            <a:endParaRPr lang="ko-Kore-KR" altLang="en-US" dirty="0">
+            <a:endParaRPr lang="ko-Kore-KR" altLang="en-US" sz="1800" dirty="0">
               <a:solidFill>
                 <a:schemeClr val="tx1">
                   <a:alpha val="20000"/>
                 </a:schemeClr>
               </a:solidFill>
-              <a:latin typeface="Times New Roman" panose="02020603050405020304" pitchFamily="18" charset="0"/>
-              <a:cs typeface="Times New Roman" panose="02020603050405020304" pitchFamily="18" charset="0"/>
+              <a:latin typeface="Calibri" panose="020F0502020204030204" pitchFamily="34" charset="0"/>
+              <a:cs typeface="Calibri" panose="020F0502020204030204" pitchFamily="34" charset="0"/>
             </a:endParaRPr>
           </a:p>
         </p:txBody>
@@ -29330,7 +29435,7 @@
         <p:spPr>
           <a:xfrm>
             <a:off x="5001958" y="3420895"/>
-            <a:ext cx="354059" cy="486000"/>
+            <a:ext cx="354059" cy="532167"/>
           </a:xfrm>
           <a:prstGeom prst="straightConnector1">
             <a:avLst/>
@@ -29437,9 +29542,9 @@
                 <a:solidFill>
                   <a:schemeClr val="tx1"/>
                 </a:solidFill>
-                <a:latin typeface="Times New Roman" panose="02020603050405020304" pitchFamily="18" charset="0"/>
+                <a:latin typeface="Calibri" panose="020F0502020204030204" pitchFamily="34" charset="0"/>
                 <a:ea typeface="Source Sans Pro" panose="020B0503030403020204" pitchFamily="34" charset="0"/>
-                <a:cs typeface="Times New Roman" panose="02020603050405020304" pitchFamily="18" charset="0"/>
+                <a:cs typeface="Calibri" panose="020F0502020204030204" pitchFamily="34" charset="0"/>
               </a:rPr>
               <a:t>State</a:t>
             </a:r>
@@ -29447,8 +29552,8 @@
           <a:p>
             <a:pPr algn="ctr"/>
             <a:endParaRPr lang="ko-Kore-KR" altLang="en-US" sz="1800" dirty="0">
-              <a:latin typeface="Times New Roman" panose="02020603050405020304" pitchFamily="18" charset="0"/>
-              <a:cs typeface="Times New Roman" panose="02020603050405020304" pitchFamily="18" charset="0"/>
+              <a:latin typeface="Calibri" panose="020F0502020204030204" pitchFamily="34" charset="0"/>
+              <a:cs typeface="Calibri" panose="020F0502020204030204" pitchFamily="34" charset="0"/>
             </a:endParaRPr>
           </a:p>
         </p:txBody>
@@ -29533,7 +29638,10 @@
           <a:lstStyle/>
           <a:p>
             <a:pPr algn="ctr"/>
-            <a:endParaRPr kumimoji="1" lang="ko-Kore-KR" altLang="en-US" dirty="0"/>
+            <a:endParaRPr kumimoji="1" lang="ko-Kore-KR" altLang="en-US" sz="1800" dirty="0">
+              <a:latin typeface="Calibri" panose="020F0502020204030204" pitchFamily="34" charset="0"/>
+              <a:cs typeface="Calibri" panose="020F0502020204030204" pitchFamily="34" charset="0"/>
+            </a:endParaRPr>
           </a:p>
         </p:txBody>
       </p:sp>
@@ -29588,7 +29696,10 @@
           <a:lstStyle/>
           <a:p>
             <a:pPr algn="ctr"/>
-            <a:endParaRPr kumimoji="1" lang="ko-Kore-KR" altLang="en-US" dirty="0"/>
+            <a:endParaRPr kumimoji="1" lang="ko-Kore-KR" altLang="en-US" dirty="0">
+              <a:latin typeface="Calibri" panose="020F0502020204030204" pitchFamily="34" charset="0"/>
+              <a:cs typeface="Calibri" panose="020F0502020204030204" pitchFamily="34" charset="0"/>
+            </a:endParaRPr>
           </a:p>
         </p:txBody>
       </p:sp>

--- a/images/moon22neurips.pptx
+++ b/images/moon22neurips.pptx
@@ -8166,6 +8166,7 @@
             <a:avLst/>
           </a:prstGeom>
           <a:noFill/>
+          <a:ln w="19050"/>
         </p:spPr>
         <p:style>
           <a:lnRef idx="2">
@@ -8211,10 +8212,10 @@
       </p:sp>
       <p:sp>
         <p:nvSpPr>
-          <p:cNvPr id="13" name="직사각형 12">
-            <a:extLst>
-              <a:ext uri="{FF2B5EF4-FFF2-40B4-BE49-F238E27FC236}">
-                <a16:creationId xmlns:a16="http://schemas.microsoft.com/office/drawing/2014/main" id="{CC0482FB-0687-7C85-1DA6-61CF94CFD989}"/>
+          <p:cNvPr id="4" name="직사각형 3">
+            <a:extLst>
+              <a:ext uri="{FF2B5EF4-FFF2-40B4-BE49-F238E27FC236}">
+                <a16:creationId xmlns:a16="http://schemas.microsoft.com/office/drawing/2014/main" id="{ED73179F-757F-DA78-6EB6-C3B312D885DC}"/>
               </a:ext>
             </a:extLst>
           </p:cNvPr>
@@ -8223,8 +8224,8 @@
         </p:nvSpPr>
         <p:spPr>
           <a:xfrm>
-            <a:off x="0" y="2500802"/>
-            <a:ext cx="6480175" cy="1818786"/>
+            <a:off x="2606434" y="462100"/>
+            <a:ext cx="3873740" cy="1818786"/>
           </a:xfrm>
           <a:prstGeom prst="rect">
             <a:avLst/>
@@ -8268,10 +8269,10 @@
       </p:sp>
       <p:sp>
         <p:nvSpPr>
-          <p:cNvPr id="4" name="직사각형 3">
-            <a:extLst>
-              <a:ext uri="{FF2B5EF4-FFF2-40B4-BE49-F238E27FC236}">
-                <a16:creationId xmlns:a16="http://schemas.microsoft.com/office/drawing/2014/main" id="{ED73179F-757F-DA78-6EB6-C3B312D885DC}"/>
+          <p:cNvPr id="13" name="직사각형 12">
+            <a:extLst>
+              <a:ext uri="{FF2B5EF4-FFF2-40B4-BE49-F238E27FC236}">
+                <a16:creationId xmlns:a16="http://schemas.microsoft.com/office/drawing/2014/main" id="{CC0482FB-0687-7C85-1DA6-61CF94CFD989}"/>
               </a:ext>
             </a:extLst>
           </p:cNvPr>
@@ -8280,8 +8281,8 @@
         </p:nvSpPr>
         <p:spPr>
           <a:xfrm>
-            <a:off x="2606434" y="462100"/>
-            <a:ext cx="3873740" cy="1818786"/>
+            <a:off x="0" y="2500802"/>
+            <a:ext cx="6480175" cy="1818786"/>
           </a:xfrm>
           <a:prstGeom prst="rect">
             <a:avLst/>
@@ -9932,6 +9933,7 @@
             <a:avLst/>
           </a:prstGeom>
           <a:noFill/>
+          <a:ln w="19050"/>
         </p:spPr>
         <p:style>
           <a:lnRef idx="2">
@@ -9977,10 +9979,10 @@
       </p:sp>
       <p:sp>
         <p:nvSpPr>
-          <p:cNvPr id="7" name="직사각형 6">
-            <a:extLst>
-              <a:ext uri="{FF2B5EF4-FFF2-40B4-BE49-F238E27FC236}">
-                <a16:creationId xmlns:a16="http://schemas.microsoft.com/office/drawing/2014/main" id="{143471F6-232D-D8A1-E00F-F5DAA29C498C}"/>
+          <p:cNvPr id="19" name="직사각형 18">
+            <a:extLst>
+              <a:ext uri="{FF2B5EF4-FFF2-40B4-BE49-F238E27FC236}">
+                <a16:creationId xmlns:a16="http://schemas.microsoft.com/office/drawing/2014/main" id="{A1BAD538-0822-D4E7-96EB-A82443CB9CAF}"/>
               </a:ext>
             </a:extLst>
           </p:cNvPr>
@@ -9989,8 +9991,8 @@
         </p:nvSpPr>
         <p:spPr>
           <a:xfrm>
-            <a:off x="0" y="2510758"/>
-            <a:ext cx="6487537" cy="1765001"/>
+            <a:off x="2520572" y="0"/>
+            <a:ext cx="3959603" cy="2238529"/>
           </a:xfrm>
           <a:prstGeom prst="rect">
             <a:avLst/>
@@ -10034,10 +10036,10 @@
       </p:sp>
       <p:sp>
         <p:nvSpPr>
-          <p:cNvPr id="19" name="직사각형 18">
-            <a:extLst>
-              <a:ext uri="{FF2B5EF4-FFF2-40B4-BE49-F238E27FC236}">
-                <a16:creationId xmlns:a16="http://schemas.microsoft.com/office/drawing/2014/main" id="{A1BAD538-0822-D4E7-96EB-A82443CB9CAF}"/>
+          <p:cNvPr id="7" name="직사각형 6">
+            <a:extLst>
+              <a:ext uri="{FF2B5EF4-FFF2-40B4-BE49-F238E27FC236}">
+                <a16:creationId xmlns:a16="http://schemas.microsoft.com/office/drawing/2014/main" id="{143471F6-232D-D8A1-E00F-F5DAA29C498C}"/>
               </a:ext>
             </a:extLst>
           </p:cNvPr>
@@ -10046,8 +10048,8 @@
         </p:nvSpPr>
         <p:spPr>
           <a:xfrm>
-            <a:off x="2520572" y="0"/>
-            <a:ext cx="3959603" cy="2238529"/>
+            <a:off x="0" y="2510758"/>
+            <a:ext cx="6487537" cy="1765001"/>
           </a:xfrm>
           <a:prstGeom prst="rect">
             <a:avLst/>
@@ -11756,6 +11758,7 @@
             <a:avLst/>
           </a:prstGeom>
           <a:noFill/>
+          <a:ln w="19050"/>
         </p:spPr>
         <p:style>
           <a:lnRef idx="2">
@@ -13407,6 +13410,7 @@
               <a:lumOff val="40000"/>
             </a:schemeClr>
           </a:solidFill>
+          <a:ln w="19050"/>
         </p:spPr>
         <p:style>
           <a:lnRef idx="2">
@@ -15230,6 +15234,7 @@
               <a:lumOff val="40000"/>
             </a:schemeClr>
           </a:solidFill>
+          <a:ln w="19050"/>
         </p:spPr>
         <p:style>
           <a:lnRef idx="2">
@@ -16938,6 +16943,7 @@
               <a:lumOff val="40000"/>
             </a:schemeClr>
           </a:solidFill>
+          <a:ln w="19050"/>
         </p:spPr>
         <p:style>
           <a:lnRef idx="2">
@@ -18038,6 +18044,7 @@
             <a:avLst/>
           </a:prstGeom>
           <a:noFill/>
+          <a:ln w="19050"/>
         </p:spPr>
         <p:style>
           <a:lnRef idx="2">
@@ -20288,6 +20295,7 @@
             <a:avLst/>
           </a:prstGeom>
           <a:noFill/>
+          <a:ln w="19050"/>
         </p:spPr>
         <p:style>
           <a:lnRef idx="2">
@@ -20333,6 +20341,64 @@
       </p:sp>
       <p:sp>
         <p:nvSpPr>
+          <p:cNvPr id="16" name="아래쪽 화살표[D] 15">
+            <a:extLst>
+              <a:ext uri="{FF2B5EF4-FFF2-40B4-BE49-F238E27FC236}">
+                <a16:creationId xmlns:a16="http://schemas.microsoft.com/office/drawing/2014/main" id="{E4B6862F-2E5C-6EE8-9226-EA97324E8DEE}"/>
+              </a:ext>
+            </a:extLst>
+          </p:cNvPr>
+          <p:cNvSpPr/>
+          <p:nvPr/>
+        </p:nvSpPr>
+        <p:spPr>
+          <a:xfrm rot="16200000">
+            <a:off x="2373593" y="1280564"/>
+            <a:ext cx="264710" cy="331109"/>
+          </a:xfrm>
+          <a:prstGeom prst="downArrow">
+            <a:avLst>
+              <a:gd name="adj1" fmla="val 37549"/>
+              <a:gd name="adj2" fmla="val 50000"/>
+            </a:avLst>
+          </a:prstGeom>
+          <a:solidFill>
+            <a:schemeClr val="tx1"/>
+          </a:solidFill>
+          <a:ln>
+            <a:noFill/>
+          </a:ln>
+        </p:spPr>
+        <p:style>
+          <a:lnRef idx="2">
+            <a:schemeClr val="accent1">
+              <a:shade val="15000"/>
+            </a:schemeClr>
+          </a:lnRef>
+          <a:fillRef idx="1">
+            <a:schemeClr val="accent1"/>
+          </a:fillRef>
+          <a:effectRef idx="0">
+            <a:schemeClr val="accent1"/>
+          </a:effectRef>
+          <a:fontRef idx="minor">
+            <a:schemeClr val="lt1"/>
+          </a:fontRef>
+        </p:style>
+        <p:txBody>
+          <a:bodyPr rtlCol="0" anchor="ctr"/>
+          <a:lstStyle/>
+          <a:p>
+            <a:pPr algn="ctr"/>
+            <a:endParaRPr kumimoji="1" lang="ko-Kore-KR" altLang="en-US">
+              <a:latin typeface="Calibri" panose="020F0502020204030204" pitchFamily="34" charset="0"/>
+              <a:cs typeface="Calibri" panose="020F0502020204030204" pitchFamily="34" charset="0"/>
+            </a:endParaRPr>
+          </a:p>
+        </p:txBody>
+      </p:sp>
+      <p:sp>
+        <p:nvSpPr>
           <p:cNvPr id="13" name="직사각형 12">
             <a:extLst>
               <a:ext uri="{FF2B5EF4-FFF2-40B4-BE49-F238E27FC236}">
@@ -20382,64 +20448,6 @@
           <a:p>
             <a:pPr algn="ctr"/>
             <a:endParaRPr kumimoji="1" lang="ko-Kore-KR" altLang="en-US" dirty="0">
-              <a:latin typeface="Calibri" panose="020F0502020204030204" pitchFamily="34" charset="0"/>
-              <a:cs typeface="Calibri" panose="020F0502020204030204" pitchFamily="34" charset="0"/>
-            </a:endParaRPr>
-          </a:p>
-        </p:txBody>
-      </p:sp>
-      <p:sp>
-        <p:nvSpPr>
-          <p:cNvPr id="16" name="아래쪽 화살표[D] 15">
-            <a:extLst>
-              <a:ext uri="{FF2B5EF4-FFF2-40B4-BE49-F238E27FC236}">
-                <a16:creationId xmlns:a16="http://schemas.microsoft.com/office/drawing/2014/main" id="{E4B6862F-2E5C-6EE8-9226-EA97324E8DEE}"/>
-              </a:ext>
-            </a:extLst>
-          </p:cNvPr>
-          <p:cNvSpPr/>
-          <p:nvPr/>
-        </p:nvSpPr>
-        <p:spPr>
-          <a:xfrm rot="16200000">
-            <a:off x="2373593" y="1280564"/>
-            <a:ext cx="264710" cy="331109"/>
-          </a:xfrm>
-          <a:prstGeom prst="downArrow">
-            <a:avLst>
-              <a:gd name="adj1" fmla="val 37549"/>
-              <a:gd name="adj2" fmla="val 50000"/>
-            </a:avLst>
-          </a:prstGeom>
-          <a:solidFill>
-            <a:schemeClr val="tx1"/>
-          </a:solidFill>
-          <a:ln>
-            <a:noFill/>
-          </a:ln>
-        </p:spPr>
-        <p:style>
-          <a:lnRef idx="2">
-            <a:schemeClr val="accent1">
-              <a:shade val="15000"/>
-            </a:schemeClr>
-          </a:lnRef>
-          <a:fillRef idx="1">
-            <a:schemeClr val="accent1"/>
-          </a:fillRef>
-          <a:effectRef idx="0">
-            <a:schemeClr val="accent1"/>
-          </a:effectRef>
-          <a:fontRef idx="minor">
-            <a:schemeClr val="lt1"/>
-          </a:fontRef>
-        </p:style>
-        <p:txBody>
-          <a:bodyPr rtlCol="0" anchor="ctr"/>
-          <a:lstStyle/>
-          <a:p>
-            <a:pPr algn="ctr"/>
-            <a:endParaRPr kumimoji="1" lang="ko-Kore-KR" altLang="en-US">
               <a:latin typeface="Calibri" panose="020F0502020204030204" pitchFamily="34" charset="0"/>
               <a:cs typeface="Calibri" panose="020F0502020204030204" pitchFamily="34" charset="0"/>
             </a:endParaRPr>
@@ -22055,6 +22063,7 @@
             <a:avLst/>
           </a:prstGeom>
           <a:noFill/>
+          <a:ln w="19050"/>
         </p:spPr>
         <p:style>
           <a:lnRef idx="2">
@@ -23879,6 +23888,7 @@
             <a:avLst/>
           </a:prstGeom>
           <a:noFill/>
+          <a:ln w="19050"/>
         </p:spPr>
         <p:style>
           <a:lnRef idx="2">
@@ -23924,10 +23934,10 @@
       </p:sp>
       <p:sp>
         <p:nvSpPr>
-          <p:cNvPr id="19" name="직사각형 18">
-            <a:extLst>
-              <a:ext uri="{FF2B5EF4-FFF2-40B4-BE49-F238E27FC236}">
-                <a16:creationId xmlns:a16="http://schemas.microsoft.com/office/drawing/2014/main" id="{A1BAD538-0822-D4E7-96EB-A82443CB9CAF}"/>
+          <p:cNvPr id="13" name="직사각형 12">
+            <a:extLst>
+              <a:ext uri="{FF2B5EF4-FFF2-40B4-BE49-F238E27FC236}">
+                <a16:creationId xmlns:a16="http://schemas.microsoft.com/office/drawing/2014/main" id="{CC0482FB-0687-7C85-1DA6-61CF94CFD989}"/>
               </a:ext>
             </a:extLst>
           </p:cNvPr>
@@ -23936,8 +23946,8 @@
         </p:nvSpPr>
         <p:spPr>
           <a:xfrm>
-            <a:off x="0" y="2485356"/>
-            <a:ext cx="6480175" cy="1790871"/>
+            <a:off x="2598811" y="581970"/>
+            <a:ext cx="3881363" cy="1790871"/>
           </a:xfrm>
           <a:prstGeom prst="rect">
             <a:avLst/>
@@ -23981,10 +23991,10 @@
       </p:sp>
       <p:sp>
         <p:nvSpPr>
-          <p:cNvPr id="13" name="직사각형 12">
-            <a:extLst>
-              <a:ext uri="{FF2B5EF4-FFF2-40B4-BE49-F238E27FC236}">
-                <a16:creationId xmlns:a16="http://schemas.microsoft.com/office/drawing/2014/main" id="{CC0482FB-0687-7C85-1DA6-61CF94CFD989}"/>
+          <p:cNvPr id="19" name="직사각형 18">
+            <a:extLst>
+              <a:ext uri="{FF2B5EF4-FFF2-40B4-BE49-F238E27FC236}">
+                <a16:creationId xmlns:a16="http://schemas.microsoft.com/office/drawing/2014/main" id="{A1BAD538-0822-D4E7-96EB-A82443CB9CAF}"/>
               </a:ext>
             </a:extLst>
           </p:cNvPr>
@@ -23993,8 +24003,8 @@
         </p:nvSpPr>
         <p:spPr>
           <a:xfrm>
-            <a:off x="2598811" y="581970"/>
-            <a:ext cx="3881363" cy="1790871"/>
+            <a:off x="0" y="2485356"/>
+            <a:ext cx="6480175" cy="1790871"/>
           </a:xfrm>
           <a:prstGeom prst="rect">
             <a:avLst/>
@@ -25645,6 +25655,7 @@
             <a:avLst/>
           </a:prstGeom>
           <a:noFill/>
+          <a:ln w="19050"/>
         </p:spPr>
         <p:style>
           <a:lnRef idx="2">
@@ -25690,6 +25701,64 @@
       </p:sp>
       <p:sp>
         <p:nvSpPr>
+          <p:cNvPr id="12" name="아래쪽 화살표[D] 11">
+            <a:extLst>
+              <a:ext uri="{FF2B5EF4-FFF2-40B4-BE49-F238E27FC236}">
+                <a16:creationId xmlns:a16="http://schemas.microsoft.com/office/drawing/2014/main" id="{581D1CC7-CA6B-5C17-853C-0E70095E1D3B}"/>
+              </a:ext>
+            </a:extLst>
+          </p:cNvPr>
+          <p:cNvSpPr/>
+          <p:nvPr/>
+        </p:nvSpPr>
+        <p:spPr>
+          <a:xfrm rot="16200000">
+            <a:off x="2373593" y="1280564"/>
+            <a:ext cx="264710" cy="331109"/>
+          </a:xfrm>
+          <a:prstGeom prst="downArrow">
+            <a:avLst>
+              <a:gd name="adj1" fmla="val 37549"/>
+              <a:gd name="adj2" fmla="val 50000"/>
+            </a:avLst>
+          </a:prstGeom>
+          <a:solidFill>
+            <a:schemeClr val="tx1"/>
+          </a:solidFill>
+          <a:ln>
+            <a:noFill/>
+          </a:ln>
+        </p:spPr>
+        <p:style>
+          <a:lnRef idx="2">
+            <a:schemeClr val="accent1">
+              <a:shade val="15000"/>
+            </a:schemeClr>
+          </a:lnRef>
+          <a:fillRef idx="1">
+            <a:schemeClr val="accent1"/>
+          </a:fillRef>
+          <a:effectRef idx="0">
+            <a:schemeClr val="accent1"/>
+          </a:effectRef>
+          <a:fontRef idx="minor">
+            <a:schemeClr val="lt1"/>
+          </a:fontRef>
+        </p:style>
+        <p:txBody>
+          <a:bodyPr rtlCol="0" anchor="ctr"/>
+          <a:lstStyle/>
+          <a:p>
+            <a:pPr algn="ctr"/>
+            <a:endParaRPr kumimoji="1" lang="ko-Kore-KR" altLang="en-US">
+              <a:latin typeface="Calibri" panose="020F0502020204030204" pitchFamily="34" charset="0"/>
+              <a:cs typeface="Calibri" panose="020F0502020204030204" pitchFamily="34" charset="0"/>
+            </a:endParaRPr>
+          </a:p>
+        </p:txBody>
+      </p:sp>
+      <p:sp>
+        <p:nvSpPr>
           <p:cNvPr id="19" name="직사각형 18">
             <a:extLst>
               <a:ext uri="{FF2B5EF4-FFF2-40B4-BE49-F238E27FC236}">
@@ -25739,64 +25808,6 @@
           <a:p>
             <a:pPr algn="ctr"/>
             <a:endParaRPr kumimoji="1" lang="ko-Kore-KR" altLang="en-US" dirty="0">
-              <a:latin typeface="Calibri" panose="020F0502020204030204" pitchFamily="34" charset="0"/>
-              <a:cs typeface="Calibri" panose="020F0502020204030204" pitchFamily="34" charset="0"/>
-            </a:endParaRPr>
-          </a:p>
-        </p:txBody>
-      </p:sp>
-      <p:sp>
-        <p:nvSpPr>
-          <p:cNvPr id="12" name="아래쪽 화살표[D] 11">
-            <a:extLst>
-              <a:ext uri="{FF2B5EF4-FFF2-40B4-BE49-F238E27FC236}">
-                <a16:creationId xmlns:a16="http://schemas.microsoft.com/office/drawing/2014/main" id="{581D1CC7-CA6B-5C17-853C-0E70095E1D3B}"/>
-              </a:ext>
-            </a:extLst>
-          </p:cNvPr>
-          <p:cNvSpPr/>
-          <p:nvPr/>
-        </p:nvSpPr>
-        <p:spPr>
-          <a:xfrm rot="16200000">
-            <a:off x="2373593" y="1280564"/>
-            <a:ext cx="264710" cy="331109"/>
-          </a:xfrm>
-          <a:prstGeom prst="downArrow">
-            <a:avLst>
-              <a:gd name="adj1" fmla="val 37549"/>
-              <a:gd name="adj2" fmla="val 50000"/>
-            </a:avLst>
-          </a:prstGeom>
-          <a:solidFill>
-            <a:schemeClr val="tx1"/>
-          </a:solidFill>
-          <a:ln>
-            <a:noFill/>
-          </a:ln>
-        </p:spPr>
-        <p:style>
-          <a:lnRef idx="2">
-            <a:schemeClr val="accent1">
-              <a:shade val="15000"/>
-            </a:schemeClr>
-          </a:lnRef>
-          <a:fillRef idx="1">
-            <a:schemeClr val="accent1"/>
-          </a:fillRef>
-          <a:effectRef idx="0">
-            <a:schemeClr val="accent1"/>
-          </a:effectRef>
-          <a:fontRef idx="minor">
-            <a:schemeClr val="lt1"/>
-          </a:fontRef>
-        </p:style>
-        <p:txBody>
-          <a:bodyPr rtlCol="0" anchor="ctr"/>
-          <a:lstStyle/>
-          <a:p>
-            <a:pPr algn="ctr"/>
-            <a:endParaRPr kumimoji="1" lang="ko-Kore-KR" altLang="en-US">
               <a:latin typeface="Calibri" panose="020F0502020204030204" pitchFamily="34" charset="0"/>
               <a:cs typeface="Calibri" panose="020F0502020204030204" pitchFamily="34" charset="0"/>
             </a:endParaRPr>
@@ -27412,6 +27423,7 @@
             <a:avLst/>
           </a:prstGeom>
           <a:noFill/>
+          <a:ln w="19050"/>
         </p:spPr>
         <p:style>
           <a:lnRef idx="2">
@@ -29293,6 +29305,7 @@
             <a:avLst/>
           </a:prstGeom>
           <a:noFill/>
+          <a:ln w="19050"/>
         </p:spPr>
         <p:style>
           <a:lnRef idx="2">
@@ -29338,10 +29351,10 @@
       </p:sp>
       <p:sp>
         <p:nvSpPr>
-          <p:cNvPr id="19" name="직사각형 18">
-            <a:extLst>
-              <a:ext uri="{FF2B5EF4-FFF2-40B4-BE49-F238E27FC236}">
-                <a16:creationId xmlns:a16="http://schemas.microsoft.com/office/drawing/2014/main" id="{A1BAD538-0822-D4E7-96EB-A82443CB9CAF}"/>
+          <p:cNvPr id="4" name="직사각형 3">
+            <a:extLst>
+              <a:ext uri="{FF2B5EF4-FFF2-40B4-BE49-F238E27FC236}">
+                <a16:creationId xmlns:a16="http://schemas.microsoft.com/office/drawing/2014/main" id="{E77D0309-8D2E-DDF4-2BCD-B65E60776A8A}"/>
               </a:ext>
             </a:extLst>
           </p:cNvPr>
@@ -29350,8 +29363,8 @@
         </p:nvSpPr>
         <p:spPr>
           <a:xfrm>
-            <a:off x="0" y="2485356"/>
-            <a:ext cx="6480175" cy="1790871"/>
+            <a:off x="2664142" y="574350"/>
+            <a:ext cx="3816032" cy="1790871"/>
           </a:xfrm>
           <a:prstGeom prst="rect">
             <a:avLst/>
@@ -29395,10 +29408,10 @@
       </p:sp>
       <p:sp>
         <p:nvSpPr>
-          <p:cNvPr id="4" name="직사각형 3">
-            <a:extLst>
-              <a:ext uri="{FF2B5EF4-FFF2-40B4-BE49-F238E27FC236}">
-                <a16:creationId xmlns:a16="http://schemas.microsoft.com/office/drawing/2014/main" id="{E77D0309-8D2E-DDF4-2BCD-B65E60776A8A}"/>
+          <p:cNvPr id="19" name="직사각형 18">
+            <a:extLst>
+              <a:ext uri="{FF2B5EF4-FFF2-40B4-BE49-F238E27FC236}">
+                <a16:creationId xmlns:a16="http://schemas.microsoft.com/office/drawing/2014/main" id="{A1BAD538-0822-D4E7-96EB-A82443CB9CAF}"/>
               </a:ext>
             </a:extLst>
           </p:cNvPr>
@@ -29407,8 +29420,8 @@
         </p:nvSpPr>
         <p:spPr>
           <a:xfrm>
-            <a:off x="2664142" y="574350"/>
-            <a:ext cx="3816032" cy="1790871"/>
+            <a:off x="0" y="2485356"/>
+            <a:ext cx="6480175" cy="1790871"/>
           </a:xfrm>
           <a:prstGeom prst="rect">
             <a:avLst/>
@@ -31059,6 +31072,7 @@
             <a:avLst/>
           </a:prstGeom>
           <a:noFill/>
+          <a:ln w="19050"/>
         </p:spPr>
         <p:style>
           <a:lnRef idx="2">
@@ -31104,6 +31118,64 @@
       </p:sp>
       <p:sp>
         <p:nvSpPr>
+          <p:cNvPr id="23" name="아래쪽 화살표[D] 22">
+            <a:extLst>
+              <a:ext uri="{FF2B5EF4-FFF2-40B4-BE49-F238E27FC236}">
+                <a16:creationId xmlns:a16="http://schemas.microsoft.com/office/drawing/2014/main" id="{E4579EBA-BB84-2AF4-FC92-FD4835900ED0}"/>
+              </a:ext>
+            </a:extLst>
+          </p:cNvPr>
+          <p:cNvSpPr/>
+          <p:nvPr/>
+        </p:nvSpPr>
+        <p:spPr>
+          <a:xfrm rot="16200000">
+            <a:off x="2373593" y="1280564"/>
+            <a:ext cx="264710" cy="331109"/>
+          </a:xfrm>
+          <a:prstGeom prst="downArrow">
+            <a:avLst>
+              <a:gd name="adj1" fmla="val 37549"/>
+              <a:gd name="adj2" fmla="val 50000"/>
+            </a:avLst>
+          </a:prstGeom>
+          <a:solidFill>
+            <a:schemeClr val="tx1"/>
+          </a:solidFill>
+          <a:ln>
+            <a:noFill/>
+          </a:ln>
+        </p:spPr>
+        <p:style>
+          <a:lnRef idx="2">
+            <a:schemeClr val="accent1">
+              <a:shade val="15000"/>
+            </a:schemeClr>
+          </a:lnRef>
+          <a:fillRef idx="1">
+            <a:schemeClr val="accent1"/>
+          </a:fillRef>
+          <a:effectRef idx="0">
+            <a:schemeClr val="accent1"/>
+          </a:effectRef>
+          <a:fontRef idx="minor">
+            <a:schemeClr val="lt1"/>
+          </a:fontRef>
+        </p:style>
+        <p:txBody>
+          <a:bodyPr rtlCol="0" anchor="ctr"/>
+          <a:lstStyle/>
+          <a:p>
+            <a:pPr algn="ctr"/>
+            <a:endParaRPr kumimoji="1" lang="ko-Kore-KR" altLang="en-US">
+              <a:latin typeface="Calibri" panose="020F0502020204030204" pitchFamily="34" charset="0"/>
+              <a:cs typeface="Calibri" panose="020F0502020204030204" pitchFamily="34" charset="0"/>
+            </a:endParaRPr>
+          </a:p>
+        </p:txBody>
+      </p:sp>
+      <p:sp>
+        <p:nvSpPr>
           <p:cNvPr id="19" name="직사각형 18">
             <a:extLst>
               <a:ext uri="{FF2B5EF4-FFF2-40B4-BE49-F238E27FC236}">
@@ -31153,64 +31225,6 @@
           <a:p>
             <a:pPr algn="ctr"/>
             <a:endParaRPr kumimoji="1" lang="ko-Kore-KR" altLang="en-US" dirty="0">
-              <a:latin typeface="Calibri" panose="020F0502020204030204" pitchFamily="34" charset="0"/>
-              <a:cs typeface="Calibri" panose="020F0502020204030204" pitchFamily="34" charset="0"/>
-            </a:endParaRPr>
-          </a:p>
-        </p:txBody>
-      </p:sp>
-      <p:sp>
-        <p:nvSpPr>
-          <p:cNvPr id="23" name="아래쪽 화살표[D] 22">
-            <a:extLst>
-              <a:ext uri="{FF2B5EF4-FFF2-40B4-BE49-F238E27FC236}">
-                <a16:creationId xmlns:a16="http://schemas.microsoft.com/office/drawing/2014/main" id="{E4579EBA-BB84-2AF4-FC92-FD4835900ED0}"/>
-              </a:ext>
-            </a:extLst>
-          </p:cNvPr>
-          <p:cNvSpPr/>
-          <p:nvPr/>
-        </p:nvSpPr>
-        <p:spPr>
-          <a:xfrm rot="16200000">
-            <a:off x="2373593" y="1280564"/>
-            <a:ext cx="264710" cy="331109"/>
-          </a:xfrm>
-          <a:prstGeom prst="downArrow">
-            <a:avLst>
-              <a:gd name="adj1" fmla="val 37549"/>
-              <a:gd name="adj2" fmla="val 50000"/>
-            </a:avLst>
-          </a:prstGeom>
-          <a:solidFill>
-            <a:schemeClr val="tx1"/>
-          </a:solidFill>
-          <a:ln>
-            <a:noFill/>
-          </a:ln>
-        </p:spPr>
-        <p:style>
-          <a:lnRef idx="2">
-            <a:schemeClr val="accent1">
-              <a:shade val="15000"/>
-            </a:schemeClr>
-          </a:lnRef>
-          <a:fillRef idx="1">
-            <a:schemeClr val="accent1"/>
-          </a:fillRef>
-          <a:effectRef idx="0">
-            <a:schemeClr val="accent1"/>
-          </a:effectRef>
-          <a:fontRef idx="minor">
-            <a:schemeClr val="lt1"/>
-          </a:fontRef>
-        </p:style>
-        <p:txBody>
-          <a:bodyPr rtlCol="0" anchor="ctr"/>
-          <a:lstStyle/>
-          <a:p>
-            <a:pPr algn="ctr"/>
-            <a:endParaRPr kumimoji="1" lang="ko-Kore-KR" altLang="en-US">
               <a:latin typeface="Calibri" panose="020F0502020204030204" pitchFamily="34" charset="0"/>
               <a:cs typeface="Calibri" panose="020F0502020204030204" pitchFamily="34" charset="0"/>
             </a:endParaRPr>
@@ -32826,6 +32840,7 @@
             <a:avLst/>
           </a:prstGeom>
           <a:noFill/>
+          <a:ln w="19050"/>
         </p:spPr>
         <p:style>
           <a:lnRef idx="2">

--- a/images/moon22neurips.pptx
+++ b/images/moon22neurips.pptx
@@ -5,7 +5,7 @@
     <p:sldMasterId id="2147483659" r:id="rId1"/>
   </p:sldMasterIdLst>
   <p:notesMasterIdLst>
-    <p:notesMasterId r:id="rId17"/>
+    <p:notesMasterId r:id="rId18"/>
   </p:notesMasterIdLst>
   <p:sldIdLst>
     <p:sldId id="354" r:id="rId2"/>
@@ -23,18 +23,10 @@
     <p:sldId id="348" r:id="rId14"/>
     <p:sldId id="342" r:id="rId15"/>
     <p:sldId id="341" r:id="rId16"/>
+    <p:sldId id="355" r:id="rId17"/>
   </p:sldIdLst>
   <p:sldSz cx="6480175" cy="4319588"/>
   <p:notesSz cx="6858000" cy="9144000"/>
-  <p:embeddedFontLst>
-    <p:embeddedFont>
-      <p:font typeface="Calibri" panose="020F0502020204030204" pitchFamily="34" charset="0"/>
-      <p:regular r:id="rId18"/>
-      <p:bold r:id="rId19"/>
-      <p:italic r:id="rId20"/>
-      <p:boldItalic r:id="rId21"/>
-    </p:embeddedFont>
-  </p:embeddedFontLst>
   <p:defaultTextStyle>
     <a:defPPr marR="0" lvl="0" algn="l" rtl="0">
       <a:lnSpc>
@@ -1481,6 +1473,133 @@
     <p:extLst>
       <p:ext uri="{BB962C8B-B14F-4D97-AF65-F5344CB8AC3E}">
         <p14:creationId xmlns:p14="http://schemas.microsoft.com/office/powerpoint/2010/main" val="3312076792"/>
+      </p:ext>
+    </p:extLst>
+  </p:cSld>
+  <p:clrMapOvr>
+    <a:masterClrMapping/>
+  </p:clrMapOvr>
+</p:notes>
+</file>
+
+<file path=ppt/notesSlides/notesSlide16.xml><?xml version="1.0" encoding="utf-8"?>
+<p:notes xmlns:a="http://schemas.openxmlformats.org/drawingml/2006/main" xmlns:r="http://schemas.openxmlformats.org/officeDocument/2006/relationships" xmlns:p="http://schemas.openxmlformats.org/presentationml/2006/main" showMasterSp="0" showMasterPhAnim="0">
+  <p:cSld>
+    <p:spTree>
+      <p:nvGrpSpPr>
+        <p:cNvPr id="1" name="Shape 78">
+          <a:extLst>
+            <a:ext uri="{FF2B5EF4-FFF2-40B4-BE49-F238E27FC236}">
+              <a16:creationId xmlns:a16="http://schemas.microsoft.com/office/drawing/2014/main" id="{53A2E12C-61F5-8F3B-B22A-6AED1DA39593}"/>
+            </a:ext>
+          </a:extLst>
+        </p:cNvPr>
+        <p:cNvGrpSpPr/>
+        <p:nvPr/>
+      </p:nvGrpSpPr>
+      <p:grpSpPr>
+        <a:xfrm>
+          <a:off x="0" y="0"/>
+          <a:ext cx="0" cy="0"/>
+          <a:chOff x="0" y="0"/>
+          <a:chExt cx="0" cy="0"/>
+        </a:xfrm>
+      </p:grpSpPr>
+      <p:sp>
+        <p:nvSpPr>
+          <p:cNvPr id="79" name="Google Shape;79;g24d42045cc7_0_23:notes">
+            <a:extLst>
+              <a:ext uri="{FF2B5EF4-FFF2-40B4-BE49-F238E27FC236}">
+                <a16:creationId xmlns:a16="http://schemas.microsoft.com/office/drawing/2014/main" id="{25CE3B48-B66D-D5D9-6A0A-BED95651F7DA}"/>
+              </a:ext>
+            </a:extLst>
+          </p:cNvPr>
+          <p:cNvSpPr>
+            <a:spLocks noGrp="1" noRot="1" noChangeAspect="1"/>
+          </p:cNvSpPr>
+          <p:nvPr>
+            <p:ph type="sldImg" idx="2"/>
+          </p:nvPr>
+        </p:nvSpPr>
+        <p:spPr>
+          <a:xfrm>
+            <a:off x="857250" y="685800"/>
+            <a:ext cx="5143500" cy="3429000"/>
+          </a:xfrm>
+          <a:custGeom>
+            <a:avLst/>
+            <a:gdLst/>
+            <a:ahLst/>
+            <a:cxnLst/>
+            <a:rect l="l" t="t" r="r" b="b"/>
+            <a:pathLst>
+              <a:path w="120000" h="120000" extrusionOk="0">
+                <a:moveTo>
+                  <a:pt x="0" y="0"/>
+                </a:moveTo>
+                <a:lnTo>
+                  <a:pt x="120000" y="0"/>
+                </a:lnTo>
+                <a:lnTo>
+                  <a:pt x="120000" y="120000"/>
+                </a:lnTo>
+                <a:lnTo>
+                  <a:pt x="0" y="120000"/>
+                </a:lnTo>
+                <a:close/>
+              </a:path>
+            </a:pathLst>
+          </a:custGeom>
+        </p:spPr>
+      </p:sp>
+      <p:sp>
+        <p:nvSpPr>
+          <p:cNvPr id="80" name="Google Shape;80;g24d42045cc7_0_23:notes">
+            <a:extLst>
+              <a:ext uri="{FF2B5EF4-FFF2-40B4-BE49-F238E27FC236}">
+                <a16:creationId xmlns:a16="http://schemas.microsoft.com/office/drawing/2014/main" id="{3AE9401E-9DD0-D550-70C0-1747DA7C6562}"/>
+              </a:ext>
+            </a:extLst>
+          </p:cNvPr>
+          <p:cNvSpPr txBox="1">
+            <a:spLocks noGrp="1"/>
+          </p:cNvSpPr>
+          <p:nvPr>
+            <p:ph type="body" idx="1"/>
+          </p:nvPr>
+        </p:nvSpPr>
+        <p:spPr>
+          <a:xfrm>
+            <a:off x="685800" y="4343400"/>
+            <a:ext cx="5486400" cy="4114800"/>
+          </a:xfrm>
+          <a:prstGeom prst="rect">
+            <a:avLst/>
+          </a:prstGeom>
+        </p:spPr>
+        <p:txBody>
+          <a:bodyPr spcFirstLastPara="1" wrap="square" lIns="91425" tIns="91425" rIns="91425" bIns="91425" anchor="t" anchorCtr="0">
+            <a:noAutofit/>
+          </a:bodyPr>
+          <a:lstStyle/>
+          <a:p>
+            <a:pPr marL="0" lvl="0" indent="0" algn="l" rtl="0">
+              <a:spcBef>
+                <a:spcPts val="0"/>
+              </a:spcBef>
+              <a:spcAft>
+                <a:spcPts val="0"/>
+              </a:spcAft>
+              <a:buNone/>
+            </a:pPr>
+            <a:endParaRPr dirty="0"/>
+          </a:p>
+        </p:txBody>
+      </p:sp>
+    </p:spTree>
+    <p:extLst>
+      <p:ext uri="{BB962C8B-B14F-4D97-AF65-F5344CB8AC3E}">
+        <p14:creationId xmlns:p14="http://schemas.microsoft.com/office/powerpoint/2010/main" val="2036652136"/>
       </p:ext>
     </p:extLst>
   </p:cSld>
@@ -18762,6 +18881,1602 @@
 </p:sld>
 </file>
 
+<file path=ppt/slides/slide16.xml><?xml version="1.0" encoding="utf-8"?>
+<p:sld xmlns:a="http://schemas.openxmlformats.org/drawingml/2006/main" xmlns:r="http://schemas.openxmlformats.org/officeDocument/2006/relationships" xmlns:p="http://schemas.openxmlformats.org/presentationml/2006/main">
+  <p:cSld>
+    <p:spTree>
+      <p:nvGrpSpPr>
+        <p:cNvPr id="1" name="Shape 81">
+          <a:extLst>
+            <a:ext uri="{FF2B5EF4-FFF2-40B4-BE49-F238E27FC236}">
+              <a16:creationId xmlns:a16="http://schemas.microsoft.com/office/drawing/2014/main" id="{DC94A848-ACCF-58FB-7786-573B62270DCC}"/>
+            </a:ext>
+          </a:extLst>
+        </p:cNvPr>
+        <p:cNvGrpSpPr/>
+        <p:nvPr/>
+      </p:nvGrpSpPr>
+      <p:grpSpPr>
+        <a:xfrm>
+          <a:off x="0" y="0"/>
+          <a:ext cx="0" cy="0"/>
+          <a:chOff x="0" y="0"/>
+          <a:chExt cx="0" cy="0"/>
+        </a:xfrm>
+      </p:grpSpPr>
+      <p:pic>
+        <p:nvPicPr>
+          <p:cNvPr id="6" name="그림 5">
+            <a:extLst>
+              <a:ext uri="{FF2B5EF4-FFF2-40B4-BE49-F238E27FC236}">
+                <a16:creationId xmlns:a16="http://schemas.microsoft.com/office/drawing/2014/main" id="{2DC243BF-43D2-9562-E291-DE6247E7CE15}"/>
+              </a:ext>
+            </a:extLst>
+          </p:cNvPr>
+          <p:cNvPicPr>
+            <a:picLocks noChangeAspect="1"/>
+          </p:cNvPicPr>
+          <p:nvPr/>
+        </p:nvPicPr>
+        <p:blipFill>
+          <a:blip r:embed="rId3"/>
+          <a:stretch>
+            <a:fillRect/>
+          </a:stretch>
+        </p:blipFill>
+        <p:spPr>
+          <a:xfrm>
+            <a:off x="5970690" y="879414"/>
+            <a:ext cx="449222" cy="207765"/>
+          </a:xfrm>
+          <a:prstGeom prst="rect">
+            <a:avLst/>
+          </a:prstGeom>
+        </p:spPr>
+      </p:pic>
+      <p:pic>
+        <p:nvPicPr>
+          <p:cNvPr id="9" name="그림 8">
+            <a:extLst>
+              <a:ext uri="{FF2B5EF4-FFF2-40B4-BE49-F238E27FC236}">
+                <a16:creationId xmlns:a16="http://schemas.microsoft.com/office/drawing/2014/main" id="{957EC37E-8E50-1136-BBF7-8C33703689A0}"/>
+              </a:ext>
+            </a:extLst>
+          </p:cNvPr>
+          <p:cNvPicPr>
+            <a:picLocks noChangeAspect="1"/>
+          </p:cNvPicPr>
+          <p:nvPr/>
+        </p:nvPicPr>
+        <p:blipFill>
+          <a:blip r:embed="rId4"/>
+          <a:stretch>
+            <a:fillRect/>
+          </a:stretch>
+        </p:blipFill>
+        <p:spPr>
+          <a:xfrm>
+            <a:off x="5955019" y="1829810"/>
+            <a:ext cx="480564" cy="193270"/>
+          </a:xfrm>
+          <a:prstGeom prst="rect">
+            <a:avLst/>
+          </a:prstGeom>
+        </p:spPr>
+      </p:pic>
+      <p:sp>
+        <p:nvSpPr>
+          <p:cNvPr id="2" name="직사각형 1">
+            <a:extLst>
+              <a:ext uri="{FF2B5EF4-FFF2-40B4-BE49-F238E27FC236}">
+                <a16:creationId xmlns:a16="http://schemas.microsoft.com/office/drawing/2014/main" id="{351E98B9-6815-F7D1-2D91-BD51040B8C50}"/>
+              </a:ext>
+            </a:extLst>
+          </p:cNvPr>
+          <p:cNvSpPr/>
+          <p:nvPr/>
+        </p:nvSpPr>
+        <p:spPr>
+          <a:xfrm>
+            <a:off x="3621247" y="960425"/>
+            <a:ext cx="972000" cy="972000"/>
+          </a:xfrm>
+          <a:prstGeom prst="rect">
+            <a:avLst/>
+          </a:prstGeom>
+          <a:noFill/>
+          <a:ln w="19050">
+            <a:solidFill>
+              <a:schemeClr val="tx1"/>
+            </a:solidFill>
+          </a:ln>
+        </p:spPr>
+        <p:style>
+          <a:lnRef idx="2">
+            <a:schemeClr val="accent1">
+              <a:shade val="15000"/>
+            </a:schemeClr>
+          </a:lnRef>
+          <a:fillRef idx="1">
+            <a:schemeClr val="accent1"/>
+          </a:fillRef>
+          <a:effectRef idx="0">
+            <a:schemeClr val="accent1"/>
+          </a:effectRef>
+          <a:fontRef idx="minor">
+            <a:schemeClr val="lt1"/>
+          </a:fontRef>
+        </p:style>
+        <p:txBody>
+          <a:bodyPr rtlCol="0" anchor="ctr"/>
+          <a:lstStyle/>
+          <a:p>
+            <a:pPr algn="ctr"/>
+            <a:r>
+              <a:rPr kumimoji="1" lang="en-US" altLang="ko-Kore-KR" sz="1800" dirty="0">
+                <a:solidFill>
+                  <a:schemeClr val="tx1"/>
+                </a:solidFill>
+                <a:latin typeface="Calibri" panose="020F0502020204030204" pitchFamily="34" charset="0"/>
+                <a:ea typeface="Source Sans Pro" panose="020B0503030403020204" pitchFamily="34" charset="0"/>
+                <a:cs typeface="Calibri" panose="020F0502020204030204" pitchFamily="34" charset="0"/>
+              </a:rPr>
+              <a:t>Encoder</a:t>
+            </a:r>
+          </a:p>
+          <a:p>
+            <a:pPr algn="ctr"/>
+            <a:endParaRPr kumimoji="1" lang="ko-Kore-KR" altLang="en-US" sz="1800" dirty="0">
+              <a:solidFill>
+                <a:schemeClr val="tx1"/>
+              </a:solidFill>
+              <a:latin typeface="Calibri" panose="020F0502020204030204" pitchFamily="34" charset="0"/>
+              <a:cs typeface="Calibri" panose="020F0502020204030204" pitchFamily="34" charset="0"/>
+            </a:endParaRPr>
+          </a:p>
+        </p:txBody>
+      </p:sp>
+      <p:pic>
+        <p:nvPicPr>
+          <p:cNvPr id="3" name="그림 2">
+            <a:extLst>
+              <a:ext uri="{FF2B5EF4-FFF2-40B4-BE49-F238E27FC236}">
+                <a16:creationId xmlns:a16="http://schemas.microsoft.com/office/drawing/2014/main" id="{4BF2B30B-3E16-0B12-A76F-6F74F0FBB596}"/>
+              </a:ext>
+            </a:extLst>
+          </p:cNvPr>
+          <p:cNvPicPr>
+            <a:picLocks noChangeAspect="1"/>
+          </p:cNvPicPr>
+          <p:nvPr/>
+        </p:nvPicPr>
+        <p:blipFill>
+          <a:blip r:embed="rId5"/>
+          <a:stretch>
+            <a:fillRect/>
+          </a:stretch>
+        </p:blipFill>
+        <p:spPr>
+          <a:xfrm>
+            <a:off x="4064580" y="1482635"/>
+            <a:ext cx="85333" cy="144000"/>
+          </a:xfrm>
+          <a:prstGeom prst="rect">
+            <a:avLst/>
+          </a:prstGeom>
+        </p:spPr>
+      </p:pic>
+      <p:sp>
+        <p:nvSpPr>
+          <p:cNvPr id="5" name="TextBox 4">
+            <a:extLst>
+              <a:ext uri="{FF2B5EF4-FFF2-40B4-BE49-F238E27FC236}">
+                <a16:creationId xmlns:a16="http://schemas.microsoft.com/office/drawing/2014/main" id="{39CDBCA9-D1BB-9241-1897-C3913F18F8CA}"/>
+              </a:ext>
+            </a:extLst>
+          </p:cNvPr>
+          <p:cNvSpPr txBox="1"/>
+          <p:nvPr/>
+        </p:nvSpPr>
+        <p:spPr>
+          <a:xfrm>
+            <a:off x="4878035" y="683426"/>
+            <a:ext cx="997843" cy="646331"/>
+          </a:xfrm>
+          <a:prstGeom prst="rect">
+            <a:avLst/>
+          </a:prstGeom>
+          <a:noFill/>
+        </p:spPr>
+        <p:txBody>
+          <a:bodyPr wrap="square">
+            <a:spAutoFit/>
+          </a:bodyPr>
+          <a:lstStyle/>
+          <a:p>
+            <a:pPr algn="ctr"/>
+            <a:r>
+              <a:rPr kumimoji="1" lang="en-US" altLang="ko-Kore-KR" sz="1800" dirty="0">
+                <a:solidFill>
+                  <a:schemeClr val="tx1"/>
+                </a:solidFill>
+                <a:latin typeface="Calibri" panose="020F0502020204030204" pitchFamily="34" charset="0"/>
+                <a:ea typeface="Source Sans Pro" panose="020B0503030403020204" pitchFamily="34" charset="0"/>
+                <a:cs typeface="Calibri" panose="020F0502020204030204" pitchFamily="34" charset="0"/>
+              </a:rPr>
+              <a:t>Policy</a:t>
+            </a:r>
+          </a:p>
+          <a:p>
+            <a:pPr algn="ctr"/>
+            <a:endParaRPr lang="ko-Kore-KR" altLang="en-US" sz="1800" dirty="0">
+              <a:latin typeface="Calibri" panose="020F0502020204030204" pitchFamily="34" charset="0"/>
+              <a:cs typeface="Calibri" panose="020F0502020204030204" pitchFamily="34" charset="0"/>
+            </a:endParaRPr>
+          </a:p>
+        </p:txBody>
+      </p:sp>
+      <p:pic>
+        <p:nvPicPr>
+          <p:cNvPr id="33" name="그림 32">
+            <a:extLst>
+              <a:ext uri="{FF2B5EF4-FFF2-40B4-BE49-F238E27FC236}">
+                <a16:creationId xmlns:a16="http://schemas.microsoft.com/office/drawing/2014/main" id="{613FCF06-B9BB-7030-F3DB-FC4518C57872}"/>
+              </a:ext>
+            </a:extLst>
+          </p:cNvPr>
+          <p:cNvPicPr>
+            <a:picLocks noChangeAspect="1"/>
+          </p:cNvPicPr>
+          <p:nvPr/>
+        </p:nvPicPr>
+        <p:blipFill>
+          <a:blip r:embed="rId6"/>
+          <a:stretch>
+            <a:fillRect/>
+          </a:stretch>
+        </p:blipFill>
+        <p:spPr>
+          <a:xfrm>
+            <a:off x="4950037" y="1003175"/>
+            <a:ext cx="900000" cy="220531"/>
+          </a:xfrm>
+          <a:prstGeom prst="rect">
+            <a:avLst/>
+          </a:prstGeom>
+        </p:spPr>
+      </p:pic>
+      <p:cxnSp>
+        <p:nvCxnSpPr>
+          <p:cNvPr id="34" name="직선 화살표 연결선 33">
+            <a:extLst>
+              <a:ext uri="{FF2B5EF4-FFF2-40B4-BE49-F238E27FC236}">
+                <a16:creationId xmlns:a16="http://schemas.microsoft.com/office/drawing/2014/main" id="{E151A19F-80DE-853C-945B-46CBD14156D1}"/>
+              </a:ext>
+            </a:extLst>
+          </p:cNvPr>
+          <p:cNvCxnSpPr>
+            <a:cxnSpLocks/>
+            <a:stCxn id="2" idx="3"/>
+            <a:endCxn id="5" idx="1"/>
+          </p:cNvCxnSpPr>
+          <p:nvPr/>
+        </p:nvCxnSpPr>
+        <p:spPr>
+          <a:xfrm flipV="1">
+            <a:off x="4593247" y="1006592"/>
+            <a:ext cx="284788" cy="439833"/>
+          </a:xfrm>
+          <a:prstGeom prst="straightConnector1">
+            <a:avLst/>
+          </a:prstGeom>
+          <a:ln w="19050">
+            <a:solidFill>
+              <a:schemeClr val="tx1"/>
+            </a:solidFill>
+            <a:tailEnd type="triangle"/>
+          </a:ln>
+        </p:spPr>
+        <p:style>
+          <a:lnRef idx="1">
+            <a:schemeClr val="accent1"/>
+          </a:lnRef>
+          <a:fillRef idx="0">
+            <a:schemeClr val="accent1"/>
+          </a:fillRef>
+          <a:effectRef idx="0">
+            <a:schemeClr val="accent1"/>
+          </a:effectRef>
+          <a:fontRef idx="minor">
+            <a:schemeClr val="tx1"/>
+          </a:fontRef>
+        </p:style>
+      </p:cxnSp>
+      <p:sp>
+        <p:nvSpPr>
+          <p:cNvPr id="35" name="TextBox 34">
+            <a:extLst>
+              <a:ext uri="{FF2B5EF4-FFF2-40B4-BE49-F238E27FC236}">
+                <a16:creationId xmlns:a16="http://schemas.microsoft.com/office/drawing/2014/main" id="{850F4794-5502-3C20-4143-34B69CFC2922}"/>
+              </a:ext>
+            </a:extLst>
+          </p:cNvPr>
+          <p:cNvSpPr txBox="1"/>
+          <p:nvPr/>
+        </p:nvSpPr>
+        <p:spPr>
+          <a:xfrm>
+            <a:off x="4878036" y="1655426"/>
+            <a:ext cx="997843" cy="646331"/>
+          </a:xfrm>
+          <a:prstGeom prst="rect">
+            <a:avLst/>
+          </a:prstGeom>
+          <a:noFill/>
+        </p:spPr>
+        <p:txBody>
+          <a:bodyPr wrap="square">
+            <a:spAutoFit/>
+          </a:bodyPr>
+          <a:lstStyle/>
+          <a:p>
+            <a:pPr algn="ctr"/>
+            <a:r>
+              <a:rPr kumimoji="1" lang="en-US" altLang="ko-Kore-KR" sz="1800" dirty="0">
+                <a:solidFill>
+                  <a:schemeClr val="tx1"/>
+                </a:solidFill>
+                <a:latin typeface="Calibri" panose="020F0502020204030204" pitchFamily="34" charset="0"/>
+                <a:ea typeface="Source Sans Pro" panose="020B0503030403020204" pitchFamily="34" charset="0"/>
+                <a:cs typeface="Calibri" panose="020F0502020204030204" pitchFamily="34" charset="0"/>
+              </a:rPr>
+              <a:t>Value</a:t>
+            </a:r>
+          </a:p>
+          <a:p>
+            <a:pPr algn="ctr"/>
+            <a:endParaRPr lang="ko-Kore-KR" altLang="en-US" sz="1800" dirty="0">
+              <a:solidFill>
+                <a:schemeClr val="tx1">
+                  <a:alpha val="20000"/>
+                </a:schemeClr>
+              </a:solidFill>
+              <a:latin typeface="Calibri" panose="020F0502020204030204" pitchFamily="34" charset="0"/>
+              <a:cs typeface="Calibri" panose="020F0502020204030204" pitchFamily="34" charset="0"/>
+            </a:endParaRPr>
+          </a:p>
+        </p:txBody>
+      </p:sp>
+      <p:pic>
+        <p:nvPicPr>
+          <p:cNvPr id="36" name="그림 35">
+            <a:extLst>
+              <a:ext uri="{FF2B5EF4-FFF2-40B4-BE49-F238E27FC236}">
+                <a16:creationId xmlns:a16="http://schemas.microsoft.com/office/drawing/2014/main" id="{BEA8C203-DC8C-5F0F-7D98-4C1A1D2E9747}"/>
+              </a:ext>
+            </a:extLst>
+          </p:cNvPr>
+          <p:cNvPicPr>
+            <a:picLocks noChangeAspect="1"/>
+          </p:cNvPicPr>
+          <p:nvPr/>
+        </p:nvPicPr>
+        <p:blipFill>
+          <a:blip r:embed="rId7">
+            <a:alphaModFix/>
+          </a:blip>
+          <a:stretch>
+            <a:fillRect/>
+          </a:stretch>
+        </p:blipFill>
+        <p:spPr>
+          <a:xfrm>
+            <a:off x="5127388" y="1967791"/>
+            <a:ext cx="499135" cy="205200"/>
+          </a:xfrm>
+          <a:prstGeom prst="rect">
+            <a:avLst/>
+          </a:prstGeom>
+        </p:spPr>
+      </p:pic>
+      <p:cxnSp>
+        <p:nvCxnSpPr>
+          <p:cNvPr id="37" name="직선 화살표 연결선 36">
+            <a:extLst>
+              <a:ext uri="{FF2B5EF4-FFF2-40B4-BE49-F238E27FC236}">
+                <a16:creationId xmlns:a16="http://schemas.microsoft.com/office/drawing/2014/main" id="{4D0F26A7-8705-6B98-E215-DE8C09C9D50D}"/>
+              </a:ext>
+            </a:extLst>
+          </p:cNvPr>
+          <p:cNvCxnSpPr>
+            <a:cxnSpLocks/>
+            <a:stCxn id="2" idx="3"/>
+            <a:endCxn id="35" idx="1"/>
+          </p:cNvCxnSpPr>
+          <p:nvPr/>
+        </p:nvCxnSpPr>
+        <p:spPr>
+          <a:xfrm>
+            <a:off x="4593247" y="1446425"/>
+            <a:ext cx="284789" cy="532167"/>
+          </a:xfrm>
+          <a:prstGeom prst="straightConnector1">
+            <a:avLst/>
+          </a:prstGeom>
+          <a:ln w="19050">
+            <a:solidFill>
+              <a:schemeClr val="tx1"/>
+            </a:solidFill>
+            <a:tailEnd type="triangle"/>
+          </a:ln>
+        </p:spPr>
+        <p:style>
+          <a:lnRef idx="1">
+            <a:schemeClr val="accent1"/>
+          </a:lnRef>
+          <a:fillRef idx="0">
+            <a:schemeClr val="accent1"/>
+          </a:fillRef>
+          <a:effectRef idx="0">
+            <a:schemeClr val="accent1"/>
+          </a:effectRef>
+          <a:fontRef idx="minor">
+            <a:schemeClr val="tx1"/>
+          </a:fontRef>
+        </p:style>
+      </p:cxnSp>
+      <p:cxnSp>
+        <p:nvCxnSpPr>
+          <p:cNvPr id="38" name="직선 화살표 연결선 37">
+            <a:extLst>
+              <a:ext uri="{FF2B5EF4-FFF2-40B4-BE49-F238E27FC236}">
+                <a16:creationId xmlns:a16="http://schemas.microsoft.com/office/drawing/2014/main" id="{70621E6B-FB1F-A163-1342-ED1D15E41472}"/>
+              </a:ext>
+            </a:extLst>
+          </p:cNvPr>
+          <p:cNvCxnSpPr>
+            <a:cxnSpLocks/>
+            <a:stCxn id="39" idx="3"/>
+            <a:endCxn id="2" idx="1"/>
+          </p:cNvCxnSpPr>
+          <p:nvPr/>
+        </p:nvCxnSpPr>
+        <p:spPr>
+          <a:xfrm>
+            <a:off x="3336457" y="1446347"/>
+            <a:ext cx="284790" cy="78"/>
+          </a:xfrm>
+          <a:prstGeom prst="straightConnector1">
+            <a:avLst/>
+          </a:prstGeom>
+          <a:ln w="19050">
+            <a:solidFill>
+              <a:schemeClr val="tx1"/>
+            </a:solidFill>
+            <a:tailEnd type="triangle"/>
+          </a:ln>
+        </p:spPr>
+        <p:style>
+          <a:lnRef idx="1">
+            <a:schemeClr val="accent1"/>
+          </a:lnRef>
+          <a:fillRef idx="0">
+            <a:schemeClr val="accent1"/>
+          </a:fillRef>
+          <a:effectRef idx="0">
+            <a:schemeClr val="accent1"/>
+          </a:effectRef>
+          <a:fontRef idx="minor">
+            <a:schemeClr val="tx1"/>
+          </a:fontRef>
+        </p:style>
+      </p:cxnSp>
+      <p:sp>
+        <p:nvSpPr>
+          <p:cNvPr id="39" name="TextBox 38">
+            <a:extLst>
+              <a:ext uri="{FF2B5EF4-FFF2-40B4-BE49-F238E27FC236}">
+                <a16:creationId xmlns:a16="http://schemas.microsoft.com/office/drawing/2014/main" id="{C0CB904B-381E-213A-751B-6F27FCE4782C}"/>
+              </a:ext>
+            </a:extLst>
+          </p:cNvPr>
+          <p:cNvSpPr txBox="1"/>
+          <p:nvPr/>
+        </p:nvSpPr>
+        <p:spPr>
+          <a:xfrm>
+            <a:off x="2670471" y="1123181"/>
+            <a:ext cx="665986" cy="646331"/>
+          </a:xfrm>
+          <a:prstGeom prst="rect">
+            <a:avLst/>
+          </a:prstGeom>
+          <a:noFill/>
+        </p:spPr>
+        <p:txBody>
+          <a:bodyPr wrap="square">
+            <a:spAutoFit/>
+          </a:bodyPr>
+          <a:lstStyle/>
+          <a:p>
+            <a:pPr algn="ctr"/>
+            <a:r>
+              <a:rPr kumimoji="1" lang="en-US" altLang="ko-Kore-KR" sz="1800" dirty="0">
+                <a:solidFill>
+                  <a:schemeClr val="tx1"/>
+                </a:solidFill>
+                <a:latin typeface="Calibri" panose="020F0502020204030204" pitchFamily="34" charset="0"/>
+                <a:ea typeface="Source Sans Pro" panose="020B0503030403020204" pitchFamily="34" charset="0"/>
+                <a:cs typeface="Calibri" panose="020F0502020204030204" pitchFamily="34" charset="0"/>
+              </a:rPr>
+              <a:t>State</a:t>
+            </a:r>
+          </a:p>
+          <a:p>
+            <a:pPr algn="ctr"/>
+            <a:endParaRPr lang="ko-Kore-KR" altLang="en-US" sz="1800" dirty="0">
+              <a:latin typeface="Calibri" panose="020F0502020204030204" pitchFamily="34" charset="0"/>
+              <a:cs typeface="Calibri" panose="020F0502020204030204" pitchFamily="34" charset="0"/>
+            </a:endParaRPr>
+          </a:p>
+        </p:txBody>
+      </p:sp>
+      <p:pic>
+        <p:nvPicPr>
+          <p:cNvPr id="40" name="그림 39">
+            <a:extLst>
+              <a:ext uri="{FF2B5EF4-FFF2-40B4-BE49-F238E27FC236}">
+                <a16:creationId xmlns:a16="http://schemas.microsoft.com/office/drawing/2014/main" id="{F81B256E-308E-0D2C-EA05-0CE6A9D63342}"/>
+              </a:ext>
+            </a:extLst>
+          </p:cNvPr>
+          <p:cNvPicPr>
+            <a:picLocks noChangeAspect="1"/>
+          </p:cNvPicPr>
+          <p:nvPr/>
+        </p:nvPicPr>
+        <p:blipFill>
+          <a:blip r:embed="rId8"/>
+          <a:stretch>
+            <a:fillRect/>
+          </a:stretch>
+        </p:blipFill>
+        <p:spPr>
+          <a:xfrm>
+            <a:off x="2919083" y="1455387"/>
+            <a:ext cx="189626" cy="166871"/>
+          </a:xfrm>
+          <a:prstGeom prst="rect">
+            <a:avLst/>
+          </a:prstGeom>
+        </p:spPr>
+      </p:pic>
+      <p:pic>
+        <p:nvPicPr>
+          <p:cNvPr id="48" name="그림 47" descr="지도, 지구, 세계이(가) 표시된 사진&#10;&#10;자동 생성된 설명">
+            <a:extLst>
+              <a:ext uri="{FF2B5EF4-FFF2-40B4-BE49-F238E27FC236}">
+                <a16:creationId xmlns:a16="http://schemas.microsoft.com/office/drawing/2014/main" id="{A43D875E-985E-B9BB-0D7E-03F0630432DD}"/>
+              </a:ext>
+            </a:extLst>
+          </p:cNvPr>
+          <p:cNvPicPr>
+            <a:picLocks noChangeAspect="1"/>
+          </p:cNvPicPr>
+          <p:nvPr/>
+        </p:nvPicPr>
+        <p:blipFill>
+          <a:blip r:embed="rId9"/>
+          <a:stretch>
+            <a:fillRect/>
+          </a:stretch>
+        </p:blipFill>
+        <p:spPr>
+          <a:xfrm>
+            <a:off x="467190" y="1095388"/>
+            <a:ext cx="720000" cy="720000"/>
+          </a:xfrm>
+          <a:prstGeom prst="rect">
+            <a:avLst/>
+          </a:prstGeom>
+        </p:spPr>
+      </p:pic>
+      <p:sp>
+        <p:nvSpPr>
+          <p:cNvPr id="49" name="모서리가 둥근 직사각형 48">
+            <a:extLst>
+              <a:ext uri="{FF2B5EF4-FFF2-40B4-BE49-F238E27FC236}">
+                <a16:creationId xmlns:a16="http://schemas.microsoft.com/office/drawing/2014/main" id="{29FB743C-FCBA-C677-5EBD-A485A1DE8AD1}"/>
+              </a:ext>
+            </a:extLst>
+          </p:cNvPr>
+          <p:cNvSpPr/>
+          <p:nvPr/>
+        </p:nvSpPr>
+        <p:spPr>
+          <a:xfrm>
+            <a:off x="1302812" y="1032347"/>
+            <a:ext cx="828000" cy="828000"/>
+          </a:xfrm>
+          <a:prstGeom prst="roundRect">
+            <a:avLst/>
+          </a:prstGeom>
+          <a:noFill/>
+          <a:ln w="19050">
+            <a:solidFill>
+              <a:schemeClr val="tx1"/>
+            </a:solidFill>
+          </a:ln>
+        </p:spPr>
+        <p:style>
+          <a:lnRef idx="2">
+            <a:schemeClr val="accent1">
+              <a:shade val="15000"/>
+            </a:schemeClr>
+          </a:lnRef>
+          <a:fillRef idx="1">
+            <a:schemeClr val="accent1"/>
+          </a:fillRef>
+          <a:effectRef idx="0">
+            <a:schemeClr val="accent1"/>
+          </a:effectRef>
+          <a:fontRef idx="minor">
+            <a:schemeClr val="lt1"/>
+          </a:fontRef>
+        </p:style>
+        <p:txBody>
+          <a:bodyPr rtlCol="0" anchor="ctr"/>
+          <a:lstStyle/>
+          <a:p>
+            <a:pPr algn="ctr"/>
+            <a:r>
+              <a:rPr kumimoji="1" lang="en-US" altLang="ko-Kore-KR" sz="1800" dirty="0">
+                <a:solidFill>
+                  <a:schemeClr val="tx1"/>
+                </a:solidFill>
+                <a:latin typeface="Calibri" panose="020F0502020204030204" pitchFamily="34" charset="0"/>
+                <a:ea typeface="Source Sans Pro" panose="020B0503030403020204" pitchFamily="34" charset="0"/>
+                <a:cs typeface="Calibri" panose="020F0502020204030204" pitchFamily="34" charset="0"/>
+              </a:rPr>
+              <a:t>Agent</a:t>
+            </a:r>
+            <a:r>
+              <a:rPr kumimoji="1" lang="en-US" altLang="ko-Kore-KR" dirty="0">
+                <a:solidFill>
+                  <a:schemeClr val="tx1"/>
+                </a:solidFill>
+                <a:latin typeface="Calibri" panose="020F0502020204030204" pitchFamily="34" charset="0"/>
+                <a:ea typeface="Source Sans Pro" panose="020B0503030403020204" pitchFamily="34" charset="0"/>
+                <a:cs typeface="Calibri" panose="020F0502020204030204" pitchFamily="34" charset="0"/>
+              </a:rPr>
+              <a:t> </a:t>
+            </a:r>
+          </a:p>
+        </p:txBody>
+      </p:sp>
+      <p:pic>
+        <p:nvPicPr>
+          <p:cNvPr id="50" name="그림 49">
+            <a:extLst>
+              <a:ext uri="{FF2B5EF4-FFF2-40B4-BE49-F238E27FC236}">
+                <a16:creationId xmlns:a16="http://schemas.microsoft.com/office/drawing/2014/main" id="{CA9FD6C1-1799-7DD2-6DBB-1821B9F756A4}"/>
+              </a:ext>
+            </a:extLst>
+          </p:cNvPr>
+          <p:cNvPicPr>
+            <a:picLocks noChangeAspect="1"/>
+          </p:cNvPicPr>
+          <p:nvPr/>
+        </p:nvPicPr>
+        <p:blipFill>
+          <a:blip r:embed="rId10"/>
+          <a:stretch>
+            <a:fillRect/>
+          </a:stretch>
+        </p:blipFill>
+        <p:spPr>
+          <a:xfrm>
+            <a:off x="827189" y="2046471"/>
+            <a:ext cx="889623" cy="212362"/>
+          </a:xfrm>
+          <a:prstGeom prst="rect">
+            <a:avLst/>
+          </a:prstGeom>
+        </p:spPr>
+      </p:pic>
+      <p:cxnSp>
+        <p:nvCxnSpPr>
+          <p:cNvPr id="51" name="꺾인 연결선[E] 50">
+            <a:extLst>
+              <a:ext uri="{FF2B5EF4-FFF2-40B4-BE49-F238E27FC236}">
+                <a16:creationId xmlns:a16="http://schemas.microsoft.com/office/drawing/2014/main" id="{9ABEBAA1-4176-A7A0-379A-3CD0FA24AB84}"/>
+              </a:ext>
+            </a:extLst>
+          </p:cNvPr>
+          <p:cNvCxnSpPr>
+            <a:cxnSpLocks/>
+            <a:stCxn id="48" idx="0"/>
+            <a:endCxn id="49" idx="0"/>
+          </p:cNvCxnSpPr>
+          <p:nvPr/>
+        </p:nvCxnSpPr>
+        <p:spPr>
+          <a:xfrm rot="5400000" flipH="1" flipV="1">
+            <a:off x="1240481" y="619057"/>
+            <a:ext cx="63041" cy="889622"/>
+          </a:xfrm>
+          <a:prstGeom prst="bentConnector3">
+            <a:avLst>
+              <a:gd name="adj1" fmla="val 325407"/>
+            </a:avLst>
+          </a:prstGeom>
+          <a:ln w="19050">
+            <a:solidFill>
+              <a:schemeClr val="tx1"/>
+            </a:solidFill>
+            <a:tailEnd type="triangle"/>
+          </a:ln>
+        </p:spPr>
+        <p:style>
+          <a:lnRef idx="1">
+            <a:schemeClr val="accent1"/>
+          </a:lnRef>
+          <a:fillRef idx="0">
+            <a:schemeClr val="accent1"/>
+          </a:fillRef>
+          <a:effectRef idx="0">
+            <a:schemeClr val="accent1"/>
+          </a:effectRef>
+          <a:fontRef idx="minor">
+            <a:schemeClr val="tx1"/>
+          </a:fontRef>
+        </p:style>
+      </p:cxnSp>
+      <p:cxnSp>
+        <p:nvCxnSpPr>
+          <p:cNvPr id="52" name="꺾인 연결선[E] 51">
+            <a:extLst>
+              <a:ext uri="{FF2B5EF4-FFF2-40B4-BE49-F238E27FC236}">
+                <a16:creationId xmlns:a16="http://schemas.microsoft.com/office/drawing/2014/main" id="{EDD933D2-45EB-6654-9332-8C2AE9C9E0A8}"/>
+              </a:ext>
+            </a:extLst>
+          </p:cNvPr>
+          <p:cNvCxnSpPr>
+            <a:cxnSpLocks/>
+            <a:stCxn id="49" idx="2"/>
+            <a:endCxn id="48" idx="2"/>
+          </p:cNvCxnSpPr>
+          <p:nvPr/>
+        </p:nvCxnSpPr>
+        <p:spPr>
+          <a:xfrm rot="5400000" flipH="1">
+            <a:off x="1249521" y="1393057"/>
+            <a:ext cx="44959" cy="889622"/>
+          </a:xfrm>
+          <a:prstGeom prst="bentConnector3">
+            <a:avLst>
+              <a:gd name="adj1" fmla="val -302329"/>
+            </a:avLst>
+          </a:prstGeom>
+          <a:ln w="19050">
+            <a:solidFill>
+              <a:schemeClr val="tx1"/>
+            </a:solidFill>
+            <a:tailEnd type="triangle"/>
+          </a:ln>
+        </p:spPr>
+        <p:style>
+          <a:lnRef idx="1">
+            <a:schemeClr val="accent1"/>
+          </a:lnRef>
+          <a:fillRef idx="0">
+            <a:schemeClr val="accent1"/>
+          </a:fillRef>
+          <a:effectRef idx="0">
+            <a:schemeClr val="accent1"/>
+          </a:effectRef>
+          <a:fontRef idx="minor">
+            <a:schemeClr val="tx1"/>
+          </a:fontRef>
+        </p:style>
+      </p:cxnSp>
+      <p:pic>
+        <p:nvPicPr>
+          <p:cNvPr id="53" name="그림 52">
+            <a:extLst>
+              <a:ext uri="{FF2B5EF4-FFF2-40B4-BE49-F238E27FC236}">
+                <a16:creationId xmlns:a16="http://schemas.microsoft.com/office/drawing/2014/main" id="{A37034C8-0D5D-CCAF-F626-5E188279BBE0}"/>
+              </a:ext>
+            </a:extLst>
+          </p:cNvPr>
+          <p:cNvPicPr>
+            <a:picLocks noChangeAspect="1"/>
+          </p:cNvPicPr>
+          <p:nvPr/>
+        </p:nvPicPr>
+        <p:blipFill>
+          <a:blip r:embed="rId11"/>
+          <a:stretch>
+            <a:fillRect/>
+          </a:stretch>
+        </p:blipFill>
+        <p:spPr>
+          <a:xfrm>
+            <a:off x="827189" y="584530"/>
+            <a:ext cx="889623" cy="249364"/>
+          </a:xfrm>
+          <a:prstGeom prst="rect">
+            <a:avLst/>
+          </a:prstGeom>
+        </p:spPr>
+      </p:pic>
+      <p:sp>
+        <p:nvSpPr>
+          <p:cNvPr id="54" name="모서리가 둥근 직사각형 53">
+            <a:extLst>
+              <a:ext uri="{FF2B5EF4-FFF2-40B4-BE49-F238E27FC236}">
+                <a16:creationId xmlns:a16="http://schemas.microsoft.com/office/drawing/2014/main" id="{E24590A8-9616-6C69-0A43-54BF1AA05E28}"/>
+              </a:ext>
+            </a:extLst>
+          </p:cNvPr>
+          <p:cNvSpPr/>
+          <p:nvPr/>
+        </p:nvSpPr>
+        <p:spPr>
+          <a:xfrm>
+            <a:off x="366812" y="510347"/>
+            <a:ext cx="1872000" cy="1872000"/>
+          </a:xfrm>
+          <a:prstGeom prst="roundRect">
+            <a:avLst/>
+          </a:prstGeom>
+          <a:noFill/>
+          <a:ln w="19050">
+            <a:solidFill>
+              <a:schemeClr val="tx1"/>
+            </a:solidFill>
+          </a:ln>
+        </p:spPr>
+        <p:style>
+          <a:lnRef idx="2">
+            <a:schemeClr val="accent1">
+              <a:shade val="15000"/>
+            </a:schemeClr>
+          </a:lnRef>
+          <a:fillRef idx="1">
+            <a:schemeClr val="accent1"/>
+          </a:fillRef>
+          <a:effectRef idx="0">
+            <a:schemeClr val="accent1"/>
+          </a:effectRef>
+          <a:fontRef idx="minor">
+            <a:schemeClr val="lt1"/>
+          </a:fontRef>
+        </p:style>
+        <p:txBody>
+          <a:bodyPr rtlCol="0" anchor="ctr"/>
+          <a:lstStyle/>
+          <a:p>
+            <a:pPr algn="ctr"/>
+            <a:endParaRPr kumimoji="1" lang="ko-Kore-KR" altLang="en-US" sz="1800" dirty="0">
+              <a:solidFill>
+                <a:schemeClr val="tx1"/>
+              </a:solidFill>
+              <a:latin typeface="Calibri" panose="020F0502020204030204" pitchFamily="34" charset="0"/>
+              <a:cs typeface="Calibri" panose="020F0502020204030204" pitchFamily="34" charset="0"/>
+            </a:endParaRPr>
+          </a:p>
+        </p:txBody>
+      </p:sp>
+      <p:sp>
+        <p:nvSpPr>
+          <p:cNvPr id="25" name="TextBox 24">
+            <a:extLst>
+              <a:ext uri="{FF2B5EF4-FFF2-40B4-BE49-F238E27FC236}">
+                <a16:creationId xmlns:a16="http://schemas.microsoft.com/office/drawing/2014/main" id="{8F22E4EB-DDB6-DACF-E0D1-099C2AAE7996}"/>
+              </a:ext>
+            </a:extLst>
+          </p:cNvPr>
+          <p:cNvSpPr txBox="1"/>
+          <p:nvPr/>
+        </p:nvSpPr>
+        <p:spPr>
+          <a:xfrm>
+            <a:off x="-72032" y="80713"/>
+            <a:ext cx="1764637" cy="400110"/>
+          </a:xfrm>
+          <a:prstGeom prst="rect">
+            <a:avLst/>
+          </a:prstGeom>
+          <a:noFill/>
+        </p:spPr>
+        <p:txBody>
+          <a:bodyPr wrap="square">
+            <a:spAutoFit/>
+          </a:bodyPr>
+          <a:lstStyle/>
+          <a:p>
+            <a:r>
+              <a:rPr kumimoji="1" lang="en-US" altLang="ko-Kore-KR" sz="2000" b="1" dirty="0">
+                <a:solidFill>
+                  <a:schemeClr val="tx1"/>
+                </a:solidFill>
+                <a:latin typeface="Calibri" panose="020F0502020204030204" pitchFamily="34" charset="0"/>
+                <a:ea typeface="Source Sans Pro" panose="020B0503030403020204" pitchFamily="34" charset="0"/>
+                <a:cs typeface="Calibri" panose="020F0502020204030204" pitchFamily="34" charset="0"/>
+              </a:rPr>
+              <a:t>Policy Phase </a:t>
+            </a:r>
+          </a:p>
+        </p:txBody>
+      </p:sp>
+      <p:sp>
+        <p:nvSpPr>
+          <p:cNvPr id="73" name="TextBox 72">
+            <a:extLst>
+              <a:ext uri="{FF2B5EF4-FFF2-40B4-BE49-F238E27FC236}">
+                <a16:creationId xmlns:a16="http://schemas.microsoft.com/office/drawing/2014/main" id="{A400B8DC-6122-00ED-47A2-60D32D930416}"/>
+              </a:ext>
+            </a:extLst>
+          </p:cNvPr>
+          <p:cNvSpPr txBox="1"/>
+          <p:nvPr/>
+        </p:nvSpPr>
+        <p:spPr>
+          <a:xfrm>
+            <a:off x="-72032" y="2469558"/>
+            <a:ext cx="1820057" cy="400110"/>
+          </a:xfrm>
+          <a:prstGeom prst="rect">
+            <a:avLst/>
+          </a:prstGeom>
+          <a:noFill/>
+        </p:spPr>
+        <p:txBody>
+          <a:bodyPr wrap="square">
+            <a:spAutoFit/>
+          </a:bodyPr>
+          <a:lstStyle/>
+          <a:p>
+            <a:r>
+              <a:rPr kumimoji="1" lang="en-US" altLang="ko-Kore-KR" sz="2000" b="1" dirty="0">
+                <a:solidFill>
+                  <a:schemeClr val="tx1"/>
+                </a:solidFill>
+                <a:latin typeface="Calibri" panose="020F0502020204030204" pitchFamily="34" charset="0"/>
+                <a:ea typeface="Source Sans Pro" panose="020B0503030403020204" pitchFamily="34" charset="0"/>
+                <a:cs typeface="Calibri" panose="020F0502020204030204" pitchFamily="34" charset="0"/>
+              </a:rPr>
+              <a:t>Aux Phase </a:t>
+            </a:r>
+          </a:p>
+        </p:txBody>
+      </p:sp>
+      <p:sp>
+        <p:nvSpPr>
+          <p:cNvPr id="86" name="원통[C] 85">
+            <a:extLst>
+              <a:ext uri="{FF2B5EF4-FFF2-40B4-BE49-F238E27FC236}">
+                <a16:creationId xmlns:a16="http://schemas.microsoft.com/office/drawing/2014/main" id="{C0259402-D310-9E57-FF2D-D1EE019ABB4F}"/>
+              </a:ext>
+            </a:extLst>
+          </p:cNvPr>
+          <p:cNvSpPr/>
+          <p:nvPr/>
+        </p:nvSpPr>
+        <p:spPr>
+          <a:xfrm>
+            <a:off x="810286" y="2970815"/>
+            <a:ext cx="900000" cy="900000"/>
+          </a:xfrm>
+          <a:prstGeom prst="can">
+            <a:avLst/>
+          </a:prstGeom>
+          <a:noFill/>
+          <a:ln w="19050"/>
+        </p:spPr>
+        <p:style>
+          <a:lnRef idx="2">
+            <a:schemeClr val="accent1">
+              <a:shade val="15000"/>
+            </a:schemeClr>
+          </a:lnRef>
+          <a:fillRef idx="1">
+            <a:schemeClr val="accent1"/>
+          </a:fillRef>
+          <a:effectRef idx="0">
+            <a:schemeClr val="accent1"/>
+          </a:effectRef>
+          <a:fontRef idx="minor">
+            <a:schemeClr val="lt1"/>
+          </a:fontRef>
+        </p:style>
+        <p:txBody>
+          <a:bodyPr rtlCol="0" anchor="ctr"/>
+          <a:lstStyle/>
+          <a:p>
+            <a:pPr algn="ctr"/>
+            <a:r>
+              <a:rPr kumimoji="1" lang="en-US" altLang="ko-Kore-KR" sz="1800" dirty="0">
+                <a:solidFill>
+                  <a:schemeClr val="tx1"/>
+                </a:solidFill>
+                <a:latin typeface="Calibri" panose="020F0502020204030204" pitchFamily="34" charset="0"/>
+                <a:ea typeface="Source Sans Pro" panose="020B0503030403020204" pitchFamily="34" charset="0"/>
+                <a:cs typeface="Calibri" panose="020F0502020204030204" pitchFamily="34" charset="0"/>
+              </a:rPr>
+              <a:t>Buffer</a:t>
+            </a:r>
+            <a:endParaRPr kumimoji="1" lang="ko-Kore-KR" altLang="en-US" sz="1800" dirty="0">
+              <a:solidFill>
+                <a:schemeClr val="tx1"/>
+              </a:solidFill>
+              <a:latin typeface="Calibri" panose="020F0502020204030204" pitchFamily="34" charset="0"/>
+              <a:cs typeface="Calibri" panose="020F0502020204030204" pitchFamily="34" charset="0"/>
+            </a:endParaRPr>
+          </a:p>
+        </p:txBody>
+      </p:sp>
+      <p:sp>
+        <p:nvSpPr>
+          <p:cNvPr id="115" name="직사각형 114">
+            <a:extLst>
+              <a:ext uri="{FF2B5EF4-FFF2-40B4-BE49-F238E27FC236}">
+                <a16:creationId xmlns:a16="http://schemas.microsoft.com/office/drawing/2014/main" id="{60EE3524-ADE3-BAE3-B20F-8CF34C48A4D8}"/>
+              </a:ext>
+            </a:extLst>
+          </p:cNvPr>
+          <p:cNvSpPr/>
+          <p:nvPr/>
+        </p:nvSpPr>
+        <p:spPr>
+          <a:xfrm>
+            <a:off x="3621247" y="2934895"/>
+            <a:ext cx="972000" cy="972000"/>
+          </a:xfrm>
+          <a:prstGeom prst="rect">
+            <a:avLst/>
+          </a:prstGeom>
+          <a:noFill/>
+          <a:ln w="19050">
+            <a:solidFill>
+              <a:schemeClr val="tx1"/>
+            </a:solidFill>
+          </a:ln>
+        </p:spPr>
+        <p:style>
+          <a:lnRef idx="2">
+            <a:schemeClr val="accent1">
+              <a:shade val="15000"/>
+            </a:schemeClr>
+          </a:lnRef>
+          <a:fillRef idx="1">
+            <a:schemeClr val="accent1"/>
+          </a:fillRef>
+          <a:effectRef idx="0">
+            <a:schemeClr val="accent1"/>
+          </a:effectRef>
+          <a:fontRef idx="minor">
+            <a:schemeClr val="lt1"/>
+          </a:fontRef>
+        </p:style>
+        <p:txBody>
+          <a:bodyPr rtlCol="0" anchor="ctr"/>
+          <a:lstStyle/>
+          <a:p>
+            <a:pPr algn="ctr"/>
+            <a:r>
+              <a:rPr kumimoji="1" lang="en-US" altLang="ko-Kore-KR" sz="1800" dirty="0">
+                <a:solidFill>
+                  <a:schemeClr val="tx1"/>
+                </a:solidFill>
+                <a:latin typeface="Calibri" panose="020F0502020204030204" pitchFamily="34" charset="0"/>
+                <a:ea typeface="Source Sans Pro" panose="020B0503030403020204" pitchFamily="34" charset="0"/>
+                <a:cs typeface="Calibri" panose="020F0502020204030204" pitchFamily="34" charset="0"/>
+              </a:rPr>
+              <a:t>Encoder</a:t>
+            </a:r>
+          </a:p>
+          <a:p>
+            <a:pPr algn="ctr"/>
+            <a:endParaRPr kumimoji="1" lang="ko-Kore-KR" altLang="en-US" sz="1800" dirty="0">
+              <a:solidFill>
+                <a:schemeClr val="tx1"/>
+              </a:solidFill>
+              <a:latin typeface="Calibri" panose="020F0502020204030204" pitchFamily="34" charset="0"/>
+              <a:cs typeface="Calibri" panose="020F0502020204030204" pitchFamily="34" charset="0"/>
+            </a:endParaRPr>
+          </a:p>
+        </p:txBody>
+      </p:sp>
+      <p:pic>
+        <p:nvPicPr>
+          <p:cNvPr id="116" name="그림 115">
+            <a:extLst>
+              <a:ext uri="{FF2B5EF4-FFF2-40B4-BE49-F238E27FC236}">
+                <a16:creationId xmlns:a16="http://schemas.microsoft.com/office/drawing/2014/main" id="{9EAF0CD4-11F8-33DB-3207-8A9D8344993D}"/>
+              </a:ext>
+            </a:extLst>
+          </p:cNvPr>
+          <p:cNvPicPr>
+            <a:picLocks noChangeAspect="1"/>
+          </p:cNvPicPr>
+          <p:nvPr/>
+        </p:nvPicPr>
+        <p:blipFill>
+          <a:blip r:embed="rId5"/>
+          <a:stretch>
+            <a:fillRect/>
+          </a:stretch>
+        </p:blipFill>
+        <p:spPr>
+          <a:xfrm>
+            <a:off x="4064580" y="3457105"/>
+            <a:ext cx="85333" cy="144000"/>
+          </a:xfrm>
+          <a:prstGeom prst="rect">
+            <a:avLst/>
+          </a:prstGeom>
+        </p:spPr>
+      </p:pic>
+      <p:sp>
+        <p:nvSpPr>
+          <p:cNvPr id="117" name="TextBox 116">
+            <a:extLst>
+              <a:ext uri="{FF2B5EF4-FFF2-40B4-BE49-F238E27FC236}">
+                <a16:creationId xmlns:a16="http://schemas.microsoft.com/office/drawing/2014/main" id="{2ED1067F-A1EC-EFEF-4DAD-4B8FFA96FBE1}"/>
+              </a:ext>
+            </a:extLst>
+          </p:cNvPr>
+          <p:cNvSpPr txBox="1"/>
+          <p:nvPr/>
+        </p:nvSpPr>
+        <p:spPr>
+          <a:xfrm>
+            <a:off x="4878035" y="2657896"/>
+            <a:ext cx="997843" cy="646331"/>
+          </a:xfrm>
+          <a:prstGeom prst="rect">
+            <a:avLst/>
+          </a:prstGeom>
+          <a:noFill/>
+        </p:spPr>
+        <p:txBody>
+          <a:bodyPr wrap="square">
+            <a:spAutoFit/>
+          </a:bodyPr>
+          <a:lstStyle/>
+          <a:p>
+            <a:pPr algn="ctr"/>
+            <a:r>
+              <a:rPr kumimoji="1" lang="en-US" altLang="ko-Kore-KR" sz="1800" dirty="0">
+                <a:solidFill>
+                  <a:schemeClr val="tx1"/>
+                </a:solidFill>
+                <a:latin typeface="Calibri" panose="020F0502020204030204" pitchFamily="34" charset="0"/>
+                <a:ea typeface="Source Sans Pro" panose="020B0503030403020204" pitchFamily="34" charset="0"/>
+                <a:cs typeface="Calibri" panose="020F0502020204030204" pitchFamily="34" charset="0"/>
+              </a:rPr>
+              <a:t>Policy</a:t>
+            </a:r>
+          </a:p>
+          <a:p>
+            <a:pPr algn="ctr"/>
+            <a:endParaRPr lang="ko-Kore-KR" altLang="en-US" sz="1800" dirty="0">
+              <a:latin typeface="Calibri" panose="020F0502020204030204" pitchFamily="34" charset="0"/>
+              <a:cs typeface="Calibri" panose="020F0502020204030204" pitchFamily="34" charset="0"/>
+            </a:endParaRPr>
+          </a:p>
+        </p:txBody>
+      </p:sp>
+      <p:pic>
+        <p:nvPicPr>
+          <p:cNvPr id="118" name="그림 117">
+            <a:extLst>
+              <a:ext uri="{FF2B5EF4-FFF2-40B4-BE49-F238E27FC236}">
+                <a16:creationId xmlns:a16="http://schemas.microsoft.com/office/drawing/2014/main" id="{17AA3002-4E63-9F0D-64B4-C312A7A8A177}"/>
+              </a:ext>
+            </a:extLst>
+          </p:cNvPr>
+          <p:cNvPicPr>
+            <a:picLocks noChangeAspect="1"/>
+          </p:cNvPicPr>
+          <p:nvPr/>
+        </p:nvPicPr>
+        <p:blipFill>
+          <a:blip r:embed="rId6"/>
+          <a:stretch>
+            <a:fillRect/>
+          </a:stretch>
+        </p:blipFill>
+        <p:spPr>
+          <a:xfrm>
+            <a:off x="4950037" y="2977645"/>
+            <a:ext cx="900000" cy="220531"/>
+          </a:xfrm>
+          <a:prstGeom prst="rect">
+            <a:avLst/>
+          </a:prstGeom>
+        </p:spPr>
+      </p:pic>
+      <p:cxnSp>
+        <p:nvCxnSpPr>
+          <p:cNvPr id="119" name="직선 화살표 연결선 118">
+            <a:extLst>
+              <a:ext uri="{FF2B5EF4-FFF2-40B4-BE49-F238E27FC236}">
+                <a16:creationId xmlns:a16="http://schemas.microsoft.com/office/drawing/2014/main" id="{E0A9A89F-EF87-18BF-3CE5-49951B4558E2}"/>
+              </a:ext>
+            </a:extLst>
+          </p:cNvPr>
+          <p:cNvCxnSpPr>
+            <a:cxnSpLocks/>
+            <a:stCxn id="115" idx="3"/>
+            <a:endCxn id="117" idx="1"/>
+          </p:cNvCxnSpPr>
+          <p:nvPr/>
+        </p:nvCxnSpPr>
+        <p:spPr>
+          <a:xfrm flipV="1">
+            <a:off x="4593247" y="2981062"/>
+            <a:ext cx="284788" cy="439833"/>
+          </a:xfrm>
+          <a:prstGeom prst="straightConnector1">
+            <a:avLst/>
+          </a:prstGeom>
+          <a:ln w="19050">
+            <a:solidFill>
+              <a:schemeClr val="tx1"/>
+            </a:solidFill>
+            <a:tailEnd type="triangle"/>
+          </a:ln>
+        </p:spPr>
+        <p:style>
+          <a:lnRef idx="1">
+            <a:schemeClr val="accent1"/>
+          </a:lnRef>
+          <a:fillRef idx="0">
+            <a:schemeClr val="accent1"/>
+          </a:fillRef>
+          <a:effectRef idx="0">
+            <a:schemeClr val="accent1"/>
+          </a:effectRef>
+          <a:fontRef idx="minor">
+            <a:schemeClr val="tx1"/>
+          </a:fontRef>
+        </p:style>
+      </p:cxnSp>
+      <p:sp>
+        <p:nvSpPr>
+          <p:cNvPr id="120" name="TextBox 119">
+            <a:extLst>
+              <a:ext uri="{FF2B5EF4-FFF2-40B4-BE49-F238E27FC236}">
+                <a16:creationId xmlns:a16="http://schemas.microsoft.com/office/drawing/2014/main" id="{A77B1670-EFCD-F808-3AB1-1970D537FE4E}"/>
+              </a:ext>
+            </a:extLst>
+          </p:cNvPr>
+          <p:cNvSpPr txBox="1"/>
+          <p:nvPr/>
+        </p:nvSpPr>
+        <p:spPr>
+          <a:xfrm>
+            <a:off x="4878036" y="3629896"/>
+            <a:ext cx="997843" cy="646331"/>
+          </a:xfrm>
+          <a:prstGeom prst="rect">
+            <a:avLst/>
+          </a:prstGeom>
+          <a:noFill/>
+        </p:spPr>
+        <p:txBody>
+          <a:bodyPr wrap="square">
+            <a:spAutoFit/>
+          </a:bodyPr>
+          <a:lstStyle/>
+          <a:p>
+            <a:pPr algn="ctr"/>
+            <a:r>
+              <a:rPr kumimoji="1" lang="en-US" altLang="ko-Kore-KR" sz="1800" dirty="0">
+                <a:solidFill>
+                  <a:schemeClr val="tx1"/>
+                </a:solidFill>
+                <a:latin typeface="Calibri" panose="020F0502020204030204" pitchFamily="34" charset="0"/>
+                <a:ea typeface="Source Sans Pro" panose="020B0503030403020204" pitchFamily="34" charset="0"/>
+                <a:cs typeface="Calibri" panose="020F0502020204030204" pitchFamily="34" charset="0"/>
+              </a:rPr>
+              <a:t>Value</a:t>
+            </a:r>
+          </a:p>
+          <a:p>
+            <a:pPr algn="ctr"/>
+            <a:endParaRPr lang="ko-Kore-KR" altLang="en-US" sz="1800" dirty="0">
+              <a:solidFill>
+                <a:schemeClr val="tx1">
+                  <a:alpha val="20000"/>
+                </a:schemeClr>
+              </a:solidFill>
+              <a:latin typeface="Calibri" panose="020F0502020204030204" pitchFamily="34" charset="0"/>
+              <a:cs typeface="Calibri" panose="020F0502020204030204" pitchFamily="34" charset="0"/>
+            </a:endParaRPr>
+          </a:p>
+        </p:txBody>
+      </p:sp>
+      <p:pic>
+        <p:nvPicPr>
+          <p:cNvPr id="121" name="그림 120">
+            <a:extLst>
+              <a:ext uri="{FF2B5EF4-FFF2-40B4-BE49-F238E27FC236}">
+                <a16:creationId xmlns:a16="http://schemas.microsoft.com/office/drawing/2014/main" id="{0A42583B-AB05-4EE3-2D13-8AA3A11B88C4}"/>
+              </a:ext>
+            </a:extLst>
+          </p:cNvPr>
+          <p:cNvPicPr>
+            <a:picLocks noChangeAspect="1"/>
+          </p:cNvPicPr>
+          <p:nvPr/>
+        </p:nvPicPr>
+        <p:blipFill>
+          <a:blip r:embed="rId7">
+            <a:alphaModFix/>
+          </a:blip>
+          <a:stretch>
+            <a:fillRect/>
+          </a:stretch>
+        </p:blipFill>
+        <p:spPr>
+          <a:xfrm>
+            <a:off x="5127388" y="3942261"/>
+            <a:ext cx="499135" cy="205200"/>
+          </a:xfrm>
+          <a:prstGeom prst="rect">
+            <a:avLst/>
+          </a:prstGeom>
+        </p:spPr>
+      </p:pic>
+      <p:cxnSp>
+        <p:nvCxnSpPr>
+          <p:cNvPr id="122" name="직선 화살표 연결선 121">
+            <a:extLst>
+              <a:ext uri="{FF2B5EF4-FFF2-40B4-BE49-F238E27FC236}">
+                <a16:creationId xmlns:a16="http://schemas.microsoft.com/office/drawing/2014/main" id="{712B7CAA-3F8C-B442-33FE-2A82B32787C9}"/>
+              </a:ext>
+            </a:extLst>
+          </p:cNvPr>
+          <p:cNvCxnSpPr>
+            <a:cxnSpLocks/>
+            <a:stCxn id="115" idx="3"/>
+            <a:endCxn id="120" idx="1"/>
+          </p:cNvCxnSpPr>
+          <p:nvPr/>
+        </p:nvCxnSpPr>
+        <p:spPr>
+          <a:xfrm>
+            <a:off x="4593247" y="3420895"/>
+            <a:ext cx="284789" cy="532167"/>
+          </a:xfrm>
+          <a:prstGeom prst="straightConnector1">
+            <a:avLst/>
+          </a:prstGeom>
+          <a:ln w="19050">
+            <a:solidFill>
+              <a:schemeClr val="tx1"/>
+            </a:solidFill>
+            <a:tailEnd type="triangle"/>
+          </a:ln>
+        </p:spPr>
+        <p:style>
+          <a:lnRef idx="1">
+            <a:schemeClr val="accent1"/>
+          </a:lnRef>
+          <a:fillRef idx="0">
+            <a:schemeClr val="accent1"/>
+          </a:fillRef>
+          <a:effectRef idx="0">
+            <a:schemeClr val="accent1"/>
+          </a:effectRef>
+          <a:fontRef idx="minor">
+            <a:schemeClr val="tx1"/>
+          </a:fontRef>
+        </p:style>
+      </p:cxnSp>
+      <p:cxnSp>
+        <p:nvCxnSpPr>
+          <p:cNvPr id="123" name="직선 화살표 연결선 122">
+            <a:extLst>
+              <a:ext uri="{FF2B5EF4-FFF2-40B4-BE49-F238E27FC236}">
+                <a16:creationId xmlns:a16="http://schemas.microsoft.com/office/drawing/2014/main" id="{B063869E-9B86-FBD6-2324-8CEB516A09AB}"/>
+              </a:ext>
+            </a:extLst>
+          </p:cNvPr>
+          <p:cNvCxnSpPr>
+            <a:cxnSpLocks/>
+            <a:stCxn id="124" idx="3"/>
+            <a:endCxn id="115" idx="1"/>
+          </p:cNvCxnSpPr>
+          <p:nvPr/>
+        </p:nvCxnSpPr>
+        <p:spPr>
+          <a:xfrm>
+            <a:off x="3330128" y="3420816"/>
+            <a:ext cx="291119" cy="79"/>
+          </a:xfrm>
+          <a:prstGeom prst="straightConnector1">
+            <a:avLst/>
+          </a:prstGeom>
+          <a:ln w="19050">
+            <a:solidFill>
+              <a:schemeClr val="tx1"/>
+            </a:solidFill>
+            <a:tailEnd type="triangle"/>
+          </a:ln>
+        </p:spPr>
+        <p:style>
+          <a:lnRef idx="1">
+            <a:schemeClr val="accent1"/>
+          </a:lnRef>
+          <a:fillRef idx="0">
+            <a:schemeClr val="accent1"/>
+          </a:fillRef>
+          <a:effectRef idx="0">
+            <a:schemeClr val="accent1"/>
+          </a:effectRef>
+          <a:fontRef idx="minor">
+            <a:schemeClr val="tx1"/>
+          </a:fontRef>
+        </p:style>
+      </p:cxnSp>
+      <p:sp>
+        <p:nvSpPr>
+          <p:cNvPr id="124" name="TextBox 123">
+            <a:extLst>
+              <a:ext uri="{FF2B5EF4-FFF2-40B4-BE49-F238E27FC236}">
+                <a16:creationId xmlns:a16="http://schemas.microsoft.com/office/drawing/2014/main" id="{9914F004-01BB-8DD3-9861-F0B663B67E55}"/>
+              </a:ext>
+            </a:extLst>
+          </p:cNvPr>
+          <p:cNvSpPr txBox="1"/>
+          <p:nvPr/>
+        </p:nvSpPr>
+        <p:spPr>
+          <a:xfrm>
+            <a:off x="2664142" y="3097650"/>
+            <a:ext cx="665986" cy="646331"/>
+          </a:xfrm>
+          <a:prstGeom prst="rect">
+            <a:avLst/>
+          </a:prstGeom>
+          <a:noFill/>
+        </p:spPr>
+        <p:txBody>
+          <a:bodyPr wrap="square">
+            <a:spAutoFit/>
+          </a:bodyPr>
+          <a:lstStyle/>
+          <a:p>
+            <a:pPr algn="ctr"/>
+            <a:r>
+              <a:rPr kumimoji="1" lang="en-US" altLang="ko-Kore-KR" sz="1800" dirty="0">
+                <a:solidFill>
+                  <a:schemeClr val="tx1"/>
+                </a:solidFill>
+                <a:latin typeface="Calibri" panose="020F0502020204030204" pitchFamily="34" charset="0"/>
+                <a:ea typeface="Source Sans Pro" panose="020B0503030403020204" pitchFamily="34" charset="0"/>
+                <a:cs typeface="Calibri" panose="020F0502020204030204" pitchFamily="34" charset="0"/>
+              </a:rPr>
+              <a:t>State</a:t>
+            </a:r>
+          </a:p>
+          <a:p>
+            <a:pPr algn="ctr"/>
+            <a:endParaRPr lang="ko-Kore-KR" altLang="en-US" sz="1800" dirty="0">
+              <a:latin typeface="Calibri" panose="020F0502020204030204" pitchFamily="34" charset="0"/>
+              <a:cs typeface="Calibri" panose="020F0502020204030204" pitchFamily="34" charset="0"/>
+            </a:endParaRPr>
+          </a:p>
+        </p:txBody>
+      </p:sp>
+      <p:pic>
+        <p:nvPicPr>
+          <p:cNvPr id="125" name="그림 124">
+            <a:extLst>
+              <a:ext uri="{FF2B5EF4-FFF2-40B4-BE49-F238E27FC236}">
+                <a16:creationId xmlns:a16="http://schemas.microsoft.com/office/drawing/2014/main" id="{4ACF6105-C4EE-D801-E08E-9D0C456325B4}"/>
+              </a:ext>
+            </a:extLst>
+          </p:cNvPr>
+          <p:cNvPicPr>
+            <a:picLocks noChangeAspect="1"/>
+          </p:cNvPicPr>
+          <p:nvPr/>
+        </p:nvPicPr>
+        <p:blipFill>
+          <a:blip r:embed="rId8"/>
+          <a:stretch>
+            <a:fillRect/>
+          </a:stretch>
+        </p:blipFill>
+        <p:spPr>
+          <a:xfrm>
+            <a:off x="2919083" y="3429857"/>
+            <a:ext cx="189626" cy="166871"/>
+          </a:xfrm>
+          <a:prstGeom prst="rect">
+            <a:avLst/>
+          </a:prstGeom>
+        </p:spPr>
+      </p:pic>
+      <p:pic>
+        <p:nvPicPr>
+          <p:cNvPr id="8" name="그림 7">
+            <a:extLst>
+              <a:ext uri="{FF2B5EF4-FFF2-40B4-BE49-F238E27FC236}">
+                <a16:creationId xmlns:a16="http://schemas.microsoft.com/office/drawing/2014/main" id="{63B2EF89-02D8-A03A-4BCF-DAD914479FA2}"/>
+              </a:ext>
+            </a:extLst>
+          </p:cNvPr>
+          <p:cNvPicPr>
+            <a:picLocks noChangeAspect="1"/>
+          </p:cNvPicPr>
+          <p:nvPr/>
+        </p:nvPicPr>
+        <p:blipFill>
+          <a:blip r:embed="rId12"/>
+          <a:stretch>
+            <a:fillRect/>
+          </a:stretch>
+        </p:blipFill>
+        <p:spPr>
+          <a:xfrm>
+            <a:off x="5970690" y="3810260"/>
+            <a:ext cx="449222" cy="193270"/>
+          </a:xfrm>
+          <a:prstGeom prst="rect">
+            <a:avLst/>
+          </a:prstGeom>
+        </p:spPr>
+      </p:pic>
+      <p:pic>
+        <p:nvPicPr>
+          <p:cNvPr id="10" name="그림 9">
+            <a:extLst>
+              <a:ext uri="{FF2B5EF4-FFF2-40B4-BE49-F238E27FC236}">
+                <a16:creationId xmlns:a16="http://schemas.microsoft.com/office/drawing/2014/main" id="{1FDA5B9F-DBCC-3B0D-7AEF-F449AAA368D2}"/>
+              </a:ext>
+            </a:extLst>
+          </p:cNvPr>
+          <p:cNvPicPr>
+            <a:picLocks noChangeAspect="1"/>
+          </p:cNvPicPr>
+          <p:nvPr/>
+        </p:nvPicPr>
+        <p:blipFill>
+          <a:blip r:embed="rId13"/>
+          <a:stretch>
+            <a:fillRect/>
+          </a:stretch>
+        </p:blipFill>
+        <p:spPr>
+          <a:xfrm>
+            <a:off x="5949610" y="2832706"/>
+            <a:ext cx="480564" cy="204378"/>
+          </a:xfrm>
+          <a:prstGeom prst="rect">
+            <a:avLst/>
+          </a:prstGeom>
+        </p:spPr>
+      </p:pic>
+    </p:spTree>
+    <p:extLst>
+      <p:ext uri="{BB962C8B-B14F-4D97-AF65-F5344CB8AC3E}">
+        <p14:creationId xmlns:p14="http://schemas.microsoft.com/office/powerpoint/2010/main" val="1463164078"/>
+      </p:ext>
+    </p:extLst>
+  </p:cSld>
+  <p:clrMapOvr>
+    <a:masterClrMapping/>
+  </p:clrMapOvr>
+</p:sld>
+</file>
+
 <file path=ppt/slides/slide2.xml><?xml version="1.0" encoding="utf-8"?>
 <p:sld xmlns:a="http://schemas.openxmlformats.org/drawingml/2006/main" xmlns:r="http://schemas.openxmlformats.org/officeDocument/2006/relationships" xmlns:p="http://schemas.openxmlformats.org/presentationml/2006/main">
   <p:cSld>
